--- a/devel/OpenC2 Schema.pptx
+++ b/devel/OpenC2 Schema.pptx
@@ -5,7 +5,7 @@
     <p:sldMasterId id="2147483660" r:id="rId1"/>
   </p:sldMasterIdLst>
   <p:notesMasterIdLst>
-    <p:notesMasterId r:id="rId14"/>
+    <p:notesMasterId r:id="rId16"/>
   </p:notesMasterIdLst>
   <p:sldIdLst>
     <p:sldId id="385" r:id="rId2"/>
@@ -20,6 +20,8 @@
     <p:sldId id="428" r:id="rId11"/>
     <p:sldId id="429" r:id="rId12"/>
     <p:sldId id="427" r:id="rId13"/>
+    <p:sldId id="430" r:id="rId14"/>
+    <p:sldId id="431" r:id="rId15"/>
   </p:sldIdLst>
   <p:sldSz cx="9144000" cy="6858000" type="screen4x3"/>
   <p:notesSz cx="6858000" cy="9144000"/>
@@ -210,7 +212,7 @@
             <a:fld id="{BEA7D905-4A79-4EB8-82BB-49D7A73CDC36}" type="datetimeFigureOut">
               <a:rPr lang="en-US" smtClean="0"/>
               <a:pPr/>
-              <a:t>8/30/2016</a:t>
+              <a:t>9/13/2016</a:t>
             </a:fld>
             <a:endParaRPr lang="en-US" dirty="0"/>
           </a:p>
@@ -1106,7 +1108,7 @@
             <a:pPr algn="ctr" eaLnBrk="1" latinLnBrk="0" hangingPunct="1"/>
             <a:fld id="{BB43FE8B-308F-4382-9655-46B1789E94EF}" type="datetime1">
               <a:rPr lang="en-US" smtClean="0"/>
-              <a:t>8/30/2016</a:t>
+              <a:t>9/13/2016</a:t>
             </a:fld>
             <a:endParaRPr lang="en-US" sz="2000" dirty="0">
               <a:solidFill>
@@ -1312,7 +1314,7 @@
             <a:pPr eaLnBrk="1" latinLnBrk="0" hangingPunct="1"/>
             <a:fld id="{61D71F59-622D-49DD-A407-F9C971171EED}" type="datetime1">
               <a:rPr lang="en-US" smtClean="0"/>
-              <a:t>8/30/2016</a:t>
+              <a:t>9/13/2016</a:t>
             </a:fld>
             <a:endParaRPr lang="en-US" dirty="0"/>
           </a:p>
@@ -1494,7 +1496,7 @@
             <a:pPr eaLnBrk="1" latinLnBrk="0" hangingPunct="1"/>
             <a:fld id="{D732FB50-16D0-471D-8C85-B8A6C1DE6B65}" type="datetime1">
               <a:rPr lang="en-US" smtClean="0"/>
-              <a:t>8/30/2016</a:t>
+              <a:t>9/13/2016</a:t>
             </a:fld>
             <a:endParaRPr lang="en-US" dirty="0"/>
           </a:p>
@@ -1767,7 +1769,7 @@
             <a:pPr eaLnBrk="1" latinLnBrk="0" hangingPunct="1"/>
             <a:fld id="{466872B2-7238-4135-B3D9-97A1357E2E20}" type="datetime1">
               <a:rPr lang="en-US" smtClean="0"/>
-              <a:t>8/30/2016</a:t>
+              <a:t>9/13/2016</a:t>
             </a:fld>
             <a:endParaRPr lang="en-US" dirty="0"/>
           </a:p>
@@ -2210,7 +2212,7 @@
             <a:pPr eaLnBrk="1" latinLnBrk="0" hangingPunct="1"/>
             <a:fld id="{49DE1B7C-1FDD-42FD-9A06-6AC00313877F}" type="datetime1">
               <a:rPr lang="en-US" smtClean="0"/>
-              <a:t>8/30/2016</a:t>
+              <a:t>9/13/2016</a:t>
             </a:fld>
             <a:endParaRPr lang="en-US" dirty="0"/>
           </a:p>
@@ -2459,7 +2461,7 @@
             <a:pPr eaLnBrk="1" latinLnBrk="0" hangingPunct="1"/>
             <a:fld id="{537DA086-46E6-41E7-A73A-2CEE4966C500}" type="datetime1">
               <a:rPr lang="en-US" smtClean="0"/>
-              <a:t>8/30/2016</a:t>
+              <a:t>9/13/2016</a:t>
             </a:fld>
             <a:endParaRPr lang="en-US" dirty="0"/>
           </a:p>
@@ -2698,7 +2700,7 @@
             <a:pPr eaLnBrk="1" latinLnBrk="0" hangingPunct="1"/>
             <a:fld id="{3E9231E7-997A-412D-84DC-9B00410FEBC3}" type="datetime1">
               <a:rPr lang="en-US" smtClean="0"/>
-              <a:t>8/30/2016</a:t>
+              <a:t>9/13/2016</a:t>
             </a:fld>
             <a:endParaRPr lang="en-US" dirty="0"/>
           </a:p>
@@ -2896,7 +2898,7 @@
             <a:pPr eaLnBrk="1" latinLnBrk="0" hangingPunct="1"/>
             <a:fld id="{0FCB485A-B0BE-4563-90F2-538DF71CFB72}" type="datetime1">
               <a:rPr lang="en-US" smtClean="0"/>
-              <a:t>8/30/2016</a:t>
+              <a:t>9/13/2016</a:t>
             </a:fld>
             <a:endParaRPr lang="en-US" dirty="0"/>
           </a:p>
@@ -3000,7 +3002,7 @@
             <a:pPr eaLnBrk="1" latinLnBrk="0" hangingPunct="1"/>
             <a:fld id="{7673D3E5-681E-495A-9A20-B77690DC2AC4}" type="datetime1">
               <a:rPr lang="en-US" smtClean="0"/>
-              <a:t>8/30/2016</a:t>
+              <a:t>9/13/2016</a:t>
             </a:fld>
             <a:endParaRPr lang="en-US" dirty="0"/>
           </a:p>
@@ -3142,7 +3144,7 @@
             <a:pPr eaLnBrk="1" latinLnBrk="0" hangingPunct="1"/>
             <a:fld id="{36ADC30D-043F-4BA3-9E5F-DC13212B92AB}" type="datetime1">
               <a:rPr lang="en-US" smtClean="0"/>
-              <a:t>8/30/2016</a:t>
+              <a:t>9/13/2016</a:t>
             </a:fld>
             <a:endParaRPr lang="en-US" dirty="0"/>
           </a:p>
@@ -3661,7 +3663,7 @@
             <a:pPr eaLnBrk="1" latinLnBrk="0" hangingPunct="1"/>
             <a:fld id="{2A59F7D6-4F9A-47A6-ADCC-8BE2C05F1F8B}" type="datetime1">
               <a:rPr lang="en-US" smtClean="0"/>
-              <a:t>8/30/2016</a:t>
+              <a:t>9/13/2016</a:t>
             </a:fld>
             <a:endParaRPr lang="en-US" dirty="0"/>
           </a:p>
@@ -3925,7 +3927,7 @@
             <a:pPr eaLnBrk="1" latinLnBrk="0" hangingPunct="1"/>
             <a:fld id="{16C4A91E-8137-4654-B5C3-88E0D304AEC4}" type="datetime1">
               <a:rPr lang="en-US" smtClean="0"/>
-              <a:t>8/30/2016</a:t>
+              <a:t>9/13/2016</a:t>
             </a:fld>
             <a:endParaRPr lang="en-US" sz="1400" dirty="0">
               <a:solidFill>
@@ -4908,7 +4910,6 @@
               <a:rPr lang="en-US" dirty="0" smtClean="0"/>
               <a:t>Arguably most human-readable (explicit field names)</a:t>
             </a:r>
-            <a:endParaRPr lang="en-US" dirty="0" smtClean="0"/>
           </a:p>
           <a:p>
             <a:r>
@@ -6840,6 +6841,289 @@
 </p:sld>
 </file>
 
+<file path=ppt/slides/slide13.xml><?xml version="1.0" encoding="utf-8"?>
+<p:sld xmlns:a="http://schemas.openxmlformats.org/drawingml/2006/main" xmlns:r="http://schemas.openxmlformats.org/officeDocument/2006/relationships" xmlns:p="http://schemas.openxmlformats.org/presentationml/2006/main">
+  <p:cSld>
+    <p:spTree>
+      <p:nvGrpSpPr>
+        <p:cNvPr id="1" name=""/>
+        <p:cNvGrpSpPr/>
+        <p:nvPr/>
+      </p:nvGrpSpPr>
+      <p:grpSpPr>
+        <a:xfrm>
+          <a:off x="0" y="0"/>
+          <a:ext cx="0" cy="0"/>
+          <a:chOff x="0" y="0"/>
+          <a:chExt cx="0" cy="0"/>
+        </a:xfrm>
+      </p:grpSpPr>
+      <p:sp>
+        <p:nvSpPr>
+          <p:cNvPr id="2" name="Title 1"/>
+          <p:cNvSpPr>
+            <a:spLocks noGrp="1"/>
+          </p:cNvSpPr>
+          <p:nvPr>
+            <p:ph type="title"/>
+          </p:nvPr>
+        </p:nvSpPr>
+        <p:spPr/>
+        <p:txBody>
+          <a:bodyPr/>
+          <a:lstStyle/>
+          <a:p>
+            <a:r>
+              <a:rPr lang="en-US" dirty="0" smtClean="0"/>
+              <a:t>Decisions and Lessons Learned</a:t>
+            </a:r>
+            <a:endParaRPr lang="en-US" dirty="0"/>
+          </a:p>
+        </p:txBody>
+      </p:sp>
+      <p:sp>
+        <p:nvSpPr>
+          <p:cNvPr id="3" name="Slide Number Placeholder 2"/>
+          <p:cNvSpPr>
+            <a:spLocks noGrp="1"/>
+          </p:cNvSpPr>
+          <p:nvPr>
+            <p:ph type="sldNum" sz="quarter" idx="12"/>
+          </p:nvPr>
+        </p:nvSpPr>
+        <p:spPr/>
+        <p:txBody>
+          <a:bodyPr>
+            <a:normAutofit fontScale="85000" lnSpcReduction="20000"/>
+          </a:bodyPr>
+          <a:lstStyle/>
+          <a:p>
+            <a:fld id="{F43FF47F-E574-4450-810A-2029F5FBFFA6}" type="slidenum">
+              <a:rPr kumimoji="0" lang="en-US" smtClean="0"/>
+              <a:pPr/>
+              <a:t>13</a:t>
+            </a:fld>
+            <a:endParaRPr kumimoji="0" lang="en-US" dirty="0">
+              <a:solidFill>
+                <a:srgbClr val="FFFFFF"/>
+              </a:solidFill>
+            </a:endParaRPr>
+          </a:p>
+        </p:txBody>
+      </p:sp>
+      <p:sp>
+        <p:nvSpPr>
+          <p:cNvPr id="4" name="Content Placeholder 3"/>
+          <p:cNvSpPr>
+            <a:spLocks noGrp="1"/>
+          </p:cNvSpPr>
+          <p:nvPr>
+            <p:ph sz="quarter" idx="1"/>
+          </p:nvPr>
+        </p:nvSpPr>
+        <p:spPr/>
+        <p:txBody>
+          <a:bodyPr/>
+          <a:lstStyle/>
+          <a:p>
+            <a:r>
+              <a:rPr lang="en-US" dirty="0" smtClean="0"/>
+              <a:t>Distributed development (namespaces)</a:t>
+            </a:r>
+          </a:p>
+          <a:p>
+            <a:pPr lvl="1"/>
+            <a:r>
+              <a:rPr lang="en-US" dirty="0" smtClean="0"/>
+              <a:t>No generally-accepted namespace approach for JSON</a:t>
+            </a:r>
+          </a:p>
+          <a:p>
+            <a:pPr lvl="2"/>
+            <a:r>
+              <a:rPr lang="en-US" dirty="0" smtClean="0"/>
+              <a:t>Forced to roll our own to import both </a:t>
+            </a:r>
+            <a:r>
+              <a:rPr lang="en-US" dirty="0" err="1" smtClean="0"/>
+              <a:t>CybOX</a:t>
+            </a:r>
+            <a:r>
+              <a:rPr lang="en-US" dirty="0" smtClean="0"/>
+              <a:t> 2 and </a:t>
+            </a:r>
+            <a:r>
+              <a:rPr lang="en-US" dirty="0" err="1" smtClean="0"/>
+              <a:t>CybOX</a:t>
+            </a:r>
+            <a:r>
+              <a:rPr lang="en-US" dirty="0" smtClean="0"/>
+              <a:t> 3</a:t>
+            </a:r>
+          </a:p>
+          <a:p>
+            <a:r>
+              <a:rPr lang="en-US" dirty="0" smtClean="0"/>
+              <a:t>Balance between include and reference</a:t>
+            </a:r>
+          </a:p>
+          <a:p>
+            <a:pPr lvl="1"/>
+            <a:r>
+              <a:rPr lang="en-US" dirty="0" err="1" smtClean="0"/>
+              <a:t>CybOX</a:t>
+            </a:r>
+            <a:r>
+              <a:rPr lang="en-US" dirty="0" smtClean="0"/>
+              <a:t> 2 vs </a:t>
+            </a:r>
+            <a:r>
+              <a:rPr lang="en-US" dirty="0" err="1" smtClean="0"/>
+              <a:t>CybOX</a:t>
+            </a:r>
+            <a:r>
+              <a:rPr lang="en-US" dirty="0" smtClean="0"/>
+              <a:t> 3</a:t>
+            </a:r>
+          </a:p>
+          <a:p>
+            <a:r>
+              <a:rPr lang="en-US" dirty="0" smtClean="0"/>
+              <a:t>Think Abstract</a:t>
+            </a:r>
+          </a:p>
+          <a:p>
+            <a:pPr lvl="1"/>
+            <a:r>
+              <a:rPr lang="en-US" dirty="0" smtClean="0"/>
+              <a:t>Focus on what information is needed</a:t>
+            </a:r>
+          </a:p>
+          <a:p>
+            <a:pPr lvl="2"/>
+            <a:r>
+              <a:rPr lang="en-US" dirty="0" smtClean="0"/>
+              <a:t>Not how it is represented</a:t>
+            </a:r>
+            <a:endParaRPr lang="en-US" dirty="0"/>
+          </a:p>
+        </p:txBody>
+      </p:sp>
+    </p:spTree>
+    <p:extLst>
+      <p:ext uri="{BB962C8B-B14F-4D97-AF65-F5344CB8AC3E}">
+        <p14:creationId xmlns:p14="http://schemas.microsoft.com/office/powerpoint/2010/main" val="569221114"/>
+      </p:ext>
+    </p:extLst>
+  </p:cSld>
+  <p:clrMapOvr>
+    <a:masterClrMapping/>
+  </p:clrMapOvr>
+</p:sld>
+</file>
+
+<file path=ppt/slides/slide14.xml><?xml version="1.0" encoding="utf-8"?>
+<p:sld xmlns:a="http://schemas.openxmlformats.org/drawingml/2006/main" xmlns:r="http://schemas.openxmlformats.org/officeDocument/2006/relationships" xmlns:p="http://schemas.openxmlformats.org/presentationml/2006/main">
+  <p:cSld>
+    <p:spTree>
+      <p:nvGrpSpPr>
+        <p:cNvPr id="1" name=""/>
+        <p:cNvGrpSpPr/>
+        <p:nvPr/>
+      </p:nvGrpSpPr>
+      <p:grpSpPr>
+        <a:xfrm>
+          <a:off x="0" y="0"/>
+          <a:ext cx="0" cy="0"/>
+          <a:chOff x="0" y="0"/>
+          <a:chExt cx="0" cy="0"/>
+        </a:xfrm>
+      </p:grpSpPr>
+      <p:sp>
+        <p:nvSpPr>
+          <p:cNvPr id="2" name="Title 1"/>
+          <p:cNvSpPr>
+            <a:spLocks noGrp="1"/>
+          </p:cNvSpPr>
+          <p:nvPr>
+            <p:ph type="title"/>
+          </p:nvPr>
+        </p:nvSpPr>
+        <p:spPr/>
+        <p:txBody>
+          <a:bodyPr/>
+          <a:lstStyle/>
+          <a:p>
+            <a:r>
+              <a:rPr lang="en-US" smtClean="0"/>
+              <a:t>Next Steps</a:t>
+            </a:r>
+            <a:endParaRPr lang="en-US" dirty="0"/>
+          </a:p>
+        </p:txBody>
+      </p:sp>
+      <p:sp>
+        <p:nvSpPr>
+          <p:cNvPr id="3" name="Slide Number Placeholder 2"/>
+          <p:cNvSpPr>
+            <a:spLocks noGrp="1"/>
+          </p:cNvSpPr>
+          <p:nvPr>
+            <p:ph type="sldNum" sz="quarter" idx="12"/>
+          </p:nvPr>
+        </p:nvSpPr>
+        <p:spPr/>
+        <p:txBody>
+          <a:bodyPr>
+            <a:normAutofit fontScale="85000" lnSpcReduction="20000"/>
+          </a:bodyPr>
+          <a:lstStyle/>
+          <a:p>
+            <a:fld id="{F43FF47F-E574-4450-810A-2029F5FBFFA6}" type="slidenum">
+              <a:rPr kumimoji="0" lang="en-US" smtClean="0"/>
+              <a:pPr/>
+              <a:t>14</a:t>
+            </a:fld>
+            <a:endParaRPr kumimoji="0" lang="en-US" dirty="0">
+              <a:solidFill>
+                <a:srgbClr val="FFFFFF"/>
+              </a:solidFill>
+            </a:endParaRPr>
+          </a:p>
+        </p:txBody>
+      </p:sp>
+      <p:sp>
+        <p:nvSpPr>
+          <p:cNvPr id="4" name="Content Placeholder 3"/>
+          <p:cNvSpPr>
+            <a:spLocks noGrp="1"/>
+          </p:cNvSpPr>
+          <p:nvPr>
+            <p:ph sz="quarter" idx="1"/>
+          </p:nvPr>
+        </p:nvSpPr>
+        <p:spPr/>
+        <p:txBody>
+          <a:bodyPr/>
+          <a:lstStyle/>
+          <a:p>
+            <a:endParaRPr lang="en-US"/>
+          </a:p>
+        </p:txBody>
+      </p:sp>
+    </p:spTree>
+    <p:extLst>
+      <p:ext uri="{BB962C8B-B14F-4D97-AF65-F5344CB8AC3E}">
+        <p14:creationId xmlns:p14="http://schemas.microsoft.com/office/powerpoint/2010/main" val="3537432334"/>
+      </p:ext>
+    </p:extLst>
+  </p:cSld>
+  <p:clrMapOvr>
+    <a:masterClrMapping/>
+  </p:clrMapOvr>
+</p:sld>
+</file>
+
 <file path=ppt/slides/slide2.xml><?xml version="1.0" encoding="utf-8"?>
 <p:sld xmlns:a="http://schemas.openxmlformats.org/drawingml/2006/main" xmlns:r="http://schemas.openxmlformats.org/officeDocument/2006/relationships" xmlns:p="http://schemas.openxmlformats.org/presentationml/2006/main">
   <p:cSld>
@@ -7748,64 +8032,82 @@
           <a:p>
             <a:pPr lvl="1"/>
             <a:r>
-              <a:rPr lang="en-US" dirty="0">
+              <a:rPr lang="en-US" b="1" dirty="0" smtClean="0">
+                <a:solidFill>
+                  <a:srgbClr val="C00000"/>
+                </a:solidFill>
                 <a:latin typeface="Calibri" panose="020F0502020204030204" pitchFamily="34" charset="0"/>
               </a:rPr>
-              <a:t>Informal </a:t>
-            </a:r>
+              <a:t>Abstract </a:t>
+            </a:r>
+            <a:r>
+              <a:rPr lang="en-US" b="1" dirty="0" smtClean="0">
+                <a:solidFill>
+                  <a:srgbClr val="C00000"/>
+                </a:solidFill>
+                <a:latin typeface="Calibri" panose="020F0502020204030204" pitchFamily="34" charset="0"/>
+              </a:rPr>
+              <a:t>description</a:t>
+            </a:r>
+          </a:p>
+          <a:p>
+            <a:pPr lvl="2"/>
             <a:r>
               <a:rPr lang="en-US" dirty="0" smtClean="0">
                 <a:latin typeface="Calibri" panose="020F0502020204030204" pitchFamily="34" charset="0"/>
               </a:rPr>
-              <a:t>description of data objects</a:t>
-            </a:r>
-            <a:endParaRPr lang="en-US" dirty="0">
+              <a:t>Independent of serialization (XML, JSON, binary)</a:t>
+            </a:r>
+          </a:p>
+          <a:p>
+            <a:pPr lvl="1"/>
+            <a:r>
+              <a:rPr lang="en-US" dirty="0"/>
+              <a:t>Informal </a:t>
+            </a:r>
+            <a:r>
+              <a:rPr lang="en-US" dirty="0" smtClean="0"/>
+              <a:t>definition of </a:t>
+            </a:r>
+            <a:r>
+              <a:rPr lang="en-US" dirty="0"/>
+              <a:t>data objects</a:t>
+            </a:r>
+          </a:p>
+          <a:p>
+            <a:pPr lvl="2"/>
+            <a:r>
+              <a:rPr lang="en-US" dirty="0"/>
+              <a:t>Table cell contents follow conventions, but …</a:t>
+            </a:r>
+          </a:p>
+          <a:p>
+            <a:pPr lvl="2"/>
+            <a:r>
+              <a:rPr lang="en-US" dirty="0"/>
+              <a:t>Free-form text, cannot be machine parsed, validated, or </a:t>
+            </a:r>
+            <a:r>
+              <a:rPr lang="en-US" dirty="0" smtClean="0"/>
+              <a:t>translated</a:t>
+            </a:r>
+            <a:endParaRPr lang="en-US" dirty="0" smtClean="0">
               <a:latin typeface="Calibri" panose="020F0502020204030204" pitchFamily="34" charset="0"/>
             </a:endParaRPr>
           </a:p>
           <a:p>
-            <a:pPr lvl="2"/>
-            <a:r>
-              <a:rPr lang="en-US" dirty="0">
-                <a:latin typeface="Calibri" panose="020F0502020204030204" pitchFamily="34" charset="0"/>
-              </a:rPr>
-              <a:t>Table cell contents follow conventions, but …</a:t>
-            </a:r>
-          </a:p>
-          <a:p>
-            <a:pPr lvl="2"/>
-            <a:r>
-              <a:rPr lang="en-US" dirty="0">
-                <a:latin typeface="Calibri" panose="020F0502020204030204" pitchFamily="34" charset="0"/>
-              </a:rPr>
-              <a:t>Free-form text, cannot be machine parsed, validated, or translated</a:t>
-            </a:r>
-          </a:p>
-          <a:p>
             <a:pPr lvl="1"/>
             <a:r>
               <a:rPr lang="en-US" dirty="0" smtClean="0">
                 <a:latin typeface="Calibri" panose="020F0502020204030204" pitchFamily="34" charset="0"/>
               </a:rPr>
-              <a:t>Abstract description</a:t>
-            </a:r>
-          </a:p>
-          <a:p>
-            <a:pPr lvl="2"/>
+              <a:t>Interim </a:t>
+            </a:r>
             <a:r>
               <a:rPr lang="en-US" dirty="0" smtClean="0">
                 <a:latin typeface="Calibri" panose="020F0502020204030204" pitchFamily="34" charset="0"/>
               </a:rPr>
-              <a:t>Independent of serialization (XML, JSON, binary)</a:t>
-            </a:r>
-          </a:p>
-          <a:p>
-            <a:pPr lvl="1"/>
-            <a:r>
-              <a:rPr lang="en-US" dirty="0" smtClean="0">
-                <a:latin typeface="Calibri" panose="020F0502020204030204" pitchFamily="34" charset="0"/>
-              </a:rPr>
-              <a:t>Interim step toward formal abstract specifications?</a:t>
+              <a:t>step toward formal abstract specifications?</a:t>
             </a:r>
           </a:p>
           <a:p>
@@ -7955,6 +8257,47 @@
           </p:txBody>
         </p:sp>
       </p:grpSp>
+      <p:pic>
+        <p:nvPicPr>
+          <p:cNvPr id="1026" name="Picture 2" descr="C:\Users\dkemp\AppData\Local\Microsoft\Windows\Temporary Internet Files\Content.IE5\YEL755DK\1328101861_Thumbs_Up[1].png"/>
+          <p:cNvPicPr>
+            <a:picLocks noChangeAspect="1" noChangeArrowheads="1"/>
+          </p:cNvPicPr>
+          <p:nvPr/>
+        </p:nvPicPr>
+        <p:blipFill>
+          <a:blip r:embed="rId3" cstate="print">
+            <a:extLst>
+              <a:ext uri="{28A0092B-C50C-407E-A947-70E740481C1C}">
+                <a14:useLocalDpi xmlns:a14="http://schemas.microsoft.com/office/drawing/2010/main" val="0"/>
+              </a:ext>
+            </a:extLst>
+          </a:blip>
+          <a:srcRect/>
+          <a:stretch>
+            <a:fillRect/>
+          </a:stretch>
+        </p:blipFill>
+        <p:spPr bwMode="auto">
+          <a:xfrm>
+            <a:off x="3962400" y="2057400"/>
+            <a:ext cx="533400" cy="533400"/>
+          </a:xfrm>
+          <a:prstGeom prst="rect">
+            <a:avLst/>
+          </a:prstGeom>
+          <a:noFill/>
+          <a:extLst>
+            <a:ext uri="{909E8E84-426E-40DD-AFC4-6F175D3DCCD1}">
+              <a14:hiddenFill xmlns:a14="http://schemas.microsoft.com/office/drawing/2010/main">
+                <a:solidFill>
+                  <a:srgbClr val="FFFFFF"/>
+                </a:solidFill>
+              </a14:hiddenFill>
+            </a:ext>
+          </a:extLst>
+        </p:spPr>
+      </p:pic>
     </p:spTree>
     <p:extLst>
       <p:ext uri="{BB962C8B-B14F-4D97-AF65-F5344CB8AC3E}">
@@ -8932,15 +9275,7 @@
             <a:pPr lvl="2"/>
             <a:r>
               <a:rPr lang="en-US" dirty="0" smtClean="0"/>
-              <a:t>Item has </a:t>
-            </a:r>
-            <a:r>
-              <a:rPr lang="en-US" dirty="0" smtClean="0"/>
-              <a:t>position, </a:t>
-            </a:r>
-            <a:r>
-              <a:rPr lang="en-US" dirty="0" smtClean="0"/>
-              <a:t>no name</a:t>
+              <a:t>Item has position, no name</a:t>
             </a:r>
           </a:p>
           <a:p>
@@ -8954,13 +9289,8 @@
             <a:pPr lvl="2"/>
             <a:r>
               <a:rPr lang="en-US" dirty="0" smtClean="0"/>
-              <a:t>Property has name, no </a:t>
-            </a:r>
-            <a:r>
-              <a:rPr lang="en-US" dirty="0" smtClean="0"/>
-              <a:t>position</a:t>
-            </a:r>
-            <a:endParaRPr lang="en-US" dirty="0" smtClean="0"/>
+              <a:t>Property has name, no position</a:t>
+            </a:r>
           </a:p>
           <a:p>
             <a:r>
@@ -8979,13 +9309,8 @@
             <a:pPr lvl="2"/>
             <a:r>
               <a:rPr lang="en-US" dirty="0" smtClean="0"/>
-              <a:t>Field has both name and </a:t>
-            </a:r>
-            <a:r>
-              <a:rPr lang="en-US" dirty="0" smtClean="0"/>
-              <a:t>position</a:t>
-            </a:r>
-            <a:endParaRPr lang="en-US" dirty="0" smtClean="0"/>
+              <a:t>Field has both name and position</a:t>
+            </a:r>
           </a:p>
           <a:p>
             <a:pPr lvl="2"/>
@@ -9006,11 +9331,7 @@
             </a:r>
             <a:r>
               <a:rPr lang="en-US" dirty="0" smtClean="0"/>
-              <a:t>position</a:t>
-            </a:r>
-            <a:r>
-              <a:rPr lang="en-US" dirty="0" smtClean="0"/>
-              <a:t>s </a:t>
+              <a:t>positions </a:t>
             </a:r>
             <a:r>
               <a:rPr lang="en-US" dirty="0"/>
@@ -9032,13 +9353,8 @@
             <a:pPr lvl="2"/>
             <a:r>
               <a:rPr lang="en-US" dirty="0" smtClean="0"/>
-              <a:t>Field has name, no </a:t>
-            </a:r>
-            <a:r>
-              <a:rPr lang="en-US" dirty="0" smtClean="0"/>
-              <a:t>position</a:t>
-            </a:r>
-            <a:endParaRPr lang="en-US" dirty="0" smtClean="0"/>
+              <a:t>Field has name, no position</a:t>
+            </a:r>
           </a:p>
           <a:p>
             <a:pPr lvl="2"/>
@@ -9883,8 +10199,20 @@
             <a:pPr lvl="1"/>
             <a:r>
               <a:rPr lang="en-US" sz="1600" dirty="0" smtClean="0"/>
-              <a:t>Decoder supplies name corresponding to received ID</a:t>
-            </a:r>
+              <a:t>Decoder supplies name corresponding to received </a:t>
+            </a:r>
+            <a:r>
+              <a:rPr lang="en-US" sz="1600" dirty="0" smtClean="0"/>
+              <a:t>ID</a:t>
+            </a:r>
+          </a:p>
+          <a:p>
+            <a:pPr lvl="1"/>
+            <a:r>
+              <a:rPr lang="en-US" sz="1600" dirty="0" smtClean="0"/>
+              <a:t>Namespace needed to identify registry – IANA/IPFIX</a:t>
+            </a:r>
+            <a:endParaRPr lang="en-US" sz="1600" dirty="0" smtClean="0"/>
           </a:p>
         </p:txBody>
       </p:sp>
@@ -9896,7 +10224,7 @@
           </p:cNvPicPr>
           <p:nvPr/>
         </p:nvPicPr>
-        <p:blipFill>
+        <p:blipFill rotWithShape="1">
           <a:blip r:embed="rId3">
             <a:duotone>
               <a:prstClr val="black"/>
@@ -9911,14 +10239,13 @@
               </a:ext>
             </a:extLst>
           </a:blip>
-          <a:stretch>
-            <a:fillRect/>
-          </a:stretch>
+          <a:srcRect t="-1" b="15625"/>
+          <a:stretch/>
         </p:blipFill>
         <p:spPr>
           <a:xfrm>
-            <a:off x="473242" y="3193667"/>
-            <a:ext cx="8137358" cy="3359533"/>
+            <a:off x="473242" y="3566160"/>
+            <a:ext cx="8137358" cy="2834640"/>
           </a:xfrm>
           <a:prstGeom prst="rect">
             <a:avLst/>
@@ -9933,7 +10260,7 @@
         </p:nvSpPr>
         <p:spPr>
           <a:xfrm>
-            <a:off x="685800" y="3773904"/>
+            <a:off x="685800" y="4114800"/>
             <a:ext cx="1371600" cy="304800"/>
           </a:xfrm>
           <a:prstGeom prst="rect">

--- a/devel/OpenC2 Schema.pptx
+++ b/devel/OpenC2 Schema.pptx
@@ -5,7 +5,7 @@
     <p:sldMasterId id="2147483660" r:id="rId1"/>
   </p:sldMasterIdLst>
   <p:notesMasterIdLst>
-    <p:notesMasterId r:id="rId16"/>
+    <p:notesMasterId r:id="rId19"/>
   </p:notesMasterIdLst>
   <p:sldIdLst>
     <p:sldId id="385" r:id="rId2"/>
@@ -17,11 +17,14 @@
     <p:sldId id="424" r:id="rId8"/>
     <p:sldId id="425" r:id="rId9"/>
     <p:sldId id="426" r:id="rId10"/>
-    <p:sldId id="428" r:id="rId11"/>
-    <p:sldId id="429" r:id="rId12"/>
-    <p:sldId id="427" r:id="rId13"/>
-    <p:sldId id="430" r:id="rId14"/>
-    <p:sldId id="431" r:id="rId15"/>
+    <p:sldId id="429" r:id="rId11"/>
+    <p:sldId id="432" r:id="rId12"/>
+    <p:sldId id="435" r:id="rId13"/>
+    <p:sldId id="428" r:id="rId14"/>
+    <p:sldId id="433" r:id="rId15"/>
+    <p:sldId id="434" r:id="rId16"/>
+    <p:sldId id="430" r:id="rId17"/>
+    <p:sldId id="431" r:id="rId18"/>
   </p:sldIdLst>
   <p:sldSz cx="9144000" cy="6858000" type="screen4x3"/>
   <p:notesSz cx="6858000" cy="9144000"/>
@@ -120,6 +123,22 @@
       </a:defRPr>
     </a:lvl9pPr>
   </p:defaultTextStyle>
+  <p:extLst>
+    <p:ext uri="{EFAFB233-063F-42B5-8137-9DF3F51BA10A}">
+      <p15:sldGuideLst xmlns:p15="http://schemas.microsoft.com/office/powerpoint/2012/main">
+        <p15:guide id="1" orient="horz" pos="2160">
+          <p15:clr>
+            <a:srgbClr val="A4A3A4"/>
+          </p15:clr>
+        </p15:guide>
+        <p15:guide id="2" pos="2880">
+          <p15:clr>
+            <a:srgbClr val="A4A3A4"/>
+          </p15:clr>
+        </p15:guide>
+      </p15:sldGuideLst>
+    </p:ext>
+  </p:extLst>
 </p:presentation>
 </file>
 
@@ -212,7 +231,7 @@
             <a:fld id="{BEA7D905-4A79-4EB8-82BB-49D7A73CDC36}" type="datetimeFigureOut">
               <a:rPr lang="en-US" smtClean="0"/>
               <a:pPr/>
-              <a:t>9/13/2016</a:t>
+              <a:t>9/15/2016</a:t>
             </a:fld>
             <a:endParaRPr lang="en-US" dirty="0"/>
           </a:p>
@@ -1108,7 +1127,7 @@
             <a:pPr algn="ctr" eaLnBrk="1" latinLnBrk="0" hangingPunct="1"/>
             <a:fld id="{BB43FE8B-308F-4382-9655-46B1789E94EF}" type="datetime1">
               <a:rPr lang="en-US" smtClean="0"/>
-              <a:t>9/13/2016</a:t>
+              <a:t>9/15/2016</a:t>
             </a:fld>
             <a:endParaRPr lang="en-US" sz="2000" dirty="0">
               <a:solidFill>
@@ -1314,7 +1333,7 @@
             <a:pPr eaLnBrk="1" latinLnBrk="0" hangingPunct="1"/>
             <a:fld id="{61D71F59-622D-49DD-A407-F9C971171EED}" type="datetime1">
               <a:rPr lang="en-US" smtClean="0"/>
-              <a:t>9/13/2016</a:t>
+              <a:t>9/15/2016</a:t>
             </a:fld>
             <a:endParaRPr lang="en-US" dirty="0"/>
           </a:p>
@@ -1496,7 +1515,7 @@
             <a:pPr eaLnBrk="1" latinLnBrk="0" hangingPunct="1"/>
             <a:fld id="{D732FB50-16D0-471D-8C85-B8A6C1DE6B65}" type="datetime1">
               <a:rPr lang="en-US" smtClean="0"/>
-              <a:t>9/13/2016</a:t>
+              <a:t>9/15/2016</a:t>
             </a:fld>
             <a:endParaRPr lang="en-US" dirty="0"/>
           </a:p>
@@ -1769,7 +1788,7 @@
             <a:pPr eaLnBrk="1" latinLnBrk="0" hangingPunct="1"/>
             <a:fld id="{466872B2-7238-4135-B3D9-97A1357E2E20}" type="datetime1">
               <a:rPr lang="en-US" smtClean="0"/>
-              <a:t>9/13/2016</a:t>
+              <a:t>9/15/2016</a:t>
             </a:fld>
             <a:endParaRPr lang="en-US" dirty="0"/>
           </a:p>
@@ -2212,7 +2231,7 @@
             <a:pPr eaLnBrk="1" latinLnBrk="0" hangingPunct="1"/>
             <a:fld id="{49DE1B7C-1FDD-42FD-9A06-6AC00313877F}" type="datetime1">
               <a:rPr lang="en-US" smtClean="0"/>
-              <a:t>9/13/2016</a:t>
+              <a:t>9/15/2016</a:t>
             </a:fld>
             <a:endParaRPr lang="en-US" dirty="0"/>
           </a:p>
@@ -2461,7 +2480,7 @@
             <a:pPr eaLnBrk="1" latinLnBrk="0" hangingPunct="1"/>
             <a:fld id="{537DA086-46E6-41E7-A73A-2CEE4966C500}" type="datetime1">
               <a:rPr lang="en-US" smtClean="0"/>
-              <a:t>9/13/2016</a:t>
+              <a:t>9/15/2016</a:t>
             </a:fld>
             <a:endParaRPr lang="en-US" dirty="0"/>
           </a:p>
@@ -2700,7 +2719,7 @@
             <a:pPr eaLnBrk="1" latinLnBrk="0" hangingPunct="1"/>
             <a:fld id="{3E9231E7-997A-412D-84DC-9B00410FEBC3}" type="datetime1">
               <a:rPr lang="en-US" smtClean="0"/>
-              <a:t>9/13/2016</a:t>
+              <a:t>9/15/2016</a:t>
             </a:fld>
             <a:endParaRPr lang="en-US" dirty="0"/>
           </a:p>
@@ -2898,7 +2917,7 @@
             <a:pPr eaLnBrk="1" latinLnBrk="0" hangingPunct="1"/>
             <a:fld id="{0FCB485A-B0BE-4563-90F2-538DF71CFB72}" type="datetime1">
               <a:rPr lang="en-US" smtClean="0"/>
-              <a:t>9/13/2016</a:t>
+              <a:t>9/15/2016</a:t>
             </a:fld>
             <a:endParaRPr lang="en-US" dirty="0"/>
           </a:p>
@@ -3002,7 +3021,7 @@
             <a:pPr eaLnBrk="1" latinLnBrk="0" hangingPunct="1"/>
             <a:fld id="{7673D3E5-681E-495A-9A20-B77690DC2AC4}" type="datetime1">
               <a:rPr lang="en-US" smtClean="0"/>
-              <a:t>9/13/2016</a:t>
+              <a:t>9/15/2016</a:t>
             </a:fld>
             <a:endParaRPr lang="en-US" dirty="0"/>
           </a:p>
@@ -3144,7 +3163,7 @@
             <a:pPr eaLnBrk="1" latinLnBrk="0" hangingPunct="1"/>
             <a:fld id="{36ADC30D-043F-4BA3-9E5F-DC13212B92AB}" type="datetime1">
               <a:rPr lang="en-US" smtClean="0"/>
-              <a:t>9/13/2016</a:t>
+              <a:t>9/15/2016</a:t>
             </a:fld>
             <a:endParaRPr lang="en-US" dirty="0"/>
           </a:p>
@@ -3663,7 +3682,7 @@
             <a:pPr eaLnBrk="1" latinLnBrk="0" hangingPunct="1"/>
             <a:fld id="{2A59F7D6-4F9A-47A6-ADCC-8BE2C05F1F8B}" type="datetime1">
               <a:rPr lang="en-US" smtClean="0"/>
-              <a:t>9/13/2016</a:t>
+              <a:t>9/15/2016</a:t>
             </a:fld>
             <a:endParaRPr lang="en-US" dirty="0"/>
           </a:p>
@@ -3927,7 +3946,7 @@
             <a:pPr eaLnBrk="1" latinLnBrk="0" hangingPunct="1"/>
             <a:fld id="{16C4A91E-8137-4654-B5C3-88E0D304AEC4}" type="datetime1">
               <a:rPr lang="en-US" smtClean="0"/>
-              <a:t>9/13/2016</a:t>
+              <a:t>9/15/2016</a:t>
             </a:fld>
             <a:endParaRPr lang="en-US" sz="1400" dirty="0">
               <a:solidFill>
@@ -4832,7 +4851,7 @@
           <a:p>
             <a:r>
               <a:rPr lang="en-US" dirty="0" smtClean="0"/>
-              <a:t>JSON Encodings</a:t>
+              <a:t>JSON Abstract Syntax Notation (JASN)</a:t>
             </a:r>
             <a:endParaRPr lang="en-US" dirty="0"/>
           </a:p>
@@ -4880,106 +4899,732 @@
         </p:nvSpPr>
         <p:spPr/>
         <p:txBody>
-          <a:bodyPr>
-            <a:normAutofit fontScale="92500" lnSpcReduction="10000"/>
+          <a:bodyPr/>
+          <a:lstStyle/>
+          <a:p>
+            <a:r>
+              <a:rPr lang="en-US" dirty="0" smtClean="0"/>
+              <a:t>JSON document that defines an abstract schema</a:t>
+            </a:r>
+          </a:p>
+          <a:p>
+            <a:pPr lvl="2"/>
+            <a:r>
+              <a:rPr lang="en-US" dirty="0" smtClean="0"/>
+              <a:t>Import </a:t>
+            </a:r>
+            <a:r>
+              <a:rPr lang="en-US" dirty="0" smtClean="0"/>
+              <a:t>directly by </a:t>
+            </a:r>
+            <a:r>
+              <a:rPr lang="en-US" dirty="0" smtClean="0"/>
+              <a:t>applications, or</a:t>
+            </a:r>
+          </a:p>
+          <a:p>
+            <a:pPr lvl="2"/>
+            <a:r>
+              <a:rPr lang="en-US" dirty="0"/>
+              <a:t>Translate to concrete schemas used by </a:t>
+            </a:r>
+            <a:r>
+              <a:rPr lang="en-US" dirty="0" smtClean="0"/>
+              <a:t>applications</a:t>
+            </a:r>
+            <a:endParaRPr lang="en-US" dirty="0"/>
+          </a:p>
+        </p:txBody>
+      </p:sp>
+      <p:sp>
+        <p:nvSpPr>
+          <p:cNvPr id="6" name="TextBox 5"/>
+          <p:cNvSpPr txBox="1"/>
+          <p:nvPr/>
+        </p:nvSpPr>
+        <p:spPr>
+          <a:xfrm>
+            <a:off x="4267200" y="3124200"/>
+            <a:ext cx="3733800" cy="2590800"/>
+          </a:xfrm>
+          <a:prstGeom prst="rect">
+            <a:avLst/>
+          </a:prstGeom>
+          <a:solidFill>
+            <a:schemeClr val="accent6">
+              <a:lumMod val="20000"/>
+              <a:lumOff val="80000"/>
+            </a:schemeClr>
+          </a:solidFill>
+          <a:ln w="12700">
+            <a:solidFill>
+              <a:schemeClr val="accent6"/>
+            </a:solidFill>
+          </a:ln>
+        </p:spPr>
+        <p:style>
+          <a:lnRef idx="2">
+            <a:schemeClr val="accent1">
+              <a:shade val="50000"/>
+            </a:schemeClr>
+          </a:lnRef>
+          <a:fillRef idx="1">
+            <a:schemeClr val="accent1"/>
+          </a:fillRef>
+          <a:effectRef idx="0">
+            <a:schemeClr val="accent1"/>
+          </a:effectRef>
+          <a:fontRef idx="minor">
+            <a:schemeClr val="lt1"/>
+          </a:fontRef>
+        </p:style>
+        <p:txBody>
+          <a:bodyPr rot="0" spcFirstLastPara="0" vertOverflow="overflow" horzOverflow="overflow" vert="horz" wrap="square" lIns="91440" tIns="45720" rIns="91440" bIns="45720" numCol="1" spcCol="0" rtlCol="0" fromWordArt="0" anchor="ctr" anchorCtr="0" forceAA="0" compatLnSpc="1">
+            <a:prstTxWarp prst="textNoShape">
+              <a:avLst/>
+            </a:prstTxWarp>
+            <a:noAutofit/>
+          </a:bodyPr>
+          <a:lstStyle>
+            <a:defPPr>
+              <a:defRPr lang="en-US"/>
+            </a:defPPr>
+            <a:lvl1pPr>
+              <a:defRPr sz="800">
+                <a:latin typeface="Consolas" panose="020B0609020204030204" pitchFamily="49" charset="0"/>
+                <a:cs typeface="Consolas" panose="020B0609020204030204" pitchFamily="49" charset="0"/>
+              </a:defRPr>
+            </a:lvl1pPr>
+            <a:lvl2pPr>
+              <a:defRPr>
+                <a:solidFill>
+                  <a:schemeClr val="lt1"/>
+                </a:solidFill>
+              </a:defRPr>
+            </a:lvl2pPr>
+            <a:lvl3pPr>
+              <a:defRPr>
+                <a:solidFill>
+                  <a:schemeClr val="lt1"/>
+                </a:solidFill>
+              </a:defRPr>
+            </a:lvl3pPr>
+            <a:lvl4pPr>
+              <a:defRPr>
+                <a:solidFill>
+                  <a:schemeClr val="lt1"/>
+                </a:solidFill>
+              </a:defRPr>
+            </a:lvl4pPr>
+            <a:lvl5pPr>
+              <a:defRPr>
+                <a:solidFill>
+                  <a:schemeClr val="lt1"/>
+                </a:solidFill>
+              </a:defRPr>
+            </a:lvl5pPr>
+            <a:lvl6pPr>
+              <a:defRPr>
+                <a:solidFill>
+                  <a:schemeClr val="lt1"/>
+                </a:solidFill>
+              </a:defRPr>
+            </a:lvl6pPr>
+            <a:lvl7pPr>
+              <a:defRPr>
+                <a:solidFill>
+                  <a:schemeClr val="lt1"/>
+                </a:solidFill>
+              </a:defRPr>
+            </a:lvl7pPr>
+            <a:lvl8pPr>
+              <a:defRPr>
+                <a:solidFill>
+                  <a:schemeClr val="lt1"/>
+                </a:solidFill>
+              </a:defRPr>
+            </a:lvl8pPr>
+            <a:lvl9pPr>
+              <a:defRPr>
+                <a:solidFill>
+                  <a:schemeClr val="lt1"/>
+                </a:solidFill>
+              </a:defRPr>
+            </a:lvl9pPr>
+          </a:lstStyle>
+          <a:p>
+            <a:r>
+              <a:rPr lang="en-US" sz="1200" dirty="0">
+                <a:solidFill>
+                  <a:schemeClr val="tx1"/>
+                </a:solidFill>
+              </a:rPr>
+              <a:t>{</a:t>
+            </a:r>
+          </a:p>
+          <a:p>
+            <a:r>
+              <a:rPr lang="en-US" sz="1200" dirty="0">
+                <a:solidFill>
+                  <a:schemeClr val="tx1"/>
+                </a:solidFill>
+              </a:rPr>
+              <a:t>  "meta": {</a:t>
+            </a:r>
+          </a:p>
+          <a:p>
+            <a:r>
+              <a:rPr lang="en-US" sz="1200" dirty="0">
+                <a:solidFill>
+                  <a:schemeClr val="tx1"/>
+                </a:solidFill>
+              </a:rPr>
+              <a:t>    "module": "openc2"</a:t>
+            </a:r>
+          </a:p>
+          <a:p>
+            <a:r>
+              <a:rPr lang="en-US" sz="1200" dirty="0">
+                <a:solidFill>
+                  <a:schemeClr val="tx1"/>
+                </a:solidFill>
+              </a:rPr>
+              <a:t>  },</a:t>
+            </a:r>
+          </a:p>
+          <a:p>
+            <a:r>
+              <a:rPr lang="en-US" sz="1200" dirty="0">
+                <a:solidFill>
+                  <a:schemeClr val="tx1"/>
+                </a:solidFill>
+              </a:rPr>
+              <a:t>  "types": [</a:t>
+            </a:r>
+          </a:p>
+          <a:p>
+            <a:r>
+              <a:rPr lang="en-US" sz="1200" dirty="0">
+                <a:solidFill>
+                  <a:schemeClr val="tx1"/>
+                </a:solidFill>
+              </a:rPr>
+              <a:t>    ["OpenC2Command", "Record", "", [</a:t>
+            </a:r>
+          </a:p>
+          <a:p>
+            <a:r>
+              <a:rPr lang="en-US" sz="1200" dirty="0">
+                <a:solidFill>
+                  <a:schemeClr val="tx1"/>
+                </a:solidFill>
+              </a:rPr>
+              <a:t>      [1, "action", "Action", ""],</a:t>
+            </a:r>
+          </a:p>
+          <a:p>
+            <a:r>
+              <a:rPr lang="en-US" sz="1200" dirty="0">
+                <a:solidFill>
+                  <a:schemeClr val="tx1"/>
+                </a:solidFill>
+              </a:rPr>
+              <a:t>      [2, "target", "Target", ""],</a:t>
+            </a:r>
+          </a:p>
+          <a:p>
+            <a:r>
+              <a:rPr lang="en-US" sz="1200" dirty="0">
+                <a:solidFill>
+                  <a:schemeClr val="tx1"/>
+                </a:solidFill>
+              </a:rPr>
+              <a:t>      [3, "actuator", "Actuator", "?"],</a:t>
+            </a:r>
+          </a:p>
+          <a:p>
+            <a:r>
+              <a:rPr lang="en-US" sz="1200" dirty="0">
+                <a:solidFill>
+                  <a:schemeClr val="tx1"/>
+                </a:solidFill>
+              </a:rPr>
+              <a:t>      [4, "modifiers", "Modifiers", "?"]</a:t>
+            </a:r>
+          </a:p>
+          <a:p>
+            <a:r>
+              <a:rPr lang="en-US" sz="1200" dirty="0">
+                <a:solidFill>
+                  <a:schemeClr val="tx1"/>
+                </a:solidFill>
+              </a:rPr>
+              <a:t>    ]]</a:t>
+            </a:r>
+          </a:p>
+          <a:p>
+            <a:r>
+              <a:rPr lang="en-US" sz="1200" dirty="0">
+                <a:solidFill>
+                  <a:schemeClr val="tx1"/>
+                </a:solidFill>
+              </a:rPr>
+              <a:t>  ]</a:t>
+            </a:r>
+          </a:p>
+          <a:p>
+            <a:r>
+              <a:rPr lang="en-US" sz="1200" dirty="0">
+                <a:solidFill>
+                  <a:schemeClr val="tx1"/>
+                </a:solidFill>
+              </a:rPr>
+              <a:t>}</a:t>
+            </a:r>
+          </a:p>
+        </p:txBody>
+      </p:sp>
+      <p:sp>
+        <p:nvSpPr>
+          <p:cNvPr id="7" name="TextBox 6"/>
+          <p:cNvSpPr txBox="1"/>
+          <p:nvPr/>
+        </p:nvSpPr>
+        <p:spPr>
+          <a:xfrm>
+            <a:off x="647700" y="3113544"/>
+            <a:ext cx="2628900" cy="2677656"/>
+          </a:xfrm>
+          <a:prstGeom prst="rect">
+            <a:avLst/>
+          </a:prstGeom>
+          <a:noFill/>
+        </p:spPr>
+        <p:txBody>
+          <a:bodyPr wrap="square" rtlCol="0">
+            <a:spAutoFit/>
           </a:bodyPr>
           <a:lstStyle/>
           <a:p>
             <a:r>
-              <a:rPr lang="en-US" dirty="0" smtClean="0"/>
-              <a:t>Verbose</a:t>
-            </a:r>
-          </a:p>
-          <a:p>
-            <a:pPr lvl="2"/>
-            <a:r>
-              <a:rPr lang="en-US" dirty="0" smtClean="0"/>
-              <a:t>Records encoded as Objects</a:t>
-            </a:r>
-          </a:p>
-          <a:p>
-            <a:pPr lvl="2"/>
-            <a:r>
-              <a:rPr lang="en-US" dirty="0" smtClean="0"/>
-              <a:t>Highest bandwidth</a:t>
-            </a:r>
-          </a:p>
-          <a:p>
-            <a:pPr lvl="2"/>
-            <a:r>
-              <a:rPr lang="en-US" dirty="0" smtClean="0"/>
-              <a:t>Arguably most human-readable (explicit field names)</a:t>
-            </a:r>
-          </a:p>
-          <a:p>
-            <a:r>
-              <a:rPr lang="en-US" dirty="0" smtClean="0"/>
-              <a:t>Concise</a:t>
-            </a:r>
-          </a:p>
-          <a:p>
-            <a:pPr lvl="2"/>
-            <a:r>
-              <a:rPr lang="en-US" dirty="0" smtClean="0"/>
-              <a:t>Records encoded as Arrays</a:t>
-            </a:r>
-          </a:p>
-          <a:p>
-            <a:pPr lvl="2"/>
-            <a:r>
-              <a:rPr lang="en-US" dirty="0" smtClean="0"/>
-              <a:t>Reduced bandwidth</a:t>
-            </a:r>
-          </a:p>
-          <a:p>
-            <a:pPr lvl="2"/>
-            <a:r>
-              <a:rPr lang="en-US" dirty="0" smtClean="0"/>
-              <a:t>Arguably more readable (no field name clutter)</a:t>
-            </a:r>
-          </a:p>
-          <a:p>
-            <a:r>
-              <a:rPr lang="en-US" dirty="0" smtClean="0"/>
-              <a:t>Minimized</a:t>
-            </a:r>
-          </a:p>
-          <a:p>
-            <a:pPr lvl="2"/>
-            <a:r>
-              <a:rPr lang="en-US" dirty="0" smtClean="0"/>
-              <a:t>Records encoded as Arrays, Names encoded as Tags</a:t>
-            </a:r>
-          </a:p>
-          <a:p>
-            <a:pPr lvl="2"/>
-            <a:r>
-              <a:rPr lang="en-US" dirty="0" smtClean="0"/>
-              <a:t>Most bandwidth efficient, </a:t>
-            </a:r>
-            <a:r>
-              <a:rPr lang="en-US" dirty="0"/>
-              <a:t>l</a:t>
-            </a:r>
-            <a:r>
-              <a:rPr lang="en-US" dirty="0" smtClean="0"/>
-              <a:t>east readable</a:t>
-            </a:r>
-          </a:p>
-          <a:p>
-            <a:pPr lvl="2"/>
-            <a:r>
-              <a:rPr lang="en-US" dirty="0" smtClean="0"/>
-              <a:t>Use directly for transmission, or as visualization of binary encoding</a:t>
-            </a:r>
-            <a:endParaRPr lang="en-US" dirty="0"/>
+              <a:rPr lang="en-US" sz="1400" dirty="0" smtClean="0">
+                <a:latin typeface="Calibri" panose="020F0502020204030204" pitchFamily="34" charset="0"/>
+                <a:cs typeface="Calibri" panose="020F0502020204030204" pitchFamily="34" charset="0"/>
+              </a:rPr>
+              <a:t>Two sections:</a:t>
+            </a:r>
+          </a:p>
+          <a:p>
+            <a:r>
+              <a:rPr lang="en-US" sz="1400" dirty="0" smtClean="0">
+                <a:latin typeface="Calibri" panose="020F0502020204030204" pitchFamily="34" charset="0"/>
+                <a:cs typeface="Calibri" panose="020F0502020204030204" pitchFamily="34" charset="0"/>
+              </a:rPr>
+              <a:t> - </a:t>
+            </a:r>
+            <a:r>
+              <a:rPr lang="en-US" sz="1400" dirty="0" err="1" smtClean="0">
+                <a:latin typeface="Calibri" panose="020F0502020204030204" pitchFamily="34" charset="0"/>
+                <a:cs typeface="Calibri" panose="020F0502020204030204" pitchFamily="34" charset="0"/>
+              </a:rPr>
+              <a:t>config</a:t>
+            </a:r>
+            <a:r>
+              <a:rPr lang="en-US" sz="1400" dirty="0" smtClean="0">
+                <a:latin typeface="Calibri" panose="020F0502020204030204" pitchFamily="34" charset="0"/>
+                <a:cs typeface="Calibri" panose="020F0502020204030204" pitchFamily="34" charset="0"/>
+              </a:rPr>
+              <a:t> information</a:t>
+            </a:r>
+          </a:p>
+          <a:p>
+            <a:r>
+              <a:rPr lang="en-US" sz="1400" dirty="0" smtClean="0">
+                <a:latin typeface="Calibri" panose="020F0502020204030204" pitchFamily="34" charset="0"/>
+                <a:cs typeface="Calibri" panose="020F0502020204030204" pitchFamily="34" charset="0"/>
+              </a:rPr>
+              <a:t> - </a:t>
+            </a:r>
+            <a:r>
+              <a:rPr lang="en-US" sz="1400" dirty="0" err="1" smtClean="0">
+                <a:latin typeface="Calibri" panose="020F0502020204030204" pitchFamily="34" charset="0"/>
+                <a:cs typeface="Calibri" panose="020F0502020204030204" pitchFamily="34" charset="0"/>
+              </a:rPr>
+              <a:t>datatype</a:t>
+            </a:r>
+            <a:r>
+              <a:rPr lang="en-US" sz="1400" dirty="0" smtClean="0">
+                <a:latin typeface="Calibri" panose="020F0502020204030204" pitchFamily="34" charset="0"/>
+                <a:cs typeface="Calibri" panose="020F0502020204030204" pitchFamily="34" charset="0"/>
+              </a:rPr>
+              <a:t> definitions</a:t>
+            </a:r>
+          </a:p>
+          <a:p>
+            <a:endParaRPr lang="en-US" sz="1400" dirty="0">
+              <a:latin typeface="Calibri" panose="020F0502020204030204" pitchFamily="34" charset="0"/>
+              <a:cs typeface="Calibri" panose="020F0502020204030204" pitchFamily="34" charset="0"/>
+            </a:endParaRPr>
+          </a:p>
+          <a:p>
+            <a:r>
+              <a:rPr lang="en-US" sz="1400" dirty="0" smtClean="0">
+                <a:latin typeface="Calibri" panose="020F0502020204030204" pitchFamily="34" charset="0"/>
+                <a:cs typeface="Calibri" panose="020F0502020204030204" pitchFamily="34" charset="0"/>
+              </a:rPr>
+              <a:t>Definitions:</a:t>
+            </a:r>
+          </a:p>
+          <a:p>
+            <a:r>
+              <a:rPr lang="en-US" sz="1400" dirty="0">
+                <a:latin typeface="Calibri" panose="020F0502020204030204" pitchFamily="34" charset="0"/>
+                <a:cs typeface="Calibri" panose="020F0502020204030204" pitchFamily="34" charset="0"/>
+              </a:rPr>
+              <a:t> </a:t>
+            </a:r>
+            <a:r>
+              <a:rPr lang="en-US" sz="1400" dirty="0" smtClean="0">
+                <a:latin typeface="Calibri" panose="020F0502020204030204" pitchFamily="34" charset="0"/>
+                <a:cs typeface="Calibri" panose="020F0502020204030204" pitchFamily="34" charset="0"/>
+              </a:rPr>
+              <a:t>- </a:t>
+            </a:r>
+            <a:r>
+              <a:rPr lang="en-US" sz="1400" dirty="0" err="1">
+                <a:latin typeface="Calibri" panose="020F0502020204030204" pitchFamily="34" charset="0"/>
+                <a:cs typeface="Calibri" panose="020F0502020204030204" pitchFamily="34" charset="0"/>
+              </a:rPr>
+              <a:t>d</a:t>
+            </a:r>
+            <a:r>
+              <a:rPr lang="en-US" sz="1400" dirty="0" err="1" smtClean="0">
+                <a:latin typeface="Calibri" panose="020F0502020204030204" pitchFamily="34" charset="0"/>
+                <a:cs typeface="Calibri" panose="020F0502020204030204" pitchFamily="34" charset="0"/>
+              </a:rPr>
+              <a:t>atatype</a:t>
+            </a:r>
+            <a:r>
+              <a:rPr lang="en-US" sz="1400" dirty="0" smtClean="0">
+                <a:latin typeface="Calibri" panose="020F0502020204030204" pitchFamily="34" charset="0"/>
+                <a:cs typeface="Calibri" panose="020F0502020204030204" pitchFamily="34" charset="0"/>
+              </a:rPr>
+              <a:t>, </a:t>
+            </a:r>
+            <a:r>
+              <a:rPr lang="en-US" sz="1400" dirty="0">
+                <a:latin typeface="Calibri" panose="020F0502020204030204" pitchFamily="34" charset="0"/>
+                <a:cs typeface="Calibri" panose="020F0502020204030204" pitchFamily="34" charset="0"/>
+              </a:rPr>
+              <a:t>b</a:t>
+            </a:r>
+            <a:r>
+              <a:rPr lang="en-US" sz="1400" dirty="0" smtClean="0">
+                <a:latin typeface="Calibri" panose="020F0502020204030204" pitchFamily="34" charset="0"/>
+                <a:cs typeface="Calibri" panose="020F0502020204030204" pitchFamily="34" charset="0"/>
+              </a:rPr>
+              <a:t>ase </a:t>
+            </a:r>
+            <a:r>
+              <a:rPr lang="en-US" sz="1400" dirty="0">
+                <a:latin typeface="Calibri" panose="020F0502020204030204" pitchFamily="34" charset="0"/>
+                <a:cs typeface="Calibri" panose="020F0502020204030204" pitchFamily="34" charset="0"/>
+              </a:rPr>
+              <a:t>t</a:t>
+            </a:r>
+            <a:r>
+              <a:rPr lang="en-US" sz="1400" dirty="0" smtClean="0">
+                <a:latin typeface="Calibri" panose="020F0502020204030204" pitchFamily="34" charset="0"/>
+                <a:cs typeface="Calibri" panose="020F0502020204030204" pitchFamily="34" charset="0"/>
+              </a:rPr>
+              <a:t>ype, options</a:t>
+            </a:r>
+          </a:p>
+          <a:p>
+            <a:endParaRPr lang="en-US" sz="1400" dirty="0">
+              <a:latin typeface="Calibri" panose="020F0502020204030204" pitchFamily="34" charset="0"/>
+              <a:cs typeface="Calibri" panose="020F0502020204030204" pitchFamily="34" charset="0"/>
+            </a:endParaRPr>
+          </a:p>
+          <a:p>
+            <a:r>
+              <a:rPr lang="en-US" sz="1400" dirty="0" smtClean="0">
+                <a:latin typeface="Calibri" panose="020F0502020204030204" pitchFamily="34" charset="0"/>
+                <a:cs typeface="Calibri" panose="020F0502020204030204" pitchFamily="34" charset="0"/>
+              </a:rPr>
+              <a:t>Fields:</a:t>
+            </a:r>
+          </a:p>
+          <a:p>
+            <a:r>
+              <a:rPr lang="en-US" sz="1400" dirty="0">
+                <a:latin typeface="Calibri" panose="020F0502020204030204" pitchFamily="34" charset="0"/>
+                <a:cs typeface="Calibri" panose="020F0502020204030204" pitchFamily="34" charset="0"/>
+              </a:rPr>
+              <a:t> </a:t>
+            </a:r>
+            <a:r>
+              <a:rPr lang="en-US" sz="1400" dirty="0" smtClean="0">
+                <a:latin typeface="Calibri" panose="020F0502020204030204" pitchFamily="34" charset="0"/>
+                <a:cs typeface="Calibri" panose="020F0502020204030204" pitchFamily="34" charset="0"/>
+              </a:rPr>
+              <a:t>- field id (tag)</a:t>
+            </a:r>
+          </a:p>
+          <a:p>
+            <a:r>
+              <a:rPr lang="en-US" sz="1400" dirty="0">
+                <a:latin typeface="Calibri" panose="020F0502020204030204" pitchFamily="34" charset="0"/>
+                <a:cs typeface="Calibri" panose="020F0502020204030204" pitchFamily="34" charset="0"/>
+              </a:rPr>
+              <a:t> </a:t>
+            </a:r>
+            <a:r>
+              <a:rPr lang="en-US" sz="1400" dirty="0" smtClean="0">
+                <a:latin typeface="Calibri" panose="020F0502020204030204" pitchFamily="34" charset="0"/>
+                <a:cs typeface="Calibri" panose="020F0502020204030204" pitchFamily="34" charset="0"/>
+              </a:rPr>
+              <a:t>- field name</a:t>
+            </a:r>
+          </a:p>
+          <a:p>
+            <a:r>
+              <a:rPr lang="en-US" sz="1400" dirty="0">
+                <a:latin typeface="Calibri" panose="020F0502020204030204" pitchFamily="34" charset="0"/>
+                <a:cs typeface="Calibri" panose="020F0502020204030204" pitchFamily="34" charset="0"/>
+              </a:rPr>
+              <a:t> </a:t>
+            </a:r>
+            <a:r>
+              <a:rPr lang="en-US" sz="1400" dirty="0" smtClean="0">
+                <a:latin typeface="Calibri" panose="020F0502020204030204" pitchFamily="34" charset="0"/>
+                <a:cs typeface="Calibri" panose="020F0502020204030204" pitchFamily="34" charset="0"/>
+              </a:rPr>
+              <a:t>- </a:t>
+            </a:r>
+            <a:r>
+              <a:rPr lang="en-US" sz="1400" dirty="0" err="1" smtClean="0">
+                <a:latin typeface="Calibri" panose="020F0502020204030204" pitchFamily="34" charset="0"/>
+                <a:cs typeface="Calibri" panose="020F0502020204030204" pitchFamily="34" charset="0"/>
+              </a:rPr>
+              <a:t>datatype</a:t>
+            </a:r>
+            <a:endParaRPr lang="en-US" sz="1400" dirty="0" smtClean="0">
+              <a:latin typeface="Calibri" panose="020F0502020204030204" pitchFamily="34" charset="0"/>
+              <a:cs typeface="Calibri" panose="020F0502020204030204" pitchFamily="34" charset="0"/>
+            </a:endParaRPr>
+          </a:p>
+          <a:p>
+            <a:r>
+              <a:rPr lang="en-US" sz="1400" dirty="0">
+                <a:latin typeface="Calibri" panose="020F0502020204030204" pitchFamily="34" charset="0"/>
+                <a:cs typeface="Calibri" panose="020F0502020204030204" pitchFamily="34" charset="0"/>
+              </a:rPr>
+              <a:t> </a:t>
+            </a:r>
+            <a:r>
+              <a:rPr lang="en-US" sz="1400" dirty="0" smtClean="0">
+                <a:latin typeface="Calibri" panose="020F0502020204030204" pitchFamily="34" charset="0"/>
+                <a:cs typeface="Calibri" panose="020F0502020204030204" pitchFamily="34" charset="0"/>
+              </a:rPr>
+              <a:t>- options</a:t>
+            </a:r>
+            <a:endParaRPr lang="en-US" sz="1400" dirty="0">
+              <a:latin typeface="Calibri" panose="020F0502020204030204" pitchFamily="34" charset="0"/>
+              <a:cs typeface="Calibri" panose="020F0502020204030204" pitchFamily="34" charset="0"/>
+            </a:endParaRPr>
+          </a:p>
+        </p:txBody>
+      </p:sp>
+      <p:cxnSp>
+        <p:nvCxnSpPr>
+          <p:cNvPr id="11" name="Straight Arrow Connector 10"/>
+          <p:cNvCxnSpPr/>
+          <p:nvPr/>
+        </p:nvCxnSpPr>
+        <p:spPr>
+          <a:xfrm>
+            <a:off x="2667000" y="3505200"/>
+            <a:ext cx="1752600" cy="0"/>
+          </a:xfrm>
+          <a:prstGeom prst="straightConnector1">
+            <a:avLst/>
+          </a:prstGeom>
+          <a:ln w="28575">
+            <a:tailEnd type="triangle"/>
+          </a:ln>
+        </p:spPr>
+        <p:style>
+          <a:lnRef idx="1">
+            <a:schemeClr val="accent1"/>
+          </a:lnRef>
+          <a:fillRef idx="0">
+            <a:schemeClr val="accent1"/>
+          </a:fillRef>
+          <a:effectRef idx="0">
+            <a:schemeClr val="accent1"/>
+          </a:effectRef>
+          <a:fontRef idx="minor">
+            <a:schemeClr val="tx1"/>
+          </a:fontRef>
+        </p:style>
+      </p:cxnSp>
+      <p:cxnSp>
+        <p:nvCxnSpPr>
+          <p:cNvPr id="13" name="Straight Arrow Connector 12"/>
+          <p:cNvCxnSpPr/>
+          <p:nvPr/>
+        </p:nvCxnSpPr>
+        <p:spPr>
+          <a:xfrm>
+            <a:off x="2667000" y="3733800"/>
+            <a:ext cx="1752600" cy="304798"/>
+          </a:xfrm>
+          <a:prstGeom prst="straightConnector1">
+            <a:avLst/>
+          </a:prstGeom>
+          <a:ln w="28575">
+            <a:tailEnd type="triangle"/>
+          </a:ln>
+        </p:spPr>
+        <p:style>
+          <a:lnRef idx="1">
+            <a:schemeClr val="accent1"/>
+          </a:lnRef>
+          <a:fillRef idx="0">
+            <a:schemeClr val="accent1"/>
+          </a:fillRef>
+          <a:effectRef idx="0">
+            <a:schemeClr val="accent1"/>
+          </a:effectRef>
+          <a:fontRef idx="minor">
+            <a:schemeClr val="tx1"/>
+          </a:fontRef>
+        </p:style>
+      </p:cxnSp>
+      <p:cxnSp>
+        <p:nvCxnSpPr>
+          <p:cNvPr id="15" name="Straight Arrow Connector 14"/>
+          <p:cNvCxnSpPr/>
+          <p:nvPr/>
+        </p:nvCxnSpPr>
+        <p:spPr>
+          <a:xfrm flipV="1">
+            <a:off x="3048000" y="4267199"/>
+            <a:ext cx="1447800" cy="76202"/>
+          </a:xfrm>
+          <a:prstGeom prst="straightConnector1">
+            <a:avLst/>
+          </a:prstGeom>
+          <a:ln w="28575">
+            <a:solidFill>
+              <a:srgbClr val="00B050"/>
+            </a:solidFill>
+            <a:tailEnd type="triangle"/>
+          </a:ln>
+        </p:spPr>
+        <p:style>
+          <a:lnRef idx="1">
+            <a:schemeClr val="accent1"/>
+          </a:lnRef>
+          <a:fillRef idx="0">
+            <a:schemeClr val="accent1"/>
+          </a:fillRef>
+          <a:effectRef idx="0">
+            <a:schemeClr val="accent1"/>
+          </a:effectRef>
+          <a:fontRef idx="minor">
+            <a:schemeClr val="tx1"/>
+          </a:fontRef>
+        </p:style>
+      </p:cxnSp>
+      <p:cxnSp>
+        <p:nvCxnSpPr>
+          <p:cNvPr id="17" name="Straight Arrow Connector 16"/>
+          <p:cNvCxnSpPr>
+            <a:endCxn id="25" idx="1"/>
+          </p:cNvCxnSpPr>
+          <p:nvPr/>
+        </p:nvCxnSpPr>
+        <p:spPr>
+          <a:xfrm flipV="1">
+            <a:off x="1371600" y="4686300"/>
+            <a:ext cx="3048000" cy="38098"/>
+          </a:xfrm>
+          <a:prstGeom prst="straightConnector1">
+            <a:avLst/>
+          </a:prstGeom>
+          <a:ln w="28575">
+            <a:solidFill>
+              <a:srgbClr val="C00000"/>
+            </a:solidFill>
+            <a:tailEnd type="triangle"/>
+          </a:ln>
+        </p:spPr>
+        <p:style>
+          <a:lnRef idx="1">
+            <a:schemeClr val="accent1"/>
+          </a:lnRef>
+          <a:fillRef idx="0">
+            <a:schemeClr val="accent1"/>
+          </a:fillRef>
+          <a:effectRef idx="0">
+            <a:schemeClr val="accent1"/>
+          </a:effectRef>
+          <a:fontRef idx="minor">
+            <a:schemeClr val="tx1"/>
+          </a:fontRef>
+        </p:style>
+      </p:cxnSp>
+      <p:sp>
+        <p:nvSpPr>
+          <p:cNvPr id="25" name="Left Brace 24"/>
+          <p:cNvSpPr/>
+          <p:nvPr/>
+        </p:nvSpPr>
+        <p:spPr>
+          <a:xfrm>
+            <a:off x="4419600" y="4343400"/>
+            <a:ext cx="187452" cy="685800"/>
+          </a:xfrm>
+          <a:prstGeom prst="leftBrace">
+            <a:avLst/>
+          </a:prstGeom>
+          <a:ln w="12700">
+            <a:solidFill>
+              <a:srgbClr val="C00000"/>
+            </a:solidFill>
+            <a:headEnd type="none" w="med" len="med"/>
+            <a:tailEnd type="none" w="med" len="med"/>
+          </a:ln>
+        </p:spPr>
+        <p:style>
+          <a:lnRef idx="1">
+            <a:schemeClr val="accent1"/>
+          </a:lnRef>
+          <a:fillRef idx="0">
+            <a:schemeClr val="accent1"/>
+          </a:fillRef>
+          <a:effectRef idx="0">
+            <a:schemeClr val="accent1"/>
+          </a:effectRef>
+          <a:fontRef idx="minor">
+            <a:schemeClr val="tx1"/>
+          </a:fontRef>
+        </p:style>
+        <p:txBody>
+          <a:bodyPr rtlCol="0" anchor="ctr"/>
+          <a:lstStyle/>
+          <a:p>
+            <a:pPr algn="ctr"/>
+            <a:endParaRPr lang="en-US"/>
           </a:p>
         </p:txBody>
       </p:sp>
     </p:spTree>
     <p:extLst>
       <p:ext uri="{BB962C8B-B14F-4D97-AF65-F5344CB8AC3E}">
-        <p14:creationId xmlns:p14="http://schemas.microsoft.com/office/powerpoint/2010/main" val="1958567696"/>
+        <p14:creationId xmlns:p14="http://schemas.microsoft.com/office/powerpoint/2010/main" val="2384678314"/>
       </p:ext>
     </p:extLst>
   </p:cSld>
@@ -5023,7 +5668,7 @@
           <a:p>
             <a:r>
               <a:rPr lang="en-US" dirty="0" smtClean="0"/>
-              <a:t>JSON Abstract Syntax Notation (JASN)</a:t>
+              <a:t>Abstract Schema Representations</a:t>
             </a:r>
             <a:endParaRPr lang="en-US" dirty="0"/>
           </a:p>
@@ -5061,349 +5706,18 @@
       </p:sp>
       <p:sp>
         <p:nvSpPr>
-          <p:cNvPr id="4" name="Content Placeholder 3"/>
-          <p:cNvSpPr>
-            <a:spLocks noGrp="1"/>
-          </p:cNvSpPr>
-          <p:nvPr>
-            <p:ph sz="quarter" idx="1"/>
-          </p:nvPr>
-        </p:nvSpPr>
-        <p:spPr/>
-        <p:txBody>
-          <a:bodyPr/>
-          <a:lstStyle/>
-          <a:p>
-            <a:r>
-              <a:rPr lang="en-US" dirty="0" smtClean="0"/>
-              <a:t>JSON document that defines an abstract schema</a:t>
-            </a:r>
-          </a:p>
-          <a:p>
-            <a:r>
-              <a:rPr lang="en-US" dirty="0" smtClean="0"/>
-              <a:t>Translate to concrete schemas</a:t>
-            </a:r>
-          </a:p>
-          <a:p>
-            <a:r>
-              <a:rPr lang="en-US" dirty="0" smtClean="0"/>
-              <a:t>Import directly by applications</a:t>
-            </a:r>
-            <a:endParaRPr lang="en-US" dirty="0"/>
-          </a:p>
-        </p:txBody>
-      </p:sp>
-    </p:spTree>
-    <p:extLst>
-      <p:ext uri="{BB962C8B-B14F-4D97-AF65-F5344CB8AC3E}">
-        <p14:creationId xmlns:p14="http://schemas.microsoft.com/office/powerpoint/2010/main" val="2384678314"/>
-      </p:ext>
-    </p:extLst>
-  </p:cSld>
-  <p:clrMapOvr>
-    <a:masterClrMapping/>
-  </p:clrMapOvr>
-</p:sld>
-</file>
-
-<file path=ppt/slides/slide12.xml><?xml version="1.0" encoding="utf-8"?>
-<p:sld xmlns:a="http://schemas.openxmlformats.org/drawingml/2006/main" xmlns:r="http://schemas.openxmlformats.org/officeDocument/2006/relationships" xmlns:p="http://schemas.openxmlformats.org/presentationml/2006/main">
-  <p:cSld>
-    <p:spTree>
-      <p:nvGrpSpPr>
-        <p:cNvPr id="1" name=""/>
-        <p:cNvGrpSpPr/>
-        <p:nvPr/>
-      </p:nvGrpSpPr>
-      <p:grpSpPr>
-        <a:xfrm>
-          <a:off x="0" y="0"/>
-          <a:ext cx="0" cy="0"/>
-          <a:chOff x="0" y="0"/>
-          <a:chExt cx="0" cy="0"/>
-        </a:xfrm>
-      </p:grpSpPr>
-      <p:cxnSp>
-        <p:nvCxnSpPr>
-          <p:cNvPr id="27" name="Straight Arrow Connector 26"/>
-          <p:cNvCxnSpPr>
-            <a:stCxn id="10" idx="2"/>
-          </p:cNvCxnSpPr>
+          <p:cNvPr id="10" name="Rounded Rectangle 9"/>
+          <p:cNvSpPr/>
           <p:nvPr/>
-        </p:nvCxnSpPr>
-        <p:spPr>
-          <a:xfrm flipH="1">
-            <a:off x="2324100" y="2971799"/>
-            <a:ext cx="2284797" cy="914401"/>
-          </a:xfrm>
-          <a:prstGeom prst="straightConnector1">
-            <a:avLst/>
-          </a:prstGeom>
-          <a:ln>
-            <a:tailEnd type="arrow"/>
-          </a:ln>
-        </p:spPr>
-        <p:style>
-          <a:lnRef idx="1">
-            <a:schemeClr val="accent1"/>
-          </a:lnRef>
-          <a:fillRef idx="0">
-            <a:schemeClr val="accent1"/>
-          </a:fillRef>
-          <a:effectRef idx="0">
-            <a:schemeClr val="accent1"/>
-          </a:effectRef>
-          <a:fontRef idx="minor">
-            <a:schemeClr val="tx1"/>
-          </a:fontRef>
-        </p:style>
-      </p:cxnSp>
-      <p:cxnSp>
-        <p:nvCxnSpPr>
-          <p:cNvPr id="28" name="Straight Arrow Connector 27"/>
-          <p:cNvCxnSpPr>
-            <a:stCxn id="10" idx="2"/>
-          </p:cNvCxnSpPr>
-          <p:nvPr/>
-        </p:nvCxnSpPr>
-        <p:spPr>
-          <a:xfrm flipH="1">
-            <a:off x="3602857" y="2971799"/>
-            <a:ext cx="1006040" cy="914401"/>
-          </a:xfrm>
-          <a:prstGeom prst="straightConnector1">
-            <a:avLst/>
-          </a:prstGeom>
-          <a:ln>
-            <a:tailEnd type="arrow"/>
-          </a:ln>
-        </p:spPr>
-        <p:style>
-          <a:lnRef idx="1">
-            <a:schemeClr val="accent1"/>
-          </a:lnRef>
-          <a:fillRef idx="0">
-            <a:schemeClr val="accent1"/>
-          </a:fillRef>
-          <a:effectRef idx="0">
-            <a:schemeClr val="accent1"/>
-          </a:effectRef>
-          <a:fontRef idx="minor">
-            <a:schemeClr val="tx1"/>
-          </a:fontRef>
-        </p:style>
-      </p:cxnSp>
-      <p:cxnSp>
-        <p:nvCxnSpPr>
-          <p:cNvPr id="32" name="Straight Arrow Connector 31"/>
-          <p:cNvCxnSpPr>
-            <a:stCxn id="10" idx="2"/>
-            <a:endCxn id="15" idx="0"/>
-          </p:cNvCxnSpPr>
-          <p:nvPr/>
-        </p:nvCxnSpPr>
-        <p:spPr>
-          <a:xfrm flipH="1">
-            <a:off x="4388718" y="2971799"/>
-            <a:ext cx="220179" cy="910390"/>
-          </a:xfrm>
-          <a:prstGeom prst="straightConnector1">
-            <a:avLst/>
-          </a:prstGeom>
-          <a:ln>
-            <a:tailEnd type="arrow"/>
-          </a:ln>
-        </p:spPr>
-        <p:style>
-          <a:lnRef idx="1">
-            <a:schemeClr val="accent1"/>
-          </a:lnRef>
-          <a:fillRef idx="0">
-            <a:schemeClr val="accent1"/>
-          </a:fillRef>
-          <a:effectRef idx="0">
-            <a:schemeClr val="accent1"/>
-          </a:effectRef>
-          <a:fontRef idx="minor">
-            <a:schemeClr val="tx1"/>
-          </a:fontRef>
-        </p:style>
-      </p:cxnSp>
-      <p:cxnSp>
-        <p:nvCxnSpPr>
-          <p:cNvPr id="34" name="Straight Arrow Connector 33"/>
-          <p:cNvCxnSpPr>
-            <a:stCxn id="10" idx="2"/>
-            <a:endCxn id="17" idx="0"/>
-          </p:cNvCxnSpPr>
-          <p:nvPr/>
-        </p:nvCxnSpPr>
+        </p:nvSpPr>
         <p:spPr>
           <a:xfrm>
-            <a:off x="4608897" y="2971799"/>
-            <a:ext cx="1040730" cy="914401"/>
-          </a:xfrm>
-          <a:prstGeom prst="straightConnector1">
-            <a:avLst/>
-          </a:prstGeom>
-          <a:ln>
-            <a:tailEnd type="arrow"/>
-          </a:ln>
-        </p:spPr>
-        <p:style>
-          <a:lnRef idx="1">
-            <a:schemeClr val="accent1"/>
-          </a:lnRef>
-          <a:fillRef idx="0">
-            <a:schemeClr val="accent1"/>
-          </a:fillRef>
-          <a:effectRef idx="0">
-            <a:schemeClr val="accent1"/>
-          </a:effectRef>
-          <a:fontRef idx="minor">
-            <a:schemeClr val="tx1"/>
-          </a:fontRef>
-        </p:style>
-      </p:cxnSp>
-      <p:cxnSp>
-        <p:nvCxnSpPr>
-          <p:cNvPr id="37" name="Straight Arrow Connector 36"/>
-          <p:cNvCxnSpPr>
-            <a:stCxn id="10" idx="2"/>
-            <a:endCxn id="16" idx="0"/>
-          </p:cNvCxnSpPr>
-          <p:nvPr/>
-        </p:nvCxnSpPr>
-        <p:spPr>
-          <a:xfrm>
-            <a:off x="4608897" y="2971799"/>
-            <a:ext cx="2225439" cy="910390"/>
-          </a:xfrm>
-          <a:prstGeom prst="straightConnector1">
-            <a:avLst/>
-          </a:prstGeom>
-          <a:ln>
-            <a:tailEnd type="arrow"/>
-          </a:ln>
-        </p:spPr>
-        <p:style>
-          <a:lnRef idx="1">
-            <a:schemeClr val="accent1"/>
-          </a:lnRef>
-          <a:fillRef idx="0">
-            <a:schemeClr val="accent1"/>
-          </a:fillRef>
-          <a:effectRef idx="0">
-            <a:schemeClr val="accent1"/>
-          </a:effectRef>
-          <a:fontRef idx="minor">
-            <a:schemeClr val="tx1"/>
-          </a:fontRef>
-        </p:style>
-      </p:cxnSp>
-      <p:cxnSp>
-        <p:nvCxnSpPr>
-          <p:cNvPr id="40" name="Straight Arrow Connector 39"/>
-          <p:cNvCxnSpPr>
-            <a:stCxn id="10" idx="2"/>
-          </p:cNvCxnSpPr>
-          <p:nvPr/>
-        </p:nvCxnSpPr>
-        <p:spPr>
-          <a:xfrm>
-            <a:off x="4608897" y="2971799"/>
-            <a:ext cx="3011103" cy="910390"/>
-          </a:xfrm>
-          <a:prstGeom prst="straightConnector1">
-            <a:avLst/>
-          </a:prstGeom>
-          <a:ln>
-            <a:tailEnd type="arrow"/>
-          </a:ln>
-        </p:spPr>
-        <p:style>
-          <a:lnRef idx="1">
-            <a:schemeClr val="accent1"/>
-          </a:lnRef>
-          <a:fillRef idx="0">
-            <a:schemeClr val="accent1"/>
-          </a:fillRef>
-          <a:effectRef idx="0">
-            <a:schemeClr val="accent1"/>
-          </a:effectRef>
-          <a:fontRef idx="minor">
-            <a:schemeClr val="tx1"/>
-          </a:fontRef>
-        </p:style>
-      </p:cxnSp>
-      <p:sp>
-        <p:nvSpPr>
-          <p:cNvPr id="2" name="Title 1"/>
-          <p:cNvSpPr>
-            <a:spLocks noGrp="1"/>
-          </p:cNvSpPr>
-          <p:nvPr>
-            <p:ph type="title"/>
-          </p:nvPr>
-        </p:nvSpPr>
-        <p:spPr/>
-        <p:txBody>
-          <a:bodyPr/>
-          <a:lstStyle/>
-          <a:p>
-            <a:r>
-              <a:rPr lang="en-US" dirty="0" smtClean="0"/>
-              <a:t>Vision</a:t>
-            </a:r>
-            <a:endParaRPr lang="en-US" dirty="0"/>
-          </a:p>
-        </p:txBody>
-      </p:sp>
-      <p:sp>
-        <p:nvSpPr>
-          <p:cNvPr id="3" name="Slide Number Placeholder 2"/>
-          <p:cNvSpPr>
-            <a:spLocks noGrp="1"/>
-          </p:cNvSpPr>
-          <p:nvPr>
-            <p:ph type="sldNum" sz="quarter" idx="12"/>
-          </p:nvPr>
-        </p:nvSpPr>
-        <p:spPr/>
-        <p:txBody>
-          <a:bodyPr>
-            <a:normAutofit fontScale="85000" lnSpcReduction="20000"/>
-          </a:bodyPr>
-          <a:lstStyle/>
-          <a:p>
-            <a:fld id="{F43FF47F-E574-4450-810A-2029F5FBFFA6}" type="slidenum">
-              <a:rPr kumimoji="0" lang="en-US" smtClean="0"/>
-              <a:pPr/>
-              <a:t>12</a:t>
-            </a:fld>
-            <a:endParaRPr kumimoji="0" lang="en-US" dirty="0">
-              <a:solidFill>
-                <a:srgbClr val="FFFFFF"/>
-              </a:solidFill>
-            </a:endParaRPr>
-          </a:p>
-        </p:txBody>
-      </p:sp>
-      <p:sp>
-        <p:nvSpPr>
-          <p:cNvPr id="5" name="Rounded Rectangle 4"/>
-          <p:cNvSpPr/>
-          <p:nvPr/>
-        </p:nvSpPr>
-        <p:spPr>
-          <a:xfrm>
-            <a:off x="1828800" y="2414336"/>
-            <a:ext cx="1064795" cy="557464"/>
+            <a:off x="3903857" y="2438400"/>
+            <a:ext cx="1334101" cy="685800"/>
           </a:xfrm>
           <a:prstGeom prst="roundRect">
             <a:avLst>
-              <a:gd name="adj" fmla="val 10746"/>
+              <a:gd name="adj" fmla="val 22712"/>
             </a:avLst>
           </a:prstGeom>
           <a:solidFill>
@@ -5442,25 +5756,3179 @@
                 </a:solidFill>
                 <a:latin typeface="Calibri" panose="020F0502020204030204" pitchFamily="34" charset="0"/>
               </a:rPr>
-              <a:t>Python Classes</a:t>
-            </a:r>
-          </a:p>
-        </p:txBody>
-      </p:sp>
-      <p:sp>
-        <p:nvSpPr>
-          <p:cNvPr id="7" name="Rounded Rectangle 6"/>
+              <a:t>Abstract Syntax</a:t>
+            </a:r>
+          </a:p>
+        </p:txBody>
+      </p:sp>
+      <p:graphicFrame>
+        <p:nvGraphicFramePr>
+          <p:cNvPr id="19" name="Content Placeholder 18"/>
+          <p:cNvGraphicFramePr>
+            <a:graphicFrameLocks noGrp="1"/>
+          </p:cNvGraphicFramePr>
+          <p:nvPr>
+            <p:ph sz="quarter" idx="1"/>
+            <p:extLst>
+              <p:ext uri="{D42A27DB-BD31-4B8C-83A1-F6EECF244321}">
+                <p14:modId xmlns:p14="http://schemas.microsoft.com/office/powerpoint/2010/main" val="2768370469"/>
+              </p:ext>
+            </p:extLst>
+          </p:nvPr>
+        </p:nvGraphicFramePr>
+        <p:xfrm>
+          <a:off x="1504159" y="4572000"/>
+          <a:ext cx="1295400" cy="1066800"/>
+        </p:xfrm>
+        <a:graphic>
+          <a:graphicData uri="http://schemas.openxmlformats.org/drawingml/2006/table">
+            <a:tbl>
+              <a:tblPr firstRow="1" bandRow="1">
+                <a:tableStyleId>{5C22544A-7EE6-4342-B048-85BDC9FD1C3A}</a:tableStyleId>
+              </a:tblPr>
+              <a:tblGrid>
+                <a:gridCol w="218111"/>
+                <a:gridCol w="430916"/>
+                <a:gridCol w="646373"/>
+              </a:tblGrid>
+              <a:tr h="116917">
+                <a:tc>
+                  <a:txBody>
+                    <a:bodyPr/>
+                    <a:lstStyle/>
+                    <a:p>
+                      <a:pPr algn="ctr"/>
+                      <a:r>
+                        <a:rPr lang="en-US" sz="800" b="0" dirty="0" smtClean="0"/>
+                        <a:t>Tag</a:t>
+                      </a:r>
+                      <a:endParaRPr lang="en-US" sz="800" b="0" dirty="0"/>
+                    </a:p>
+                  </a:txBody>
+                  <a:tcPr marL="18288" marR="18288">
+                    <a:lnL w="12700" cap="flat" cmpd="sng" algn="ctr">
+                      <a:solidFill>
+                        <a:schemeClr val="tx1"/>
+                      </a:solidFill>
+                      <a:prstDash val="solid"/>
+                      <a:round/>
+                      <a:headEnd type="none" w="med" len="med"/>
+                      <a:tailEnd type="none" w="med" len="med"/>
+                    </a:lnL>
+                    <a:lnR w="12700" cap="flat" cmpd="sng" algn="ctr">
+                      <a:solidFill>
+                        <a:schemeClr val="tx1"/>
+                      </a:solidFill>
+                      <a:prstDash val="solid"/>
+                      <a:round/>
+                      <a:headEnd type="none" w="med" len="med"/>
+                      <a:tailEnd type="none" w="med" len="med"/>
+                    </a:lnR>
+                    <a:lnT w="12700" cap="flat" cmpd="sng" algn="ctr">
+                      <a:solidFill>
+                        <a:schemeClr val="tx1"/>
+                      </a:solidFill>
+                      <a:prstDash val="solid"/>
+                      <a:round/>
+                      <a:headEnd type="none" w="med" len="med"/>
+                      <a:tailEnd type="none" w="med" len="med"/>
+                    </a:lnT>
+                    <a:lnB w="12700" cap="flat" cmpd="sng" algn="ctr">
+                      <a:solidFill>
+                        <a:schemeClr val="tx1"/>
+                      </a:solidFill>
+                      <a:prstDash val="solid"/>
+                      <a:round/>
+                      <a:headEnd type="none" w="med" len="med"/>
+                      <a:tailEnd type="none" w="med" len="med"/>
+                    </a:lnB>
+                  </a:tcPr>
+                </a:tc>
+                <a:tc>
+                  <a:txBody>
+                    <a:bodyPr/>
+                    <a:lstStyle/>
+                    <a:p>
+                      <a:pPr algn="ctr"/>
+                      <a:r>
+                        <a:rPr lang="en-US" sz="800" b="0" dirty="0" smtClean="0"/>
+                        <a:t>Prop</a:t>
+                      </a:r>
+                      <a:endParaRPr lang="en-US" sz="800" b="0" dirty="0"/>
+                    </a:p>
+                  </a:txBody>
+                  <a:tcPr marL="18288" marR="18288">
+                    <a:lnL w="12700" cap="flat" cmpd="sng" algn="ctr">
+                      <a:solidFill>
+                        <a:schemeClr val="tx1"/>
+                      </a:solidFill>
+                      <a:prstDash val="solid"/>
+                      <a:round/>
+                      <a:headEnd type="none" w="med" len="med"/>
+                      <a:tailEnd type="none" w="med" len="med"/>
+                    </a:lnL>
+                    <a:lnR w="12700" cap="flat" cmpd="sng" algn="ctr">
+                      <a:solidFill>
+                        <a:schemeClr val="tx1"/>
+                      </a:solidFill>
+                      <a:prstDash val="solid"/>
+                      <a:round/>
+                      <a:headEnd type="none" w="med" len="med"/>
+                      <a:tailEnd type="none" w="med" len="med"/>
+                    </a:lnR>
+                    <a:lnT w="12700" cap="flat" cmpd="sng" algn="ctr">
+                      <a:solidFill>
+                        <a:schemeClr val="tx1"/>
+                      </a:solidFill>
+                      <a:prstDash val="solid"/>
+                      <a:round/>
+                      <a:headEnd type="none" w="med" len="med"/>
+                      <a:tailEnd type="none" w="med" len="med"/>
+                    </a:lnT>
+                    <a:lnB w="12700" cap="flat" cmpd="sng" algn="ctr">
+                      <a:solidFill>
+                        <a:schemeClr val="tx1"/>
+                      </a:solidFill>
+                      <a:prstDash val="solid"/>
+                      <a:round/>
+                      <a:headEnd type="none" w="med" len="med"/>
+                      <a:tailEnd type="none" w="med" len="med"/>
+                    </a:lnB>
+                  </a:tcPr>
+                </a:tc>
+                <a:tc>
+                  <a:txBody>
+                    <a:bodyPr/>
+                    <a:lstStyle/>
+                    <a:p>
+                      <a:pPr algn="ctr"/>
+                      <a:r>
+                        <a:rPr lang="en-US" sz="800" b="0" dirty="0" smtClean="0"/>
+                        <a:t>Type</a:t>
+                      </a:r>
+                      <a:endParaRPr lang="en-US" sz="800" b="0" dirty="0"/>
+                    </a:p>
+                  </a:txBody>
+                  <a:tcPr marL="18288" marR="18288">
+                    <a:lnL w="12700" cap="flat" cmpd="sng" algn="ctr">
+                      <a:solidFill>
+                        <a:schemeClr val="tx1"/>
+                      </a:solidFill>
+                      <a:prstDash val="solid"/>
+                      <a:round/>
+                      <a:headEnd type="none" w="med" len="med"/>
+                      <a:tailEnd type="none" w="med" len="med"/>
+                    </a:lnL>
+                    <a:lnR w="12700" cap="flat" cmpd="sng" algn="ctr">
+                      <a:solidFill>
+                        <a:schemeClr val="tx1"/>
+                      </a:solidFill>
+                      <a:prstDash val="solid"/>
+                      <a:round/>
+                      <a:headEnd type="none" w="med" len="med"/>
+                      <a:tailEnd type="none" w="med" len="med"/>
+                    </a:lnR>
+                    <a:lnT w="12700" cap="flat" cmpd="sng" algn="ctr">
+                      <a:solidFill>
+                        <a:schemeClr val="tx1"/>
+                      </a:solidFill>
+                      <a:prstDash val="solid"/>
+                      <a:round/>
+                      <a:headEnd type="none" w="med" len="med"/>
+                      <a:tailEnd type="none" w="med" len="med"/>
+                    </a:lnT>
+                    <a:lnB w="12700" cap="flat" cmpd="sng" algn="ctr">
+                      <a:solidFill>
+                        <a:schemeClr val="tx1"/>
+                      </a:solidFill>
+                      <a:prstDash val="solid"/>
+                      <a:round/>
+                      <a:headEnd type="none" w="med" len="med"/>
+                      <a:tailEnd type="none" w="med" len="med"/>
+                    </a:lnB>
+                  </a:tcPr>
+                </a:tc>
+              </a:tr>
+              <a:tr h="142540">
+                <a:tc>
+                  <a:txBody>
+                    <a:bodyPr/>
+                    <a:lstStyle/>
+                    <a:p>
+                      <a:pPr algn="ctr"/>
+                      <a:r>
+                        <a:rPr lang="en-US" sz="800" dirty="0" smtClean="0"/>
+                        <a:t>1</a:t>
+                      </a:r>
+                      <a:endParaRPr lang="en-US" sz="800" dirty="0"/>
+                    </a:p>
+                  </a:txBody>
+                  <a:tcPr marL="18288" marR="18288">
+                    <a:lnL w="12700" cap="flat" cmpd="sng" algn="ctr">
+                      <a:solidFill>
+                        <a:schemeClr val="tx1"/>
+                      </a:solidFill>
+                      <a:prstDash val="solid"/>
+                      <a:round/>
+                      <a:headEnd type="none" w="med" len="med"/>
+                      <a:tailEnd type="none" w="med" len="med"/>
+                    </a:lnL>
+                    <a:lnR w="12700" cap="flat" cmpd="sng" algn="ctr">
+                      <a:solidFill>
+                        <a:schemeClr val="tx1"/>
+                      </a:solidFill>
+                      <a:prstDash val="solid"/>
+                      <a:round/>
+                      <a:headEnd type="none" w="med" len="med"/>
+                      <a:tailEnd type="none" w="med" len="med"/>
+                    </a:lnR>
+                    <a:lnT w="12700" cap="flat" cmpd="sng" algn="ctr">
+                      <a:solidFill>
+                        <a:schemeClr val="tx1"/>
+                      </a:solidFill>
+                      <a:prstDash val="solid"/>
+                      <a:round/>
+                      <a:headEnd type="none" w="med" len="med"/>
+                      <a:tailEnd type="none" w="med" len="med"/>
+                    </a:lnT>
+                    <a:lnB w="12700" cap="flat" cmpd="sng" algn="ctr">
+                      <a:solidFill>
+                        <a:schemeClr val="tx1"/>
+                      </a:solidFill>
+                      <a:prstDash val="solid"/>
+                      <a:round/>
+                      <a:headEnd type="none" w="med" len="med"/>
+                      <a:tailEnd type="none" w="med" len="med"/>
+                    </a:lnB>
+                    <a:solidFill>
+                      <a:schemeClr val="bg1"/>
+                    </a:solidFill>
+                  </a:tcPr>
+                </a:tc>
+                <a:tc>
+                  <a:txBody>
+                    <a:bodyPr/>
+                    <a:lstStyle/>
+                    <a:p>
+                      <a:r>
+                        <a:rPr lang="en-US" sz="800" dirty="0" smtClean="0"/>
+                        <a:t>action</a:t>
+                      </a:r>
+                      <a:endParaRPr lang="en-US" sz="800" dirty="0"/>
+                    </a:p>
+                  </a:txBody>
+                  <a:tcPr marL="18288" marR="18288">
+                    <a:lnL w="12700" cap="flat" cmpd="sng" algn="ctr">
+                      <a:solidFill>
+                        <a:schemeClr val="tx1"/>
+                      </a:solidFill>
+                      <a:prstDash val="solid"/>
+                      <a:round/>
+                      <a:headEnd type="none" w="med" len="med"/>
+                      <a:tailEnd type="none" w="med" len="med"/>
+                    </a:lnL>
+                    <a:lnR w="12700" cap="flat" cmpd="sng" algn="ctr">
+                      <a:solidFill>
+                        <a:schemeClr val="tx1"/>
+                      </a:solidFill>
+                      <a:prstDash val="solid"/>
+                      <a:round/>
+                      <a:headEnd type="none" w="med" len="med"/>
+                      <a:tailEnd type="none" w="med" len="med"/>
+                    </a:lnR>
+                    <a:lnT w="12700" cap="flat" cmpd="sng" algn="ctr">
+                      <a:solidFill>
+                        <a:schemeClr val="tx1"/>
+                      </a:solidFill>
+                      <a:prstDash val="solid"/>
+                      <a:round/>
+                      <a:headEnd type="none" w="med" len="med"/>
+                      <a:tailEnd type="none" w="med" len="med"/>
+                    </a:lnT>
+                    <a:lnB w="12700" cap="flat" cmpd="sng" algn="ctr">
+                      <a:solidFill>
+                        <a:schemeClr val="tx1"/>
+                      </a:solidFill>
+                      <a:prstDash val="solid"/>
+                      <a:round/>
+                      <a:headEnd type="none" w="med" len="med"/>
+                      <a:tailEnd type="none" w="med" len="med"/>
+                    </a:lnB>
+                    <a:solidFill>
+                      <a:schemeClr val="bg1"/>
+                    </a:solidFill>
+                  </a:tcPr>
+                </a:tc>
+                <a:tc>
+                  <a:txBody>
+                    <a:bodyPr/>
+                    <a:lstStyle/>
+                    <a:p>
+                      <a:r>
+                        <a:rPr lang="en-US" sz="800" dirty="0" smtClean="0"/>
+                        <a:t>String</a:t>
+                      </a:r>
+                      <a:endParaRPr lang="en-US" sz="800" dirty="0"/>
+                    </a:p>
+                  </a:txBody>
+                  <a:tcPr marL="18288" marR="18288">
+                    <a:lnL w="12700" cap="flat" cmpd="sng" algn="ctr">
+                      <a:solidFill>
+                        <a:schemeClr val="tx1"/>
+                      </a:solidFill>
+                      <a:prstDash val="solid"/>
+                      <a:round/>
+                      <a:headEnd type="none" w="med" len="med"/>
+                      <a:tailEnd type="none" w="med" len="med"/>
+                    </a:lnL>
+                    <a:lnR w="12700" cap="flat" cmpd="sng" algn="ctr">
+                      <a:solidFill>
+                        <a:schemeClr val="tx1"/>
+                      </a:solidFill>
+                      <a:prstDash val="solid"/>
+                      <a:round/>
+                      <a:headEnd type="none" w="med" len="med"/>
+                      <a:tailEnd type="none" w="med" len="med"/>
+                    </a:lnR>
+                    <a:lnT w="12700" cap="flat" cmpd="sng" algn="ctr">
+                      <a:solidFill>
+                        <a:schemeClr val="tx1"/>
+                      </a:solidFill>
+                      <a:prstDash val="solid"/>
+                      <a:round/>
+                      <a:headEnd type="none" w="med" len="med"/>
+                      <a:tailEnd type="none" w="med" len="med"/>
+                    </a:lnT>
+                    <a:lnB w="12700" cap="flat" cmpd="sng" algn="ctr">
+                      <a:solidFill>
+                        <a:schemeClr val="tx1"/>
+                      </a:solidFill>
+                      <a:prstDash val="solid"/>
+                      <a:round/>
+                      <a:headEnd type="none" w="med" len="med"/>
+                      <a:tailEnd type="none" w="med" len="med"/>
+                    </a:lnB>
+                    <a:solidFill>
+                      <a:schemeClr val="bg1"/>
+                    </a:solidFill>
+                  </a:tcPr>
+                </a:tc>
+              </a:tr>
+              <a:tr h="142540">
+                <a:tc>
+                  <a:txBody>
+                    <a:bodyPr/>
+                    <a:lstStyle/>
+                    <a:p>
+                      <a:pPr algn="ctr"/>
+                      <a:r>
+                        <a:rPr lang="en-US" sz="800" dirty="0" smtClean="0"/>
+                        <a:t>2</a:t>
+                      </a:r>
+                      <a:endParaRPr lang="en-US" sz="800" dirty="0"/>
+                    </a:p>
+                  </a:txBody>
+                  <a:tcPr marL="18288" marR="18288">
+                    <a:lnL w="12700" cap="flat" cmpd="sng" algn="ctr">
+                      <a:solidFill>
+                        <a:schemeClr val="tx1"/>
+                      </a:solidFill>
+                      <a:prstDash val="solid"/>
+                      <a:round/>
+                      <a:headEnd type="none" w="med" len="med"/>
+                      <a:tailEnd type="none" w="med" len="med"/>
+                    </a:lnL>
+                    <a:lnR w="12700" cap="flat" cmpd="sng" algn="ctr">
+                      <a:solidFill>
+                        <a:schemeClr val="tx1"/>
+                      </a:solidFill>
+                      <a:prstDash val="solid"/>
+                      <a:round/>
+                      <a:headEnd type="none" w="med" len="med"/>
+                      <a:tailEnd type="none" w="med" len="med"/>
+                    </a:lnR>
+                    <a:lnT w="12700" cap="flat" cmpd="sng" algn="ctr">
+                      <a:solidFill>
+                        <a:schemeClr val="tx1"/>
+                      </a:solidFill>
+                      <a:prstDash val="solid"/>
+                      <a:round/>
+                      <a:headEnd type="none" w="med" len="med"/>
+                      <a:tailEnd type="none" w="med" len="med"/>
+                    </a:lnT>
+                    <a:lnB w="12700" cap="flat" cmpd="sng" algn="ctr">
+                      <a:solidFill>
+                        <a:schemeClr val="tx1"/>
+                      </a:solidFill>
+                      <a:prstDash val="solid"/>
+                      <a:round/>
+                      <a:headEnd type="none" w="med" len="med"/>
+                      <a:tailEnd type="none" w="med" len="med"/>
+                    </a:lnB>
+                    <a:solidFill>
+                      <a:schemeClr val="bg1"/>
+                    </a:solidFill>
+                  </a:tcPr>
+                </a:tc>
+                <a:tc>
+                  <a:txBody>
+                    <a:bodyPr/>
+                    <a:lstStyle/>
+                    <a:p>
+                      <a:r>
+                        <a:rPr lang="en-US" sz="800" dirty="0" smtClean="0"/>
+                        <a:t>target</a:t>
+                      </a:r>
+                      <a:endParaRPr lang="en-US" sz="800" dirty="0"/>
+                    </a:p>
+                  </a:txBody>
+                  <a:tcPr marL="18288" marR="18288">
+                    <a:lnL w="12700" cap="flat" cmpd="sng" algn="ctr">
+                      <a:solidFill>
+                        <a:schemeClr val="tx1"/>
+                      </a:solidFill>
+                      <a:prstDash val="solid"/>
+                      <a:round/>
+                      <a:headEnd type="none" w="med" len="med"/>
+                      <a:tailEnd type="none" w="med" len="med"/>
+                    </a:lnL>
+                    <a:lnR w="12700" cap="flat" cmpd="sng" algn="ctr">
+                      <a:solidFill>
+                        <a:schemeClr val="tx1"/>
+                      </a:solidFill>
+                      <a:prstDash val="solid"/>
+                      <a:round/>
+                      <a:headEnd type="none" w="med" len="med"/>
+                      <a:tailEnd type="none" w="med" len="med"/>
+                    </a:lnR>
+                    <a:lnT w="12700" cap="flat" cmpd="sng" algn="ctr">
+                      <a:solidFill>
+                        <a:schemeClr val="tx1"/>
+                      </a:solidFill>
+                      <a:prstDash val="solid"/>
+                      <a:round/>
+                      <a:headEnd type="none" w="med" len="med"/>
+                      <a:tailEnd type="none" w="med" len="med"/>
+                    </a:lnT>
+                    <a:lnB w="12700" cap="flat" cmpd="sng" algn="ctr">
+                      <a:solidFill>
+                        <a:schemeClr val="tx1"/>
+                      </a:solidFill>
+                      <a:prstDash val="solid"/>
+                      <a:round/>
+                      <a:headEnd type="none" w="med" len="med"/>
+                      <a:tailEnd type="none" w="med" len="med"/>
+                    </a:lnB>
+                    <a:solidFill>
+                      <a:schemeClr val="bg1"/>
+                    </a:solidFill>
+                  </a:tcPr>
+                </a:tc>
+                <a:tc>
+                  <a:txBody>
+                    <a:bodyPr/>
+                    <a:lstStyle/>
+                    <a:p>
+                      <a:r>
+                        <a:rPr lang="en-US" sz="800" dirty="0" err="1" smtClean="0"/>
+                        <a:t>TargetType</a:t>
+                      </a:r>
+                      <a:endParaRPr lang="en-US" sz="800" dirty="0" smtClean="0"/>
+                    </a:p>
+                  </a:txBody>
+                  <a:tcPr marL="18288" marR="18288">
+                    <a:lnL w="12700" cap="flat" cmpd="sng" algn="ctr">
+                      <a:solidFill>
+                        <a:schemeClr val="tx1"/>
+                      </a:solidFill>
+                      <a:prstDash val="solid"/>
+                      <a:round/>
+                      <a:headEnd type="none" w="med" len="med"/>
+                      <a:tailEnd type="none" w="med" len="med"/>
+                    </a:lnL>
+                    <a:lnR w="12700" cap="flat" cmpd="sng" algn="ctr">
+                      <a:solidFill>
+                        <a:schemeClr val="tx1"/>
+                      </a:solidFill>
+                      <a:prstDash val="solid"/>
+                      <a:round/>
+                      <a:headEnd type="none" w="med" len="med"/>
+                      <a:tailEnd type="none" w="med" len="med"/>
+                    </a:lnR>
+                    <a:lnT w="12700" cap="flat" cmpd="sng" algn="ctr">
+                      <a:solidFill>
+                        <a:schemeClr val="tx1"/>
+                      </a:solidFill>
+                      <a:prstDash val="solid"/>
+                      <a:round/>
+                      <a:headEnd type="none" w="med" len="med"/>
+                      <a:tailEnd type="none" w="med" len="med"/>
+                    </a:lnT>
+                    <a:lnB w="12700" cap="flat" cmpd="sng" algn="ctr">
+                      <a:solidFill>
+                        <a:schemeClr val="tx1"/>
+                      </a:solidFill>
+                      <a:prstDash val="solid"/>
+                      <a:round/>
+                      <a:headEnd type="none" w="med" len="med"/>
+                      <a:tailEnd type="none" w="med" len="med"/>
+                    </a:lnB>
+                    <a:solidFill>
+                      <a:schemeClr val="bg1"/>
+                    </a:solidFill>
+                  </a:tcPr>
+                </a:tc>
+              </a:tr>
+              <a:tr h="142540">
+                <a:tc>
+                  <a:txBody>
+                    <a:bodyPr/>
+                    <a:lstStyle/>
+                    <a:p>
+                      <a:pPr algn="ctr"/>
+                      <a:r>
+                        <a:rPr lang="en-US" sz="800" dirty="0" smtClean="0"/>
+                        <a:t>3</a:t>
+                      </a:r>
+                      <a:endParaRPr lang="en-US" sz="800" dirty="0"/>
+                    </a:p>
+                  </a:txBody>
+                  <a:tcPr marL="18288" marR="18288">
+                    <a:lnL w="12700" cap="flat" cmpd="sng" algn="ctr">
+                      <a:solidFill>
+                        <a:schemeClr val="tx1"/>
+                      </a:solidFill>
+                      <a:prstDash val="solid"/>
+                      <a:round/>
+                      <a:headEnd type="none" w="med" len="med"/>
+                      <a:tailEnd type="none" w="med" len="med"/>
+                    </a:lnL>
+                    <a:lnR w="12700" cap="flat" cmpd="sng" algn="ctr">
+                      <a:solidFill>
+                        <a:schemeClr val="tx1"/>
+                      </a:solidFill>
+                      <a:prstDash val="solid"/>
+                      <a:round/>
+                      <a:headEnd type="none" w="med" len="med"/>
+                      <a:tailEnd type="none" w="med" len="med"/>
+                    </a:lnR>
+                    <a:lnT w="12700" cap="flat" cmpd="sng" algn="ctr">
+                      <a:solidFill>
+                        <a:schemeClr val="tx1"/>
+                      </a:solidFill>
+                      <a:prstDash val="solid"/>
+                      <a:round/>
+                      <a:headEnd type="none" w="med" len="med"/>
+                      <a:tailEnd type="none" w="med" len="med"/>
+                    </a:lnT>
+                    <a:lnB w="12700" cap="flat" cmpd="sng" algn="ctr">
+                      <a:solidFill>
+                        <a:schemeClr val="tx1"/>
+                      </a:solidFill>
+                      <a:prstDash val="solid"/>
+                      <a:round/>
+                      <a:headEnd type="none" w="med" len="med"/>
+                      <a:tailEnd type="none" w="med" len="med"/>
+                    </a:lnB>
+                    <a:solidFill>
+                      <a:schemeClr val="bg1"/>
+                    </a:solidFill>
+                  </a:tcPr>
+                </a:tc>
+                <a:tc>
+                  <a:txBody>
+                    <a:bodyPr/>
+                    <a:lstStyle/>
+                    <a:p>
+                      <a:r>
+                        <a:rPr lang="en-US" sz="800" dirty="0" smtClean="0"/>
+                        <a:t>actuator</a:t>
+                      </a:r>
+                      <a:endParaRPr lang="en-US" sz="800" dirty="0"/>
+                    </a:p>
+                  </a:txBody>
+                  <a:tcPr marL="18288" marR="18288">
+                    <a:lnL w="12700" cap="flat" cmpd="sng" algn="ctr">
+                      <a:solidFill>
+                        <a:schemeClr val="tx1"/>
+                      </a:solidFill>
+                      <a:prstDash val="solid"/>
+                      <a:round/>
+                      <a:headEnd type="none" w="med" len="med"/>
+                      <a:tailEnd type="none" w="med" len="med"/>
+                    </a:lnL>
+                    <a:lnR w="12700" cap="flat" cmpd="sng" algn="ctr">
+                      <a:solidFill>
+                        <a:schemeClr val="tx1"/>
+                      </a:solidFill>
+                      <a:prstDash val="solid"/>
+                      <a:round/>
+                      <a:headEnd type="none" w="med" len="med"/>
+                      <a:tailEnd type="none" w="med" len="med"/>
+                    </a:lnR>
+                    <a:lnT w="12700" cap="flat" cmpd="sng" algn="ctr">
+                      <a:solidFill>
+                        <a:schemeClr val="tx1"/>
+                      </a:solidFill>
+                      <a:prstDash val="solid"/>
+                      <a:round/>
+                      <a:headEnd type="none" w="med" len="med"/>
+                      <a:tailEnd type="none" w="med" len="med"/>
+                    </a:lnT>
+                    <a:lnB w="12700" cap="flat" cmpd="sng" algn="ctr">
+                      <a:solidFill>
+                        <a:schemeClr val="tx1"/>
+                      </a:solidFill>
+                      <a:prstDash val="solid"/>
+                      <a:round/>
+                      <a:headEnd type="none" w="med" len="med"/>
+                      <a:tailEnd type="none" w="med" len="med"/>
+                    </a:lnB>
+                    <a:solidFill>
+                      <a:schemeClr val="bg1"/>
+                    </a:solidFill>
+                  </a:tcPr>
+                </a:tc>
+                <a:tc>
+                  <a:txBody>
+                    <a:bodyPr/>
+                    <a:lstStyle/>
+                    <a:p>
+                      <a:r>
+                        <a:rPr lang="en-US" sz="800" dirty="0" err="1" smtClean="0"/>
+                        <a:t>ActuatorType</a:t>
+                      </a:r>
+                      <a:endParaRPr lang="en-US" sz="800" dirty="0" smtClean="0"/>
+                    </a:p>
+                  </a:txBody>
+                  <a:tcPr marL="18288" marR="18288">
+                    <a:lnL w="12700" cap="flat" cmpd="sng" algn="ctr">
+                      <a:solidFill>
+                        <a:schemeClr val="tx1"/>
+                      </a:solidFill>
+                      <a:prstDash val="solid"/>
+                      <a:round/>
+                      <a:headEnd type="none" w="med" len="med"/>
+                      <a:tailEnd type="none" w="med" len="med"/>
+                    </a:lnL>
+                    <a:lnR w="12700" cap="flat" cmpd="sng" algn="ctr">
+                      <a:solidFill>
+                        <a:schemeClr val="tx1"/>
+                      </a:solidFill>
+                      <a:prstDash val="solid"/>
+                      <a:round/>
+                      <a:headEnd type="none" w="med" len="med"/>
+                      <a:tailEnd type="none" w="med" len="med"/>
+                    </a:lnR>
+                    <a:lnT w="12700" cap="flat" cmpd="sng" algn="ctr">
+                      <a:solidFill>
+                        <a:schemeClr val="tx1"/>
+                      </a:solidFill>
+                      <a:prstDash val="solid"/>
+                      <a:round/>
+                      <a:headEnd type="none" w="med" len="med"/>
+                      <a:tailEnd type="none" w="med" len="med"/>
+                    </a:lnT>
+                    <a:lnB w="12700" cap="flat" cmpd="sng" algn="ctr">
+                      <a:solidFill>
+                        <a:schemeClr val="tx1"/>
+                      </a:solidFill>
+                      <a:prstDash val="solid"/>
+                      <a:round/>
+                      <a:headEnd type="none" w="med" len="med"/>
+                      <a:tailEnd type="none" w="med" len="med"/>
+                    </a:lnB>
+                    <a:solidFill>
+                      <a:schemeClr val="bg1"/>
+                    </a:solidFill>
+                  </a:tcPr>
+                </a:tc>
+              </a:tr>
+              <a:tr h="142540">
+                <a:tc>
+                  <a:txBody>
+                    <a:bodyPr/>
+                    <a:lstStyle/>
+                    <a:p>
+                      <a:pPr algn="ctr"/>
+                      <a:r>
+                        <a:rPr lang="en-US" sz="800" dirty="0" smtClean="0"/>
+                        <a:t>4</a:t>
+                      </a:r>
+                      <a:endParaRPr lang="en-US" sz="800" dirty="0"/>
+                    </a:p>
+                  </a:txBody>
+                  <a:tcPr marL="18288" marR="18288">
+                    <a:lnL w="12700" cap="flat" cmpd="sng" algn="ctr">
+                      <a:solidFill>
+                        <a:schemeClr val="tx1"/>
+                      </a:solidFill>
+                      <a:prstDash val="solid"/>
+                      <a:round/>
+                      <a:headEnd type="none" w="med" len="med"/>
+                      <a:tailEnd type="none" w="med" len="med"/>
+                    </a:lnL>
+                    <a:lnR w="12700" cap="flat" cmpd="sng" algn="ctr">
+                      <a:solidFill>
+                        <a:schemeClr val="tx1"/>
+                      </a:solidFill>
+                      <a:prstDash val="solid"/>
+                      <a:round/>
+                      <a:headEnd type="none" w="med" len="med"/>
+                      <a:tailEnd type="none" w="med" len="med"/>
+                    </a:lnR>
+                    <a:lnT w="12700" cap="flat" cmpd="sng" algn="ctr">
+                      <a:solidFill>
+                        <a:schemeClr val="tx1"/>
+                      </a:solidFill>
+                      <a:prstDash val="solid"/>
+                      <a:round/>
+                      <a:headEnd type="none" w="med" len="med"/>
+                      <a:tailEnd type="none" w="med" len="med"/>
+                    </a:lnT>
+                    <a:lnB w="12700" cap="flat" cmpd="sng" algn="ctr">
+                      <a:solidFill>
+                        <a:schemeClr val="tx1"/>
+                      </a:solidFill>
+                      <a:prstDash val="solid"/>
+                      <a:round/>
+                      <a:headEnd type="none" w="med" len="med"/>
+                      <a:tailEnd type="none" w="med" len="med"/>
+                    </a:lnB>
+                    <a:solidFill>
+                      <a:schemeClr val="bg1"/>
+                    </a:solidFill>
+                  </a:tcPr>
+                </a:tc>
+                <a:tc>
+                  <a:txBody>
+                    <a:bodyPr/>
+                    <a:lstStyle/>
+                    <a:p>
+                      <a:r>
+                        <a:rPr lang="en-US" sz="800" dirty="0" smtClean="0"/>
+                        <a:t>modifiers</a:t>
+                      </a:r>
+                      <a:endParaRPr lang="en-US" sz="800" dirty="0"/>
+                    </a:p>
+                  </a:txBody>
+                  <a:tcPr marL="18288" marR="18288">
+                    <a:lnL w="12700" cap="flat" cmpd="sng" algn="ctr">
+                      <a:solidFill>
+                        <a:schemeClr val="tx1"/>
+                      </a:solidFill>
+                      <a:prstDash val="solid"/>
+                      <a:round/>
+                      <a:headEnd type="none" w="med" len="med"/>
+                      <a:tailEnd type="none" w="med" len="med"/>
+                    </a:lnL>
+                    <a:lnR w="12700" cap="flat" cmpd="sng" algn="ctr">
+                      <a:solidFill>
+                        <a:schemeClr val="tx1"/>
+                      </a:solidFill>
+                      <a:prstDash val="solid"/>
+                      <a:round/>
+                      <a:headEnd type="none" w="med" len="med"/>
+                      <a:tailEnd type="none" w="med" len="med"/>
+                    </a:lnR>
+                    <a:lnT w="12700" cap="flat" cmpd="sng" algn="ctr">
+                      <a:solidFill>
+                        <a:schemeClr val="tx1"/>
+                      </a:solidFill>
+                      <a:prstDash val="solid"/>
+                      <a:round/>
+                      <a:headEnd type="none" w="med" len="med"/>
+                      <a:tailEnd type="none" w="med" len="med"/>
+                    </a:lnT>
+                    <a:lnB w="12700" cap="flat" cmpd="sng" algn="ctr">
+                      <a:solidFill>
+                        <a:schemeClr val="tx1"/>
+                      </a:solidFill>
+                      <a:prstDash val="solid"/>
+                      <a:round/>
+                      <a:headEnd type="none" w="med" len="med"/>
+                      <a:tailEnd type="none" w="med" len="med"/>
+                    </a:lnB>
+                    <a:solidFill>
+                      <a:schemeClr val="bg1"/>
+                    </a:solidFill>
+                  </a:tcPr>
+                </a:tc>
+                <a:tc>
+                  <a:txBody>
+                    <a:bodyPr/>
+                    <a:lstStyle/>
+                    <a:p>
+                      <a:r>
+                        <a:rPr lang="en-US" sz="800" dirty="0" err="1" smtClean="0"/>
+                        <a:t>ModifiersType</a:t>
+                      </a:r>
+                      <a:endParaRPr lang="en-US" sz="800" dirty="0" smtClean="0"/>
+                    </a:p>
+                  </a:txBody>
+                  <a:tcPr marL="18288" marR="18288">
+                    <a:lnL w="12700" cap="flat" cmpd="sng" algn="ctr">
+                      <a:solidFill>
+                        <a:schemeClr val="tx1"/>
+                      </a:solidFill>
+                      <a:prstDash val="solid"/>
+                      <a:round/>
+                      <a:headEnd type="none" w="med" len="med"/>
+                      <a:tailEnd type="none" w="med" len="med"/>
+                    </a:lnL>
+                    <a:lnR w="12700" cap="flat" cmpd="sng" algn="ctr">
+                      <a:solidFill>
+                        <a:schemeClr val="tx1"/>
+                      </a:solidFill>
+                      <a:prstDash val="solid"/>
+                      <a:round/>
+                      <a:headEnd type="none" w="med" len="med"/>
+                      <a:tailEnd type="none" w="med" len="med"/>
+                    </a:lnR>
+                    <a:lnT w="12700" cap="flat" cmpd="sng" algn="ctr">
+                      <a:solidFill>
+                        <a:schemeClr val="tx1"/>
+                      </a:solidFill>
+                      <a:prstDash val="solid"/>
+                      <a:round/>
+                      <a:headEnd type="none" w="med" len="med"/>
+                      <a:tailEnd type="none" w="med" len="med"/>
+                    </a:lnT>
+                    <a:lnB w="12700" cap="flat" cmpd="sng" algn="ctr">
+                      <a:solidFill>
+                        <a:schemeClr val="tx1"/>
+                      </a:solidFill>
+                      <a:prstDash val="solid"/>
+                      <a:round/>
+                      <a:headEnd type="none" w="med" len="med"/>
+                      <a:tailEnd type="none" w="med" len="med"/>
+                    </a:lnB>
+                    <a:solidFill>
+                      <a:schemeClr val="bg1"/>
+                    </a:solidFill>
+                  </a:tcPr>
+                </a:tc>
+              </a:tr>
+            </a:tbl>
+          </a:graphicData>
+        </a:graphic>
+      </p:graphicFrame>
+      <p:sp>
+        <p:nvSpPr>
+          <p:cNvPr id="9" name="Left-Right Arrow 8"/>
           <p:cNvSpPr/>
           <p:nvPr/>
         </p:nvSpPr>
         <p:spPr>
           <a:xfrm>
-            <a:off x="5218898" y="2414336"/>
-            <a:ext cx="990600" cy="557463"/>
+            <a:off x="2760857" y="2667000"/>
+            <a:ext cx="1133062" cy="228600"/>
+          </a:xfrm>
+          <a:prstGeom prst="leftRightArrow">
+            <a:avLst/>
+          </a:prstGeom>
+          <a:solidFill>
+            <a:schemeClr val="accent3">
+              <a:lumMod val="60000"/>
+              <a:lumOff val="40000"/>
+            </a:schemeClr>
+          </a:solidFill>
+          <a:ln>
+            <a:solidFill>
+              <a:schemeClr val="accent3"/>
+            </a:solidFill>
+          </a:ln>
+        </p:spPr>
+        <p:style>
+          <a:lnRef idx="2">
+            <a:schemeClr val="accent1">
+              <a:shade val="50000"/>
+            </a:schemeClr>
+          </a:lnRef>
+          <a:fillRef idx="1">
+            <a:schemeClr val="accent1"/>
+          </a:fillRef>
+          <a:effectRef idx="0">
+            <a:schemeClr val="accent1"/>
+          </a:effectRef>
+          <a:fontRef idx="minor">
+            <a:schemeClr val="lt1"/>
+          </a:fontRef>
+        </p:style>
+        <p:txBody>
+          <a:bodyPr rtlCol="0" anchor="ctr"/>
+          <a:lstStyle/>
+          <a:p>
+            <a:pPr algn="ctr"/>
+            <a:endParaRPr lang="en-US"/>
+          </a:p>
+        </p:txBody>
+      </p:sp>
+      <p:sp>
+        <p:nvSpPr>
+          <p:cNvPr id="11" name="TextBox 10"/>
+          <p:cNvSpPr txBox="1"/>
+          <p:nvPr/>
+        </p:nvSpPr>
+        <p:spPr>
+          <a:xfrm>
+            <a:off x="2874555" y="2458819"/>
+            <a:ext cx="923651" cy="646331"/>
+          </a:xfrm>
+          <a:prstGeom prst="rect">
+            <a:avLst/>
+          </a:prstGeom>
+          <a:noFill/>
+        </p:spPr>
+        <p:txBody>
+          <a:bodyPr wrap="none" rtlCol="0">
+            <a:spAutoFit/>
+          </a:bodyPr>
+          <a:lstStyle/>
+          <a:p>
+            <a:r>
+              <a:rPr lang="en-US" sz="1200" i="1" dirty="0" smtClean="0"/>
+              <a:t>JSON Load</a:t>
+            </a:r>
+          </a:p>
+          <a:p>
+            <a:endParaRPr lang="en-US" sz="1200" i="1" dirty="0" smtClean="0"/>
+          </a:p>
+          <a:p>
+            <a:r>
+              <a:rPr lang="en-US" sz="1200" i="1" dirty="0" smtClean="0"/>
+              <a:t>JSON Dump</a:t>
+            </a:r>
+            <a:endParaRPr lang="en-US" sz="1200" i="1" dirty="0"/>
+          </a:p>
+        </p:txBody>
+      </p:sp>
+      <p:sp>
+        <p:nvSpPr>
+          <p:cNvPr id="30" name="TextBox 29"/>
+          <p:cNvSpPr txBox="1"/>
+          <p:nvPr/>
+        </p:nvSpPr>
+        <p:spPr>
+          <a:xfrm>
+            <a:off x="1427958" y="5589421"/>
+            <a:ext cx="1476302" cy="338554"/>
+          </a:xfrm>
+          <a:prstGeom prst="rect">
+            <a:avLst/>
+          </a:prstGeom>
+          <a:noFill/>
+        </p:spPr>
+        <p:txBody>
+          <a:bodyPr wrap="none" rtlCol="0">
+            <a:spAutoFit/>
+          </a:bodyPr>
+          <a:lstStyle/>
+          <a:p>
+            <a:r>
+              <a:rPr lang="en-US" sz="1600" dirty="0" smtClean="0"/>
+              <a:t>Property Tables</a:t>
+            </a:r>
+            <a:endParaRPr lang="en-US" sz="1600" dirty="0"/>
+          </a:p>
+        </p:txBody>
+      </p:sp>
+      <p:sp>
+        <p:nvSpPr>
+          <p:cNvPr id="42" name="TextBox 41"/>
+          <p:cNvSpPr txBox="1"/>
+          <p:nvPr/>
+        </p:nvSpPr>
+        <p:spPr>
+          <a:xfrm>
+            <a:off x="3387836" y="5757446"/>
+            <a:ext cx="1375698" cy="338554"/>
+          </a:xfrm>
+          <a:prstGeom prst="rect">
+            <a:avLst/>
+          </a:prstGeom>
+          <a:noFill/>
+        </p:spPr>
+        <p:txBody>
+          <a:bodyPr wrap="none" rtlCol="0">
+            <a:spAutoFit/>
+          </a:bodyPr>
+          <a:lstStyle/>
+          <a:p>
+            <a:r>
+              <a:rPr lang="en-US" sz="1600" dirty="0" smtClean="0"/>
+              <a:t>Python Classes</a:t>
+            </a:r>
+            <a:endParaRPr lang="en-US" sz="1600" dirty="0"/>
+          </a:p>
+        </p:txBody>
+      </p:sp>
+      <p:sp>
+        <p:nvSpPr>
+          <p:cNvPr id="47" name="TextBox 46"/>
+          <p:cNvSpPr txBox="1"/>
+          <p:nvPr/>
+        </p:nvSpPr>
+        <p:spPr>
+          <a:xfrm>
+            <a:off x="5847558" y="5452646"/>
+            <a:ext cx="1127232" cy="338554"/>
+          </a:xfrm>
+          <a:prstGeom prst="rect">
+            <a:avLst/>
+          </a:prstGeom>
+          <a:noFill/>
+        </p:spPr>
+        <p:txBody>
+          <a:bodyPr wrap="none" rtlCol="0">
+            <a:spAutoFit/>
+          </a:bodyPr>
+          <a:lstStyle/>
+          <a:p>
+            <a:r>
+              <a:rPr lang="en-US" sz="1600" dirty="0" err="1" smtClean="0"/>
+              <a:t>PseudoASN</a:t>
+            </a:r>
+            <a:endParaRPr lang="en-US" sz="1600" dirty="0"/>
+          </a:p>
+        </p:txBody>
+      </p:sp>
+      <p:sp>
+        <p:nvSpPr>
+          <p:cNvPr id="48" name="TextBox 47"/>
+          <p:cNvSpPr txBox="1"/>
+          <p:nvPr/>
+        </p:nvSpPr>
+        <p:spPr>
+          <a:xfrm>
+            <a:off x="7600158" y="4724400"/>
+            <a:ext cx="705642" cy="338554"/>
+          </a:xfrm>
+          <a:prstGeom prst="rect">
+            <a:avLst/>
+          </a:prstGeom>
+          <a:noFill/>
+        </p:spPr>
+        <p:txBody>
+          <a:bodyPr wrap="none" rtlCol="0">
+            <a:spAutoFit/>
+          </a:bodyPr>
+          <a:lstStyle/>
+          <a:p>
+            <a:r>
+              <a:rPr lang="en-US" sz="1600" dirty="0" smtClean="0"/>
+              <a:t>ASN.1</a:t>
+            </a:r>
+            <a:endParaRPr lang="en-US" sz="1600" dirty="0"/>
+          </a:p>
+        </p:txBody>
+      </p:sp>
+      <p:sp>
+        <p:nvSpPr>
+          <p:cNvPr id="56" name="Folded Corner 55"/>
+          <p:cNvSpPr/>
+          <p:nvPr/>
+        </p:nvSpPr>
+        <p:spPr>
+          <a:xfrm rot="10800000">
+            <a:off x="932056" y="1828800"/>
+            <a:ext cx="1791302" cy="1371600"/>
+          </a:xfrm>
+          <a:prstGeom prst="foldedCorner">
+            <a:avLst>
+              <a:gd name="adj" fmla="val 9888"/>
+            </a:avLst>
+          </a:prstGeom>
+          <a:solidFill>
+            <a:schemeClr val="accent6">
+              <a:lumMod val="20000"/>
+              <a:lumOff val="80000"/>
+            </a:schemeClr>
+          </a:solidFill>
+          <a:ln w="12700"/>
+        </p:spPr>
+        <p:style>
+          <a:lnRef idx="2">
+            <a:schemeClr val="accent1">
+              <a:shade val="50000"/>
+            </a:schemeClr>
+          </a:lnRef>
+          <a:fillRef idx="1">
+            <a:schemeClr val="accent1"/>
+          </a:fillRef>
+          <a:effectRef idx="0">
+            <a:schemeClr val="accent1"/>
+          </a:effectRef>
+          <a:fontRef idx="minor">
+            <a:schemeClr val="lt1"/>
+          </a:fontRef>
+        </p:style>
+        <p:txBody>
+          <a:bodyPr rtlCol="0" anchor="ctr"/>
+          <a:lstStyle/>
+          <a:p>
+            <a:endParaRPr lang="en-US" sz="800" dirty="0">
+              <a:solidFill>
+                <a:schemeClr val="tx1"/>
+              </a:solidFill>
+              <a:latin typeface="Consolas" panose="020B0609020204030204" pitchFamily="49" charset="0"/>
+              <a:cs typeface="Consolas" panose="020B0609020204030204" pitchFamily="49" charset="0"/>
+            </a:endParaRPr>
+          </a:p>
+        </p:txBody>
+      </p:sp>
+      <p:sp>
+        <p:nvSpPr>
+          <p:cNvPr id="33" name="TextBox 32"/>
+          <p:cNvSpPr txBox="1"/>
+          <p:nvPr/>
+        </p:nvSpPr>
+        <p:spPr>
+          <a:xfrm>
+            <a:off x="884842" y="1943100"/>
+            <a:ext cx="1838516" cy="1257300"/>
+          </a:xfrm>
+          <a:prstGeom prst="rect">
+            <a:avLst/>
+          </a:prstGeom>
+          <a:noFill/>
+          <a:ln w="12700">
+            <a:noFill/>
+          </a:ln>
+        </p:spPr>
+        <p:style>
+          <a:lnRef idx="2">
+            <a:schemeClr val="accent1">
+              <a:shade val="50000"/>
+            </a:schemeClr>
+          </a:lnRef>
+          <a:fillRef idx="1">
+            <a:schemeClr val="accent1"/>
+          </a:fillRef>
+          <a:effectRef idx="0">
+            <a:schemeClr val="accent1"/>
+          </a:effectRef>
+          <a:fontRef idx="minor">
+            <a:schemeClr val="lt1"/>
+          </a:fontRef>
+        </p:style>
+        <p:txBody>
+          <a:bodyPr rot="0" spcFirstLastPara="0" vertOverflow="overflow" horzOverflow="overflow" vert="horz" wrap="square" lIns="91440" tIns="45720" rIns="91440" bIns="45720" numCol="1" spcCol="0" rtlCol="0" fromWordArt="0" anchor="ctr" anchorCtr="0" forceAA="0" compatLnSpc="1">
+            <a:prstTxWarp prst="textNoShape">
+              <a:avLst/>
+            </a:prstTxWarp>
+            <a:noAutofit/>
+          </a:bodyPr>
+          <a:lstStyle>
+            <a:defPPr>
+              <a:defRPr lang="en-US"/>
+            </a:defPPr>
+            <a:lvl1pPr>
+              <a:defRPr sz="800">
+                <a:latin typeface="Consolas" panose="020B0609020204030204" pitchFamily="49" charset="0"/>
+                <a:cs typeface="Consolas" panose="020B0609020204030204" pitchFamily="49" charset="0"/>
+              </a:defRPr>
+            </a:lvl1pPr>
+            <a:lvl2pPr>
+              <a:defRPr>
+                <a:solidFill>
+                  <a:schemeClr val="lt1"/>
+                </a:solidFill>
+              </a:defRPr>
+            </a:lvl2pPr>
+            <a:lvl3pPr>
+              <a:defRPr>
+                <a:solidFill>
+                  <a:schemeClr val="lt1"/>
+                </a:solidFill>
+              </a:defRPr>
+            </a:lvl3pPr>
+            <a:lvl4pPr>
+              <a:defRPr>
+                <a:solidFill>
+                  <a:schemeClr val="lt1"/>
+                </a:solidFill>
+              </a:defRPr>
+            </a:lvl4pPr>
+            <a:lvl5pPr>
+              <a:defRPr>
+                <a:solidFill>
+                  <a:schemeClr val="lt1"/>
+                </a:solidFill>
+              </a:defRPr>
+            </a:lvl5pPr>
+            <a:lvl6pPr>
+              <a:defRPr>
+                <a:solidFill>
+                  <a:schemeClr val="lt1"/>
+                </a:solidFill>
+              </a:defRPr>
+            </a:lvl6pPr>
+            <a:lvl7pPr>
+              <a:defRPr>
+                <a:solidFill>
+                  <a:schemeClr val="lt1"/>
+                </a:solidFill>
+              </a:defRPr>
+            </a:lvl7pPr>
+            <a:lvl8pPr>
+              <a:defRPr>
+                <a:solidFill>
+                  <a:schemeClr val="lt1"/>
+                </a:solidFill>
+              </a:defRPr>
+            </a:lvl8pPr>
+            <a:lvl9pPr>
+              <a:defRPr>
+                <a:solidFill>
+                  <a:schemeClr val="lt1"/>
+                </a:solidFill>
+              </a:defRPr>
+            </a:lvl9pPr>
+          </a:lstStyle>
+          <a:p>
+            <a:r>
+              <a:rPr lang="en-US" sz="600" dirty="0">
+                <a:solidFill>
+                  <a:schemeClr val="tx1"/>
+                </a:solidFill>
+              </a:rPr>
+              <a:t>{</a:t>
+            </a:r>
+          </a:p>
+          <a:p>
+            <a:r>
+              <a:rPr lang="en-US" sz="600" dirty="0">
+                <a:solidFill>
+                  <a:schemeClr val="tx1"/>
+                </a:solidFill>
+              </a:rPr>
+              <a:t>  "meta": {</a:t>
+            </a:r>
+          </a:p>
+          <a:p>
+            <a:r>
+              <a:rPr lang="en-US" sz="600" dirty="0">
+                <a:solidFill>
+                  <a:schemeClr val="tx1"/>
+                </a:solidFill>
+              </a:rPr>
+              <a:t>    "module": "openc2"</a:t>
+            </a:r>
+          </a:p>
+          <a:p>
+            <a:r>
+              <a:rPr lang="en-US" sz="600" dirty="0">
+                <a:solidFill>
+                  <a:schemeClr val="tx1"/>
+                </a:solidFill>
+              </a:rPr>
+              <a:t>  },</a:t>
+            </a:r>
+          </a:p>
+          <a:p>
+            <a:r>
+              <a:rPr lang="en-US" sz="600" dirty="0">
+                <a:solidFill>
+                  <a:schemeClr val="tx1"/>
+                </a:solidFill>
+              </a:rPr>
+              <a:t>  "types": [</a:t>
+            </a:r>
+          </a:p>
+          <a:p>
+            <a:r>
+              <a:rPr lang="en-US" sz="600" dirty="0">
+                <a:solidFill>
+                  <a:schemeClr val="tx1"/>
+                </a:solidFill>
+              </a:rPr>
+              <a:t>    ["OpenC2Command", "Record", "", [</a:t>
+            </a:r>
+          </a:p>
+          <a:p>
+            <a:r>
+              <a:rPr lang="en-US" sz="600" dirty="0">
+                <a:solidFill>
+                  <a:schemeClr val="tx1"/>
+                </a:solidFill>
+              </a:rPr>
+              <a:t>      [1, "action", "Action", ""],</a:t>
+            </a:r>
+          </a:p>
+          <a:p>
+            <a:r>
+              <a:rPr lang="en-US" sz="600" dirty="0">
+                <a:solidFill>
+                  <a:schemeClr val="tx1"/>
+                </a:solidFill>
+              </a:rPr>
+              <a:t>      [2, "target", "Target", ""],</a:t>
+            </a:r>
+          </a:p>
+          <a:p>
+            <a:r>
+              <a:rPr lang="en-US" sz="600" dirty="0">
+                <a:solidFill>
+                  <a:schemeClr val="tx1"/>
+                </a:solidFill>
+              </a:rPr>
+              <a:t>      [3, "actuator", "Actuator", "?"],</a:t>
+            </a:r>
+          </a:p>
+          <a:p>
+            <a:r>
+              <a:rPr lang="en-US" sz="600" dirty="0">
+                <a:solidFill>
+                  <a:schemeClr val="tx1"/>
+                </a:solidFill>
+              </a:rPr>
+              <a:t>      [4, "modifiers", "Modifiers", "?"]</a:t>
+            </a:r>
+          </a:p>
+          <a:p>
+            <a:r>
+              <a:rPr lang="en-US" sz="600" dirty="0">
+                <a:solidFill>
+                  <a:schemeClr val="tx1"/>
+                </a:solidFill>
+              </a:rPr>
+              <a:t>    ]]</a:t>
+            </a:r>
+          </a:p>
+          <a:p>
+            <a:r>
+              <a:rPr lang="en-US" sz="600" dirty="0">
+                <a:solidFill>
+                  <a:schemeClr val="tx1"/>
+                </a:solidFill>
+              </a:rPr>
+              <a:t>  ]</a:t>
+            </a:r>
+          </a:p>
+          <a:p>
+            <a:r>
+              <a:rPr lang="en-US" sz="600" dirty="0">
+                <a:solidFill>
+                  <a:schemeClr val="tx1"/>
+                </a:solidFill>
+              </a:rPr>
+              <a:t>}</a:t>
+            </a:r>
+          </a:p>
+        </p:txBody>
+      </p:sp>
+      <p:sp>
+        <p:nvSpPr>
+          <p:cNvPr id="58" name="TextBox 57"/>
+          <p:cNvSpPr txBox="1"/>
+          <p:nvPr/>
+        </p:nvSpPr>
+        <p:spPr>
+          <a:xfrm>
+            <a:off x="1511084" y="3135868"/>
+            <a:ext cx="681597" cy="369332"/>
+          </a:xfrm>
+          <a:prstGeom prst="rect">
+            <a:avLst/>
+          </a:prstGeom>
+          <a:noFill/>
+        </p:spPr>
+        <p:txBody>
+          <a:bodyPr wrap="none" rtlCol="0">
+            <a:spAutoFit/>
+          </a:bodyPr>
+          <a:lstStyle/>
+          <a:p>
+            <a:r>
+              <a:rPr lang="en-US" dirty="0" smtClean="0"/>
+              <a:t>JASN</a:t>
+            </a:r>
+            <a:endParaRPr lang="en-US" dirty="0"/>
+          </a:p>
+        </p:txBody>
+      </p:sp>
+      <p:grpSp>
+        <p:nvGrpSpPr>
+          <p:cNvPr id="84" name="Group 83"/>
+          <p:cNvGrpSpPr/>
+          <p:nvPr/>
+        </p:nvGrpSpPr>
+        <p:grpSpPr>
+          <a:xfrm>
+            <a:off x="5365955" y="4697578"/>
+            <a:ext cx="2031049" cy="788822"/>
+            <a:chOff x="5385797" y="4468978"/>
+            <a:chExt cx="2031049" cy="788822"/>
+          </a:xfrm>
+        </p:grpSpPr>
+        <p:sp>
+          <p:nvSpPr>
+            <p:cNvPr id="51" name="Folded Corner 50"/>
+            <p:cNvSpPr/>
+            <p:nvPr/>
+          </p:nvSpPr>
+          <p:spPr>
+            <a:xfrm rot="10800000">
+              <a:off x="5402606" y="4468978"/>
+              <a:ext cx="2014240" cy="775932"/>
+            </a:xfrm>
+            <a:prstGeom prst="foldedCorner">
+              <a:avLst>
+                <a:gd name="adj" fmla="val 9888"/>
+              </a:avLst>
+            </a:prstGeom>
+            <a:solidFill>
+              <a:srgbClr val="F6F5DE"/>
+            </a:solidFill>
+            <a:ln w="12700"/>
+          </p:spPr>
+          <p:style>
+            <a:lnRef idx="2">
+              <a:schemeClr val="accent1">
+                <a:shade val="50000"/>
+              </a:schemeClr>
+            </a:lnRef>
+            <a:fillRef idx="1">
+              <a:schemeClr val="accent1"/>
+            </a:fillRef>
+            <a:effectRef idx="0">
+              <a:schemeClr val="accent1"/>
+            </a:effectRef>
+            <a:fontRef idx="minor">
+              <a:schemeClr val="lt1"/>
+            </a:fontRef>
+          </p:style>
+          <p:txBody>
+            <a:bodyPr rtlCol="0" anchor="ctr"/>
+            <a:lstStyle/>
+            <a:p>
+              <a:pPr algn="ctr"/>
+              <a:endParaRPr lang="en-US" sz="700" dirty="0">
+                <a:solidFill>
+                  <a:schemeClr val="tx1"/>
+                </a:solidFill>
+                <a:latin typeface="Consolas" panose="020B0609020204030204" pitchFamily="49" charset="0"/>
+                <a:cs typeface="Consolas" panose="020B0609020204030204" pitchFamily="49" charset="0"/>
+              </a:endParaRPr>
+            </a:p>
+          </p:txBody>
+        </p:sp>
+        <p:sp>
+          <p:nvSpPr>
+            <p:cNvPr id="41" name="TextBox 40"/>
+            <p:cNvSpPr txBox="1"/>
+            <p:nvPr/>
+          </p:nvSpPr>
+          <p:spPr>
+            <a:xfrm>
+              <a:off x="5385797" y="4519136"/>
+              <a:ext cx="2023311" cy="738664"/>
+            </a:xfrm>
+            <a:prstGeom prst="rect">
+              <a:avLst/>
+            </a:prstGeom>
+            <a:noFill/>
+            <a:ln w="12700">
+              <a:noFill/>
+            </a:ln>
+          </p:spPr>
+          <p:txBody>
+            <a:bodyPr wrap="none" rtlCol="0">
+              <a:spAutoFit/>
+            </a:bodyPr>
+            <a:lstStyle/>
+            <a:p>
+              <a:r>
+                <a:rPr lang="en-US" sz="700" dirty="0">
+                  <a:latin typeface="Consolas" panose="020B0609020204030204" pitchFamily="49" charset="0"/>
+                  <a:cs typeface="Consolas" panose="020B0609020204030204" pitchFamily="49" charset="0"/>
+                </a:rPr>
+                <a:t>OpenC2Command ::= RECORD {</a:t>
+              </a:r>
+            </a:p>
+            <a:p>
+              <a:r>
+                <a:rPr lang="en-US" sz="700" dirty="0">
+                  <a:latin typeface="Consolas" panose="020B0609020204030204" pitchFamily="49" charset="0"/>
+                  <a:cs typeface="Consolas" panose="020B0609020204030204" pitchFamily="49" charset="0"/>
+                </a:rPr>
+                <a:t>  </a:t>
+              </a:r>
+              <a:r>
+                <a:rPr lang="en-US" sz="700" dirty="0" smtClean="0">
+                  <a:latin typeface="Consolas" panose="020B0609020204030204" pitchFamily="49" charset="0"/>
+                  <a:cs typeface="Consolas" panose="020B0609020204030204" pitchFamily="49" charset="0"/>
+                </a:rPr>
+                <a:t>action       </a:t>
+              </a:r>
+              <a:r>
+                <a:rPr lang="en-US" sz="700" dirty="0">
+                  <a:latin typeface="Consolas" panose="020B0609020204030204" pitchFamily="49" charset="0"/>
+                  <a:cs typeface="Consolas" panose="020B0609020204030204" pitchFamily="49" charset="0"/>
+                </a:rPr>
+                <a:t>[1] Action,</a:t>
+              </a:r>
+            </a:p>
+            <a:p>
+              <a:r>
+                <a:rPr lang="en-US" sz="700" dirty="0">
+                  <a:latin typeface="Consolas" panose="020B0609020204030204" pitchFamily="49" charset="0"/>
+                  <a:cs typeface="Consolas" panose="020B0609020204030204" pitchFamily="49" charset="0"/>
+                </a:rPr>
+                <a:t>  </a:t>
+              </a:r>
+              <a:r>
+                <a:rPr lang="en-US" sz="700" dirty="0" smtClean="0">
+                  <a:latin typeface="Consolas" panose="020B0609020204030204" pitchFamily="49" charset="0"/>
+                  <a:cs typeface="Consolas" panose="020B0609020204030204" pitchFamily="49" charset="0"/>
+                </a:rPr>
+                <a:t>target       </a:t>
+              </a:r>
+              <a:r>
+                <a:rPr lang="en-US" sz="700" dirty="0">
+                  <a:latin typeface="Consolas" panose="020B0609020204030204" pitchFamily="49" charset="0"/>
+                  <a:cs typeface="Consolas" panose="020B0609020204030204" pitchFamily="49" charset="0"/>
+                </a:rPr>
+                <a:t>[2] Target,</a:t>
+              </a:r>
+            </a:p>
+            <a:p>
+              <a:r>
+                <a:rPr lang="en-US" sz="700" dirty="0">
+                  <a:latin typeface="Consolas" panose="020B0609020204030204" pitchFamily="49" charset="0"/>
+                  <a:cs typeface="Consolas" panose="020B0609020204030204" pitchFamily="49" charset="0"/>
+                </a:rPr>
+                <a:t>  </a:t>
+              </a:r>
+              <a:r>
+                <a:rPr lang="en-US" sz="700" dirty="0" smtClean="0">
+                  <a:latin typeface="Consolas" panose="020B0609020204030204" pitchFamily="49" charset="0"/>
+                  <a:cs typeface="Consolas" panose="020B0609020204030204" pitchFamily="49" charset="0"/>
+                </a:rPr>
+                <a:t>actuator     </a:t>
+              </a:r>
+              <a:r>
+                <a:rPr lang="en-US" sz="700" dirty="0">
+                  <a:latin typeface="Consolas" panose="020B0609020204030204" pitchFamily="49" charset="0"/>
+                  <a:cs typeface="Consolas" panose="020B0609020204030204" pitchFamily="49" charset="0"/>
+                </a:rPr>
+                <a:t>[3] Actuator OPTIONAL,</a:t>
+              </a:r>
+            </a:p>
+            <a:p>
+              <a:r>
+                <a:rPr lang="en-US" sz="700" dirty="0">
+                  <a:latin typeface="Consolas" panose="020B0609020204030204" pitchFamily="49" charset="0"/>
+                  <a:cs typeface="Consolas" panose="020B0609020204030204" pitchFamily="49" charset="0"/>
+                </a:rPr>
+                <a:t>  </a:t>
+              </a:r>
+              <a:r>
+                <a:rPr lang="en-US" sz="700" dirty="0" smtClean="0">
+                  <a:latin typeface="Consolas" panose="020B0609020204030204" pitchFamily="49" charset="0"/>
+                  <a:cs typeface="Consolas" panose="020B0609020204030204" pitchFamily="49" charset="0"/>
+                </a:rPr>
+                <a:t>modifiers    </a:t>
+              </a:r>
+              <a:r>
+                <a:rPr lang="en-US" sz="700" dirty="0">
+                  <a:latin typeface="Consolas" panose="020B0609020204030204" pitchFamily="49" charset="0"/>
+                  <a:cs typeface="Consolas" panose="020B0609020204030204" pitchFamily="49" charset="0"/>
+                </a:rPr>
+                <a:t>[4] Modifiers OPTIONAL</a:t>
+              </a:r>
+            </a:p>
+            <a:p>
+              <a:r>
+                <a:rPr lang="en-US" sz="700" dirty="0" smtClean="0">
+                  <a:latin typeface="Consolas" panose="020B0609020204030204" pitchFamily="49" charset="0"/>
+                  <a:cs typeface="Consolas" panose="020B0609020204030204" pitchFamily="49" charset="0"/>
+                </a:rPr>
+                <a:t>}</a:t>
+              </a:r>
+              <a:endParaRPr lang="en-US" sz="700" dirty="0">
+                <a:latin typeface="Consolas" panose="020B0609020204030204" pitchFamily="49" charset="0"/>
+                <a:cs typeface="Consolas" panose="020B0609020204030204" pitchFamily="49" charset="0"/>
+              </a:endParaRPr>
+            </a:p>
+          </p:txBody>
+        </p:sp>
+      </p:grpSp>
+      <p:grpSp>
+        <p:nvGrpSpPr>
+          <p:cNvPr id="85" name="Group 84"/>
+          <p:cNvGrpSpPr/>
+          <p:nvPr/>
+        </p:nvGrpSpPr>
+        <p:grpSpPr>
+          <a:xfrm>
+            <a:off x="5965649" y="3986447"/>
+            <a:ext cx="2042576" cy="790817"/>
+            <a:chOff x="5985491" y="3757847"/>
+            <a:chExt cx="2042576" cy="790817"/>
+          </a:xfrm>
+        </p:grpSpPr>
+        <p:sp>
+          <p:nvSpPr>
+            <p:cNvPr id="60" name="Folded Corner 59"/>
+            <p:cNvSpPr/>
+            <p:nvPr/>
+          </p:nvSpPr>
+          <p:spPr>
+            <a:xfrm rot="10800000">
+              <a:off x="5985491" y="3757847"/>
+              <a:ext cx="2042576" cy="775932"/>
+            </a:xfrm>
+            <a:prstGeom prst="foldedCorner">
+              <a:avLst>
+                <a:gd name="adj" fmla="val 9888"/>
+              </a:avLst>
+            </a:prstGeom>
+            <a:solidFill>
+              <a:srgbClr val="F6F5DE"/>
+            </a:solidFill>
+            <a:ln w="12700"/>
+          </p:spPr>
+          <p:style>
+            <a:lnRef idx="2">
+              <a:schemeClr val="accent1">
+                <a:shade val="50000"/>
+              </a:schemeClr>
+            </a:lnRef>
+            <a:fillRef idx="1">
+              <a:schemeClr val="accent1"/>
+            </a:fillRef>
+            <a:effectRef idx="0">
+              <a:schemeClr val="accent1"/>
+            </a:effectRef>
+            <a:fontRef idx="minor">
+              <a:schemeClr val="lt1"/>
+            </a:fontRef>
+          </p:style>
+          <p:txBody>
+            <a:bodyPr rtlCol="0" anchor="ctr"/>
+            <a:lstStyle/>
+            <a:p>
+              <a:pPr algn="ctr"/>
+              <a:endParaRPr lang="en-US" sz="700" dirty="0">
+                <a:solidFill>
+                  <a:schemeClr val="tx1"/>
+                </a:solidFill>
+                <a:latin typeface="Consolas" panose="020B0609020204030204" pitchFamily="49" charset="0"/>
+                <a:cs typeface="Consolas" panose="020B0609020204030204" pitchFamily="49" charset="0"/>
+              </a:endParaRPr>
+            </a:p>
+          </p:txBody>
+        </p:sp>
+        <p:sp>
+          <p:nvSpPr>
+            <p:cNvPr id="59" name="TextBox 58"/>
+            <p:cNvSpPr txBox="1"/>
+            <p:nvPr/>
+          </p:nvSpPr>
+          <p:spPr>
+            <a:xfrm>
+              <a:off x="5993228" y="3810000"/>
+              <a:ext cx="2023311" cy="738664"/>
+            </a:xfrm>
+            <a:prstGeom prst="rect">
+              <a:avLst/>
+            </a:prstGeom>
+            <a:noFill/>
+            <a:ln w="12700">
+              <a:noFill/>
+            </a:ln>
+          </p:spPr>
+          <p:txBody>
+            <a:bodyPr wrap="none" rtlCol="0">
+              <a:spAutoFit/>
+            </a:bodyPr>
+            <a:lstStyle/>
+            <a:p>
+              <a:r>
+                <a:rPr lang="en-US" sz="700" dirty="0">
+                  <a:latin typeface="Consolas" panose="020B0609020204030204" pitchFamily="49" charset="0"/>
+                  <a:cs typeface="Consolas" panose="020B0609020204030204" pitchFamily="49" charset="0"/>
+                </a:rPr>
+                <a:t>OpenC2Command ::= </a:t>
+              </a:r>
+              <a:r>
+                <a:rPr lang="en-US" sz="700" dirty="0" smtClean="0">
+                  <a:latin typeface="Consolas" panose="020B0609020204030204" pitchFamily="49" charset="0"/>
+                  <a:cs typeface="Consolas" panose="020B0609020204030204" pitchFamily="49" charset="0"/>
+                </a:rPr>
+                <a:t>SEQUENCE {</a:t>
+              </a:r>
+              <a:endParaRPr lang="en-US" sz="700" dirty="0">
+                <a:latin typeface="Consolas" panose="020B0609020204030204" pitchFamily="49" charset="0"/>
+                <a:cs typeface="Consolas" panose="020B0609020204030204" pitchFamily="49" charset="0"/>
+              </a:endParaRPr>
+            </a:p>
+            <a:p>
+              <a:r>
+                <a:rPr lang="en-US" sz="700" dirty="0">
+                  <a:latin typeface="Consolas" panose="020B0609020204030204" pitchFamily="49" charset="0"/>
+                  <a:cs typeface="Consolas" panose="020B0609020204030204" pitchFamily="49" charset="0"/>
+                </a:rPr>
+                <a:t>  </a:t>
+              </a:r>
+              <a:r>
+                <a:rPr lang="en-US" sz="700" dirty="0" smtClean="0">
+                  <a:latin typeface="Consolas" panose="020B0609020204030204" pitchFamily="49" charset="0"/>
+                  <a:cs typeface="Consolas" panose="020B0609020204030204" pitchFamily="49" charset="0"/>
+                </a:rPr>
+                <a:t>action       </a:t>
+              </a:r>
+              <a:r>
+                <a:rPr lang="en-US" sz="700" dirty="0">
+                  <a:latin typeface="Consolas" panose="020B0609020204030204" pitchFamily="49" charset="0"/>
+                  <a:cs typeface="Consolas" panose="020B0609020204030204" pitchFamily="49" charset="0"/>
+                </a:rPr>
+                <a:t>[1] Action,</a:t>
+              </a:r>
+            </a:p>
+            <a:p>
+              <a:r>
+                <a:rPr lang="en-US" sz="700" dirty="0">
+                  <a:latin typeface="Consolas" panose="020B0609020204030204" pitchFamily="49" charset="0"/>
+                  <a:cs typeface="Consolas" panose="020B0609020204030204" pitchFamily="49" charset="0"/>
+                </a:rPr>
+                <a:t>  </a:t>
+              </a:r>
+              <a:r>
+                <a:rPr lang="en-US" sz="700" dirty="0" smtClean="0">
+                  <a:latin typeface="Consolas" panose="020B0609020204030204" pitchFamily="49" charset="0"/>
+                  <a:cs typeface="Consolas" panose="020B0609020204030204" pitchFamily="49" charset="0"/>
+                </a:rPr>
+                <a:t>target       </a:t>
+              </a:r>
+              <a:r>
+                <a:rPr lang="en-US" sz="700" dirty="0">
+                  <a:latin typeface="Consolas" panose="020B0609020204030204" pitchFamily="49" charset="0"/>
+                  <a:cs typeface="Consolas" panose="020B0609020204030204" pitchFamily="49" charset="0"/>
+                </a:rPr>
+                <a:t>[2] Target,</a:t>
+              </a:r>
+            </a:p>
+            <a:p>
+              <a:r>
+                <a:rPr lang="en-US" sz="700" dirty="0">
+                  <a:latin typeface="Consolas" panose="020B0609020204030204" pitchFamily="49" charset="0"/>
+                  <a:cs typeface="Consolas" panose="020B0609020204030204" pitchFamily="49" charset="0"/>
+                </a:rPr>
+                <a:t>  </a:t>
+              </a:r>
+              <a:r>
+                <a:rPr lang="en-US" sz="700" dirty="0" smtClean="0">
+                  <a:latin typeface="Consolas" panose="020B0609020204030204" pitchFamily="49" charset="0"/>
+                  <a:cs typeface="Consolas" panose="020B0609020204030204" pitchFamily="49" charset="0"/>
+                </a:rPr>
+                <a:t>actuator     </a:t>
+              </a:r>
+              <a:r>
+                <a:rPr lang="en-US" sz="700" dirty="0">
+                  <a:latin typeface="Consolas" panose="020B0609020204030204" pitchFamily="49" charset="0"/>
+                  <a:cs typeface="Consolas" panose="020B0609020204030204" pitchFamily="49" charset="0"/>
+                </a:rPr>
+                <a:t>[3] Actuator OPTIONAL,</a:t>
+              </a:r>
+            </a:p>
+            <a:p>
+              <a:r>
+                <a:rPr lang="en-US" sz="700" dirty="0">
+                  <a:latin typeface="Consolas" panose="020B0609020204030204" pitchFamily="49" charset="0"/>
+                  <a:cs typeface="Consolas" panose="020B0609020204030204" pitchFamily="49" charset="0"/>
+                </a:rPr>
+                <a:t>  </a:t>
+              </a:r>
+              <a:r>
+                <a:rPr lang="en-US" sz="700" dirty="0" smtClean="0">
+                  <a:latin typeface="Consolas" panose="020B0609020204030204" pitchFamily="49" charset="0"/>
+                  <a:cs typeface="Consolas" panose="020B0609020204030204" pitchFamily="49" charset="0"/>
+                </a:rPr>
+                <a:t>modifiers    </a:t>
+              </a:r>
+              <a:r>
+                <a:rPr lang="en-US" sz="700" dirty="0">
+                  <a:latin typeface="Consolas" panose="020B0609020204030204" pitchFamily="49" charset="0"/>
+                  <a:cs typeface="Consolas" panose="020B0609020204030204" pitchFamily="49" charset="0"/>
+                </a:rPr>
+                <a:t>[4] Modifiers OPTIONAL</a:t>
+              </a:r>
+            </a:p>
+            <a:p>
+              <a:r>
+                <a:rPr lang="en-US" sz="700" dirty="0" smtClean="0">
+                  <a:latin typeface="Consolas" panose="020B0609020204030204" pitchFamily="49" charset="0"/>
+                  <a:cs typeface="Consolas" panose="020B0609020204030204" pitchFamily="49" charset="0"/>
+                </a:rPr>
+                <a:t>}</a:t>
+              </a:r>
+              <a:endParaRPr lang="en-US" sz="700" dirty="0">
+                <a:latin typeface="Consolas" panose="020B0609020204030204" pitchFamily="49" charset="0"/>
+                <a:cs typeface="Consolas" panose="020B0609020204030204" pitchFamily="49" charset="0"/>
+              </a:endParaRPr>
+            </a:p>
+          </p:txBody>
+        </p:sp>
+      </p:grpSp>
+      <p:grpSp>
+        <p:nvGrpSpPr>
+          <p:cNvPr id="83" name="Group 82"/>
+          <p:cNvGrpSpPr/>
+          <p:nvPr/>
+        </p:nvGrpSpPr>
+        <p:grpSpPr>
+          <a:xfrm>
+            <a:off x="3124200" y="4816223"/>
+            <a:ext cx="2018288" cy="974975"/>
+            <a:chOff x="3239512" y="4740023"/>
+            <a:chExt cx="2018288" cy="974975"/>
+          </a:xfrm>
+        </p:grpSpPr>
+        <p:sp>
+          <p:nvSpPr>
+            <p:cNvPr id="31" name="Folded Corner 30"/>
+            <p:cNvSpPr/>
+            <p:nvPr/>
+          </p:nvSpPr>
+          <p:spPr>
+            <a:xfrm rot="10800000">
+              <a:off x="3257639" y="4740023"/>
+              <a:ext cx="1889738" cy="974975"/>
+            </a:xfrm>
+            <a:prstGeom prst="foldedCorner">
+              <a:avLst>
+                <a:gd name="adj" fmla="val 9888"/>
+              </a:avLst>
+            </a:prstGeom>
+            <a:solidFill>
+              <a:srgbClr val="DEE0F6"/>
+            </a:solidFill>
+            <a:ln w="12700"/>
+          </p:spPr>
+          <p:style>
+            <a:lnRef idx="2">
+              <a:schemeClr val="accent1">
+                <a:shade val="50000"/>
+              </a:schemeClr>
+            </a:lnRef>
+            <a:fillRef idx="1">
+              <a:schemeClr val="accent1"/>
+            </a:fillRef>
+            <a:effectRef idx="0">
+              <a:schemeClr val="accent1"/>
+            </a:effectRef>
+            <a:fontRef idx="minor">
+              <a:schemeClr val="lt1"/>
+            </a:fontRef>
+          </p:style>
+          <p:txBody>
+            <a:bodyPr rtlCol="0" anchor="ctr"/>
+            <a:lstStyle/>
+            <a:p>
+              <a:pPr algn="ctr"/>
+              <a:endParaRPr lang="en-US" dirty="0"/>
+            </a:p>
+          </p:txBody>
+        </p:sp>
+        <p:sp>
+          <p:nvSpPr>
+            <p:cNvPr id="66" name="TextBox 65"/>
+            <p:cNvSpPr txBox="1"/>
+            <p:nvPr/>
+          </p:nvSpPr>
+          <p:spPr>
+            <a:xfrm>
+              <a:off x="3239512" y="4821717"/>
+              <a:ext cx="2018288" cy="846386"/>
+            </a:xfrm>
+            <a:prstGeom prst="rect">
+              <a:avLst/>
+            </a:prstGeom>
+            <a:noFill/>
+            <a:ln w="12700">
+              <a:noFill/>
+            </a:ln>
+          </p:spPr>
+          <p:txBody>
+            <a:bodyPr wrap="square" rtlCol="0">
+              <a:spAutoFit/>
+            </a:bodyPr>
+            <a:lstStyle/>
+            <a:p>
+              <a:r>
+                <a:rPr lang="en-US" sz="700" dirty="0">
+                  <a:latin typeface="Consolas" panose="020B0609020204030204" pitchFamily="49" charset="0"/>
+                  <a:cs typeface="Consolas" panose="020B0609020204030204" pitchFamily="49" charset="0"/>
+                </a:rPr>
+                <a:t>class OpenC2Command(Record):</a:t>
+              </a:r>
+            </a:p>
+            <a:p>
+              <a:r>
+                <a:rPr lang="en-US" sz="700" dirty="0">
+                  <a:latin typeface="Consolas" panose="020B0609020204030204" pitchFamily="49" charset="0"/>
+                  <a:cs typeface="Consolas" panose="020B0609020204030204" pitchFamily="49" charset="0"/>
+                </a:rPr>
+                <a:t>  </a:t>
+              </a:r>
+              <a:r>
+                <a:rPr lang="en-US" sz="700" dirty="0" smtClean="0">
+                  <a:latin typeface="Consolas" panose="020B0609020204030204" pitchFamily="49" charset="0"/>
+                  <a:cs typeface="Consolas" panose="020B0609020204030204" pitchFamily="49" charset="0"/>
+                </a:rPr>
+                <a:t>ns </a:t>
+              </a:r>
+              <a:r>
+                <a:rPr lang="en-US" sz="700" dirty="0">
+                  <a:latin typeface="Consolas" panose="020B0609020204030204" pitchFamily="49" charset="0"/>
+                  <a:cs typeface="Consolas" panose="020B0609020204030204" pitchFamily="49" charset="0"/>
+                </a:rPr>
+                <a:t>= "openc2"</a:t>
+              </a:r>
+            </a:p>
+            <a:p>
+              <a:r>
+                <a:rPr lang="en-US" sz="700" dirty="0">
+                  <a:latin typeface="Consolas" panose="020B0609020204030204" pitchFamily="49" charset="0"/>
+                  <a:cs typeface="Consolas" panose="020B0609020204030204" pitchFamily="49" charset="0"/>
+                </a:rPr>
+                <a:t>  </a:t>
+              </a:r>
+              <a:r>
+                <a:rPr lang="en-US" sz="700" dirty="0" err="1" smtClean="0">
+                  <a:latin typeface="Consolas" panose="020B0609020204030204" pitchFamily="49" charset="0"/>
+                  <a:cs typeface="Consolas" panose="020B0609020204030204" pitchFamily="49" charset="0"/>
+                </a:rPr>
+                <a:t>vals</a:t>
+              </a:r>
+              <a:r>
+                <a:rPr lang="en-US" sz="700" dirty="0" smtClean="0">
+                  <a:latin typeface="Consolas" panose="020B0609020204030204" pitchFamily="49" charset="0"/>
+                  <a:cs typeface="Consolas" panose="020B0609020204030204" pitchFamily="49" charset="0"/>
+                </a:rPr>
+                <a:t> </a:t>
+              </a:r>
+              <a:r>
+                <a:rPr lang="en-US" sz="700" dirty="0">
+                  <a:latin typeface="Consolas" panose="020B0609020204030204" pitchFamily="49" charset="0"/>
+                  <a:cs typeface="Consolas" panose="020B0609020204030204" pitchFamily="49" charset="0"/>
+                </a:rPr>
+                <a:t>= [</a:t>
+              </a:r>
+            </a:p>
+            <a:p>
+              <a:r>
+                <a:rPr lang="en-US" sz="700" dirty="0">
+                  <a:latin typeface="Consolas" panose="020B0609020204030204" pitchFamily="49" charset="0"/>
+                  <a:cs typeface="Consolas" panose="020B0609020204030204" pitchFamily="49" charset="0"/>
+                </a:rPr>
+                <a:t>    </a:t>
+              </a:r>
+              <a:r>
+                <a:rPr lang="en-US" sz="700" dirty="0" smtClean="0">
+                  <a:latin typeface="Consolas" panose="020B0609020204030204" pitchFamily="49" charset="0"/>
+                  <a:cs typeface="Consolas" panose="020B0609020204030204" pitchFamily="49" charset="0"/>
+                </a:rPr>
+                <a:t>("</a:t>
+              </a:r>
+              <a:r>
+                <a:rPr lang="en-US" sz="700" dirty="0">
+                  <a:latin typeface="Consolas" panose="020B0609020204030204" pitchFamily="49" charset="0"/>
+                  <a:cs typeface="Consolas" panose="020B0609020204030204" pitchFamily="49" charset="0"/>
+                </a:rPr>
+                <a:t>action", Action, ""),</a:t>
+              </a:r>
+            </a:p>
+            <a:p>
+              <a:r>
+                <a:rPr lang="en-US" sz="700" dirty="0" smtClean="0">
+                  <a:latin typeface="Consolas" panose="020B0609020204030204" pitchFamily="49" charset="0"/>
+                  <a:cs typeface="Consolas" panose="020B0609020204030204" pitchFamily="49" charset="0"/>
+                </a:rPr>
+                <a:t>    </a:t>
+              </a:r>
+              <a:r>
+                <a:rPr lang="en-US" sz="700" dirty="0">
+                  <a:latin typeface="Consolas" panose="020B0609020204030204" pitchFamily="49" charset="0"/>
+                  <a:cs typeface="Consolas" panose="020B0609020204030204" pitchFamily="49" charset="0"/>
+                </a:rPr>
+                <a:t>("target", Target, ""),</a:t>
+              </a:r>
+            </a:p>
+            <a:p>
+              <a:r>
+                <a:rPr lang="en-US" sz="700" dirty="0">
+                  <a:latin typeface="Consolas" panose="020B0609020204030204" pitchFamily="49" charset="0"/>
+                  <a:cs typeface="Consolas" panose="020B0609020204030204" pitchFamily="49" charset="0"/>
+                </a:rPr>
+                <a:t>    </a:t>
+              </a:r>
+              <a:r>
+                <a:rPr lang="en-US" sz="700" dirty="0" smtClean="0">
+                  <a:latin typeface="Consolas" panose="020B0609020204030204" pitchFamily="49" charset="0"/>
+                  <a:cs typeface="Consolas" panose="020B0609020204030204" pitchFamily="49" charset="0"/>
+                </a:rPr>
+                <a:t>("</a:t>
+              </a:r>
+              <a:r>
+                <a:rPr lang="en-US" sz="700" dirty="0">
+                  <a:latin typeface="Consolas" panose="020B0609020204030204" pitchFamily="49" charset="0"/>
+                  <a:cs typeface="Consolas" panose="020B0609020204030204" pitchFamily="49" charset="0"/>
+                </a:rPr>
+                <a:t>actuator", Actuator, "?"),</a:t>
+              </a:r>
+            </a:p>
+            <a:p>
+              <a:r>
+                <a:rPr lang="en-US" sz="700" dirty="0">
+                  <a:latin typeface="Consolas" panose="020B0609020204030204" pitchFamily="49" charset="0"/>
+                  <a:cs typeface="Consolas" panose="020B0609020204030204" pitchFamily="49" charset="0"/>
+                </a:rPr>
+                <a:t>    </a:t>
+              </a:r>
+              <a:r>
+                <a:rPr lang="en-US" sz="700" dirty="0" smtClean="0">
+                  <a:latin typeface="Consolas" panose="020B0609020204030204" pitchFamily="49" charset="0"/>
+                  <a:cs typeface="Consolas" panose="020B0609020204030204" pitchFamily="49" charset="0"/>
+                </a:rPr>
+                <a:t>("</a:t>
+              </a:r>
+              <a:r>
+                <a:rPr lang="en-US" sz="700" dirty="0">
+                  <a:latin typeface="Consolas" panose="020B0609020204030204" pitchFamily="49" charset="0"/>
+                  <a:cs typeface="Consolas" panose="020B0609020204030204" pitchFamily="49" charset="0"/>
+                </a:rPr>
+                <a:t>modifiers", Modifiers, "?")]</a:t>
+              </a:r>
+            </a:p>
+          </p:txBody>
+        </p:sp>
+      </p:grpSp>
+      <p:sp>
+        <p:nvSpPr>
+          <p:cNvPr id="77" name="Freeform 76"/>
+          <p:cNvSpPr/>
+          <p:nvPr/>
+        </p:nvSpPr>
+        <p:spPr>
+          <a:xfrm>
+            <a:off x="2676525" y="3152775"/>
+            <a:ext cx="1438275" cy="1400175"/>
+          </a:xfrm>
+          <a:custGeom>
+            <a:avLst/>
+            <a:gdLst>
+              <a:gd name="connsiteX0" fmla="*/ 1438275 w 1438275"/>
+              <a:gd name="connsiteY0" fmla="*/ 0 h 1400175"/>
+              <a:gd name="connsiteX1" fmla="*/ 914400 w 1438275"/>
+              <a:gd name="connsiteY1" fmla="*/ 733425 h 1400175"/>
+              <a:gd name="connsiteX2" fmla="*/ 314325 w 1438275"/>
+              <a:gd name="connsiteY2" fmla="*/ 981075 h 1400175"/>
+              <a:gd name="connsiteX3" fmla="*/ 0 w 1438275"/>
+              <a:gd name="connsiteY3" fmla="*/ 1400175 h 1400175"/>
+              <a:gd name="connsiteX4" fmla="*/ 0 w 1438275"/>
+              <a:gd name="connsiteY4" fmla="*/ 1400175 h 1400175"/>
+              <a:gd name="connsiteX5" fmla="*/ 0 w 1438275"/>
+              <a:gd name="connsiteY5" fmla="*/ 1400175 h 1400175"/>
+            </a:gdLst>
+            <a:ahLst/>
+            <a:cxnLst>
+              <a:cxn ang="0">
+                <a:pos x="connsiteX0" y="connsiteY0"/>
+              </a:cxn>
+              <a:cxn ang="0">
+                <a:pos x="connsiteX1" y="connsiteY1"/>
+              </a:cxn>
+              <a:cxn ang="0">
+                <a:pos x="connsiteX2" y="connsiteY2"/>
+              </a:cxn>
+              <a:cxn ang="0">
+                <a:pos x="connsiteX3" y="connsiteY3"/>
+              </a:cxn>
+              <a:cxn ang="0">
+                <a:pos x="connsiteX4" y="connsiteY4"/>
+              </a:cxn>
+              <a:cxn ang="0">
+                <a:pos x="connsiteX5" y="connsiteY5"/>
+              </a:cxn>
+            </a:cxnLst>
+            <a:rect l="l" t="t" r="r" b="b"/>
+            <a:pathLst>
+              <a:path w="1438275" h="1400175">
+                <a:moveTo>
+                  <a:pt x="1438275" y="0"/>
+                </a:moveTo>
+                <a:cubicBezTo>
+                  <a:pt x="1270000" y="284956"/>
+                  <a:pt x="1101725" y="569913"/>
+                  <a:pt x="914400" y="733425"/>
+                </a:cubicBezTo>
+                <a:cubicBezTo>
+                  <a:pt x="727075" y="896937"/>
+                  <a:pt x="466725" y="869950"/>
+                  <a:pt x="314325" y="981075"/>
+                </a:cubicBezTo>
+                <a:cubicBezTo>
+                  <a:pt x="161925" y="1092200"/>
+                  <a:pt x="0" y="1400175"/>
+                  <a:pt x="0" y="1400175"/>
+                </a:cubicBezTo>
+                <a:lnTo>
+                  <a:pt x="0" y="1400175"/>
+                </a:lnTo>
+                <a:lnTo>
+                  <a:pt x="0" y="1400175"/>
+                </a:lnTo>
+              </a:path>
+            </a:pathLst>
+          </a:custGeom>
+          <a:noFill/>
+          <a:ln>
+            <a:headEnd type="none" w="med" len="med"/>
+            <a:tailEnd type="arrow" w="med" len="med"/>
+          </a:ln>
+        </p:spPr>
+        <p:style>
+          <a:lnRef idx="2">
+            <a:schemeClr val="accent1">
+              <a:shade val="50000"/>
+            </a:schemeClr>
+          </a:lnRef>
+          <a:fillRef idx="1">
+            <a:schemeClr val="accent1"/>
+          </a:fillRef>
+          <a:effectRef idx="0">
+            <a:schemeClr val="accent1"/>
+          </a:effectRef>
+          <a:fontRef idx="minor">
+            <a:schemeClr val="lt1"/>
+          </a:fontRef>
+        </p:style>
+        <p:txBody>
+          <a:bodyPr rtlCol="0" anchor="ctr"/>
+          <a:lstStyle/>
+          <a:p>
+            <a:pPr algn="ctr"/>
+            <a:endParaRPr lang="en-US"/>
+          </a:p>
+        </p:txBody>
+      </p:sp>
+      <p:sp>
+        <p:nvSpPr>
+          <p:cNvPr id="78" name="Freeform 77"/>
+          <p:cNvSpPr/>
+          <p:nvPr/>
+        </p:nvSpPr>
+        <p:spPr>
+          <a:xfrm>
+            <a:off x="3892884" y="3133725"/>
+            <a:ext cx="430674" cy="1676400"/>
+          </a:xfrm>
+          <a:custGeom>
+            <a:avLst/>
+            <a:gdLst>
+              <a:gd name="connsiteX0" fmla="*/ 430674 w 430674"/>
+              <a:gd name="connsiteY0" fmla="*/ 0 h 1676400"/>
+              <a:gd name="connsiteX1" fmla="*/ 335424 w 430674"/>
+              <a:gd name="connsiteY1" fmla="*/ 714375 h 1676400"/>
+              <a:gd name="connsiteX2" fmla="*/ 49674 w 430674"/>
+              <a:gd name="connsiteY2" fmla="*/ 1400175 h 1676400"/>
+              <a:gd name="connsiteX3" fmla="*/ 2049 w 430674"/>
+              <a:gd name="connsiteY3" fmla="*/ 1676400 h 1676400"/>
+            </a:gdLst>
+            <a:ahLst/>
+            <a:cxnLst>
+              <a:cxn ang="0">
+                <a:pos x="connsiteX0" y="connsiteY0"/>
+              </a:cxn>
+              <a:cxn ang="0">
+                <a:pos x="connsiteX1" y="connsiteY1"/>
+              </a:cxn>
+              <a:cxn ang="0">
+                <a:pos x="connsiteX2" y="connsiteY2"/>
+              </a:cxn>
+              <a:cxn ang="0">
+                <a:pos x="connsiteX3" y="connsiteY3"/>
+              </a:cxn>
+            </a:cxnLst>
+            <a:rect l="l" t="t" r="r" b="b"/>
+            <a:pathLst>
+              <a:path w="430674" h="1676400">
+                <a:moveTo>
+                  <a:pt x="430674" y="0"/>
+                </a:moveTo>
+                <a:cubicBezTo>
+                  <a:pt x="414799" y="240506"/>
+                  <a:pt x="398924" y="481013"/>
+                  <a:pt x="335424" y="714375"/>
+                </a:cubicBezTo>
+                <a:cubicBezTo>
+                  <a:pt x="271924" y="947738"/>
+                  <a:pt x="105236" y="1239838"/>
+                  <a:pt x="49674" y="1400175"/>
+                </a:cubicBezTo>
+                <a:cubicBezTo>
+                  <a:pt x="-5888" y="1560512"/>
+                  <a:pt x="-1920" y="1618456"/>
+                  <a:pt x="2049" y="1676400"/>
+                </a:cubicBezTo>
+              </a:path>
+            </a:pathLst>
+          </a:custGeom>
+          <a:noFill/>
+          <a:ln>
+            <a:headEnd type="arrow" w="med" len="med"/>
+            <a:tailEnd type="arrow" w="med" len="med"/>
+          </a:ln>
+        </p:spPr>
+        <p:style>
+          <a:lnRef idx="2">
+            <a:schemeClr val="accent1">
+              <a:shade val="50000"/>
+            </a:schemeClr>
+          </a:lnRef>
+          <a:fillRef idx="1">
+            <a:schemeClr val="accent1"/>
+          </a:fillRef>
+          <a:effectRef idx="0">
+            <a:schemeClr val="accent1"/>
+          </a:effectRef>
+          <a:fontRef idx="minor">
+            <a:schemeClr val="lt1"/>
+          </a:fontRef>
+        </p:style>
+        <p:txBody>
+          <a:bodyPr rtlCol="0" anchor="ctr"/>
+          <a:lstStyle/>
+          <a:p>
+            <a:pPr algn="ctr"/>
+            <a:endParaRPr lang="en-US"/>
+          </a:p>
+        </p:txBody>
+      </p:sp>
+      <p:sp>
+        <p:nvSpPr>
+          <p:cNvPr id="79" name="Freeform 78"/>
+          <p:cNvSpPr/>
+          <p:nvPr/>
+        </p:nvSpPr>
+        <p:spPr>
+          <a:xfrm>
+            <a:off x="4723608" y="3143250"/>
+            <a:ext cx="914400" cy="1554328"/>
+          </a:xfrm>
+          <a:custGeom>
+            <a:avLst/>
+            <a:gdLst>
+              <a:gd name="connsiteX0" fmla="*/ 23013 w 861213"/>
+              <a:gd name="connsiteY0" fmla="*/ 0 h 1400175"/>
+              <a:gd name="connsiteX1" fmla="*/ 80163 w 861213"/>
+              <a:gd name="connsiteY1" fmla="*/ 476250 h 1400175"/>
+              <a:gd name="connsiteX2" fmla="*/ 680238 w 861213"/>
+              <a:gd name="connsiteY2" fmla="*/ 885825 h 1400175"/>
+              <a:gd name="connsiteX3" fmla="*/ 861213 w 861213"/>
+              <a:gd name="connsiteY3" fmla="*/ 1400175 h 1400175"/>
+              <a:gd name="connsiteX0" fmla="*/ 9941 w 905291"/>
+              <a:gd name="connsiteY0" fmla="*/ 0 h 1400175"/>
+              <a:gd name="connsiteX1" fmla="*/ 124241 w 905291"/>
+              <a:gd name="connsiteY1" fmla="*/ 476250 h 1400175"/>
+              <a:gd name="connsiteX2" fmla="*/ 724316 w 905291"/>
+              <a:gd name="connsiteY2" fmla="*/ 885825 h 1400175"/>
+              <a:gd name="connsiteX3" fmla="*/ 905291 w 905291"/>
+              <a:gd name="connsiteY3" fmla="*/ 1400175 h 1400175"/>
+              <a:gd name="connsiteX0" fmla="*/ 7924 w 922324"/>
+              <a:gd name="connsiteY0" fmla="*/ 0 h 1400175"/>
+              <a:gd name="connsiteX1" fmla="*/ 141274 w 922324"/>
+              <a:gd name="connsiteY1" fmla="*/ 476250 h 1400175"/>
+              <a:gd name="connsiteX2" fmla="*/ 741349 w 922324"/>
+              <a:gd name="connsiteY2" fmla="*/ 885825 h 1400175"/>
+              <a:gd name="connsiteX3" fmla="*/ 922324 w 922324"/>
+              <a:gd name="connsiteY3" fmla="*/ 1400175 h 1400175"/>
+              <a:gd name="connsiteX0" fmla="*/ 4402 w 918802"/>
+              <a:gd name="connsiteY0" fmla="*/ 0 h 1400175"/>
+              <a:gd name="connsiteX1" fmla="*/ 137752 w 918802"/>
+              <a:gd name="connsiteY1" fmla="*/ 476250 h 1400175"/>
+              <a:gd name="connsiteX2" fmla="*/ 737827 w 918802"/>
+              <a:gd name="connsiteY2" fmla="*/ 885825 h 1400175"/>
+              <a:gd name="connsiteX3" fmla="*/ 918802 w 918802"/>
+              <a:gd name="connsiteY3" fmla="*/ 1400175 h 1400175"/>
+              <a:gd name="connsiteX0" fmla="*/ 0 w 914400"/>
+              <a:gd name="connsiteY0" fmla="*/ 0 h 1400175"/>
+              <a:gd name="connsiteX1" fmla="*/ 133350 w 914400"/>
+              <a:gd name="connsiteY1" fmla="*/ 476250 h 1400175"/>
+              <a:gd name="connsiteX2" fmla="*/ 733425 w 914400"/>
+              <a:gd name="connsiteY2" fmla="*/ 885825 h 1400175"/>
+              <a:gd name="connsiteX3" fmla="*/ 914400 w 914400"/>
+              <a:gd name="connsiteY3" fmla="*/ 1400175 h 1400175"/>
+              <a:gd name="connsiteX0" fmla="*/ 0 w 914400"/>
+              <a:gd name="connsiteY0" fmla="*/ 0 h 1400175"/>
+              <a:gd name="connsiteX1" fmla="*/ 133350 w 914400"/>
+              <a:gd name="connsiteY1" fmla="*/ 476250 h 1400175"/>
+              <a:gd name="connsiteX2" fmla="*/ 733425 w 914400"/>
+              <a:gd name="connsiteY2" fmla="*/ 885825 h 1400175"/>
+              <a:gd name="connsiteX3" fmla="*/ 914400 w 914400"/>
+              <a:gd name="connsiteY3" fmla="*/ 1400175 h 1400175"/>
+            </a:gdLst>
+            <a:ahLst/>
+            <a:cxnLst>
+              <a:cxn ang="0">
+                <a:pos x="connsiteX0" y="connsiteY0"/>
+              </a:cxn>
+              <a:cxn ang="0">
+                <a:pos x="connsiteX1" y="connsiteY1"/>
+              </a:cxn>
+              <a:cxn ang="0">
+                <a:pos x="connsiteX2" y="connsiteY2"/>
+              </a:cxn>
+              <a:cxn ang="0">
+                <a:pos x="connsiteX3" y="connsiteY3"/>
+              </a:cxn>
+            </a:cxnLst>
+            <a:rect l="l" t="t" r="r" b="b"/>
+            <a:pathLst>
+              <a:path w="914400" h="1400175">
+                <a:moveTo>
+                  <a:pt x="0" y="0"/>
+                </a:moveTo>
+                <a:cubicBezTo>
+                  <a:pt x="11906" y="364331"/>
+                  <a:pt x="11113" y="328613"/>
+                  <a:pt x="133350" y="476250"/>
+                </a:cubicBezTo>
+                <a:cubicBezTo>
+                  <a:pt x="255588" y="623888"/>
+                  <a:pt x="603250" y="731837"/>
+                  <a:pt x="733425" y="885825"/>
+                </a:cubicBezTo>
+                <a:cubicBezTo>
+                  <a:pt x="863600" y="1039813"/>
+                  <a:pt x="889000" y="1219994"/>
+                  <a:pt x="914400" y="1400175"/>
+                </a:cubicBezTo>
+              </a:path>
+            </a:pathLst>
+          </a:custGeom>
+          <a:noFill/>
+          <a:ln>
+            <a:headEnd type="arrow" w="med" len="med"/>
+            <a:tailEnd type="arrow" w="med" len="med"/>
+          </a:ln>
+        </p:spPr>
+        <p:style>
+          <a:lnRef idx="2">
+            <a:schemeClr val="accent1">
+              <a:shade val="50000"/>
+            </a:schemeClr>
+          </a:lnRef>
+          <a:fillRef idx="1">
+            <a:schemeClr val="accent1"/>
+          </a:fillRef>
+          <a:effectRef idx="0">
+            <a:schemeClr val="accent1"/>
+          </a:effectRef>
+          <a:fontRef idx="minor">
+            <a:schemeClr val="lt1"/>
+          </a:fontRef>
+        </p:style>
+        <p:txBody>
+          <a:bodyPr rtlCol="0" anchor="ctr"/>
+          <a:lstStyle/>
+          <a:p>
+            <a:pPr algn="ctr"/>
+            <a:endParaRPr lang="en-US"/>
+          </a:p>
+        </p:txBody>
+      </p:sp>
+      <p:sp>
+        <p:nvSpPr>
+          <p:cNvPr id="81" name="Freeform 80"/>
+          <p:cNvSpPr/>
+          <p:nvPr/>
+        </p:nvSpPr>
+        <p:spPr>
+          <a:xfrm>
+            <a:off x="5247483" y="3953893"/>
+            <a:ext cx="714375" cy="371475"/>
+          </a:xfrm>
+          <a:custGeom>
+            <a:avLst/>
+            <a:gdLst>
+              <a:gd name="connsiteX0" fmla="*/ 0 w 714375"/>
+              <a:gd name="connsiteY0" fmla="*/ 0 h 371475"/>
+              <a:gd name="connsiteX1" fmla="*/ 466725 w 714375"/>
+              <a:gd name="connsiteY1" fmla="*/ 304800 h 371475"/>
+              <a:gd name="connsiteX2" fmla="*/ 714375 w 714375"/>
+              <a:gd name="connsiteY2" fmla="*/ 371475 h 371475"/>
+            </a:gdLst>
+            <a:ahLst/>
+            <a:cxnLst>
+              <a:cxn ang="0">
+                <a:pos x="connsiteX0" y="connsiteY0"/>
+              </a:cxn>
+              <a:cxn ang="0">
+                <a:pos x="connsiteX1" y="connsiteY1"/>
+              </a:cxn>
+              <a:cxn ang="0">
+                <a:pos x="connsiteX2" y="connsiteY2"/>
+              </a:cxn>
+            </a:cxnLst>
+            <a:rect l="l" t="t" r="r" b="b"/>
+            <a:pathLst>
+              <a:path w="714375" h="371475">
+                <a:moveTo>
+                  <a:pt x="0" y="0"/>
+                </a:moveTo>
+                <a:cubicBezTo>
+                  <a:pt x="173831" y="121443"/>
+                  <a:pt x="347662" y="242887"/>
+                  <a:pt x="466725" y="304800"/>
+                </a:cubicBezTo>
+                <a:cubicBezTo>
+                  <a:pt x="585788" y="366713"/>
+                  <a:pt x="650081" y="369094"/>
+                  <a:pt x="714375" y="371475"/>
+                </a:cubicBezTo>
+              </a:path>
+            </a:pathLst>
+          </a:custGeom>
+          <a:noFill/>
+          <a:ln>
+            <a:headEnd type="none" w="med" len="med"/>
+            <a:tailEnd type="arrow" w="med" len="med"/>
+          </a:ln>
+        </p:spPr>
+        <p:style>
+          <a:lnRef idx="2">
+            <a:schemeClr val="accent1">
+              <a:shade val="50000"/>
+            </a:schemeClr>
+          </a:lnRef>
+          <a:fillRef idx="1">
+            <a:schemeClr val="accent1"/>
+          </a:fillRef>
+          <a:effectRef idx="0">
+            <a:schemeClr val="accent1"/>
+          </a:effectRef>
+          <a:fontRef idx="minor">
+            <a:schemeClr val="lt1"/>
+          </a:fontRef>
+        </p:style>
+        <p:txBody>
+          <a:bodyPr rtlCol="0" anchor="ctr"/>
+          <a:lstStyle/>
+          <a:p>
+            <a:pPr algn="ctr"/>
+            <a:endParaRPr lang="en-US"/>
+          </a:p>
+        </p:txBody>
+      </p:sp>
+    </p:spTree>
+    <p:extLst>
+      <p:ext uri="{BB962C8B-B14F-4D97-AF65-F5344CB8AC3E}">
+        <p14:creationId xmlns:p14="http://schemas.microsoft.com/office/powerpoint/2010/main" val="1090022544"/>
+      </p:ext>
+    </p:extLst>
+  </p:cSld>
+  <p:clrMapOvr>
+    <a:masterClrMapping/>
+  </p:clrMapOvr>
+  <p:timing>
+    <p:tnLst>
+      <p:par>
+        <p:cTn id="1" dur="indefinite" restart="never" nodeType="tmRoot"/>
+      </p:par>
+    </p:tnLst>
+  </p:timing>
+</p:sld>
+</file>
+
+<file path=ppt/slides/slide12.xml><?xml version="1.0" encoding="utf-8"?>
+<p:sld xmlns:a="http://schemas.openxmlformats.org/drawingml/2006/main" xmlns:r="http://schemas.openxmlformats.org/officeDocument/2006/relationships" xmlns:p="http://schemas.openxmlformats.org/presentationml/2006/main">
+  <p:cSld>
+    <p:spTree>
+      <p:nvGrpSpPr>
+        <p:cNvPr id="1" name=""/>
+        <p:cNvGrpSpPr/>
+        <p:nvPr/>
+      </p:nvGrpSpPr>
+      <p:grpSpPr>
+        <a:xfrm>
+          <a:off x="0" y="0"/>
+          <a:ext cx="0" cy="0"/>
+          <a:chOff x="0" y="0"/>
+          <a:chExt cx="0" cy="0"/>
+        </a:xfrm>
+      </p:grpSpPr>
+      <p:sp>
+        <p:nvSpPr>
+          <p:cNvPr id="2" name="Title 1"/>
+          <p:cNvSpPr>
+            <a:spLocks noGrp="1"/>
+          </p:cNvSpPr>
+          <p:nvPr>
+            <p:ph type="title"/>
+          </p:nvPr>
+        </p:nvSpPr>
+        <p:spPr/>
+        <p:txBody>
+          <a:bodyPr/>
+          <a:lstStyle/>
+          <a:p>
+            <a:r>
+              <a:rPr lang="en-US" dirty="0" smtClean="0"/>
+              <a:t>Pseudo-ASN (PASN)</a:t>
+            </a:r>
+            <a:endParaRPr lang="en-US" dirty="0"/>
+          </a:p>
+        </p:txBody>
+      </p:sp>
+      <p:sp>
+        <p:nvSpPr>
+          <p:cNvPr id="3" name="Slide Number Placeholder 2"/>
+          <p:cNvSpPr>
+            <a:spLocks noGrp="1"/>
+          </p:cNvSpPr>
+          <p:nvPr>
+            <p:ph type="sldNum" sz="quarter" idx="12"/>
+          </p:nvPr>
+        </p:nvSpPr>
+        <p:spPr/>
+        <p:txBody>
+          <a:bodyPr>
+            <a:normAutofit fontScale="85000" lnSpcReduction="20000"/>
+          </a:bodyPr>
+          <a:lstStyle/>
+          <a:p>
+            <a:fld id="{F43FF47F-E574-4450-810A-2029F5FBFFA6}" type="slidenum">
+              <a:rPr kumimoji="0" lang="en-US" smtClean="0"/>
+              <a:pPr/>
+              <a:t>12</a:t>
+            </a:fld>
+            <a:endParaRPr kumimoji="0" lang="en-US" dirty="0">
+              <a:solidFill>
+                <a:srgbClr val="FFFFFF"/>
+              </a:solidFill>
+            </a:endParaRPr>
+          </a:p>
+        </p:txBody>
+      </p:sp>
+      <p:sp>
+        <p:nvSpPr>
+          <p:cNvPr id="4" name="Content Placeholder 3"/>
+          <p:cNvSpPr>
+            <a:spLocks noGrp="1"/>
+          </p:cNvSpPr>
+          <p:nvPr>
+            <p:ph sz="quarter" idx="1"/>
+          </p:nvPr>
+        </p:nvSpPr>
+        <p:spPr/>
+        <p:txBody>
+          <a:bodyPr>
+            <a:normAutofit fontScale="92500" lnSpcReduction="20000"/>
+          </a:bodyPr>
+          <a:lstStyle/>
+          <a:p>
+            <a:r>
+              <a:rPr lang="en-US" dirty="0" smtClean="0"/>
+              <a:t>Mostly ASN.1, but modified for ease of use</a:t>
+            </a:r>
+          </a:p>
+          <a:p>
+            <a:pPr lvl="1"/>
+            <a:r>
+              <a:rPr lang="en-US" dirty="0" smtClean="0"/>
+              <a:t>ASN.1 has no first-class map (JSON object) type</a:t>
+            </a:r>
+          </a:p>
+          <a:p>
+            <a:pPr lvl="2"/>
+            <a:r>
+              <a:rPr lang="en-US" dirty="0" smtClean="0"/>
+              <a:t>SEQUENCE / SEQUENCE OF and SET / SET OF are the only compound ASN.1 types</a:t>
+            </a:r>
+          </a:p>
+          <a:p>
+            <a:pPr lvl="2"/>
+            <a:r>
+              <a:rPr lang="en-US" dirty="0" smtClean="0"/>
+              <a:t>Table Constraint syntax is general but cumbersome</a:t>
+            </a:r>
+          </a:p>
+          <a:p>
+            <a:pPr lvl="2"/>
+            <a:r>
+              <a:rPr lang="en-US" dirty="0" smtClean="0"/>
+              <a:t>PASN defines MAP to represent </a:t>
+            </a:r>
+            <a:r>
+              <a:rPr lang="en-US" dirty="0" err="1" smtClean="0"/>
+              <a:t>Identifier:Typereference</a:t>
+            </a:r>
+            <a:r>
+              <a:rPr lang="en-US" dirty="0" smtClean="0"/>
+              <a:t> pairs</a:t>
+            </a:r>
+          </a:p>
+          <a:p>
+            <a:pPr lvl="1"/>
+            <a:r>
+              <a:rPr lang="en-US" dirty="0" smtClean="0"/>
+              <a:t>ASN.1 restricts case for Identifier and </a:t>
+            </a:r>
+            <a:r>
+              <a:rPr lang="en-US" dirty="0" err="1"/>
+              <a:t>T</a:t>
+            </a:r>
+            <a:r>
+              <a:rPr lang="en-US" dirty="0" err="1" smtClean="0"/>
+              <a:t>ypereference</a:t>
+            </a:r>
+            <a:endParaRPr lang="en-US" dirty="0" smtClean="0"/>
+          </a:p>
+          <a:p>
+            <a:pPr lvl="2"/>
+            <a:r>
+              <a:rPr lang="en-US" dirty="0" smtClean="0"/>
+              <a:t>PASN allows both upper and lower case first character</a:t>
+            </a:r>
+          </a:p>
+          <a:p>
+            <a:pPr lvl="1"/>
+            <a:r>
+              <a:rPr lang="en-US" dirty="0" smtClean="0"/>
+              <a:t>ASN.1 SEQUENCE does not support encoding modes</a:t>
+            </a:r>
+          </a:p>
+          <a:p>
+            <a:pPr lvl="2"/>
+            <a:r>
+              <a:rPr lang="en-US" dirty="0"/>
+              <a:t>JSON Encoding Rules (to be defined) might add encoding </a:t>
+            </a:r>
+            <a:r>
+              <a:rPr lang="en-US" dirty="0" smtClean="0"/>
+              <a:t>modes</a:t>
+            </a:r>
+          </a:p>
+          <a:p>
+            <a:pPr lvl="2"/>
+            <a:r>
+              <a:rPr lang="en-US" dirty="0" smtClean="0"/>
+              <a:t>PASN defines RECORD to be encoded as either JSON object or array</a:t>
+            </a:r>
+          </a:p>
+          <a:p>
+            <a:pPr lvl="1"/>
+            <a:r>
+              <a:rPr lang="en-US" dirty="0" smtClean="0"/>
+              <a:t>PASN requires explicit tags</a:t>
+            </a:r>
+          </a:p>
+          <a:p>
+            <a:pPr lvl="1"/>
+            <a:r>
+              <a:rPr lang="en-US" dirty="0" smtClean="0"/>
+              <a:t>PASN does not allow nested type definitions</a:t>
+            </a:r>
+          </a:p>
+          <a:p>
+            <a:pPr lvl="2"/>
+            <a:r>
+              <a:rPr lang="en-US" dirty="0" smtClean="0"/>
+              <a:t>Supports direct mapping to JASN without compiling</a:t>
+            </a:r>
+          </a:p>
+        </p:txBody>
+      </p:sp>
+    </p:spTree>
+    <p:extLst>
+      <p:ext uri="{BB962C8B-B14F-4D97-AF65-F5344CB8AC3E}">
+        <p14:creationId xmlns:p14="http://schemas.microsoft.com/office/powerpoint/2010/main" val="3837282625"/>
+      </p:ext>
+    </p:extLst>
+  </p:cSld>
+  <p:clrMapOvr>
+    <a:masterClrMapping/>
+  </p:clrMapOvr>
+</p:sld>
+</file>
+
+<file path=ppt/slides/slide13.xml><?xml version="1.0" encoding="utf-8"?>
+<p:sld xmlns:a="http://schemas.openxmlformats.org/drawingml/2006/main" xmlns:r="http://schemas.openxmlformats.org/officeDocument/2006/relationships" xmlns:p="http://schemas.openxmlformats.org/presentationml/2006/main">
+  <p:cSld>
+    <p:spTree>
+      <p:nvGrpSpPr>
+        <p:cNvPr id="1" name=""/>
+        <p:cNvGrpSpPr/>
+        <p:nvPr/>
+      </p:nvGrpSpPr>
+      <p:grpSpPr>
+        <a:xfrm>
+          <a:off x="0" y="0"/>
+          <a:ext cx="0" cy="0"/>
+          <a:chOff x="0" y="0"/>
+          <a:chExt cx="0" cy="0"/>
+        </a:xfrm>
+      </p:grpSpPr>
+      <p:sp>
+        <p:nvSpPr>
+          <p:cNvPr id="2" name="Title 1"/>
+          <p:cNvSpPr>
+            <a:spLocks noGrp="1"/>
+          </p:cNvSpPr>
+          <p:nvPr>
+            <p:ph type="title"/>
+          </p:nvPr>
+        </p:nvSpPr>
+        <p:spPr/>
+        <p:txBody>
+          <a:bodyPr/>
+          <a:lstStyle/>
+          <a:p>
+            <a:r>
+              <a:rPr lang="en-US" dirty="0" smtClean="0"/>
+              <a:t>JSON </a:t>
+            </a:r>
+            <a:r>
+              <a:rPr lang="en-US" dirty="0" smtClean="0"/>
+              <a:t>Encoding Modes</a:t>
+            </a:r>
+            <a:endParaRPr lang="en-US" dirty="0"/>
+          </a:p>
+        </p:txBody>
+      </p:sp>
+      <p:sp>
+        <p:nvSpPr>
+          <p:cNvPr id="3" name="Slide Number Placeholder 2"/>
+          <p:cNvSpPr>
+            <a:spLocks noGrp="1"/>
+          </p:cNvSpPr>
+          <p:nvPr>
+            <p:ph type="sldNum" sz="quarter" idx="12"/>
+          </p:nvPr>
+        </p:nvSpPr>
+        <p:spPr/>
+        <p:txBody>
+          <a:bodyPr>
+            <a:normAutofit fontScale="85000" lnSpcReduction="20000"/>
+          </a:bodyPr>
+          <a:lstStyle/>
+          <a:p>
+            <a:fld id="{F43FF47F-E574-4450-810A-2029F5FBFFA6}" type="slidenum">
+              <a:rPr kumimoji="0" lang="en-US" smtClean="0"/>
+              <a:pPr/>
+              <a:t>13</a:t>
+            </a:fld>
+            <a:endParaRPr kumimoji="0" lang="en-US" dirty="0">
+              <a:solidFill>
+                <a:srgbClr val="FFFFFF"/>
+              </a:solidFill>
+            </a:endParaRPr>
+          </a:p>
+        </p:txBody>
+      </p:sp>
+      <p:sp>
+        <p:nvSpPr>
+          <p:cNvPr id="4" name="Content Placeholder 3"/>
+          <p:cNvSpPr>
+            <a:spLocks noGrp="1"/>
+          </p:cNvSpPr>
+          <p:nvPr>
+            <p:ph sz="quarter" idx="1"/>
+          </p:nvPr>
+        </p:nvSpPr>
+        <p:spPr/>
+        <p:txBody>
+          <a:bodyPr>
+            <a:normAutofit fontScale="92500" lnSpcReduction="10000"/>
+          </a:bodyPr>
+          <a:lstStyle/>
+          <a:p>
+            <a:r>
+              <a:rPr lang="en-US" dirty="0" smtClean="0"/>
+              <a:t>Verbose</a:t>
+            </a:r>
+          </a:p>
+          <a:p>
+            <a:pPr lvl="2"/>
+            <a:r>
+              <a:rPr lang="en-US" dirty="0" smtClean="0"/>
+              <a:t>RECORD </a:t>
+            </a:r>
+            <a:r>
+              <a:rPr lang="en-US" dirty="0" smtClean="0"/>
+              <a:t>encoded as </a:t>
+            </a:r>
+            <a:r>
+              <a:rPr lang="en-US" dirty="0" smtClean="0"/>
+              <a:t>Object</a:t>
+            </a:r>
+            <a:endParaRPr lang="en-US" dirty="0" smtClean="0"/>
+          </a:p>
+          <a:p>
+            <a:pPr lvl="2"/>
+            <a:r>
+              <a:rPr lang="en-US" dirty="0" smtClean="0"/>
+              <a:t>Highest bandwidth</a:t>
+            </a:r>
+          </a:p>
+          <a:p>
+            <a:pPr lvl="2"/>
+            <a:r>
+              <a:rPr lang="en-US" dirty="0" smtClean="0"/>
+              <a:t>Arguably most human-readable (explicit field names)</a:t>
+            </a:r>
+          </a:p>
+          <a:p>
+            <a:r>
+              <a:rPr lang="en-US" dirty="0" smtClean="0"/>
+              <a:t>Concise</a:t>
+            </a:r>
+          </a:p>
+          <a:p>
+            <a:pPr lvl="2"/>
+            <a:r>
+              <a:rPr lang="en-US" dirty="0" smtClean="0"/>
+              <a:t>RECORD</a:t>
+            </a:r>
+            <a:r>
+              <a:rPr lang="en-US" dirty="0" smtClean="0"/>
+              <a:t> </a:t>
+            </a:r>
+            <a:r>
+              <a:rPr lang="en-US" dirty="0" smtClean="0"/>
+              <a:t>encoded as </a:t>
+            </a:r>
+            <a:r>
+              <a:rPr lang="en-US" dirty="0" smtClean="0"/>
+              <a:t>Array</a:t>
+            </a:r>
+            <a:endParaRPr lang="en-US" dirty="0" smtClean="0"/>
+          </a:p>
+          <a:p>
+            <a:pPr lvl="2"/>
+            <a:r>
+              <a:rPr lang="en-US" dirty="0" smtClean="0"/>
+              <a:t>Reduced bandwidth</a:t>
+            </a:r>
+          </a:p>
+          <a:p>
+            <a:pPr lvl="2"/>
+            <a:r>
+              <a:rPr lang="en-US" dirty="0" smtClean="0"/>
+              <a:t>Arguably more readable (no field name clutter)</a:t>
+            </a:r>
+          </a:p>
+          <a:p>
+            <a:r>
+              <a:rPr lang="en-US" dirty="0" smtClean="0"/>
+              <a:t>Minimized</a:t>
+            </a:r>
+          </a:p>
+          <a:p>
+            <a:pPr lvl="2"/>
+            <a:r>
+              <a:rPr lang="en-US" dirty="0" smtClean="0"/>
+              <a:t>RECORD </a:t>
+            </a:r>
+            <a:r>
+              <a:rPr lang="en-US" dirty="0" smtClean="0"/>
+              <a:t>encoded as </a:t>
+            </a:r>
+            <a:r>
+              <a:rPr lang="en-US" dirty="0" smtClean="0"/>
+              <a:t>Array, </a:t>
+            </a:r>
+            <a:r>
+              <a:rPr lang="en-US" dirty="0" smtClean="0"/>
+              <a:t>Names encoded as Tags</a:t>
+            </a:r>
+          </a:p>
+          <a:p>
+            <a:pPr lvl="2"/>
+            <a:r>
+              <a:rPr lang="en-US" dirty="0" smtClean="0"/>
+              <a:t>Most bandwidth efficient, </a:t>
+            </a:r>
+            <a:r>
+              <a:rPr lang="en-US" dirty="0"/>
+              <a:t>l</a:t>
+            </a:r>
+            <a:r>
+              <a:rPr lang="en-US" dirty="0" smtClean="0"/>
+              <a:t>east readable</a:t>
+            </a:r>
+          </a:p>
+          <a:p>
+            <a:pPr lvl="2"/>
+            <a:r>
+              <a:rPr lang="en-US" dirty="0" smtClean="0"/>
+              <a:t>Use directly for transmission, or as visualization of binary encoding</a:t>
+            </a:r>
+            <a:endParaRPr lang="en-US" dirty="0"/>
+          </a:p>
+        </p:txBody>
+      </p:sp>
+    </p:spTree>
+    <p:extLst>
+      <p:ext uri="{BB962C8B-B14F-4D97-AF65-F5344CB8AC3E}">
+        <p14:creationId xmlns:p14="http://schemas.microsoft.com/office/powerpoint/2010/main" val="1958567696"/>
+      </p:ext>
+    </p:extLst>
+  </p:cSld>
+  <p:clrMapOvr>
+    <a:masterClrMapping/>
+  </p:clrMapOvr>
+</p:sld>
+</file>
+
+<file path=ppt/slides/slide14.xml><?xml version="1.0" encoding="utf-8"?>
+<p:sld xmlns:a="http://schemas.openxmlformats.org/drawingml/2006/main" xmlns:r="http://schemas.openxmlformats.org/officeDocument/2006/relationships" xmlns:p="http://schemas.openxmlformats.org/presentationml/2006/main">
+  <p:cSld>
+    <p:spTree>
+      <p:nvGrpSpPr>
+        <p:cNvPr id="1" name=""/>
+        <p:cNvGrpSpPr/>
+        <p:nvPr/>
+      </p:nvGrpSpPr>
+      <p:grpSpPr>
+        <a:xfrm>
+          <a:off x="0" y="0"/>
+          <a:ext cx="0" cy="0"/>
+          <a:chOff x="0" y="0"/>
+          <a:chExt cx="0" cy="0"/>
+        </a:xfrm>
+      </p:grpSpPr>
+      <p:sp>
+        <p:nvSpPr>
+          <p:cNvPr id="17" name="Rectangle 16"/>
+          <p:cNvSpPr/>
+          <p:nvPr/>
+        </p:nvSpPr>
+        <p:spPr>
+          <a:xfrm>
+            <a:off x="2823009" y="4804611"/>
+            <a:ext cx="2053791" cy="280987"/>
+          </a:xfrm>
+          <a:prstGeom prst="rect">
+            <a:avLst/>
+          </a:prstGeom>
+          <a:solidFill>
+            <a:schemeClr val="accent6">
+              <a:lumMod val="60000"/>
+              <a:lumOff val="40000"/>
+            </a:schemeClr>
+          </a:solidFill>
+          <a:ln w="12700">
+            <a:solidFill>
+              <a:schemeClr val="accent6">
+                <a:lumMod val="50000"/>
+              </a:schemeClr>
+            </a:solidFill>
+          </a:ln>
+        </p:spPr>
+        <p:style>
+          <a:lnRef idx="2">
+            <a:schemeClr val="accent1">
+              <a:shade val="50000"/>
+            </a:schemeClr>
+          </a:lnRef>
+          <a:fillRef idx="1">
+            <a:schemeClr val="accent1"/>
+          </a:fillRef>
+          <a:effectRef idx="0">
+            <a:schemeClr val="accent1"/>
+          </a:effectRef>
+          <a:fontRef idx="minor">
+            <a:schemeClr val="lt1"/>
+          </a:fontRef>
+        </p:style>
+        <p:txBody>
+          <a:bodyPr rtlCol="0" anchor="ctr"/>
+          <a:lstStyle/>
+          <a:p>
+            <a:pPr algn="ctr"/>
+            <a:endParaRPr lang="en-US"/>
+          </a:p>
+        </p:txBody>
+      </p:sp>
+      <p:sp>
+        <p:nvSpPr>
+          <p:cNvPr id="49" name="Rectangle 48"/>
+          <p:cNvSpPr/>
+          <p:nvPr/>
+        </p:nvSpPr>
+        <p:spPr>
+          <a:xfrm>
+            <a:off x="1219200" y="5261811"/>
+            <a:ext cx="3657600" cy="285749"/>
+          </a:xfrm>
+          <a:prstGeom prst="rect">
+            <a:avLst/>
+          </a:prstGeom>
+          <a:solidFill>
+            <a:schemeClr val="accent6">
+              <a:lumMod val="60000"/>
+              <a:lumOff val="40000"/>
+            </a:schemeClr>
+          </a:solidFill>
+          <a:ln w="12700">
+            <a:solidFill>
+              <a:schemeClr val="accent6">
+                <a:lumMod val="50000"/>
+              </a:schemeClr>
+            </a:solidFill>
+          </a:ln>
+        </p:spPr>
+        <p:style>
+          <a:lnRef idx="2">
+            <a:schemeClr val="accent1">
+              <a:shade val="50000"/>
+            </a:schemeClr>
+          </a:lnRef>
+          <a:fillRef idx="1">
+            <a:schemeClr val="accent1"/>
+          </a:fillRef>
+          <a:effectRef idx="0">
+            <a:schemeClr val="accent1"/>
+          </a:effectRef>
+          <a:fontRef idx="minor">
+            <a:schemeClr val="lt1"/>
+          </a:fontRef>
+        </p:style>
+        <p:txBody>
+          <a:bodyPr rtlCol="0" anchor="ctr"/>
+          <a:lstStyle/>
+          <a:p>
+            <a:pPr algn="ctr"/>
+            <a:endParaRPr lang="en-US"/>
+          </a:p>
+        </p:txBody>
+      </p:sp>
+      <p:sp>
+        <p:nvSpPr>
+          <p:cNvPr id="50" name="Rectangle 49"/>
+          <p:cNvSpPr/>
+          <p:nvPr/>
+        </p:nvSpPr>
+        <p:spPr>
+          <a:xfrm>
+            <a:off x="762000" y="5719010"/>
+            <a:ext cx="4114800" cy="409039"/>
+          </a:xfrm>
+          <a:prstGeom prst="rect">
+            <a:avLst/>
+          </a:prstGeom>
+          <a:solidFill>
+            <a:schemeClr val="accent6">
+              <a:lumMod val="60000"/>
+              <a:lumOff val="40000"/>
+            </a:schemeClr>
+          </a:solidFill>
+          <a:ln w="12700">
+            <a:solidFill>
+              <a:schemeClr val="accent6">
+                <a:lumMod val="50000"/>
+              </a:schemeClr>
+            </a:solidFill>
+          </a:ln>
+        </p:spPr>
+        <p:style>
+          <a:lnRef idx="2">
+            <a:schemeClr val="accent1">
+              <a:shade val="50000"/>
+            </a:schemeClr>
+          </a:lnRef>
+          <a:fillRef idx="1">
+            <a:schemeClr val="accent1"/>
+          </a:fillRef>
+          <a:effectRef idx="0">
+            <a:schemeClr val="accent1"/>
+          </a:effectRef>
+          <a:fontRef idx="minor">
+            <a:schemeClr val="lt1"/>
+          </a:fontRef>
+        </p:style>
+        <p:txBody>
+          <a:bodyPr rtlCol="0" anchor="ctr"/>
+          <a:lstStyle/>
+          <a:p>
+            <a:pPr algn="ctr"/>
+            <a:endParaRPr lang="en-US"/>
+          </a:p>
+        </p:txBody>
+      </p:sp>
+      <p:sp>
+        <p:nvSpPr>
+          <p:cNvPr id="2" name="Title 1"/>
+          <p:cNvSpPr>
+            <a:spLocks noGrp="1"/>
+          </p:cNvSpPr>
+          <p:nvPr>
+            <p:ph type="title"/>
+          </p:nvPr>
+        </p:nvSpPr>
+        <p:spPr/>
+        <p:txBody>
+          <a:bodyPr/>
+          <a:lstStyle/>
+          <a:p>
+            <a:r>
+              <a:rPr lang="en-US" dirty="0" smtClean="0"/>
+              <a:t>Concrete Schema Generation</a:t>
+            </a:r>
+            <a:endParaRPr lang="en-US" dirty="0"/>
+          </a:p>
+        </p:txBody>
+      </p:sp>
+      <p:sp>
+        <p:nvSpPr>
+          <p:cNvPr id="3" name="Slide Number Placeholder 2"/>
+          <p:cNvSpPr>
+            <a:spLocks noGrp="1"/>
+          </p:cNvSpPr>
+          <p:nvPr>
+            <p:ph type="sldNum" sz="quarter" idx="12"/>
+          </p:nvPr>
+        </p:nvSpPr>
+        <p:spPr/>
+        <p:txBody>
+          <a:bodyPr>
+            <a:normAutofit fontScale="85000" lnSpcReduction="20000"/>
+          </a:bodyPr>
+          <a:lstStyle/>
+          <a:p>
+            <a:fld id="{F43FF47F-E574-4450-810A-2029F5FBFFA6}" type="slidenum">
+              <a:rPr kumimoji="0" lang="en-US" smtClean="0"/>
+              <a:pPr/>
+              <a:t>14</a:t>
+            </a:fld>
+            <a:endParaRPr kumimoji="0" lang="en-US" dirty="0">
+              <a:solidFill>
+                <a:srgbClr val="FFFFFF"/>
+              </a:solidFill>
+            </a:endParaRPr>
+          </a:p>
+        </p:txBody>
+      </p:sp>
+      <p:sp>
+        <p:nvSpPr>
+          <p:cNvPr id="10" name="Rounded Rectangle 9"/>
+          <p:cNvSpPr/>
+          <p:nvPr/>
+        </p:nvSpPr>
+        <p:spPr>
+          <a:xfrm>
+            <a:off x="3903857" y="2438400"/>
+            <a:ext cx="1334101" cy="685800"/>
           </a:xfrm>
           <a:prstGeom prst="roundRect">
             <a:avLst>
-              <a:gd name="adj" fmla="val 10746"/>
+              <a:gd name="adj" fmla="val 22712"/>
             </a:avLst>
           </a:prstGeom>
           <a:solidFill>
@@ -5499,34 +8967,36 @@
                 </a:solidFill>
                 <a:latin typeface="Calibri" panose="020F0502020204030204" pitchFamily="34" charset="0"/>
               </a:rPr>
-              <a:t>Pseudo ASN</a:t>
-            </a:r>
-          </a:p>
-        </p:txBody>
-      </p:sp>
-      <p:sp>
-        <p:nvSpPr>
-          <p:cNvPr id="8" name="Rounded Rectangle 7"/>
+              <a:t>Abstract Syntax</a:t>
+            </a:r>
+          </a:p>
+        </p:txBody>
+      </p:sp>
+      <p:sp>
+        <p:nvSpPr>
+          <p:cNvPr id="9" name="Left-Right Arrow 8"/>
           <p:cNvSpPr/>
           <p:nvPr/>
         </p:nvSpPr>
         <p:spPr>
           <a:xfrm>
-            <a:off x="3008296" y="2414337"/>
-            <a:ext cx="990600" cy="557463"/>
+            <a:off x="2760857" y="2667000"/>
+            <a:ext cx="1133062" cy="228600"/>
           </a:xfrm>
-          <a:prstGeom prst="roundRect">
-            <a:avLst>
-              <a:gd name="adj" fmla="val 10746"/>
-            </a:avLst>
+          <a:prstGeom prst="leftRightArrow">
+            <a:avLst/>
           </a:prstGeom>
           <a:solidFill>
-            <a:schemeClr val="tx2">
-              <a:lumMod val="20000"/>
-              <a:lumOff val="80000"/>
+            <a:schemeClr val="accent3">
+              <a:lumMod val="60000"/>
+              <a:lumOff val="40000"/>
             </a:schemeClr>
           </a:solidFill>
-          <a:ln w="12700"/>
+          <a:ln>
+            <a:solidFill>
+              <a:schemeClr val="accent3"/>
+            </a:solidFill>
+          </a:ln>
         </p:spPr>
         <p:style>
           <a:lnRef idx="2">
@@ -5549,41 +9019,654 @@
           <a:lstStyle/>
           <a:p>
             <a:pPr algn="ctr"/>
-            <a:r>
-              <a:rPr lang="en-US" sz="1600" dirty="0" smtClean="0">
+            <a:endParaRPr lang="en-US"/>
+          </a:p>
+        </p:txBody>
+      </p:sp>
+      <p:sp>
+        <p:nvSpPr>
+          <p:cNvPr id="11" name="TextBox 10"/>
+          <p:cNvSpPr txBox="1"/>
+          <p:nvPr/>
+        </p:nvSpPr>
+        <p:spPr>
+          <a:xfrm>
+            <a:off x="2874555" y="2458819"/>
+            <a:ext cx="923651" cy="646331"/>
+          </a:xfrm>
+          <a:prstGeom prst="rect">
+            <a:avLst/>
+          </a:prstGeom>
+          <a:noFill/>
+        </p:spPr>
+        <p:txBody>
+          <a:bodyPr wrap="none" rtlCol="0">
+            <a:spAutoFit/>
+          </a:bodyPr>
+          <a:lstStyle/>
+          <a:p>
+            <a:r>
+              <a:rPr lang="en-US" sz="1200" i="1" dirty="0" smtClean="0"/>
+              <a:t>JSON Load</a:t>
+            </a:r>
+          </a:p>
+          <a:p>
+            <a:endParaRPr lang="en-US" sz="1200" i="1" dirty="0" smtClean="0"/>
+          </a:p>
+          <a:p>
+            <a:r>
+              <a:rPr lang="en-US" sz="1200" i="1" dirty="0" smtClean="0"/>
+              <a:t>JSON Dump</a:t>
+            </a:r>
+            <a:endParaRPr lang="en-US" sz="1200" i="1" dirty="0"/>
+          </a:p>
+        </p:txBody>
+      </p:sp>
+      <p:grpSp>
+        <p:nvGrpSpPr>
+          <p:cNvPr id="65" name="Group 64"/>
+          <p:cNvGrpSpPr/>
+          <p:nvPr/>
+        </p:nvGrpSpPr>
+        <p:grpSpPr>
+          <a:xfrm>
+            <a:off x="884842" y="1828800"/>
+            <a:ext cx="1838516" cy="1371600"/>
+            <a:chOff x="828484" y="2042010"/>
+            <a:chExt cx="1838516" cy="1371600"/>
+          </a:xfrm>
+        </p:grpSpPr>
+        <p:sp>
+          <p:nvSpPr>
+            <p:cNvPr id="56" name="Folded Corner 55"/>
+            <p:cNvSpPr/>
+            <p:nvPr/>
+          </p:nvSpPr>
+          <p:spPr>
+            <a:xfrm rot="10800000">
+              <a:off x="875698" y="2042010"/>
+              <a:ext cx="1791302" cy="1371600"/>
+            </a:xfrm>
+            <a:prstGeom prst="foldedCorner">
+              <a:avLst>
+                <a:gd name="adj" fmla="val 9888"/>
+              </a:avLst>
+            </a:prstGeom>
+            <a:solidFill>
+              <a:schemeClr val="accent6">
+                <a:lumMod val="20000"/>
+                <a:lumOff val="80000"/>
+              </a:schemeClr>
+            </a:solidFill>
+            <a:ln w="12700"/>
+          </p:spPr>
+          <p:style>
+            <a:lnRef idx="2">
+              <a:schemeClr val="accent1">
+                <a:shade val="50000"/>
+              </a:schemeClr>
+            </a:lnRef>
+            <a:fillRef idx="1">
+              <a:schemeClr val="accent1"/>
+            </a:fillRef>
+            <a:effectRef idx="0">
+              <a:schemeClr val="accent1"/>
+            </a:effectRef>
+            <a:fontRef idx="minor">
+              <a:schemeClr val="lt1"/>
+            </a:fontRef>
+          </p:style>
+          <p:txBody>
+            <a:bodyPr rtlCol="0" anchor="ctr"/>
+            <a:lstStyle/>
+            <a:p>
+              <a:endParaRPr lang="en-US" sz="800" dirty="0">
                 <a:solidFill>
                   <a:schemeClr val="tx1"/>
                 </a:solidFill>
-                <a:latin typeface="Calibri" panose="020F0502020204030204" pitchFamily="34" charset="0"/>
-              </a:rPr>
-              <a:t>Property Tables</a:t>
-            </a:r>
-          </a:p>
-        </p:txBody>
-      </p:sp>
-      <p:sp>
-        <p:nvSpPr>
-          <p:cNvPr id="10" name="Rounded Rectangle 9"/>
+                <a:latin typeface="Consolas" panose="020B0609020204030204" pitchFamily="49" charset="0"/>
+                <a:cs typeface="Consolas" panose="020B0609020204030204" pitchFamily="49" charset="0"/>
+              </a:endParaRPr>
+            </a:p>
+          </p:txBody>
+        </p:sp>
+        <p:sp>
+          <p:nvSpPr>
+            <p:cNvPr id="33" name="TextBox 32"/>
+            <p:cNvSpPr txBox="1"/>
+            <p:nvPr/>
+          </p:nvSpPr>
+          <p:spPr>
+            <a:xfrm>
+              <a:off x="828484" y="2156310"/>
+              <a:ext cx="1838516" cy="1257300"/>
+            </a:xfrm>
+            <a:prstGeom prst="rect">
+              <a:avLst/>
+            </a:prstGeom>
+            <a:noFill/>
+            <a:ln w="12700">
+              <a:noFill/>
+            </a:ln>
+          </p:spPr>
+          <p:style>
+            <a:lnRef idx="2">
+              <a:schemeClr val="accent1">
+                <a:shade val="50000"/>
+              </a:schemeClr>
+            </a:lnRef>
+            <a:fillRef idx="1">
+              <a:schemeClr val="accent1"/>
+            </a:fillRef>
+            <a:effectRef idx="0">
+              <a:schemeClr val="accent1"/>
+            </a:effectRef>
+            <a:fontRef idx="minor">
+              <a:schemeClr val="lt1"/>
+            </a:fontRef>
+          </p:style>
+          <p:txBody>
+            <a:bodyPr rot="0" spcFirstLastPara="0" vertOverflow="overflow" horzOverflow="overflow" vert="horz" wrap="square" lIns="91440" tIns="45720" rIns="91440" bIns="45720" numCol="1" spcCol="0" rtlCol="0" fromWordArt="0" anchor="ctr" anchorCtr="0" forceAA="0" compatLnSpc="1">
+              <a:prstTxWarp prst="textNoShape">
+                <a:avLst/>
+              </a:prstTxWarp>
+              <a:noAutofit/>
+            </a:bodyPr>
+            <a:lstStyle>
+              <a:defPPr>
+                <a:defRPr lang="en-US"/>
+              </a:defPPr>
+              <a:lvl1pPr>
+                <a:defRPr sz="800">
+                  <a:latin typeface="Consolas" panose="020B0609020204030204" pitchFamily="49" charset="0"/>
+                  <a:cs typeface="Consolas" panose="020B0609020204030204" pitchFamily="49" charset="0"/>
+                </a:defRPr>
+              </a:lvl1pPr>
+              <a:lvl2pPr>
+                <a:defRPr>
+                  <a:solidFill>
+                    <a:schemeClr val="lt1"/>
+                  </a:solidFill>
+                </a:defRPr>
+              </a:lvl2pPr>
+              <a:lvl3pPr>
+                <a:defRPr>
+                  <a:solidFill>
+                    <a:schemeClr val="lt1"/>
+                  </a:solidFill>
+                </a:defRPr>
+              </a:lvl3pPr>
+              <a:lvl4pPr>
+                <a:defRPr>
+                  <a:solidFill>
+                    <a:schemeClr val="lt1"/>
+                  </a:solidFill>
+                </a:defRPr>
+              </a:lvl4pPr>
+              <a:lvl5pPr>
+                <a:defRPr>
+                  <a:solidFill>
+                    <a:schemeClr val="lt1"/>
+                  </a:solidFill>
+                </a:defRPr>
+              </a:lvl5pPr>
+              <a:lvl6pPr>
+                <a:defRPr>
+                  <a:solidFill>
+                    <a:schemeClr val="lt1"/>
+                  </a:solidFill>
+                </a:defRPr>
+              </a:lvl6pPr>
+              <a:lvl7pPr>
+                <a:defRPr>
+                  <a:solidFill>
+                    <a:schemeClr val="lt1"/>
+                  </a:solidFill>
+                </a:defRPr>
+              </a:lvl7pPr>
+              <a:lvl8pPr>
+                <a:defRPr>
+                  <a:solidFill>
+                    <a:schemeClr val="lt1"/>
+                  </a:solidFill>
+                </a:defRPr>
+              </a:lvl8pPr>
+              <a:lvl9pPr>
+                <a:defRPr>
+                  <a:solidFill>
+                    <a:schemeClr val="lt1"/>
+                  </a:solidFill>
+                </a:defRPr>
+              </a:lvl9pPr>
+            </a:lstStyle>
+            <a:p>
+              <a:r>
+                <a:rPr lang="en-US" sz="600" dirty="0">
+                  <a:solidFill>
+                    <a:schemeClr val="tx1"/>
+                  </a:solidFill>
+                </a:rPr>
+                <a:t>{</a:t>
+              </a:r>
+            </a:p>
+            <a:p>
+              <a:r>
+                <a:rPr lang="en-US" sz="600" dirty="0">
+                  <a:solidFill>
+                    <a:schemeClr val="tx1"/>
+                  </a:solidFill>
+                </a:rPr>
+                <a:t>  "meta": {</a:t>
+              </a:r>
+            </a:p>
+            <a:p>
+              <a:r>
+                <a:rPr lang="en-US" sz="600" dirty="0">
+                  <a:solidFill>
+                    <a:schemeClr val="tx1"/>
+                  </a:solidFill>
+                </a:rPr>
+                <a:t>    "module": "openc2"</a:t>
+              </a:r>
+            </a:p>
+            <a:p>
+              <a:r>
+                <a:rPr lang="en-US" sz="600" dirty="0">
+                  <a:solidFill>
+                    <a:schemeClr val="tx1"/>
+                  </a:solidFill>
+                </a:rPr>
+                <a:t>  },</a:t>
+              </a:r>
+            </a:p>
+            <a:p>
+              <a:r>
+                <a:rPr lang="en-US" sz="600" dirty="0">
+                  <a:solidFill>
+                    <a:schemeClr val="tx1"/>
+                  </a:solidFill>
+                </a:rPr>
+                <a:t>  "types": [</a:t>
+              </a:r>
+            </a:p>
+            <a:p>
+              <a:r>
+                <a:rPr lang="en-US" sz="600" dirty="0">
+                  <a:solidFill>
+                    <a:schemeClr val="tx1"/>
+                  </a:solidFill>
+                </a:rPr>
+                <a:t>    ["OpenC2Command", "Record", "", [</a:t>
+              </a:r>
+            </a:p>
+            <a:p>
+              <a:r>
+                <a:rPr lang="en-US" sz="600" dirty="0">
+                  <a:solidFill>
+                    <a:schemeClr val="tx1"/>
+                  </a:solidFill>
+                </a:rPr>
+                <a:t>      [1, "action", "Action", ""],</a:t>
+              </a:r>
+            </a:p>
+            <a:p>
+              <a:r>
+                <a:rPr lang="en-US" sz="600" dirty="0">
+                  <a:solidFill>
+                    <a:schemeClr val="tx1"/>
+                  </a:solidFill>
+                </a:rPr>
+                <a:t>      [2, "target", "Target", ""],</a:t>
+              </a:r>
+            </a:p>
+            <a:p>
+              <a:r>
+                <a:rPr lang="en-US" sz="600" dirty="0">
+                  <a:solidFill>
+                    <a:schemeClr val="tx1"/>
+                  </a:solidFill>
+                </a:rPr>
+                <a:t>      [3, "actuator", "Actuator", "?"],</a:t>
+              </a:r>
+            </a:p>
+            <a:p>
+              <a:r>
+                <a:rPr lang="en-US" sz="600" dirty="0">
+                  <a:solidFill>
+                    <a:schemeClr val="tx1"/>
+                  </a:solidFill>
+                </a:rPr>
+                <a:t>      [4, "modifiers", "Modifiers", "?"]</a:t>
+              </a:r>
+            </a:p>
+            <a:p>
+              <a:r>
+                <a:rPr lang="en-US" sz="600" dirty="0">
+                  <a:solidFill>
+                    <a:schemeClr val="tx1"/>
+                  </a:solidFill>
+                </a:rPr>
+                <a:t>    ]]</a:t>
+              </a:r>
+            </a:p>
+            <a:p>
+              <a:r>
+                <a:rPr lang="en-US" sz="600" dirty="0">
+                  <a:solidFill>
+                    <a:schemeClr val="tx1"/>
+                  </a:solidFill>
+                </a:rPr>
+                <a:t>  ]</a:t>
+              </a:r>
+            </a:p>
+            <a:p>
+              <a:r>
+                <a:rPr lang="en-US" sz="600" dirty="0">
+                  <a:solidFill>
+                    <a:schemeClr val="tx1"/>
+                  </a:solidFill>
+                </a:rPr>
+                <a:t>}</a:t>
+              </a:r>
+            </a:p>
+          </p:txBody>
+        </p:sp>
+      </p:grpSp>
+      <p:sp>
+        <p:nvSpPr>
+          <p:cNvPr id="58" name="TextBox 57"/>
+          <p:cNvSpPr txBox="1"/>
+          <p:nvPr/>
+        </p:nvSpPr>
+        <p:spPr>
+          <a:xfrm>
+            <a:off x="1511084" y="3135868"/>
+            <a:ext cx="681597" cy="369332"/>
+          </a:xfrm>
+          <a:prstGeom prst="rect">
+            <a:avLst/>
+          </a:prstGeom>
+          <a:noFill/>
+        </p:spPr>
+        <p:txBody>
+          <a:bodyPr wrap="none" rtlCol="0">
+            <a:spAutoFit/>
+          </a:bodyPr>
+          <a:lstStyle/>
+          <a:p>
+            <a:r>
+              <a:rPr lang="en-US" dirty="0" smtClean="0"/>
+              <a:t>JASN</a:t>
+            </a:r>
+            <a:endParaRPr lang="en-US" dirty="0"/>
+          </a:p>
+        </p:txBody>
+      </p:sp>
+      <p:sp>
+        <p:nvSpPr>
+          <p:cNvPr id="5" name="TextBox 4"/>
+          <p:cNvSpPr txBox="1"/>
+          <p:nvPr/>
+        </p:nvSpPr>
+        <p:spPr>
+          <a:xfrm>
+            <a:off x="762000" y="4808622"/>
+            <a:ext cx="4090031" cy="1323439"/>
+          </a:xfrm>
+          <a:prstGeom prst="rect">
+            <a:avLst/>
+          </a:prstGeom>
+          <a:noFill/>
+        </p:spPr>
+        <p:txBody>
+          <a:bodyPr wrap="square" rtlCol="0">
+            <a:spAutoFit/>
+          </a:bodyPr>
+          <a:lstStyle/>
+          <a:p>
+            <a:pPr algn="r"/>
+            <a:r>
+              <a:rPr lang="en-US" sz="1000" dirty="0" smtClean="0">
+                <a:latin typeface="Consolas" panose="020B0609020204030204" pitchFamily="49" charset="0"/>
+                <a:cs typeface="Consolas" panose="020B0609020204030204" pitchFamily="49" charset="0"/>
+              </a:rPr>
+              <a:t>[34,[8,["</a:t>
+            </a:r>
+            <a:r>
+              <a:rPr lang="en-US" sz="1000" dirty="0">
+                <a:latin typeface="Consolas" panose="020B0609020204030204" pitchFamily="49" charset="0"/>
+                <a:cs typeface="Consolas" panose="020B0609020204030204" pitchFamily="49" charset="0"/>
+              </a:rPr>
+              <a:t>cdn.badco.org</a:t>
+            </a:r>
+            <a:r>
+              <a:rPr lang="en-US" sz="1000" dirty="0" smtClean="0">
+                <a:latin typeface="Consolas" panose="020B0609020204030204" pitchFamily="49" charset="0"/>
+                <a:cs typeface="Consolas" panose="020B0609020204030204" pitchFamily="49" charset="0"/>
+              </a:rPr>
+              <a:t>"]]]</a:t>
+            </a:r>
+          </a:p>
+          <a:p>
+            <a:pPr algn="r"/>
+            <a:endParaRPr lang="en-US" sz="1000" dirty="0">
+              <a:latin typeface="Consolas" panose="020B0609020204030204" pitchFamily="49" charset="0"/>
+              <a:cs typeface="Consolas" panose="020B0609020204030204" pitchFamily="49" charset="0"/>
+            </a:endParaRPr>
+          </a:p>
+          <a:p>
+            <a:pPr algn="r"/>
+            <a:endParaRPr lang="en-US" sz="1000" dirty="0" smtClean="0">
+              <a:latin typeface="Consolas" panose="020B0609020204030204" pitchFamily="49" charset="0"/>
+              <a:cs typeface="Consolas" panose="020B0609020204030204" pitchFamily="49" charset="0"/>
+            </a:endParaRPr>
+          </a:p>
+          <a:p>
+            <a:pPr algn="r"/>
+            <a:r>
+              <a:rPr lang="en-US" sz="1000" dirty="0" smtClean="0">
+                <a:latin typeface="Consolas" panose="020B0609020204030204" pitchFamily="49" charset="0"/>
+                <a:cs typeface="Consolas" panose="020B0609020204030204" pitchFamily="49" charset="0"/>
+              </a:rPr>
+              <a:t>["</a:t>
+            </a:r>
+            <a:r>
+              <a:rPr lang="en-US" sz="1000" dirty="0">
+                <a:latin typeface="Consolas" panose="020B0609020204030204" pitchFamily="49" charset="0"/>
+                <a:cs typeface="Consolas" panose="020B0609020204030204" pitchFamily="49" charset="0"/>
+              </a:rPr>
+              <a:t>mitigate",["</a:t>
+            </a:r>
+            <a:r>
+              <a:rPr lang="en-US" sz="1000" dirty="0" err="1">
+                <a:latin typeface="Consolas" panose="020B0609020204030204" pitchFamily="49" charset="0"/>
+                <a:cs typeface="Consolas" panose="020B0609020204030204" pitchFamily="49" charset="0"/>
+              </a:rPr>
+              <a:t>cybox:Hostname</a:t>
+            </a:r>
+            <a:r>
+              <a:rPr lang="en-US" sz="1000" dirty="0">
+                <a:latin typeface="Consolas" panose="020B0609020204030204" pitchFamily="49" charset="0"/>
+                <a:cs typeface="Consolas" panose="020B0609020204030204" pitchFamily="49" charset="0"/>
+              </a:rPr>
+              <a:t>",["cdn.badco.org"]]]</a:t>
+            </a:r>
+          </a:p>
+          <a:p>
+            <a:pPr algn="r"/>
+            <a:endParaRPr lang="en-US" sz="1000" dirty="0">
+              <a:latin typeface="Consolas" panose="020B0609020204030204" pitchFamily="49" charset="0"/>
+              <a:cs typeface="Consolas" panose="020B0609020204030204" pitchFamily="49" charset="0"/>
+            </a:endParaRPr>
+          </a:p>
+          <a:p>
+            <a:pPr algn="r"/>
+            <a:endParaRPr lang="en-US" sz="1000" dirty="0">
+              <a:latin typeface="Consolas" panose="020B0609020204030204" pitchFamily="49" charset="0"/>
+              <a:cs typeface="Consolas" panose="020B0609020204030204" pitchFamily="49" charset="0"/>
+            </a:endParaRPr>
+          </a:p>
+          <a:p>
+            <a:pPr algn="r"/>
+            <a:r>
+              <a:rPr lang="en-US" sz="1000" dirty="0">
+                <a:latin typeface="Consolas" panose="020B0609020204030204" pitchFamily="49" charset="0"/>
+                <a:cs typeface="Consolas" panose="020B0609020204030204" pitchFamily="49" charset="0"/>
+              </a:rPr>
+              <a:t>{"</a:t>
+            </a:r>
+            <a:r>
+              <a:rPr lang="en-US" sz="1000" dirty="0" err="1">
+                <a:latin typeface="Consolas" panose="020B0609020204030204" pitchFamily="49" charset="0"/>
+                <a:cs typeface="Consolas" panose="020B0609020204030204" pitchFamily="49" charset="0"/>
+              </a:rPr>
+              <a:t>action</a:t>
+            </a:r>
+            <a:r>
+              <a:rPr lang="en-US" sz="1000" dirty="0" err="1" smtClean="0">
+                <a:latin typeface="Consolas" panose="020B0609020204030204" pitchFamily="49" charset="0"/>
+                <a:cs typeface="Consolas" panose="020B0609020204030204" pitchFamily="49" charset="0"/>
+              </a:rPr>
+              <a:t>":"</a:t>
+            </a:r>
+            <a:r>
+              <a:rPr lang="en-US" sz="1000" dirty="0" err="1">
+                <a:latin typeface="Consolas" panose="020B0609020204030204" pitchFamily="49" charset="0"/>
+                <a:cs typeface="Consolas" panose="020B0609020204030204" pitchFamily="49" charset="0"/>
+              </a:rPr>
+              <a:t>mitigate","target</a:t>
+            </a:r>
+            <a:r>
+              <a:rPr lang="en-US" sz="1000" dirty="0">
+                <a:latin typeface="Consolas" panose="020B0609020204030204" pitchFamily="49" charset="0"/>
+                <a:cs typeface="Consolas" panose="020B0609020204030204" pitchFamily="49" charset="0"/>
+              </a:rPr>
+              <a:t>":{"type":"</a:t>
+            </a:r>
+            <a:r>
+              <a:rPr lang="en-US" sz="1000" dirty="0" err="1">
+                <a:latin typeface="Consolas" panose="020B0609020204030204" pitchFamily="49" charset="0"/>
+                <a:cs typeface="Consolas" panose="020B0609020204030204" pitchFamily="49" charset="0"/>
+              </a:rPr>
+              <a:t>cybox:Hostname</a:t>
+            </a:r>
+            <a:r>
+              <a:rPr lang="en-US" sz="1000" dirty="0">
+                <a:latin typeface="Consolas" panose="020B0609020204030204" pitchFamily="49" charset="0"/>
+                <a:cs typeface="Consolas" panose="020B0609020204030204" pitchFamily="49" charset="0"/>
+              </a:rPr>
+              <a:t>","</a:t>
+            </a:r>
+            <a:r>
+              <a:rPr lang="en-US" sz="1000" dirty="0" err="1">
+                <a:latin typeface="Consolas" panose="020B0609020204030204" pitchFamily="49" charset="0"/>
+                <a:cs typeface="Consolas" panose="020B0609020204030204" pitchFamily="49" charset="0"/>
+              </a:rPr>
+              <a:t>specifiers</a:t>
+            </a:r>
+            <a:r>
+              <a:rPr lang="en-US" sz="1000" dirty="0">
+                <a:latin typeface="Consolas" panose="020B0609020204030204" pitchFamily="49" charset="0"/>
+                <a:cs typeface="Consolas" panose="020B0609020204030204" pitchFamily="49" charset="0"/>
+              </a:rPr>
+              <a:t>":{"</a:t>
+            </a:r>
+            <a:r>
+              <a:rPr lang="en-US" sz="1000" dirty="0" err="1">
+                <a:latin typeface="Consolas" panose="020B0609020204030204" pitchFamily="49" charset="0"/>
+                <a:cs typeface="Consolas" panose="020B0609020204030204" pitchFamily="49" charset="0"/>
+              </a:rPr>
+              <a:t>Hostname_Value":"cdn.badco.org</a:t>
+            </a:r>
+            <a:r>
+              <a:rPr lang="en-US" sz="1000" dirty="0">
+                <a:latin typeface="Consolas" panose="020B0609020204030204" pitchFamily="49" charset="0"/>
+                <a:cs typeface="Consolas" panose="020B0609020204030204" pitchFamily="49" charset="0"/>
+              </a:rPr>
+              <a:t>"}}}</a:t>
+            </a:r>
+          </a:p>
+        </p:txBody>
+      </p:sp>
+      <p:sp>
+        <p:nvSpPr>
+          <p:cNvPr id="13" name="Freeform 12"/>
           <p:cNvSpPr/>
           <p:nvPr/>
         </p:nvSpPr>
         <p:spPr>
           <a:xfrm>
-            <a:off x="4113597" y="2414336"/>
-            <a:ext cx="990600" cy="557463"/>
+            <a:off x="2514600" y="4433136"/>
+            <a:ext cx="140571" cy="838200"/>
           </a:xfrm>
-          <a:prstGeom prst="roundRect">
-            <a:avLst>
-              <a:gd name="adj" fmla="val 10746"/>
-            </a:avLst>
-          </a:prstGeom>
-          <a:solidFill>
-            <a:schemeClr val="tx2">
-              <a:lumMod val="20000"/>
-              <a:lumOff val="80000"/>
-            </a:schemeClr>
-          </a:solidFill>
-          <a:ln w="12700"/>
+          <a:custGeom>
+            <a:avLst/>
+            <a:gdLst>
+              <a:gd name="connsiteX0" fmla="*/ 190500 w 190500"/>
+              <a:gd name="connsiteY0" fmla="*/ 0 h 876300"/>
+              <a:gd name="connsiteX1" fmla="*/ 152400 w 190500"/>
+              <a:gd name="connsiteY1" fmla="*/ 361950 h 876300"/>
+              <a:gd name="connsiteX2" fmla="*/ 28575 w 190500"/>
+              <a:gd name="connsiteY2" fmla="*/ 704850 h 876300"/>
+              <a:gd name="connsiteX3" fmla="*/ 0 w 190500"/>
+              <a:gd name="connsiteY3" fmla="*/ 876300 h 876300"/>
+              <a:gd name="connsiteX4" fmla="*/ 0 w 190500"/>
+              <a:gd name="connsiteY4" fmla="*/ 876300 h 876300"/>
+            </a:gdLst>
+            <a:ahLst/>
+            <a:cxnLst>
+              <a:cxn ang="0">
+                <a:pos x="connsiteX0" y="connsiteY0"/>
+              </a:cxn>
+              <a:cxn ang="0">
+                <a:pos x="connsiteX1" y="connsiteY1"/>
+              </a:cxn>
+              <a:cxn ang="0">
+                <a:pos x="connsiteX2" y="connsiteY2"/>
+              </a:cxn>
+              <a:cxn ang="0">
+                <a:pos x="connsiteX3" y="connsiteY3"/>
+              </a:cxn>
+              <a:cxn ang="0">
+                <a:pos x="connsiteX4" y="connsiteY4"/>
+              </a:cxn>
+            </a:cxnLst>
+            <a:rect l="l" t="t" r="r" b="b"/>
+            <a:pathLst>
+              <a:path w="190500" h="876300">
+                <a:moveTo>
+                  <a:pt x="190500" y="0"/>
+                </a:moveTo>
+                <a:cubicBezTo>
+                  <a:pt x="184943" y="122237"/>
+                  <a:pt x="179387" y="244475"/>
+                  <a:pt x="152400" y="361950"/>
+                </a:cubicBezTo>
+                <a:cubicBezTo>
+                  <a:pt x="125413" y="479425"/>
+                  <a:pt x="53975" y="619125"/>
+                  <a:pt x="28575" y="704850"/>
+                </a:cubicBezTo>
+                <a:cubicBezTo>
+                  <a:pt x="3175" y="790575"/>
+                  <a:pt x="0" y="876300"/>
+                  <a:pt x="0" y="876300"/>
+                </a:cubicBezTo>
+                <a:lnTo>
+                  <a:pt x="0" y="876300"/>
+                </a:lnTo>
+              </a:path>
+            </a:pathLst>
+          </a:custGeom>
+          <a:noFill/>
+          <a:ln>
+            <a:solidFill>
+              <a:schemeClr val="accent6">
+                <a:lumMod val="50000"/>
+              </a:schemeClr>
+            </a:solidFill>
+            <a:tailEnd type="arrow"/>
+          </a:ln>
         </p:spPr>
         <p:style>
           <a:lnRef idx="2">
@@ -5606,41 +9689,81 @@
           <a:lstStyle/>
           <a:p>
             <a:pPr algn="ctr"/>
-            <a:r>
-              <a:rPr lang="en-US" sz="1600" dirty="0" smtClean="0">
-                <a:solidFill>
-                  <a:schemeClr val="tx1"/>
-                </a:solidFill>
-                <a:latin typeface="Calibri" panose="020F0502020204030204" pitchFamily="34" charset="0"/>
-              </a:rPr>
-              <a:t>JASN</a:t>
-            </a:r>
-          </a:p>
-        </p:txBody>
-      </p:sp>
-      <p:sp>
-        <p:nvSpPr>
-          <p:cNvPr id="12" name="Rounded Rectangle 11"/>
+            <a:endParaRPr lang="en-US"/>
+          </a:p>
+        </p:txBody>
+      </p:sp>
+      <p:sp>
+        <p:nvSpPr>
+          <p:cNvPr id="14" name="Freeform 13"/>
           <p:cNvSpPr/>
           <p:nvPr/>
         </p:nvSpPr>
         <p:spPr>
           <a:xfrm>
-            <a:off x="6324199" y="2414336"/>
-            <a:ext cx="990600" cy="557463"/>
+            <a:off x="4038599" y="4433136"/>
+            <a:ext cx="47625" cy="390525"/>
           </a:xfrm>
-          <a:prstGeom prst="roundRect">
-            <a:avLst>
-              <a:gd name="adj" fmla="val 10746"/>
-            </a:avLst>
-          </a:prstGeom>
-          <a:solidFill>
-            <a:schemeClr val="tx2">
-              <a:lumMod val="20000"/>
-              <a:lumOff val="80000"/>
-            </a:schemeClr>
-          </a:solidFill>
-          <a:ln w="12700"/>
+          <a:custGeom>
+            <a:avLst/>
+            <a:gdLst>
+              <a:gd name="connsiteX0" fmla="*/ 76200 w 76200"/>
+              <a:gd name="connsiteY0" fmla="*/ 0 h 457200"/>
+              <a:gd name="connsiteX1" fmla="*/ 66675 w 76200"/>
+              <a:gd name="connsiteY1" fmla="*/ 180975 h 457200"/>
+              <a:gd name="connsiteX2" fmla="*/ 19050 w 76200"/>
+              <a:gd name="connsiteY2" fmla="*/ 371475 h 457200"/>
+              <a:gd name="connsiteX3" fmla="*/ 0 w 76200"/>
+              <a:gd name="connsiteY3" fmla="*/ 457200 h 457200"/>
+            </a:gdLst>
+            <a:ahLst/>
+            <a:cxnLst>
+              <a:cxn ang="0">
+                <a:pos x="connsiteX0" y="connsiteY0"/>
+              </a:cxn>
+              <a:cxn ang="0">
+                <a:pos x="connsiteX1" y="connsiteY1"/>
+              </a:cxn>
+              <a:cxn ang="0">
+                <a:pos x="connsiteX2" y="connsiteY2"/>
+              </a:cxn>
+              <a:cxn ang="0">
+                <a:pos x="connsiteX3" y="connsiteY3"/>
+              </a:cxn>
+            </a:cxnLst>
+            <a:rect l="l" t="t" r="r" b="b"/>
+            <a:pathLst>
+              <a:path w="76200" h="457200">
+                <a:moveTo>
+                  <a:pt x="76200" y="0"/>
+                </a:moveTo>
+                <a:cubicBezTo>
+                  <a:pt x="76200" y="59531"/>
+                  <a:pt x="76200" y="119063"/>
+                  <a:pt x="66675" y="180975"/>
+                </a:cubicBezTo>
+                <a:cubicBezTo>
+                  <a:pt x="57150" y="242888"/>
+                  <a:pt x="30162" y="325438"/>
+                  <a:pt x="19050" y="371475"/>
+                </a:cubicBezTo>
+                <a:cubicBezTo>
+                  <a:pt x="7938" y="417512"/>
+                  <a:pt x="3969" y="437356"/>
+                  <a:pt x="0" y="457200"/>
+                </a:cubicBezTo>
+              </a:path>
+            </a:pathLst>
+          </a:custGeom>
+          <a:noFill/>
+          <a:ln>
+            <a:solidFill>
+              <a:schemeClr val="accent6">
+                <a:lumMod val="50000"/>
+              </a:schemeClr>
+            </a:solidFill>
+            <a:tailEnd type="arrow"/>
+          </a:ln>
         </p:spPr>
         <p:style>
           <a:lnRef idx="2">
@@ -5663,27 +9786,132 @@
           <a:lstStyle/>
           <a:p>
             <a:pPr algn="ctr"/>
-            <a:r>
-              <a:rPr lang="en-US" sz="1600" dirty="0" smtClean="0">
-                <a:solidFill>
-                  <a:schemeClr val="tx1"/>
-                </a:solidFill>
-                <a:latin typeface="Calibri" panose="020F0502020204030204" pitchFamily="34" charset="0"/>
-              </a:rPr>
-              <a:t>ASN.1</a:t>
-            </a:r>
-          </a:p>
-        </p:txBody>
-      </p:sp>
-      <p:sp>
-        <p:nvSpPr>
-          <p:cNvPr id="13" name="Rounded Rectangle 12"/>
+            <a:endParaRPr lang="en-US"/>
+          </a:p>
+        </p:txBody>
+      </p:sp>
+      <p:sp>
+        <p:nvSpPr>
+          <p:cNvPr id="16" name="Freeform 15"/>
           <p:cNvSpPr/>
           <p:nvPr/>
         </p:nvSpPr>
         <p:spPr>
           <a:xfrm>
-            <a:off x="1447800" y="3882189"/>
+            <a:off x="1012376" y="4433136"/>
+            <a:ext cx="606874" cy="1276350"/>
+          </a:xfrm>
+          <a:custGeom>
+            <a:avLst/>
+            <a:gdLst>
+              <a:gd name="connsiteX0" fmla="*/ 606874 w 606874"/>
+              <a:gd name="connsiteY0" fmla="*/ 0 h 1276350"/>
+              <a:gd name="connsiteX1" fmla="*/ 492574 w 606874"/>
+              <a:gd name="connsiteY1" fmla="*/ 285750 h 1276350"/>
+              <a:gd name="connsiteX2" fmla="*/ 54424 w 606874"/>
+              <a:gd name="connsiteY2" fmla="*/ 752475 h 1276350"/>
+              <a:gd name="connsiteX3" fmla="*/ 6799 w 606874"/>
+              <a:gd name="connsiteY3" fmla="*/ 1276350 h 1276350"/>
+              <a:gd name="connsiteX4" fmla="*/ 6799 w 606874"/>
+              <a:gd name="connsiteY4" fmla="*/ 1276350 h 1276350"/>
+              <a:gd name="connsiteX5" fmla="*/ 6799 w 606874"/>
+              <a:gd name="connsiteY5" fmla="*/ 1276350 h 1276350"/>
+            </a:gdLst>
+            <a:ahLst/>
+            <a:cxnLst>
+              <a:cxn ang="0">
+                <a:pos x="connsiteX0" y="connsiteY0"/>
+              </a:cxn>
+              <a:cxn ang="0">
+                <a:pos x="connsiteX1" y="connsiteY1"/>
+              </a:cxn>
+              <a:cxn ang="0">
+                <a:pos x="connsiteX2" y="connsiteY2"/>
+              </a:cxn>
+              <a:cxn ang="0">
+                <a:pos x="connsiteX3" y="connsiteY3"/>
+              </a:cxn>
+              <a:cxn ang="0">
+                <a:pos x="connsiteX4" y="connsiteY4"/>
+              </a:cxn>
+              <a:cxn ang="0">
+                <a:pos x="connsiteX5" y="connsiteY5"/>
+              </a:cxn>
+            </a:cxnLst>
+            <a:rect l="l" t="t" r="r" b="b"/>
+            <a:pathLst>
+              <a:path w="606874" h="1276350">
+                <a:moveTo>
+                  <a:pt x="606874" y="0"/>
+                </a:moveTo>
+                <a:cubicBezTo>
+                  <a:pt x="595761" y="80169"/>
+                  <a:pt x="584649" y="160338"/>
+                  <a:pt x="492574" y="285750"/>
+                </a:cubicBezTo>
+                <a:cubicBezTo>
+                  <a:pt x="400499" y="411162"/>
+                  <a:pt x="135386" y="587375"/>
+                  <a:pt x="54424" y="752475"/>
+                </a:cubicBezTo>
+                <a:cubicBezTo>
+                  <a:pt x="-26539" y="917575"/>
+                  <a:pt x="6799" y="1276350"/>
+                  <a:pt x="6799" y="1276350"/>
+                </a:cubicBezTo>
+                <a:lnTo>
+                  <a:pt x="6799" y="1276350"/>
+                </a:lnTo>
+                <a:lnTo>
+                  <a:pt x="6799" y="1276350"/>
+                </a:lnTo>
+              </a:path>
+            </a:pathLst>
+          </a:custGeom>
+          <a:noFill/>
+          <a:ln>
+            <a:solidFill>
+              <a:schemeClr val="accent6">
+                <a:lumMod val="50000"/>
+              </a:schemeClr>
+            </a:solidFill>
+            <a:tailEnd type="arrow"/>
+          </a:ln>
+        </p:spPr>
+        <p:style>
+          <a:lnRef idx="2">
+            <a:schemeClr val="accent1">
+              <a:shade val="50000"/>
+            </a:schemeClr>
+          </a:lnRef>
+          <a:fillRef idx="1">
+            <a:schemeClr val="accent1"/>
+          </a:fillRef>
+          <a:effectRef idx="0">
+            <a:schemeClr val="accent1"/>
+          </a:effectRef>
+          <a:fontRef idx="minor">
+            <a:schemeClr val="lt1"/>
+          </a:fontRef>
+        </p:style>
+        <p:txBody>
+          <a:bodyPr rtlCol="0" anchor="ctr"/>
+          <a:lstStyle/>
+          <a:p>
+            <a:pPr algn="ctr"/>
+            <a:endParaRPr lang="en-US"/>
+          </a:p>
+        </p:txBody>
+      </p:sp>
+      <p:sp>
+        <p:nvSpPr>
+          <p:cNvPr id="32" name="Rounded Rectangle 31"/>
+          <p:cNvSpPr/>
+          <p:nvPr/>
+        </p:nvSpPr>
+        <p:spPr>
+          <a:xfrm>
+            <a:off x="1143000" y="3810000"/>
             <a:ext cx="990600" cy="762000"/>
           </a:xfrm>
           <a:prstGeom prst="roundRect">
@@ -5720,11 +9948,12 @@
           <a:p>
             <a:pPr algn="ctr"/>
             <a:r>
-              <a:rPr lang="en-US" sz="1600" dirty="0" smtClean="0">
+              <a:rPr lang="en-US" sz="1400" dirty="0" smtClean="0">
                 <a:solidFill>
                   <a:schemeClr val="tx1"/>
                 </a:solidFill>
                 <a:latin typeface="Calibri" panose="020F0502020204030204" pitchFamily="34" charset="0"/>
+                <a:cs typeface="Calibri" panose="020F0502020204030204" pitchFamily="34" charset="0"/>
               </a:rPr>
               <a:t>JSON Schema Verbose</a:t>
             </a:r>
@@ -5733,13 +9962,13 @@
       </p:sp>
       <p:sp>
         <p:nvSpPr>
-          <p:cNvPr id="14" name="Rounded Rectangle 13"/>
+          <p:cNvPr id="34" name="Rounded Rectangle 33"/>
           <p:cNvSpPr/>
           <p:nvPr/>
         </p:nvSpPr>
         <p:spPr>
           <a:xfrm>
-            <a:off x="2632509" y="3882189"/>
+            <a:off x="2327709" y="3810000"/>
             <a:ext cx="990600" cy="762000"/>
           </a:xfrm>
           <a:prstGeom prst="roundRect">
@@ -5776,11 +10005,12 @@
           <a:p>
             <a:pPr algn="ctr"/>
             <a:r>
-              <a:rPr lang="en-US" sz="1600" dirty="0" smtClean="0">
+              <a:rPr lang="en-US" sz="1400" dirty="0" smtClean="0">
                 <a:solidFill>
                   <a:schemeClr val="tx1"/>
                 </a:solidFill>
                 <a:latin typeface="Calibri" panose="020F0502020204030204" pitchFamily="34" charset="0"/>
+                <a:cs typeface="Calibri" panose="020F0502020204030204" pitchFamily="34" charset="0"/>
               </a:rPr>
               <a:t>JSON Schema Concise</a:t>
             </a:r>
@@ -5789,13 +10019,13 @@
       </p:sp>
       <p:sp>
         <p:nvSpPr>
-          <p:cNvPr id="15" name="Rounded Rectangle 14"/>
+          <p:cNvPr id="35" name="Rounded Rectangle 34"/>
           <p:cNvSpPr/>
           <p:nvPr/>
         </p:nvSpPr>
         <p:spPr>
           <a:xfrm>
-            <a:off x="3817218" y="3882189"/>
+            <a:off x="3512418" y="3810000"/>
             <a:ext cx="1143000" cy="762000"/>
           </a:xfrm>
           <a:prstGeom prst="roundRect">
@@ -5832,11 +10062,12 @@
           <a:p>
             <a:pPr algn="ctr"/>
             <a:r>
-              <a:rPr lang="en-US" sz="1600" dirty="0" smtClean="0">
+              <a:rPr lang="en-US" sz="1400" dirty="0" smtClean="0">
                 <a:solidFill>
                   <a:schemeClr val="tx1"/>
                 </a:solidFill>
                 <a:latin typeface="Calibri" panose="020F0502020204030204" pitchFamily="34" charset="0"/>
+                <a:cs typeface="Calibri" panose="020F0502020204030204" pitchFamily="34" charset="0"/>
               </a:rPr>
               <a:t>JSON Schema Minimized</a:t>
             </a:r>
@@ -5845,13 +10076,13 @@
       </p:sp>
       <p:sp>
         <p:nvSpPr>
-          <p:cNvPr id="16" name="Rounded Rectangle 15"/>
+          <p:cNvPr id="36" name="Rounded Rectangle 35"/>
           <p:cNvSpPr/>
           <p:nvPr/>
         </p:nvSpPr>
         <p:spPr>
           <a:xfrm>
-            <a:off x="6339036" y="3882189"/>
+            <a:off x="6034236" y="3810000"/>
             <a:ext cx="990600" cy="762000"/>
           </a:xfrm>
           <a:prstGeom prst="roundRect">
@@ -5888,11 +10119,12 @@
           <a:p>
             <a:pPr algn="ctr"/>
             <a:r>
-              <a:rPr lang="en-US" sz="1600" dirty="0" smtClean="0">
+              <a:rPr lang="en-US" sz="1400" dirty="0" smtClean="0">
                 <a:solidFill>
                   <a:schemeClr val="tx1"/>
                 </a:solidFill>
                 <a:latin typeface="Calibri" panose="020F0502020204030204" pitchFamily="34" charset="0"/>
+                <a:cs typeface="Calibri" panose="020F0502020204030204" pitchFamily="34" charset="0"/>
               </a:rPr>
               <a:t>Proto3 Binary</a:t>
             </a:r>
@@ -5901,13 +10133,13 @@
       </p:sp>
       <p:sp>
         <p:nvSpPr>
-          <p:cNvPr id="17" name="Rounded Rectangle 16"/>
+          <p:cNvPr id="37" name="Rounded Rectangle 36"/>
           <p:cNvSpPr/>
           <p:nvPr/>
         </p:nvSpPr>
         <p:spPr>
           <a:xfrm>
-            <a:off x="5154327" y="3886200"/>
+            <a:off x="4849527" y="3814011"/>
             <a:ext cx="990600" cy="762000"/>
           </a:xfrm>
           <a:prstGeom prst="roundRect">
@@ -5944,11 +10176,12 @@
           <a:p>
             <a:pPr algn="ctr"/>
             <a:r>
-              <a:rPr lang="en-US" sz="1600" dirty="0" smtClean="0">
+              <a:rPr lang="en-US" sz="1400" dirty="0" smtClean="0">
                 <a:solidFill>
                   <a:schemeClr val="tx1"/>
                 </a:solidFill>
                 <a:latin typeface="Calibri" panose="020F0502020204030204" pitchFamily="34" charset="0"/>
+                <a:cs typeface="Calibri" panose="020F0502020204030204" pitchFamily="34" charset="0"/>
               </a:rPr>
               <a:t>XSD</a:t>
             </a:r>
@@ -5957,13 +10190,13 @@
       </p:sp>
       <p:sp>
         <p:nvSpPr>
-          <p:cNvPr id="18" name="Rounded Rectangle 17"/>
+          <p:cNvPr id="38" name="Rounded Rectangle 37"/>
           <p:cNvSpPr/>
           <p:nvPr/>
         </p:nvSpPr>
         <p:spPr>
           <a:xfrm>
-            <a:off x="7523747" y="3886200"/>
+            <a:off x="7218947" y="3814011"/>
             <a:ext cx="990600" cy="762000"/>
           </a:xfrm>
           <a:prstGeom prst="roundRect">
@@ -6000,550 +10233,1908 @@
           <a:p>
             <a:pPr algn="ctr"/>
             <a:r>
-              <a:rPr lang="en-US" sz="1600" dirty="0" smtClean="0">
+              <a:rPr lang="en-US" sz="1400" dirty="0" smtClean="0">
                 <a:solidFill>
                   <a:schemeClr val="tx1"/>
                 </a:solidFill>
                 <a:latin typeface="Calibri" panose="020F0502020204030204" pitchFamily="34" charset="0"/>
-              </a:rPr>
-              <a:t>Other Binary?</a:t>
-            </a:r>
-          </a:p>
-        </p:txBody>
-      </p:sp>
-      <p:sp>
-        <p:nvSpPr>
-          <p:cNvPr id="20" name="Freeform 19"/>
-          <p:cNvSpPr/>
+                <a:cs typeface="Calibri" panose="020F0502020204030204" pitchFamily="34" charset="0"/>
+              </a:rPr>
+              <a:t>Other Binary</a:t>
+            </a:r>
+          </a:p>
+        </p:txBody>
+      </p:sp>
+      <p:cxnSp>
+        <p:nvCxnSpPr>
+          <p:cNvPr id="20" name="Straight Arrow Connector 19"/>
+          <p:cNvCxnSpPr>
+            <a:stCxn id="10" idx="2"/>
+            <a:endCxn id="32" idx="0"/>
+          </p:cNvCxnSpPr>
           <p:nvPr/>
-        </p:nvSpPr>
+        </p:nvCxnSpPr>
         <p:spPr>
-          <a:xfrm>
-            <a:off x="2396289" y="2285995"/>
-            <a:ext cx="1070209" cy="128342"/>
+          <a:xfrm flipH="1">
+            <a:off x="1638300" y="3124200"/>
+            <a:ext cx="2932608" cy="685800"/>
           </a:xfrm>
-          <a:custGeom>
+          <a:prstGeom prst="straightConnector1">
             <a:avLst/>
-            <a:gdLst>
-              <a:gd name="connsiteX0" fmla="*/ 0 w 1251285"/>
-              <a:gd name="connsiteY0" fmla="*/ 288768 h 288768"/>
-              <a:gd name="connsiteX1" fmla="*/ 733927 w 1251285"/>
-              <a:gd name="connsiteY1" fmla="*/ 10 h 288768"/>
-              <a:gd name="connsiteX2" fmla="*/ 1251285 w 1251285"/>
-              <a:gd name="connsiteY2" fmla="*/ 276736 h 288768"/>
-              <a:gd name="connsiteX3" fmla="*/ 1251285 w 1251285"/>
-              <a:gd name="connsiteY3" fmla="*/ 276736 h 288768"/>
-              <a:gd name="connsiteX4" fmla="*/ 1251285 w 1251285"/>
-              <a:gd name="connsiteY4" fmla="*/ 276736 h 288768"/>
-            </a:gdLst>
-            <a:ahLst/>
-            <a:cxnLst>
-              <a:cxn ang="0">
-                <a:pos x="connsiteX0" y="connsiteY0"/>
-              </a:cxn>
-              <a:cxn ang="0">
-                <a:pos x="connsiteX1" y="connsiteY1"/>
-              </a:cxn>
-              <a:cxn ang="0">
-                <a:pos x="connsiteX2" y="connsiteY2"/>
-              </a:cxn>
-              <a:cxn ang="0">
-                <a:pos x="connsiteX3" y="connsiteY3"/>
-              </a:cxn>
-              <a:cxn ang="0">
-                <a:pos x="connsiteX4" y="connsiteY4"/>
-              </a:cxn>
-            </a:cxnLst>
-            <a:rect l="l" t="t" r="r" b="b"/>
-            <a:pathLst>
-              <a:path w="1251285" h="288768">
-                <a:moveTo>
-                  <a:pt x="0" y="288768"/>
-                </a:moveTo>
-                <a:cubicBezTo>
-                  <a:pt x="262690" y="145391"/>
-                  <a:pt x="525380" y="2015"/>
-                  <a:pt x="733927" y="10"/>
-                </a:cubicBezTo>
-                <a:cubicBezTo>
-                  <a:pt x="942475" y="-1995"/>
-                  <a:pt x="1251285" y="276736"/>
-                  <a:pt x="1251285" y="276736"/>
-                </a:cubicBezTo>
-                <a:lnTo>
-                  <a:pt x="1251285" y="276736"/>
-                </a:lnTo>
-                <a:lnTo>
-                  <a:pt x="1251285" y="276736"/>
-                </a:lnTo>
-              </a:path>
-            </a:pathLst>
-          </a:custGeom>
-          <a:noFill/>
+          </a:prstGeom>
           <a:ln>
-            <a:headEnd type="none" w="med" len="med"/>
-            <a:tailEnd type="arrow" w="med" len="med"/>
+            <a:tailEnd type="triangle"/>
           </a:ln>
         </p:spPr>
         <p:style>
-          <a:lnRef idx="2">
-            <a:schemeClr val="accent1">
-              <a:shade val="50000"/>
-            </a:schemeClr>
+          <a:lnRef idx="1">
+            <a:schemeClr val="accent1"/>
           </a:lnRef>
-          <a:fillRef idx="1">
+          <a:fillRef idx="0">
             <a:schemeClr val="accent1"/>
           </a:fillRef>
           <a:effectRef idx="0">
             <a:schemeClr val="accent1"/>
           </a:effectRef>
           <a:fontRef idx="minor">
-            <a:schemeClr val="lt1"/>
+            <a:schemeClr val="tx1"/>
           </a:fontRef>
         </p:style>
-        <p:txBody>
-          <a:bodyPr rtlCol="0" anchor="ctr"/>
-          <a:lstStyle/>
-          <a:p>
-            <a:pPr algn="ctr"/>
-            <a:endParaRPr lang="en-US"/>
-          </a:p>
-        </p:txBody>
-      </p:sp>
-      <p:sp>
-        <p:nvSpPr>
-          <p:cNvPr id="22" name="Freeform 21"/>
-          <p:cNvSpPr/>
+      </p:cxnSp>
+      <p:cxnSp>
+        <p:nvCxnSpPr>
+          <p:cNvPr id="22" name="Straight Arrow Connector 21"/>
+          <p:cNvCxnSpPr>
+            <a:stCxn id="10" idx="2"/>
+            <a:endCxn id="34" idx="0"/>
+          </p:cNvCxnSpPr>
           <p:nvPr/>
-        </p:nvSpPr>
+        </p:nvCxnSpPr>
         <p:spPr>
-          <a:xfrm>
-            <a:off x="2396288" y="2209800"/>
-            <a:ext cx="2137612" cy="228595"/>
+          <a:xfrm flipH="1">
+            <a:off x="2823009" y="3124200"/>
+            <a:ext cx="1747899" cy="685800"/>
           </a:xfrm>
-          <a:custGeom>
+          <a:prstGeom prst="straightConnector1">
             <a:avLst/>
-            <a:gdLst>
-              <a:gd name="connsiteX0" fmla="*/ 0 w 1251285"/>
-              <a:gd name="connsiteY0" fmla="*/ 288768 h 288768"/>
-              <a:gd name="connsiteX1" fmla="*/ 733927 w 1251285"/>
-              <a:gd name="connsiteY1" fmla="*/ 10 h 288768"/>
-              <a:gd name="connsiteX2" fmla="*/ 1251285 w 1251285"/>
-              <a:gd name="connsiteY2" fmla="*/ 276736 h 288768"/>
-              <a:gd name="connsiteX3" fmla="*/ 1251285 w 1251285"/>
-              <a:gd name="connsiteY3" fmla="*/ 276736 h 288768"/>
-              <a:gd name="connsiteX4" fmla="*/ 1251285 w 1251285"/>
-              <a:gd name="connsiteY4" fmla="*/ 276736 h 288768"/>
-            </a:gdLst>
-            <a:ahLst/>
-            <a:cxnLst>
-              <a:cxn ang="0">
-                <a:pos x="connsiteX0" y="connsiteY0"/>
-              </a:cxn>
-              <a:cxn ang="0">
-                <a:pos x="connsiteX1" y="connsiteY1"/>
-              </a:cxn>
-              <a:cxn ang="0">
-                <a:pos x="connsiteX2" y="connsiteY2"/>
-              </a:cxn>
-              <a:cxn ang="0">
-                <a:pos x="connsiteX3" y="connsiteY3"/>
-              </a:cxn>
-              <a:cxn ang="0">
-                <a:pos x="connsiteX4" y="connsiteY4"/>
-              </a:cxn>
-            </a:cxnLst>
-            <a:rect l="l" t="t" r="r" b="b"/>
-            <a:pathLst>
-              <a:path w="1251285" h="288768">
-                <a:moveTo>
-                  <a:pt x="0" y="288768"/>
-                </a:moveTo>
-                <a:cubicBezTo>
-                  <a:pt x="262690" y="145391"/>
-                  <a:pt x="525380" y="2015"/>
-                  <a:pt x="733927" y="10"/>
-                </a:cubicBezTo>
-                <a:cubicBezTo>
-                  <a:pt x="942475" y="-1995"/>
-                  <a:pt x="1251285" y="276736"/>
-                  <a:pt x="1251285" y="276736"/>
-                </a:cubicBezTo>
-                <a:lnTo>
-                  <a:pt x="1251285" y="276736"/>
-                </a:lnTo>
-                <a:lnTo>
-                  <a:pt x="1251285" y="276736"/>
-                </a:lnTo>
-              </a:path>
-            </a:pathLst>
-          </a:custGeom>
-          <a:noFill/>
+          </a:prstGeom>
           <a:ln>
-            <a:headEnd type="none" w="med" len="med"/>
-            <a:tailEnd type="arrow" w="med" len="med"/>
+            <a:tailEnd type="triangle"/>
           </a:ln>
         </p:spPr>
         <p:style>
-          <a:lnRef idx="2">
-            <a:schemeClr val="accent1">
-              <a:shade val="50000"/>
-            </a:schemeClr>
+          <a:lnRef idx="1">
+            <a:schemeClr val="accent1"/>
           </a:lnRef>
-          <a:fillRef idx="1">
+          <a:fillRef idx="0">
             <a:schemeClr val="accent1"/>
           </a:fillRef>
           <a:effectRef idx="0">
             <a:schemeClr val="accent1"/>
           </a:effectRef>
           <a:fontRef idx="minor">
-            <a:schemeClr val="lt1"/>
+            <a:schemeClr val="tx1"/>
           </a:fontRef>
         </p:style>
-        <p:txBody>
-          <a:bodyPr rtlCol="0" anchor="ctr"/>
-          <a:lstStyle/>
-          <a:p>
-            <a:pPr algn="ctr"/>
-            <a:endParaRPr lang="en-US"/>
-          </a:p>
-        </p:txBody>
-      </p:sp>
-      <p:sp>
-        <p:nvSpPr>
-          <p:cNvPr id="23" name="Freeform 22"/>
-          <p:cNvSpPr/>
+      </p:cxnSp>
+      <p:cxnSp>
+        <p:nvCxnSpPr>
+          <p:cNvPr id="24" name="Straight Arrow Connector 23"/>
+          <p:cNvCxnSpPr>
+            <a:stCxn id="10" idx="2"/>
+            <a:endCxn id="35" idx="0"/>
+          </p:cNvCxnSpPr>
           <p:nvPr/>
-        </p:nvSpPr>
+        </p:nvCxnSpPr>
         <p:spPr>
-          <a:xfrm>
-            <a:off x="2400300" y="2133600"/>
-            <a:ext cx="3287427" cy="296784"/>
+          <a:xfrm flipH="1">
+            <a:off x="4083918" y="3124200"/>
+            <a:ext cx="486990" cy="685800"/>
           </a:xfrm>
-          <a:custGeom>
+          <a:prstGeom prst="straightConnector1">
             <a:avLst/>
-            <a:gdLst>
-              <a:gd name="connsiteX0" fmla="*/ 0 w 1251285"/>
-              <a:gd name="connsiteY0" fmla="*/ 288768 h 288768"/>
-              <a:gd name="connsiteX1" fmla="*/ 733927 w 1251285"/>
-              <a:gd name="connsiteY1" fmla="*/ 10 h 288768"/>
-              <a:gd name="connsiteX2" fmla="*/ 1251285 w 1251285"/>
-              <a:gd name="connsiteY2" fmla="*/ 276736 h 288768"/>
-              <a:gd name="connsiteX3" fmla="*/ 1251285 w 1251285"/>
-              <a:gd name="connsiteY3" fmla="*/ 276736 h 288768"/>
-              <a:gd name="connsiteX4" fmla="*/ 1251285 w 1251285"/>
-              <a:gd name="connsiteY4" fmla="*/ 276736 h 288768"/>
-            </a:gdLst>
-            <a:ahLst/>
-            <a:cxnLst>
-              <a:cxn ang="0">
-                <a:pos x="connsiteX0" y="connsiteY0"/>
-              </a:cxn>
-              <a:cxn ang="0">
-                <a:pos x="connsiteX1" y="connsiteY1"/>
-              </a:cxn>
-              <a:cxn ang="0">
-                <a:pos x="connsiteX2" y="connsiteY2"/>
-              </a:cxn>
-              <a:cxn ang="0">
-                <a:pos x="connsiteX3" y="connsiteY3"/>
-              </a:cxn>
-              <a:cxn ang="0">
-                <a:pos x="connsiteX4" y="connsiteY4"/>
-              </a:cxn>
-            </a:cxnLst>
-            <a:rect l="l" t="t" r="r" b="b"/>
-            <a:pathLst>
-              <a:path w="1251285" h="288768">
-                <a:moveTo>
-                  <a:pt x="0" y="288768"/>
-                </a:moveTo>
-                <a:cubicBezTo>
-                  <a:pt x="262690" y="145391"/>
-                  <a:pt x="525380" y="2015"/>
-                  <a:pt x="733927" y="10"/>
-                </a:cubicBezTo>
-                <a:cubicBezTo>
-                  <a:pt x="942475" y="-1995"/>
-                  <a:pt x="1251285" y="276736"/>
-                  <a:pt x="1251285" y="276736"/>
-                </a:cubicBezTo>
-                <a:lnTo>
-                  <a:pt x="1251285" y="276736"/>
-                </a:lnTo>
-                <a:lnTo>
-                  <a:pt x="1251285" y="276736"/>
-                </a:lnTo>
-              </a:path>
-            </a:pathLst>
-          </a:custGeom>
-          <a:noFill/>
+          </a:prstGeom>
           <a:ln>
-            <a:headEnd type="none" w="med" len="med"/>
-            <a:tailEnd type="arrow" w="med" len="med"/>
+            <a:tailEnd type="triangle"/>
           </a:ln>
         </p:spPr>
         <p:style>
-          <a:lnRef idx="2">
-            <a:schemeClr val="accent1">
-              <a:shade val="50000"/>
-            </a:schemeClr>
+          <a:lnRef idx="1">
+            <a:schemeClr val="accent1"/>
           </a:lnRef>
-          <a:fillRef idx="1">
+          <a:fillRef idx="0">
             <a:schemeClr val="accent1"/>
           </a:fillRef>
           <a:effectRef idx="0">
             <a:schemeClr val="accent1"/>
           </a:effectRef>
           <a:fontRef idx="minor">
-            <a:schemeClr val="lt1"/>
+            <a:schemeClr val="tx1"/>
           </a:fontRef>
         </p:style>
-        <p:txBody>
-          <a:bodyPr rtlCol="0" anchor="ctr"/>
-          <a:lstStyle/>
-          <a:p>
-            <a:pPr algn="ctr"/>
-            <a:endParaRPr lang="en-US"/>
-          </a:p>
-        </p:txBody>
-      </p:sp>
-      <p:sp>
-        <p:nvSpPr>
-          <p:cNvPr id="24" name="Freeform 23"/>
-          <p:cNvSpPr/>
+      </p:cxnSp>
+      <p:cxnSp>
+        <p:nvCxnSpPr>
+          <p:cNvPr id="26" name="Straight Arrow Connector 25"/>
+          <p:cNvCxnSpPr>
+            <a:stCxn id="10" idx="2"/>
+            <a:endCxn id="37" idx="0"/>
+          </p:cNvCxnSpPr>
           <p:nvPr/>
-        </p:nvSpPr>
+        </p:nvCxnSpPr>
         <p:spPr>
           <a:xfrm>
-            <a:off x="2368215" y="2065421"/>
-            <a:ext cx="4375485" cy="372979"/>
+            <a:off x="4570908" y="3124200"/>
+            <a:ext cx="773919" cy="689811"/>
           </a:xfrm>
-          <a:custGeom>
+          <a:prstGeom prst="straightConnector1">
             <a:avLst/>
-            <a:gdLst>
-              <a:gd name="connsiteX0" fmla="*/ 0 w 1251285"/>
-              <a:gd name="connsiteY0" fmla="*/ 288768 h 288768"/>
-              <a:gd name="connsiteX1" fmla="*/ 733927 w 1251285"/>
-              <a:gd name="connsiteY1" fmla="*/ 10 h 288768"/>
-              <a:gd name="connsiteX2" fmla="*/ 1251285 w 1251285"/>
-              <a:gd name="connsiteY2" fmla="*/ 276736 h 288768"/>
-              <a:gd name="connsiteX3" fmla="*/ 1251285 w 1251285"/>
-              <a:gd name="connsiteY3" fmla="*/ 276736 h 288768"/>
-              <a:gd name="connsiteX4" fmla="*/ 1251285 w 1251285"/>
-              <a:gd name="connsiteY4" fmla="*/ 276736 h 288768"/>
-            </a:gdLst>
-            <a:ahLst/>
-            <a:cxnLst>
-              <a:cxn ang="0">
-                <a:pos x="connsiteX0" y="connsiteY0"/>
-              </a:cxn>
-              <a:cxn ang="0">
-                <a:pos x="connsiteX1" y="connsiteY1"/>
-              </a:cxn>
-              <a:cxn ang="0">
-                <a:pos x="connsiteX2" y="connsiteY2"/>
-              </a:cxn>
-              <a:cxn ang="0">
-                <a:pos x="connsiteX3" y="connsiteY3"/>
-              </a:cxn>
-              <a:cxn ang="0">
-                <a:pos x="connsiteX4" y="connsiteY4"/>
-              </a:cxn>
-            </a:cxnLst>
-            <a:rect l="l" t="t" r="r" b="b"/>
-            <a:pathLst>
-              <a:path w="1251285" h="288768">
-                <a:moveTo>
-                  <a:pt x="0" y="288768"/>
-                </a:moveTo>
-                <a:cubicBezTo>
-                  <a:pt x="262690" y="145391"/>
-                  <a:pt x="525380" y="2015"/>
-                  <a:pt x="733927" y="10"/>
-                </a:cubicBezTo>
-                <a:cubicBezTo>
-                  <a:pt x="942475" y="-1995"/>
-                  <a:pt x="1251285" y="276736"/>
-                  <a:pt x="1251285" y="276736"/>
-                </a:cubicBezTo>
-                <a:lnTo>
-                  <a:pt x="1251285" y="276736"/>
-                </a:lnTo>
-                <a:lnTo>
-                  <a:pt x="1251285" y="276736"/>
-                </a:lnTo>
-              </a:path>
-            </a:pathLst>
-          </a:custGeom>
-          <a:noFill/>
+          </a:prstGeom>
           <a:ln>
-            <a:headEnd type="none" w="med" len="med"/>
-            <a:tailEnd type="arrow" w="med" len="med"/>
+            <a:tailEnd type="triangle"/>
           </a:ln>
         </p:spPr>
         <p:style>
-          <a:lnRef idx="2">
-            <a:schemeClr val="accent1">
-              <a:shade val="50000"/>
-            </a:schemeClr>
+          <a:lnRef idx="1">
+            <a:schemeClr val="accent1"/>
           </a:lnRef>
-          <a:fillRef idx="1">
+          <a:fillRef idx="0">
             <a:schemeClr val="accent1"/>
           </a:fillRef>
           <a:effectRef idx="0">
             <a:schemeClr val="accent1"/>
           </a:effectRef>
           <a:fontRef idx="minor">
-            <a:schemeClr val="lt1"/>
+            <a:schemeClr val="tx1"/>
           </a:fontRef>
         </p:style>
-        <p:txBody>
-          <a:bodyPr rtlCol="0" anchor="ctr"/>
-          <a:lstStyle/>
-          <a:p>
-            <a:pPr algn="ctr"/>
-            <a:endParaRPr lang="en-US"/>
-          </a:p>
-        </p:txBody>
-      </p:sp>
-      <p:sp>
-        <p:nvSpPr>
-          <p:cNvPr id="43" name="Rounded Rectangle 42"/>
-          <p:cNvSpPr/>
+      </p:cxnSp>
+      <p:cxnSp>
+        <p:nvCxnSpPr>
+          <p:cNvPr id="28" name="Straight Arrow Connector 27"/>
+          <p:cNvCxnSpPr>
+            <a:stCxn id="10" idx="2"/>
+            <a:endCxn id="36" idx="0"/>
+          </p:cNvCxnSpPr>
           <p:nvPr/>
-        </p:nvSpPr>
+        </p:nvCxnSpPr>
         <p:spPr>
           <a:xfrm>
-            <a:off x="3048000" y="5334000"/>
-            <a:ext cx="1100088" cy="762000"/>
+            <a:off x="4570908" y="3124200"/>
+            <a:ext cx="1958628" cy="685800"/>
           </a:xfrm>
-          <a:prstGeom prst="roundRect">
-            <a:avLst>
-              <a:gd name="adj" fmla="val 10746"/>
-            </a:avLst>
+          <a:prstGeom prst="straightConnector1">
+            <a:avLst/>
           </a:prstGeom>
-          <a:solidFill>
-            <a:schemeClr val="accent6">
-              <a:lumMod val="60000"/>
-              <a:lumOff val="40000"/>
-            </a:schemeClr>
-          </a:solidFill>
-          <a:ln w="12700"/>
+          <a:ln>
+            <a:tailEnd type="triangle"/>
+          </a:ln>
         </p:spPr>
         <p:style>
-          <a:lnRef idx="2">
-            <a:schemeClr val="accent1">
-              <a:shade val="50000"/>
-            </a:schemeClr>
+          <a:lnRef idx="1">
+            <a:schemeClr val="accent1"/>
           </a:lnRef>
-          <a:fillRef idx="1">
+          <a:fillRef idx="0">
             <a:schemeClr val="accent1"/>
           </a:fillRef>
           <a:effectRef idx="0">
             <a:schemeClr val="accent1"/>
           </a:effectRef>
           <a:fontRef idx="minor">
-            <a:schemeClr val="lt1"/>
+            <a:schemeClr val="tx1"/>
           </a:fontRef>
         </p:style>
-        <p:txBody>
-          <a:bodyPr rtlCol="0" anchor="ctr"/>
-          <a:lstStyle/>
-          <a:p>
-            <a:pPr algn="ctr"/>
-            <a:r>
-              <a:rPr lang="en-US" sz="1600" dirty="0" smtClean="0">
-                <a:solidFill>
-                  <a:schemeClr val="tx1"/>
-                </a:solidFill>
-                <a:latin typeface="Calibri" panose="020F0502020204030204" pitchFamily="34" charset="0"/>
-              </a:rPr>
-              <a:t>Producer</a:t>
-            </a:r>
-          </a:p>
-        </p:txBody>
-      </p:sp>
-      <p:sp>
-        <p:nvSpPr>
-          <p:cNvPr id="44" name="Rounded Rectangle 43"/>
-          <p:cNvSpPr/>
+      </p:cxnSp>
+      <p:cxnSp>
+        <p:nvCxnSpPr>
+          <p:cNvPr id="40" name="Straight Arrow Connector 39"/>
+          <p:cNvCxnSpPr>
+            <a:stCxn id="10" idx="2"/>
+            <a:endCxn id="38" idx="0"/>
+          </p:cNvCxnSpPr>
           <p:nvPr/>
-        </p:nvSpPr>
+        </p:nvCxnSpPr>
         <p:spPr>
           <a:xfrm>
-            <a:off x="5186411" y="5334000"/>
-            <a:ext cx="1252087" cy="762000"/>
+            <a:off x="4570908" y="3124200"/>
+            <a:ext cx="3143339" cy="689811"/>
           </a:xfrm>
-          <a:prstGeom prst="roundRect">
-            <a:avLst>
-              <a:gd name="adj" fmla="val 10746"/>
-            </a:avLst>
+          <a:prstGeom prst="straightConnector1">
+            <a:avLst/>
           </a:prstGeom>
-          <a:solidFill>
-            <a:schemeClr val="accent6">
-              <a:lumMod val="60000"/>
-              <a:lumOff val="40000"/>
-            </a:schemeClr>
-          </a:solidFill>
-          <a:ln w="12700"/>
+          <a:ln>
+            <a:tailEnd type="triangle"/>
+          </a:ln>
         </p:spPr>
         <p:style>
-          <a:lnRef idx="2">
-            <a:schemeClr val="accent1">
-              <a:shade val="50000"/>
-            </a:schemeClr>
+          <a:lnRef idx="1">
+            <a:schemeClr val="accent1"/>
           </a:lnRef>
-          <a:fillRef idx="1">
+          <a:fillRef idx="0">
             <a:schemeClr val="accent1"/>
           </a:fillRef>
           <a:effectRef idx="0">
             <a:schemeClr val="accent1"/>
           </a:effectRef>
           <a:fontRef idx="minor">
-            <a:schemeClr val="lt1"/>
+            <a:schemeClr val="tx1"/>
           </a:fontRef>
         </p:style>
-        <p:txBody>
-          <a:bodyPr rtlCol="0" anchor="ctr"/>
+      </p:cxnSp>
+    </p:spTree>
+    <p:extLst>
+      <p:ext uri="{BB962C8B-B14F-4D97-AF65-F5344CB8AC3E}">
+        <p14:creationId xmlns:p14="http://schemas.microsoft.com/office/powerpoint/2010/main" val="686081669"/>
+      </p:ext>
+    </p:extLst>
+  </p:cSld>
+  <p:clrMapOvr>
+    <a:masterClrMapping/>
+  </p:clrMapOvr>
+  <p:timing>
+    <p:tnLst>
+      <p:par>
+        <p:cTn id="1" dur="indefinite" restart="never" nodeType="tmRoot"/>
+      </p:par>
+    </p:tnLst>
+  </p:timing>
+</p:sld>
+</file>
+
+<file path=ppt/slides/slide15.xml><?xml version="1.0" encoding="utf-8"?>
+<p:sld xmlns:a="http://schemas.openxmlformats.org/drawingml/2006/main" xmlns:r="http://schemas.openxmlformats.org/officeDocument/2006/relationships" xmlns:p="http://schemas.openxmlformats.org/presentationml/2006/main">
+  <p:cSld>
+    <p:spTree>
+      <p:nvGrpSpPr>
+        <p:cNvPr id="1" name=""/>
+        <p:cNvGrpSpPr/>
+        <p:nvPr/>
+      </p:nvGrpSpPr>
+      <p:grpSpPr>
+        <a:xfrm>
+          <a:off x="0" y="0"/>
+          <a:ext cx="0" cy="0"/>
+          <a:chOff x="0" y="0"/>
+          <a:chExt cx="0" cy="0"/>
+        </a:xfrm>
+      </p:grpSpPr>
+      <p:sp>
+        <p:nvSpPr>
+          <p:cNvPr id="2" name="Title 1"/>
+          <p:cNvSpPr>
+            <a:spLocks noGrp="1"/>
+          </p:cNvSpPr>
+          <p:nvPr>
+            <p:ph type="title"/>
+          </p:nvPr>
+        </p:nvSpPr>
+        <p:spPr/>
+        <p:txBody>
+          <a:bodyPr/>
           <a:lstStyle/>
           <a:p>
-            <a:pPr algn="ctr"/>
-            <a:r>
-              <a:rPr lang="en-US" sz="1600" dirty="0" smtClean="0">
+            <a:r>
+              <a:rPr lang="en-US" dirty="0" smtClean="0"/>
+              <a:t>Application Development</a:t>
+            </a:r>
+            <a:endParaRPr lang="en-US" dirty="0"/>
+          </a:p>
+        </p:txBody>
+      </p:sp>
+      <p:sp>
+        <p:nvSpPr>
+          <p:cNvPr id="3" name="Slide Number Placeholder 2"/>
+          <p:cNvSpPr>
+            <a:spLocks noGrp="1"/>
+          </p:cNvSpPr>
+          <p:nvPr>
+            <p:ph type="sldNum" sz="quarter" idx="12"/>
+          </p:nvPr>
+        </p:nvSpPr>
+        <p:spPr/>
+        <p:txBody>
+          <a:bodyPr>
+            <a:normAutofit fontScale="85000" lnSpcReduction="20000"/>
+          </a:bodyPr>
+          <a:lstStyle/>
+          <a:p>
+            <a:fld id="{F43FF47F-E574-4450-810A-2029F5FBFFA6}" type="slidenum">
+              <a:rPr kumimoji="0" lang="en-US" smtClean="0"/>
+              <a:pPr/>
+              <a:t>15</a:t>
+            </a:fld>
+            <a:endParaRPr kumimoji="0" lang="en-US" dirty="0">
+              <a:solidFill>
+                <a:srgbClr val="FFFFFF"/>
+              </a:solidFill>
+            </a:endParaRPr>
+          </a:p>
+        </p:txBody>
+      </p:sp>
+      <p:graphicFrame>
+        <p:nvGraphicFramePr>
+          <p:cNvPr id="19" name="Content Placeholder 18"/>
+          <p:cNvGraphicFramePr>
+            <a:graphicFrameLocks noGrp="1"/>
+          </p:cNvGraphicFramePr>
+          <p:nvPr>
+            <p:ph sz="quarter" idx="1"/>
+            <p:extLst>
+              <p:ext uri="{D42A27DB-BD31-4B8C-83A1-F6EECF244321}">
+                <p14:modId xmlns:p14="http://schemas.microsoft.com/office/powerpoint/2010/main" val="2672595885"/>
+              </p:ext>
+            </p:extLst>
+          </p:nvPr>
+        </p:nvGraphicFramePr>
+        <p:xfrm>
+          <a:off x="636487" y="2178099"/>
+          <a:ext cx="1295400" cy="1066800"/>
+        </p:xfrm>
+        <a:graphic>
+          <a:graphicData uri="http://schemas.openxmlformats.org/drawingml/2006/table">
+            <a:tbl>
+              <a:tblPr firstRow="1" bandRow="1">
+                <a:tableStyleId>{5C22544A-7EE6-4342-B048-85BDC9FD1C3A}</a:tableStyleId>
+              </a:tblPr>
+              <a:tblGrid>
+                <a:gridCol w="218111"/>
+                <a:gridCol w="430916"/>
+                <a:gridCol w="646373"/>
+              </a:tblGrid>
+              <a:tr h="116917">
+                <a:tc>
+                  <a:txBody>
+                    <a:bodyPr/>
+                    <a:lstStyle/>
+                    <a:p>
+                      <a:pPr algn="ctr"/>
+                      <a:r>
+                        <a:rPr lang="en-US" sz="800" b="0" dirty="0" smtClean="0"/>
+                        <a:t>Tag</a:t>
+                      </a:r>
+                      <a:endParaRPr lang="en-US" sz="800" b="0" dirty="0"/>
+                    </a:p>
+                  </a:txBody>
+                  <a:tcPr marL="18288" marR="18288">
+                    <a:lnL w="12700" cap="flat" cmpd="sng" algn="ctr">
+                      <a:solidFill>
+                        <a:schemeClr val="tx1"/>
+                      </a:solidFill>
+                      <a:prstDash val="solid"/>
+                      <a:round/>
+                      <a:headEnd type="none" w="med" len="med"/>
+                      <a:tailEnd type="none" w="med" len="med"/>
+                    </a:lnL>
+                    <a:lnR w="12700" cap="flat" cmpd="sng" algn="ctr">
+                      <a:solidFill>
+                        <a:schemeClr val="tx1"/>
+                      </a:solidFill>
+                      <a:prstDash val="solid"/>
+                      <a:round/>
+                      <a:headEnd type="none" w="med" len="med"/>
+                      <a:tailEnd type="none" w="med" len="med"/>
+                    </a:lnR>
+                    <a:lnT w="12700" cap="flat" cmpd="sng" algn="ctr">
+                      <a:solidFill>
+                        <a:schemeClr val="tx1"/>
+                      </a:solidFill>
+                      <a:prstDash val="solid"/>
+                      <a:round/>
+                      <a:headEnd type="none" w="med" len="med"/>
+                      <a:tailEnd type="none" w="med" len="med"/>
+                    </a:lnT>
+                    <a:lnB w="12700" cap="flat" cmpd="sng" algn="ctr">
+                      <a:solidFill>
+                        <a:schemeClr val="tx1"/>
+                      </a:solidFill>
+                      <a:prstDash val="solid"/>
+                      <a:round/>
+                      <a:headEnd type="none" w="med" len="med"/>
+                      <a:tailEnd type="none" w="med" len="med"/>
+                    </a:lnB>
+                  </a:tcPr>
+                </a:tc>
+                <a:tc>
+                  <a:txBody>
+                    <a:bodyPr/>
+                    <a:lstStyle/>
+                    <a:p>
+                      <a:pPr algn="ctr"/>
+                      <a:r>
+                        <a:rPr lang="en-US" sz="800" b="0" dirty="0" smtClean="0"/>
+                        <a:t>Prop</a:t>
+                      </a:r>
+                      <a:endParaRPr lang="en-US" sz="800" b="0" dirty="0"/>
+                    </a:p>
+                  </a:txBody>
+                  <a:tcPr marL="18288" marR="18288">
+                    <a:lnL w="12700" cap="flat" cmpd="sng" algn="ctr">
+                      <a:solidFill>
+                        <a:schemeClr val="tx1"/>
+                      </a:solidFill>
+                      <a:prstDash val="solid"/>
+                      <a:round/>
+                      <a:headEnd type="none" w="med" len="med"/>
+                      <a:tailEnd type="none" w="med" len="med"/>
+                    </a:lnL>
+                    <a:lnR w="12700" cap="flat" cmpd="sng" algn="ctr">
+                      <a:solidFill>
+                        <a:schemeClr val="tx1"/>
+                      </a:solidFill>
+                      <a:prstDash val="solid"/>
+                      <a:round/>
+                      <a:headEnd type="none" w="med" len="med"/>
+                      <a:tailEnd type="none" w="med" len="med"/>
+                    </a:lnR>
+                    <a:lnT w="12700" cap="flat" cmpd="sng" algn="ctr">
+                      <a:solidFill>
+                        <a:schemeClr val="tx1"/>
+                      </a:solidFill>
+                      <a:prstDash val="solid"/>
+                      <a:round/>
+                      <a:headEnd type="none" w="med" len="med"/>
+                      <a:tailEnd type="none" w="med" len="med"/>
+                    </a:lnT>
+                    <a:lnB w="12700" cap="flat" cmpd="sng" algn="ctr">
+                      <a:solidFill>
+                        <a:schemeClr val="tx1"/>
+                      </a:solidFill>
+                      <a:prstDash val="solid"/>
+                      <a:round/>
+                      <a:headEnd type="none" w="med" len="med"/>
+                      <a:tailEnd type="none" w="med" len="med"/>
+                    </a:lnB>
+                  </a:tcPr>
+                </a:tc>
+                <a:tc>
+                  <a:txBody>
+                    <a:bodyPr/>
+                    <a:lstStyle/>
+                    <a:p>
+                      <a:pPr algn="ctr"/>
+                      <a:r>
+                        <a:rPr lang="en-US" sz="800" b="0" dirty="0" smtClean="0"/>
+                        <a:t>Type</a:t>
+                      </a:r>
+                      <a:endParaRPr lang="en-US" sz="800" b="0" dirty="0"/>
+                    </a:p>
+                  </a:txBody>
+                  <a:tcPr marL="18288" marR="18288">
+                    <a:lnL w="12700" cap="flat" cmpd="sng" algn="ctr">
+                      <a:solidFill>
+                        <a:schemeClr val="tx1"/>
+                      </a:solidFill>
+                      <a:prstDash val="solid"/>
+                      <a:round/>
+                      <a:headEnd type="none" w="med" len="med"/>
+                      <a:tailEnd type="none" w="med" len="med"/>
+                    </a:lnL>
+                    <a:lnR w="12700" cap="flat" cmpd="sng" algn="ctr">
+                      <a:solidFill>
+                        <a:schemeClr val="tx1"/>
+                      </a:solidFill>
+                      <a:prstDash val="solid"/>
+                      <a:round/>
+                      <a:headEnd type="none" w="med" len="med"/>
+                      <a:tailEnd type="none" w="med" len="med"/>
+                    </a:lnR>
+                    <a:lnT w="12700" cap="flat" cmpd="sng" algn="ctr">
+                      <a:solidFill>
+                        <a:schemeClr val="tx1"/>
+                      </a:solidFill>
+                      <a:prstDash val="solid"/>
+                      <a:round/>
+                      <a:headEnd type="none" w="med" len="med"/>
+                      <a:tailEnd type="none" w="med" len="med"/>
+                    </a:lnT>
+                    <a:lnB w="12700" cap="flat" cmpd="sng" algn="ctr">
+                      <a:solidFill>
+                        <a:schemeClr val="tx1"/>
+                      </a:solidFill>
+                      <a:prstDash val="solid"/>
+                      <a:round/>
+                      <a:headEnd type="none" w="med" len="med"/>
+                      <a:tailEnd type="none" w="med" len="med"/>
+                    </a:lnB>
+                  </a:tcPr>
+                </a:tc>
+              </a:tr>
+              <a:tr h="142540">
+                <a:tc>
+                  <a:txBody>
+                    <a:bodyPr/>
+                    <a:lstStyle/>
+                    <a:p>
+                      <a:pPr algn="ctr"/>
+                      <a:r>
+                        <a:rPr lang="en-US" sz="800" dirty="0" smtClean="0"/>
+                        <a:t>1</a:t>
+                      </a:r>
+                      <a:endParaRPr lang="en-US" sz="800" dirty="0"/>
+                    </a:p>
+                  </a:txBody>
+                  <a:tcPr marL="18288" marR="18288">
+                    <a:lnL w="12700" cap="flat" cmpd="sng" algn="ctr">
+                      <a:solidFill>
+                        <a:schemeClr val="tx1"/>
+                      </a:solidFill>
+                      <a:prstDash val="solid"/>
+                      <a:round/>
+                      <a:headEnd type="none" w="med" len="med"/>
+                      <a:tailEnd type="none" w="med" len="med"/>
+                    </a:lnL>
+                    <a:lnR w="12700" cap="flat" cmpd="sng" algn="ctr">
+                      <a:solidFill>
+                        <a:schemeClr val="tx1"/>
+                      </a:solidFill>
+                      <a:prstDash val="solid"/>
+                      <a:round/>
+                      <a:headEnd type="none" w="med" len="med"/>
+                      <a:tailEnd type="none" w="med" len="med"/>
+                    </a:lnR>
+                    <a:lnT w="12700" cap="flat" cmpd="sng" algn="ctr">
+                      <a:solidFill>
+                        <a:schemeClr val="tx1"/>
+                      </a:solidFill>
+                      <a:prstDash val="solid"/>
+                      <a:round/>
+                      <a:headEnd type="none" w="med" len="med"/>
+                      <a:tailEnd type="none" w="med" len="med"/>
+                    </a:lnT>
+                    <a:lnB w="12700" cap="flat" cmpd="sng" algn="ctr">
+                      <a:solidFill>
+                        <a:schemeClr val="tx1"/>
+                      </a:solidFill>
+                      <a:prstDash val="solid"/>
+                      <a:round/>
+                      <a:headEnd type="none" w="med" len="med"/>
+                      <a:tailEnd type="none" w="med" len="med"/>
+                    </a:lnB>
+                    <a:solidFill>
+                      <a:schemeClr val="bg1"/>
+                    </a:solidFill>
+                  </a:tcPr>
+                </a:tc>
+                <a:tc>
+                  <a:txBody>
+                    <a:bodyPr/>
+                    <a:lstStyle/>
+                    <a:p>
+                      <a:r>
+                        <a:rPr lang="en-US" sz="800" dirty="0" smtClean="0"/>
+                        <a:t>action</a:t>
+                      </a:r>
+                      <a:endParaRPr lang="en-US" sz="800" dirty="0"/>
+                    </a:p>
+                  </a:txBody>
+                  <a:tcPr marL="18288" marR="18288">
+                    <a:lnL w="12700" cap="flat" cmpd="sng" algn="ctr">
+                      <a:solidFill>
+                        <a:schemeClr val="tx1"/>
+                      </a:solidFill>
+                      <a:prstDash val="solid"/>
+                      <a:round/>
+                      <a:headEnd type="none" w="med" len="med"/>
+                      <a:tailEnd type="none" w="med" len="med"/>
+                    </a:lnL>
+                    <a:lnR w="12700" cap="flat" cmpd="sng" algn="ctr">
+                      <a:solidFill>
+                        <a:schemeClr val="tx1"/>
+                      </a:solidFill>
+                      <a:prstDash val="solid"/>
+                      <a:round/>
+                      <a:headEnd type="none" w="med" len="med"/>
+                      <a:tailEnd type="none" w="med" len="med"/>
+                    </a:lnR>
+                    <a:lnT w="12700" cap="flat" cmpd="sng" algn="ctr">
+                      <a:solidFill>
+                        <a:schemeClr val="tx1"/>
+                      </a:solidFill>
+                      <a:prstDash val="solid"/>
+                      <a:round/>
+                      <a:headEnd type="none" w="med" len="med"/>
+                      <a:tailEnd type="none" w="med" len="med"/>
+                    </a:lnT>
+                    <a:lnB w="12700" cap="flat" cmpd="sng" algn="ctr">
+                      <a:solidFill>
+                        <a:schemeClr val="tx1"/>
+                      </a:solidFill>
+                      <a:prstDash val="solid"/>
+                      <a:round/>
+                      <a:headEnd type="none" w="med" len="med"/>
+                      <a:tailEnd type="none" w="med" len="med"/>
+                    </a:lnB>
+                    <a:solidFill>
+                      <a:schemeClr val="bg1"/>
+                    </a:solidFill>
+                  </a:tcPr>
+                </a:tc>
+                <a:tc>
+                  <a:txBody>
+                    <a:bodyPr/>
+                    <a:lstStyle/>
+                    <a:p>
+                      <a:r>
+                        <a:rPr lang="en-US" sz="800" dirty="0" smtClean="0"/>
+                        <a:t>String</a:t>
+                      </a:r>
+                      <a:endParaRPr lang="en-US" sz="800" dirty="0"/>
+                    </a:p>
+                  </a:txBody>
+                  <a:tcPr marL="18288" marR="18288">
+                    <a:lnL w="12700" cap="flat" cmpd="sng" algn="ctr">
+                      <a:solidFill>
+                        <a:schemeClr val="tx1"/>
+                      </a:solidFill>
+                      <a:prstDash val="solid"/>
+                      <a:round/>
+                      <a:headEnd type="none" w="med" len="med"/>
+                      <a:tailEnd type="none" w="med" len="med"/>
+                    </a:lnL>
+                    <a:lnR w="12700" cap="flat" cmpd="sng" algn="ctr">
+                      <a:solidFill>
+                        <a:schemeClr val="tx1"/>
+                      </a:solidFill>
+                      <a:prstDash val="solid"/>
+                      <a:round/>
+                      <a:headEnd type="none" w="med" len="med"/>
+                      <a:tailEnd type="none" w="med" len="med"/>
+                    </a:lnR>
+                    <a:lnT w="12700" cap="flat" cmpd="sng" algn="ctr">
+                      <a:solidFill>
+                        <a:schemeClr val="tx1"/>
+                      </a:solidFill>
+                      <a:prstDash val="solid"/>
+                      <a:round/>
+                      <a:headEnd type="none" w="med" len="med"/>
+                      <a:tailEnd type="none" w="med" len="med"/>
+                    </a:lnT>
+                    <a:lnB w="12700" cap="flat" cmpd="sng" algn="ctr">
+                      <a:solidFill>
+                        <a:schemeClr val="tx1"/>
+                      </a:solidFill>
+                      <a:prstDash val="solid"/>
+                      <a:round/>
+                      <a:headEnd type="none" w="med" len="med"/>
+                      <a:tailEnd type="none" w="med" len="med"/>
+                    </a:lnB>
+                    <a:solidFill>
+                      <a:schemeClr val="bg1"/>
+                    </a:solidFill>
+                  </a:tcPr>
+                </a:tc>
+              </a:tr>
+              <a:tr h="142540">
+                <a:tc>
+                  <a:txBody>
+                    <a:bodyPr/>
+                    <a:lstStyle/>
+                    <a:p>
+                      <a:pPr algn="ctr"/>
+                      <a:r>
+                        <a:rPr lang="en-US" sz="800" dirty="0" smtClean="0"/>
+                        <a:t>2</a:t>
+                      </a:r>
+                      <a:endParaRPr lang="en-US" sz="800" dirty="0"/>
+                    </a:p>
+                  </a:txBody>
+                  <a:tcPr marL="18288" marR="18288">
+                    <a:lnL w="12700" cap="flat" cmpd="sng" algn="ctr">
+                      <a:solidFill>
+                        <a:schemeClr val="tx1"/>
+                      </a:solidFill>
+                      <a:prstDash val="solid"/>
+                      <a:round/>
+                      <a:headEnd type="none" w="med" len="med"/>
+                      <a:tailEnd type="none" w="med" len="med"/>
+                    </a:lnL>
+                    <a:lnR w="12700" cap="flat" cmpd="sng" algn="ctr">
+                      <a:solidFill>
+                        <a:schemeClr val="tx1"/>
+                      </a:solidFill>
+                      <a:prstDash val="solid"/>
+                      <a:round/>
+                      <a:headEnd type="none" w="med" len="med"/>
+                      <a:tailEnd type="none" w="med" len="med"/>
+                    </a:lnR>
+                    <a:lnT w="12700" cap="flat" cmpd="sng" algn="ctr">
+                      <a:solidFill>
+                        <a:schemeClr val="tx1"/>
+                      </a:solidFill>
+                      <a:prstDash val="solid"/>
+                      <a:round/>
+                      <a:headEnd type="none" w="med" len="med"/>
+                      <a:tailEnd type="none" w="med" len="med"/>
+                    </a:lnT>
+                    <a:lnB w="12700" cap="flat" cmpd="sng" algn="ctr">
+                      <a:solidFill>
+                        <a:schemeClr val="tx1"/>
+                      </a:solidFill>
+                      <a:prstDash val="solid"/>
+                      <a:round/>
+                      <a:headEnd type="none" w="med" len="med"/>
+                      <a:tailEnd type="none" w="med" len="med"/>
+                    </a:lnB>
+                    <a:solidFill>
+                      <a:schemeClr val="bg1"/>
+                    </a:solidFill>
+                  </a:tcPr>
+                </a:tc>
+                <a:tc>
+                  <a:txBody>
+                    <a:bodyPr/>
+                    <a:lstStyle/>
+                    <a:p>
+                      <a:r>
+                        <a:rPr lang="en-US" sz="800" dirty="0" smtClean="0"/>
+                        <a:t>target</a:t>
+                      </a:r>
+                      <a:endParaRPr lang="en-US" sz="800" dirty="0"/>
+                    </a:p>
+                  </a:txBody>
+                  <a:tcPr marL="18288" marR="18288">
+                    <a:lnL w="12700" cap="flat" cmpd="sng" algn="ctr">
+                      <a:solidFill>
+                        <a:schemeClr val="tx1"/>
+                      </a:solidFill>
+                      <a:prstDash val="solid"/>
+                      <a:round/>
+                      <a:headEnd type="none" w="med" len="med"/>
+                      <a:tailEnd type="none" w="med" len="med"/>
+                    </a:lnL>
+                    <a:lnR w="12700" cap="flat" cmpd="sng" algn="ctr">
+                      <a:solidFill>
+                        <a:schemeClr val="tx1"/>
+                      </a:solidFill>
+                      <a:prstDash val="solid"/>
+                      <a:round/>
+                      <a:headEnd type="none" w="med" len="med"/>
+                      <a:tailEnd type="none" w="med" len="med"/>
+                    </a:lnR>
+                    <a:lnT w="12700" cap="flat" cmpd="sng" algn="ctr">
+                      <a:solidFill>
+                        <a:schemeClr val="tx1"/>
+                      </a:solidFill>
+                      <a:prstDash val="solid"/>
+                      <a:round/>
+                      <a:headEnd type="none" w="med" len="med"/>
+                      <a:tailEnd type="none" w="med" len="med"/>
+                    </a:lnT>
+                    <a:lnB w="12700" cap="flat" cmpd="sng" algn="ctr">
+                      <a:solidFill>
+                        <a:schemeClr val="tx1"/>
+                      </a:solidFill>
+                      <a:prstDash val="solid"/>
+                      <a:round/>
+                      <a:headEnd type="none" w="med" len="med"/>
+                      <a:tailEnd type="none" w="med" len="med"/>
+                    </a:lnB>
+                    <a:solidFill>
+                      <a:schemeClr val="bg1"/>
+                    </a:solidFill>
+                  </a:tcPr>
+                </a:tc>
+                <a:tc>
+                  <a:txBody>
+                    <a:bodyPr/>
+                    <a:lstStyle/>
+                    <a:p>
+                      <a:r>
+                        <a:rPr lang="en-US" sz="800" dirty="0" err="1" smtClean="0"/>
+                        <a:t>TargetType</a:t>
+                      </a:r>
+                      <a:endParaRPr lang="en-US" sz="800" dirty="0" smtClean="0"/>
+                    </a:p>
+                  </a:txBody>
+                  <a:tcPr marL="18288" marR="18288">
+                    <a:lnL w="12700" cap="flat" cmpd="sng" algn="ctr">
+                      <a:solidFill>
+                        <a:schemeClr val="tx1"/>
+                      </a:solidFill>
+                      <a:prstDash val="solid"/>
+                      <a:round/>
+                      <a:headEnd type="none" w="med" len="med"/>
+                      <a:tailEnd type="none" w="med" len="med"/>
+                    </a:lnL>
+                    <a:lnR w="12700" cap="flat" cmpd="sng" algn="ctr">
+                      <a:solidFill>
+                        <a:schemeClr val="tx1"/>
+                      </a:solidFill>
+                      <a:prstDash val="solid"/>
+                      <a:round/>
+                      <a:headEnd type="none" w="med" len="med"/>
+                      <a:tailEnd type="none" w="med" len="med"/>
+                    </a:lnR>
+                    <a:lnT w="12700" cap="flat" cmpd="sng" algn="ctr">
+                      <a:solidFill>
+                        <a:schemeClr val="tx1"/>
+                      </a:solidFill>
+                      <a:prstDash val="solid"/>
+                      <a:round/>
+                      <a:headEnd type="none" w="med" len="med"/>
+                      <a:tailEnd type="none" w="med" len="med"/>
+                    </a:lnT>
+                    <a:lnB w="12700" cap="flat" cmpd="sng" algn="ctr">
+                      <a:solidFill>
+                        <a:schemeClr val="tx1"/>
+                      </a:solidFill>
+                      <a:prstDash val="solid"/>
+                      <a:round/>
+                      <a:headEnd type="none" w="med" len="med"/>
+                      <a:tailEnd type="none" w="med" len="med"/>
+                    </a:lnB>
+                    <a:solidFill>
+                      <a:schemeClr val="bg1"/>
+                    </a:solidFill>
+                  </a:tcPr>
+                </a:tc>
+              </a:tr>
+              <a:tr h="142540">
+                <a:tc>
+                  <a:txBody>
+                    <a:bodyPr/>
+                    <a:lstStyle/>
+                    <a:p>
+                      <a:pPr algn="ctr"/>
+                      <a:r>
+                        <a:rPr lang="en-US" sz="800" dirty="0" smtClean="0"/>
+                        <a:t>3</a:t>
+                      </a:r>
+                      <a:endParaRPr lang="en-US" sz="800" dirty="0"/>
+                    </a:p>
+                  </a:txBody>
+                  <a:tcPr marL="18288" marR="18288">
+                    <a:lnL w="12700" cap="flat" cmpd="sng" algn="ctr">
+                      <a:solidFill>
+                        <a:schemeClr val="tx1"/>
+                      </a:solidFill>
+                      <a:prstDash val="solid"/>
+                      <a:round/>
+                      <a:headEnd type="none" w="med" len="med"/>
+                      <a:tailEnd type="none" w="med" len="med"/>
+                    </a:lnL>
+                    <a:lnR w="12700" cap="flat" cmpd="sng" algn="ctr">
+                      <a:solidFill>
+                        <a:schemeClr val="tx1"/>
+                      </a:solidFill>
+                      <a:prstDash val="solid"/>
+                      <a:round/>
+                      <a:headEnd type="none" w="med" len="med"/>
+                      <a:tailEnd type="none" w="med" len="med"/>
+                    </a:lnR>
+                    <a:lnT w="12700" cap="flat" cmpd="sng" algn="ctr">
+                      <a:solidFill>
+                        <a:schemeClr val="tx1"/>
+                      </a:solidFill>
+                      <a:prstDash val="solid"/>
+                      <a:round/>
+                      <a:headEnd type="none" w="med" len="med"/>
+                      <a:tailEnd type="none" w="med" len="med"/>
+                    </a:lnT>
+                    <a:lnB w="12700" cap="flat" cmpd="sng" algn="ctr">
+                      <a:solidFill>
+                        <a:schemeClr val="tx1"/>
+                      </a:solidFill>
+                      <a:prstDash val="solid"/>
+                      <a:round/>
+                      <a:headEnd type="none" w="med" len="med"/>
+                      <a:tailEnd type="none" w="med" len="med"/>
+                    </a:lnB>
+                    <a:solidFill>
+                      <a:schemeClr val="bg1"/>
+                    </a:solidFill>
+                  </a:tcPr>
+                </a:tc>
+                <a:tc>
+                  <a:txBody>
+                    <a:bodyPr/>
+                    <a:lstStyle/>
+                    <a:p>
+                      <a:r>
+                        <a:rPr lang="en-US" sz="800" dirty="0" smtClean="0"/>
+                        <a:t>actuator</a:t>
+                      </a:r>
+                      <a:endParaRPr lang="en-US" sz="800" dirty="0"/>
+                    </a:p>
+                  </a:txBody>
+                  <a:tcPr marL="18288" marR="18288">
+                    <a:lnL w="12700" cap="flat" cmpd="sng" algn="ctr">
+                      <a:solidFill>
+                        <a:schemeClr val="tx1"/>
+                      </a:solidFill>
+                      <a:prstDash val="solid"/>
+                      <a:round/>
+                      <a:headEnd type="none" w="med" len="med"/>
+                      <a:tailEnd type="none" w="med" len="med"/>
+                    </a:lnL>
+                    <a:lnR w="12700" cap="flat" cmpd="sng" algn="ctr">
+                      <a:solidFill>
+                        <a:schemeClr val="tx1"/>
+                      </a:solidFill>
+                      <a:prstDash val="solid"/>
+                      <a:round/>
+                      <a:headEnd type="none" w="med" len="med"/>
+                      <a:tailEnd type="none" w="med" len="med"/>
+                    </a:lnR>
+                    <a:lnT w="12700" cap="flat" cmpd="sng" algn="ctr">
+                      <a:solidFill>
+                        <a:schemeClr val="tx1"/>
+                      </a:solidFill>
+                      <a:prstDash val="solid"/>
+                      <a:round/>
+                      <a:headEnd type="none" w="med" len="med"/>
+                      <a:tailEnd type="none" w="med" len="med"/>
+                    </a:lnT>
+                    <a:lnB w="12700" cap="flat" cmpd="sng" algn="ctr">
+                      <a:solidFill>
+                        <a:schemeClr val="tx1"/>
+                      </a:solidFill>
+                      <a:prstDash val="solid"/>
+                      <a:round/>
+                      <a:headEnd type="none" w="med" len="med"/>
+                      <a:tailEnd type="none" w="med" len="med"/>
+                    </a:lnB>
+                    <a:solidFill>
+                      <a:schemeClr val="bg1"/>
+                    </a:solidFill>
+                  </a:tcPr>
+                </a:tc>
+                <a:tc>
+                  <a:txBody>
+                    <a:bodyPr/>
+                    <a:lstStyle/>
+                    <a:p>
+                      <a:r>
+                        <a:rPr lang="en-US" sz="800" dirty="0" err="1" smtClean="0"/>
+                        <a:t>ActuatorType</a:t>
+                      </a:r>
+                      <a:endParaRPr lang="en-US" sz="800" dirty="0" smtClean="0"/>
+                    </a:p>
+                  </a:txBody>
+                  <a:tcPr marL="18288" marR="18288">
+                    <a:lnL w="12700" cap="flat" cmpd="sng" algn="ctr">
+                      <a:solidFill>
+                        <a:schemeClr val="tx1"/>
+                      </a:solidFill>
+                      <a:prstDash val="solid"/>
+                      <a:round/>
+                      <a:headEnd type="none" w="med" len="med"/>
+                      <a:tailEnd type="none" w="med" len="med"/>
+                    </a:lnL>
+                    <a:lnR w="12700" cap="flat" cmpd="sng" algn="ctr">
+                      <a:solidFill>
+                        <a:schemeClr val="tx1"/>
+                      </a:solidFill>
+                      <a:prstDash val="solid"/>
+                      <a:round/>
+                      <a:headEnd type="none" w="med" len="med"/>
+                      <a:tailEnd type="none" w="med" len="med"/>
+                    </a:lnR>
+                    <a:lnT w="12700" cap="flat" cmpd="sng" algn="ctr">
+                      <a:solidFill>
+                        <a:schemeClr val="tx1"/>
+                      </a:solidFill>
+                      <a:prstDash val="solid"/>
+                      <a:round/>
+                      <a:headEnd type="none" w="med" len="med"/>
+                      <a:tailEnd type="none" w="med" len="med"/>
+                    </a:lnT>
+                    <a:lnB w="12700" cap="flat" cmpd="sng" algn="ctr">
+                      <a:solidFill>
+                        <a:schemeClr val="tx1"/>
+                      </a:solidFill>
+                      <a:prstDash val="solid"/>
+                      <a:round/>
+                      <a:headEnd type="none" w="med" len="med"/>
+                      <a:tailEnd type="none" w="med" len="med"/>
+                    </a:lnB>
+                    <a:solidFill>
+                      <a:schemeClr val="bg1"/>
+                    </a:solidFill>
+                  </a:tcPr>
+                </a:tc>
+              </a:tr>
+              <a:tr h="142540">
+                <a:tc>
+                  <a:txBody>
+                    <a:bodyPr/>
+                    <a:lstStyle/>
+                    <a:p>
+                      <a:pPr algn="ctr"/>
+                      <a:r>
+                        <a:rPr lang="en-US" sz="800" dirty="0" smtClean="0"/>
+                        <a:t>4</a:t>
+                      </a:r>
+                      <a:endParaRPr lang="en-US" sz="800" dirty="0"/>
+                    </a:p>
+                  </a:txBody>
+                  <a:tcPr marL="18288" marR="18288">
+                    <a:lnL w="12700" cap="flat" cmpd="sng" algn="ctr">
+                      <a:solidFill>
+                        <a:schemeClr val="tx1"/>
+                      </a:solidFill>
+                      <a:prstDash val="solid"/>
+                      <a:round/>
+                      <a:headEnd type="none" w="med" len="med"/>
+                      <a:tailEnd type="none" w="med" len="med"/>
+                    </a:lnL>
+                    <a:lnR w="12700" cap="flat" cmpd="sng" algn="ctr">
+                      <a:solidFill>
+                        <a:schemeClr val="tx1"/>
+                      </a:solidFill>
+                      <a:prstDash val="solid"/>
+                      <a:round/>
+                      <a:headEnd type="none" w="med" len="med"/>
+                      <a:tailEnd type="none" w="med" len="med"/>
+                    </a:lnR>
+                    <a:lnT w="12700" cap="flat" cmpd="sng" algn="ctr">
+                      <a:solidFill>
+                        <a:schemeClr val="tx1"/>
+                      </a:solidFill>
+                      <a:prstDash val="solid"/>
+                      <a:round/>
+                      <a:headEnd type="none" w="med" len="med"/>
+                      <a:tailEnd type="none" w="med" len="med"/>
+                    </a:lnT>
+                    <a:lnB w="12700" cap="flat" cmpd="sng" algn="ctr">
+                      <a:solidFill>
+                        <a:schemeClr val="tx1"/>
+                      </a:solidFill>
+                      <a:prstDash val="solid"/>
+                      <a:round/>
+                      <a:headEnd type="none" w="med" len="med"/>
+                      <a:tailEnd type="none" w="med" len="med"/>
+                    </a:lnB>
+                    <a:solidFill>
+                      <a:schemeClr val="bg1"/>
+                    </a:solidFill>
+                  </a:tcPr>
+                </a:tc>
+                <a:tc>
+                  <a:txBody>
+                    <a:bodyPr/>
+                    <a:lstStyle/>
+                    <a:p>
+                      <a:r>
+                        <a:rPr lang="en-US" sz="800" dirty="0" smtClean="0"/>
+                        <a:t>modifiers</a:t>
+                      </a:r>
+                      <a:endParaRPr lang="en-US" sz="800" dirty="0"/>
+                    </a:p>
+                  </a:txBody>
+                  <a:tcPr marL="18288" marR="18288">
+                    <a:lnL w="12700" cap="flat" cmpd="sng" algn="ctr">
+                      <a:solidFill>
+                        <a:schemeClr val="tx1"/>
+                      </a:solidFill>
+                      <a:prstDash val="solid"/>
+                      <a:round/>
+                      <a:headEnd type="none" w="med" len="med"/>
+                      <a:tailEnd type="none" w="med" len="med"/>
+                    </a:lnL>
+                    <a:lnR w="12700" cap="flat" cmpd="sng" algn="ctr">
+                      <a:solidFill>
+                        <a:schemeClr val="tx1"/>
+                      </a:solidFill>
+                      <a:prstDash val="solid"/>
+                      <a:round/>
+                      <a:headEnd type="none" w="med" len="med"/>
+                      <a:tailEnd type="none" w="med" len="med"/>
+                    </a:lnR>
+                    <a:lnT w="12700" cap="flat" cmpd="sng" algn="ctr">
+                      <a:solidFill>
+                        <a:schemeClr val="tx1"/>
+                      </a:solidFill>
+                      <a:prstDash val="solid"/>
+                      <a:round/>
+                      <a:headEnd type="none" w="med" len="med"/>
+                      <a:tailEnd type="none" w="med" len="med"/>
+                    </a:lnT>
+                    <a:lnB w="12700" cap="flat" cmpd="sng" algn="ctr">
+                      <a:solidFill>
+                        <a:schemeClr val="tx1"/>
+                      </a:solidFill>
+                      <a:prstDash val="solid"/>
+                      <a:round/>
+                      <a:headEnd type="none" w="med" len="med"/>
+                      <a:tailEnd type="none" w="med" len="med"/>
+                    </a:lnB>
+                    <a:solidFill>
+                      <a:schemeClr val="bg1"/>
+                    </a:solidFill>
+                  </a:tcPr>
+                </a:tc>
+                <a:tc>
+                  <a:txBody>
+                    <a:bodyPr/>
+                    <a:lstStyle/>
+                    <a:p>
+                      <a:r>
+                        <a:rPr lang="en-US" sz="800" dirty="0" err="1" smtClean="0"/>
+                        <a:t>ModifiersType</a:t>
+                      </a:r>
+                      <a:endParaRPr lang="en-US" sz="800" dirty="0" smtClean="0"/>
+                    </a:p>
+                  </a:txBody>
+                  <a:tcPr marL="18288" marR="18288">
+                    <a:lnL w="12700" cap="flat" cmpd="sng" algn="ctr">
+                      <a:solidFill>
+                        <a:schemeClr val="tx1"/>
+                      </a:solidFill>
+                      <a:prstDash val="solid"/>
+                      <a:round/>
+                      <a:headEnd type="none" w="med" len="med"/>
+                      <a:tailEnd type="none" w="med" len="med"/>
+                    </a:lnL>
+                    <a:lnR w="12700" cap="flat" cmpd="sng" algn="ctr">
+                      <a:solidFill>
+                        <a:schemeClr val="tx1"/>
+                      </a:solidFill>
+                      <a:prstDash val="solid"/>
+                      <a:round/>
+                      <a:headEnd type="none" w="med" len="med"/>
+                      <a:tailEnd type="none" w="med" len="med"/>
+                    </a:lnR>
+                    <a:lnT w="12700" cap="flat" cmpd="sng" algn="ctr">
+                      <a:solidFill>
+                        <a:schemeClr val="tx1"/>
+                      </a:solidFill>
+                      <a:prstDash val="solid"/>
+                      <a:round/>
+                      <a:headEnd type="none" w="med" len="med"/>
+                      <a:tailEnd type="none" w="med" len="med"/>
+                    </a:lnT>
+                    <a:lnB w="12700" cap="flat" cmpd="sng" algn="ctr">
+                      <a:solidFill>
+                        <a:schemeClr val="tx1"/>
+                      </a:solidFill>
+                      <a:prstDash val="solid"/>
+                      <a:round/>
+                      <a:headEnd type="none" w="med" len="med"/>
+                      <a:tailEnd type="none" w="med" len="med"/>
+                    </a:lnB>
+                    <a:solidFill>
+                      <a:schemeClr val="bg1"/>
+                    </a:solidFill>
+                  </a:tcPr>
+                </a:tc>
+              </a:tr>
+            </a:tbl>
+          </a:graphicData>
+        </a:graphic>
+      </p:graphicFrame>
+      <p:sp>
+        <p:nvSpPr>
+          <p:cNvPr id="30" name="TextBox 29"/>
+          <p:cNvSpPr txBox="1"/>
+          <p:nvPr/>
+        </p:nvSpPr>
+        <p:spPr>
+          <a:xfrm>
+            <a:off x="560286" y="3242846"/>
+            <a:ext cx="1476302" cy="338554"/>
+          </a:xfrm>
+          <a:prstGeom prst="rect">
+            <a:avLst/>
+          </a:prstGeom>
+          <a:noFill/>
+        </p:spPr>
+        <p:txBody>
+          <a:bodyPr wrap="none" rtlCol="0">
+            <a:spAutoFit/>
+          </a:bodyPr>
+          <a:lstStyle/>
+          <a:p>
+            <a:r>
+              <a:rPr lang="en-US" sz="1600" dirty="0" smtClean="0"/>
+              <a:t>Property Tables</a:t>
+            </a:r>
+            <a:endParaRPr lang="en-US" sz="1600" dirty="0"/>
+          </a:p>
+        </p:txBody>
+      </p:sp>
+      <p:sp>
+        <p:nvSpPr>
+          <p:cNvPr id="47" name="TextBox 46"/>
+          <p:cNvSpPr txBox="1"/>
+          <p:nvPr/>
+        </p:nvSpPr>
+        <p:spPr>
+          <a:xfrm>
+            <a:off x="4114800" y="3117268"/>
+            <a:ext cx="1127232" cy="338554"/>
+          </a:xfrm>
+          <a:prstGeom prst="rect">
+            <a:avLst/>
+          </a:prstGeom>
+          <a:noFill/>
+        </p:spPr>
+        <p:txBody>
+          <a:bodyPr wrap="none" rtlCol="0">
+            <a:spAutoFit/>
+          </a:bodyPr>
+          <a:lstStyle/>
+          <a:p>
+            <a:r>
+              <a:rPr lang="en-US" sz="1600" dirty="0" err="1" smtClean="0"/>
+              <a:t>PseudoASN</a:t>
+            </a:r>
+            <a:endParaRPr lang="en-US" sz="1600" dirty="0"/>
+          </a:p>
+        </p:txBody>
+      </p:sp>
+      <p:grpSp>
+        <p:nvGrpSpPr>
+          <p:cNvPr id="65" name="Group 64"/>
+          <p:cNvGrpSpPr/>
+          <p:nvPr/>
+        </p:nvGrpSpPr>
+        <p:grpSpPr>
+          <a:xfrm>
+            <a:off x="6553200" y="1861903"/>
+            <a:ext cx="1838516" cy="1371600"/>
+            <a:chOff x="828484" y="2042010"/>
+            <a:chExt cx="1838516" cy="1371600"/>
+          </a:xfrm>
+        </p:grpSpPr>
+        <p:sp>
+          <p:nvSpPr>
+            <p:cNvPr id="56" name="Folded Corner 55"/>
+            <p:cNvSpPr/>
+            <p:nvPr/>
+          </p:nvSpPr>
+          <p:spPr>
+            <a:xfrm rot="10800000">
+              <a:off x="875698" y="2042010"/>
+              <a:ext cx="1791302" cy="1371600"/>
+            </a:xfrm>
+            <a:prstGeom prst="foldedCorner">
+              <a:avLst>
+                <a:gd name="adj" fmla="val 9888"/>
+              </a:avLst>
+            </a:prstGeom>
+            <a:solidFill>
+              <a:schemeClr val="accent6">
+                <a:lumMod val="20000"/>
+                <a:lumOff val="80000"/>
+              </a:schemeClr>
+            </a:solidFill>
+            <a:ln w="12700"/>
+          </p:spPr>
+          <p:style>
+            <a:lnRef idx="2">
+              <a:schemeClr val="accent1">
+                <a:shade val="50000"/>
+              </a:schemeClr>
+            </a:lnRef>
+            <a:fillRef idx="1">
+              <a:schemeClr val="accent1"/>
+            </a:fillRef>
+            <a:effectRef idx="0">
+              <a:schemeClr val="accent1"/>
+            </a:effectRef>
+            <a:fontRef idx="minor">
+              <a:schemeClr val="lt1"/>
+            </a:fontRef>
+          </p:style>
+          <p:txBody>
+            <a:bodyPr rtlCol="0" anchor="ctr"/>
+            <a:lstStyle/>
+            <a:p>
+              <a:endParaRPr lang="en-US" sz="800" dirty="0">
                 <a:solidFill>
                   <a:schemeClr val="tx1"/>
                 </a:solidFill>
+                <a:latin typeface="Consolas" panose="020B0609020204030204" pitchFamily="49" charset="0"/>
+                <a:cs typeface="Consolas" panose="020B0609020204030204" pitchFamily="49" charset="0"/>
+              </a:endParaRPr>
+            </a:p>
+          </p:txBody>
+        </p:sp>
+        <p:sp>
+          <p:nvSpPr>
+            <p:cNvPr id="33" name="TextBox 32"/>
+            <p:cNvSpPr txBox="1"/>
+            <p:nvPr/>
+          </p:nvSpPr>
+          <p:spPr>
+            <a:xfrm>
+              <a:off x="828484" y="2156310"/>
+              <a:ext cx="1838516" cy="1257300"/>
+            </a:xfrm>
+            <a:prstGeom prst="rect">
+              <a:avLst/>
+            </a:prstGeom>
+            <a:noFill/>
+            <a:ln w="12700">
+              <a:noFill/>
+            </a:ln>
+          </p:spPr>
+          <p:style>
+            <a:lnRef idx="2">
+              <a:schemeClr val="accent1">
+                <a:shade val="50000"/>
+              </a:schemeClr>
+            </a:lnRef>
+            <a:fillRef idx="1">
+              <a:schemeClr val="accent1"/>
+            </a:fillRef>
+            <a:effectRef idx="0">
+              <a:schemeClr val="accent1"/>
+            </a:effectRef>
+            <a:fontRef idx="minor">
+              <a:schemeClr val="lt1"/>
+            </a:fontRef>
+          </p:style>
+          <p:txBody>
+            <a:bodyPr rot="0" spcFirstLastPara="0" vertOverflow="overflow" horzOverflow="overflow" vert="horz" wrap="square" lIns="91440" tIns="45720" rIns="91440" bIns="45720" numCol="1" spcCol="0" rtlCol="0" fromWordArt="0" anchor="ctr" anchorCtr="0" forceAA="0" compatLnSpc="1">
+              <a:prstTxWarp prst="textNoShape">
+                <a:avLst/>
+              </a:prstTxWarp>
+              <a:noAutofit/>
+            </a:bodyPr>
+            <a:lstStyle>
+              <a:defPPr>
+                <a:defRPr lang="en-US"/>
+              </a:defPPr>
+              <a:lvl1pPr>
+                <a:defRPr sz="800">
+                  <a:latin typeface="Consolas" panose="020B0609020204030204" pitchFamily="49" charset="0"/>
+                  <a:cs typeface="Consolas" panose="020B0609020204030204" pitchFamily="49" charset="0"/>
+                </a:defRPr>
+              </a:lvl1pPr>
+              <a:lvl2pPr>
+                <a:defRPr>
+                  <a:solidFill>
+                    <a:schemeClr val="lt1"/>
+                  </a:solidFill>
+                </a:defRPr>
+              </a:lvl2pPr>
+              <a:lvl3pPr>
+                <a:defRPr>
+                  <a:solidFill>
+                    <a:schemeClr val="lt1"/>
+                  </a:solidFill>
+                </a:defRPr>
+              </a:lvl3pPr>
+              <a:lvl4pPr>
+                <a:defRPr>
+                  <a:solidFill>
+                    <a:schemeClr val="lt1"/>
+                  </a:solidFill>
+                </a:defRPr>
+              </a:lvl4pPr>
+              <a:lvl5pPr>
+                <a:defRPr>
+                  <a:solidFill>
+                    <a:schemeClr val="lt1"/>
+                  </a:solidFill>
+                </a:defRPr>
+              </a:lvl5pPr>
+              <a:lvl6pPr>
+                <a:defRPr>
+                  <a:solidFill>
+                    <a:schemeClr val="lt1"/>
+                  </a:solidFill>
+                </a:defRPr>
+              </a:lvl6pPr>
+              <a:lvl7pPr>
+                <a:defRPr>
+                  <a:solidFill>
+                    <a:schemeClr val="lt1"/>
+                  </a:solidFill>
+                </a:defRPr>
+              </a:lvl7pPr>
+              <a:lvl8pPr>
+                <a:defRPr>
+                  <a:solidFill>
+                    <a:schemeClr val="lt1"/>
+                  </a:solidFill>
+                </a:defRPr>
+              </a:lvl8pPr>
+              <a:lvl9pPr>
+                <a:defRPr>
+                  <a:solidFill>
+                    <a:schemeClr val="lt1"/>
+                  </a:solidFill>
+                </a:defRPr>
+              </a:lvl9pPr>
+            </a:lstStyle>
+            <a:p>
+              <a:r>
+                <a:rPr lang="en-US" sz="600" dirty="0">
+                  <a:solidFill>
+                    <a:schemeClr val="tx1"/>
+                  </a:solidFill>
+                </a:rPr>
+                <a:t>{</a:t>
+              </a:r>
+            </a:p>
+            <a:p>
+              <a:r>
+                <a:rPr lang="en-US" sz="600" dirty="0">
+                  <a:solidFill>
+                    <a:schemeClr val="tx1"/>
+                  </a:solidFill>
+                </a:rPr>
+                <a:t>  "meta": {</a:t>
+              </a:r>
+            </a:p>
+            <a:p>
+              <a:r>
+                <a:rPr lang="en-US" sz="600" dirty="0">
+                  <a:solidFill>
+                    <a:schemeClr val="tx1"/>
+                  </a:solidFill>
+                </a:rPr>
+                <a:t>    "module": "openc2"</a:t>
+              </a:r>
+            </a:p>
+            <a:p>
+              <a:r>
+                <a:rPr lang="en-US" sz="600" dirty="0">
+                  <a:solidFill>
+                    <a:schemeClr val="tx1"/>
+                  </a:solidFill>
+                </a:rPr>
+                <a:t>  },</a:t>
+              </a:r>
+            </a:p>
+            <a:p>
+              <a:r>
+                <a:rPr lang="en-US" sz="600" dirty="0">
+                  <a:solidFill>
+                    <a:schemeClr val="tx1"/>
+                  </a:solidFill>
+                </a:rPr>
+                <a:t>  "types": [</a:t>
+              </a:r>
+            </a:p>
+            <a:p>
+              <a:r>
+                <a:rPr lang="en-US" sz="600" dirty="0">
+                  <a:solidFill>
+                    <a:schemeClr val="tx1"/>
+                  </a:solidFill>
+                </a:rPr>
+                <a:t>    ["OpenC2Command", "Record", "", [</a:t>
+              </a:r>
+            </a:p>
+            <a:p>
+              <a:r>
+                <a:rPr lang="en-US" sz="600" dirty="0">
+                  <a:solidFill>
+                    <a:schemeClr val="tx1"/>
+                  </a:solidFill>
+                </a:rPr>
+                <a:t>      [1, "action", "Action", ""],</a:t>
+              </a:r>
+            </a:p>
+            <a:p>
+              <a:r>
+                <a:rPr lang="en-US" sz="600" dirty="0">
+                  <a:solidFill>
+                    <a:schemeClr val="tx1"/>
+                  </a:solidFill>
+                </a:rPr>
+                <a:t>      [2, "target", "Target", ""],</a:t>
+              </a:r>
+            </a:p>
+            <a:p>
+              <a:r>
+                <a:rPr lang="en-US" sz="600" dirty="0">
+                  <a:solidFill>
+                    <a:schemeClr val="tx1"/>
+                  </a:solidFill>
+                </a:rPr>
+                <a:t>      [3, "actuator", "Actuator", "?"],</a:t>
+              </a:r>
+            </a:p>
+            <a:p>
+              <a:r>
+                <a:rPr lang="en-US" sz="600" dirty="0">
+                  <a:solidFill>
+                    <a:schemeClr val="tx1"/>
+                  </a:solidFill>
+                </a:rPr>
+                <a:t>      [4, "modifiers", "Modifiers", "?"]</a:t>
+              </a:r>
+            </a:p>
+            <a:p>
+              <a:r>
+                <a:rPr lang="en-US" sz="600" dirty="0">
+                  <a:solidFill>
+                    <a:schemeClr val="tx1"/>
+                  </a:solidFill>
+                </a:rPr>
+                <a:t>    ]]</a:t>
+              </a:r>
+            </a:p>
+            <a:p>
+              <a:r>
+                <a:rPr lang="en-US" sz="600" dirty="0">
+                  <a:solidFill>
+                    <a:schemeClr val="tx1"/>
+                  </a:solidFill>
+                </a:rPr>
+                <a:t>  ]</a:t>
+              </a:r>
+            </a:p>
+            <a:p>
+              <a:r>
+                <a:rPr lang="en-US" sz="600" dirty="0">
+                  <a:solidFill>
+                    <a:schemeClr val="tx1"/>
+                  </a:solidFill>
+                </a:rPr>
+                <a:t>}</a:t>
+              </a:r>
+            </a:p>
+          </p:txBody>
+        </p:sp>
+      </p:grpSp>
+      <p:sp>
+        <p:nvSpPr>
+          <p:cNvPr id="58" name="TextBox 57"/>
+          <p:cNvSpPr txBox="1"/>
+          <p:nvPr/>
+        </p:nvSpPr>
+        <p:spPr>
+          <a:xfrm>
+            <a:off x="7179442" y="3200400"/>
+            <a:ext cx="681597" cy="369332"/>
+          </a:xfrm>
+          <a:prstGeom prst="rect">
+            <a:avLst/>
+          </a:prstGeom>
+          <a:noFill/>
+        </p:spPr>
+        <p:txBody>
+          <a:bodyPr wrap="none" rtlCol="0">
+            <a:spAutoFit/>
+          </a:bodyPr>
+          <a:lstStyle/>
+          <a:p>
+            <a:r>
+              <a:rPr lang="en-US" dirty="0" smtClean="0"/>
+              <a:t>JASN</a:t>
+            </a:r>
+            <a:endParaRPr lang="en-US" dirty="0"/>
+          </a:p>
+        </p:txBody>
+      </p:sp>
+      <p:grpSp>
+        <p:nvGrpSpPr>
+          <p:cNvPr id="84" name="Group 83"/>
+          <p:cNvGrpSpPr/>
+          <p:nvPr/>
+        </p:nvGrpSpPr>
+        <p:grpSpPr>
+          <a:xfrm>
+            <a:off x="3657600" y="2362200"/>
+            <a:ext cx="2031049" cy="788822"/>
+            <a:chOff x="5385797" y="4468978"/>
+            <a:chExt cx="2031049" cy="788822"/>
+          </a:xfrm>
+        </p:grpSpPr>
+        <p:sp>
+          <p:nvSpPr>
+            <p:cNvPr id="51" name="Folded Corner 50"/>
+            <p:cNvSpPr/>
+            <p:nvPr/>
+          </p:nvSpPr>
+          <p:spPr>
+            <a:xfrm rot="10800000">
+              <a:off x="5402606" y="4468978"/>
+              <a:ext cx="2014240" cy="775932"/>
+            </a:xfrm>
+            <a:prstGeom prst="foldedCorner">
+              <a:avLst>
+                <a:gd name="adj" fmla="val 9888"/>
+              </a:avLst>
+            </a:prstGeom>
+            <a:solidFill>
+              <a:srgbClr val="F6F5DE"/>
+            </a:solidFill>
+            <a:ln w="12700"/>
+          </p:spPr>
+          <p:style>
+            <a:lnRef idx="2">
+              <a:schemeClr val="accent1">
+                <a:shade val="50000"/>
+              </a:schemeClr>
+            </a:lnRef>
+            <a:fillRef idx="1">
+              <a:schemeClr val="accent1"/>
+            </a:fillRef>
+            <a:effectRef idx="0">
+              <a:schemeClr val="accent1"/>
+            </a:effectRef>
+            <a:fontRef idx="minor">
+              <a:schemeClr val="lt1"/>
+            </a:fontRef>
+          </p:style>
+          <p:txBody>
+            <a:bodyPr rtlCol="0" anchor="ctr"/>
+            <a:lstStyle/>
+            <a:p>
+              <a:pPr algn="ctr"/>
+              <a:endParaRPr lang="en-US" sz="700" dirty="0">
+                <a:solidFill>
+                  <a:schemeClr val="tx1"/>
+                </a:solidFill>
+                <a:latin typeface="Consolas" panose="020B0609020204030204" pitchFamily="49" charset="0"/>
+                <a:cs typeface="Consolas" panose="020B0609020204030204" pitchFamily="49" charset="0"/>
+              </a:endParaRPr>
+            </a:p>
+          </p:txBody>
+        </p:sp>
+        <p:sp>
+          <p:nvSpPr>
+            <p:cNvPr id="41" name="TextBox 40"/>
+            <p:cNvSpPr txBox="1"/>
+            <p:nvPr/>
+          </p:nvSpPr>
+          <p:spPr>
+            <a:xfrm>
+              <a:off x="5385797" y="4519136"/>
+              <a:ext cx="2023311" cy="738664"/>
+            </a:xfrm>
+            <a:prstGeom prst="rect">
+              <a:avLst/>
+            </a:prstGeom>
+            <a:noFill/>
+            <a:ln w="12700">
+              <a:noFill/>
+            </a:ln>
+          </p:spPr>
+          <p:txBody>
+            <a:bodyPr wrap="none" rtlCol="0">
+              <a:spAutoFit/>
+            </a:bodyPr>
+            <a:lstStyle/>
+            <a:p>
+              <a:r>
+                <a:rPr lang="en-US" sz="700" dirty="0">
+                  <a:latin typeface="Consolas" panose="020B0609020204030204" pitchFamily="49" charset="0"/>
+                  <a:cs typeface="Consolas" panose="020B0609020204030204" pitchFamily="49" charset="0"/>
+                </a:rPr>
+                <a:t>OpenC2Command ::= RECORD {</a:t>
+              </a:r>
+            </a:p>
+            <a:p>
+              <a:r>
+                <a:rPr lang="en-US" sz="700" dirty="0">
+                  <a:latin typeface="Consolas" panose="020B0609020204030204" pitchFamily="49" charset="0"/>
+                  <a:cs typeface="Consolas" panose="020B0609020204030204" pitchFamily="49" charset="0"/>
+                </a:rPr>
+                <a:t>  </a:t>
+              </a:r>
+              <a:r>
+                <a:rPr lang="en-US" sz="700" dirty="0" smtClean="0">
+                  <a:latin typeface="Consolas" panose="020B0609020204030204" pitchFamily="49" charset="0"/>
+                  <a:cs typeface="Consolas" panose="020B0609020204030204" pitchFamily="49" charset="0"/>
+                </a:rPr>
+                <a:t>action       </a:t>
+              </a:r>
+              <a:r>
+                <a:rPr lang="en-US" sz="700" dirty="0">
+                  <a:latin typeface="Consolas" panose="020B0609020204030204" pitchFamily="49" charset="0"/>
+                  <a:cs typeface="Consolas" panose="020B0609020204030204" pitchFamily="49" charset="0"/>
+                </a:rPr>
+                <a:t>[1] Action,</a:t>
+              </a:r>
+            </a:p>
+            <a:p>
+              <a:r>
+                <a:rPr lang="en-US" sz="700" dirty="0">
+                  <a:latin typeface="Consolas" panose="020B0609020204030204" pitchFamily="49" charset="0"/>
+                  <a:cs typeface="Consolas" panose="020B0609020204030204" pitchFamily="49" charset="0"/>
+                </a:rPr>
+                <a:t>  </a:t>
+              </a:r>
+              <a:r>
+                <a:rPr lang="en-US" sz="700" dirty="0" smtClean="0">
+                  <a:latin typeface="Consolas" panose="020B0609020204030204" pitchFamily="49" charset="0"/>
+                  <a:cs typeface="Consolas" panose="020B0609020204030204" pitchFamily="49" charset="0"/>
+                </a:rPr>
+                <a:t>target       </a:t>
+              </a:r>
+              <a:r>
+                <a:rPr lang="en-US" sz="700" dirty="0">
+                  <a:latin typeface="Consolas" panose="020B0609020204030204" pitchFamily="49" charset="0"/>
+                  <a:cs typeface="Consolas" panose="020B0609020204030204" pitchFamily="49" charset="0"/>
+                </a:rPr>
+                <a:t>[2] Target,</a:t>
+              </a:r>
+            </a:p>
+            <a:p>
+              <a:r>
+                <a:rPr lang="en-US" sz="700" dirty="0">
+                  <a:latin typeface="Consolas" panose="020B0609020204030204" pitchFamily="49" charset="0"/>
+                  <a:cs typeface="Consolas" panose="020B0609020204030204" pitchFamily="49" charset="0"/>
+                </a:rPr>
+                <a:t>  </a:t>
+              </a:r>
+              <a:r>
+                <a:rPr lang="en-US" sz="700" dirty="0" smtClean="0">
+                  <a:latin typeface="Consolas" panose="020B0609020204030204" pitchFamily="49" charset="0"/>
+                  <a:cs typeface="Consolas" panose="020B0609020204030204" pitchFamily="49" charset="0"/>
+                </a:rPr>
+                <a:t>actuator     </a:t>
+              </a:r>
+              <a:r>
+                <a:rPr lang="en-US" sz="700" dirty="0">
+                  <a:latin typeface="Consolas" panose="020B0609020204030204" pitchFamily="49" charset="0"/>
+                  <a:cs typeface="Consolas" panose="020B0609020204030204" pitchFamily="49" charset="0"/>
+                </a:rPr>
+                <a:t>[3] Actuator OPTIONAL,</a:t>
+              </a:r>
+            </a:p>
+            <a:p>
+              <a:r>
+                <a:rPr lang="en-US" sz="700" dirty="0">
+                  <a:latin typeface="Consolas" panose="020B0609020204030204" pitchFamily="49" charset="0"/>
+                  <a:cs typeface="Consolas" panose="020B0609020204030204" pitchFamily="49" charset="0"/>
+                </a:rPr>
+                <a:t>  </a:t>
+              </a:r>
+              <a:r>
+                <a:rPr lang="en-US" sz="700" dirty="0" smtClean="0">
+                  <a:latin typeface="Consolas" panose="020B0609020204030204" pitchFamily="49" charset="0"/>
+                  <a:cs typeface="Consolas" panose="020B0609020204030204" pitchFamily="49" charset="0"/>
+                </a:rPr>
+                <a:t>modifiers    </a:t>
+              </a:r>
+              <a:r>
+                <a:rPr lang="en-US" sz="700" dirty="0">
+                  <a:latin typeface="Consolas" panose="020B0609020204030204" pitchFamily="49" charset="0"/>
+                  <a:cs typeface="Consolas" panose="020B0609020204030204" pitchFamily="49" charset="0"/>
+                </a:rPr>
+                <a:t>[4] Modifiers OPTIONAL</a:t>
+              </a:r>
+            </a:p>
+            <a:p>
+              <a:r>
+                <a:rPr lang="en-US" sz="700" dirty="0" smtClean="0">
+                  <a:latin typeface="Consolas" panose="020B0609020204030204" pitchFamily="49" charset="0"/>
+                  <a:cs typeface="Consolas" panose="020B0609020204030204" pitchFamily="49" charset="0"/>
+                </a:rPr>
+                <a:t>}</a:t>
+              </a:r>
+              <a:endParaRPr lang="en-US" sz="700" dirty="0">
+                <a:latin typeface="Consolas" panose="020B0609020204030204" pitchFamily="49" charset="0"/>
+                <a:cs typeface="Consolas" panose="020B0609020204030204" pitchFamily="49" charset="0"/>
+              </a:endParaRPr>
+            </a:p>
+          </p:txBody>
+        </p:sp>
+      </p:grpSp>
+      <p:pic>
+        <p:nvPicPr>
+          <p:cNvPr id="4" name="Picture 3"/>
+          <p:cNvPicPr>
+            <a:picLocks noChangeAspect="1"/>
+          </p:cNvPicPr>
+          <p:nvPr/>
+        </p:nvPicPr>
+        <p:blipFill>
+          <a:blip r:embed="rId2" cstate="print">
+            <a:extLst>
+              <a:ext uri="{28A0092B-C50C-407E-A947-70E740481C1C}">
+                <a14:useLocalDpi xmlns:a14="http://schemas.microsoft.com/office/drawing/2010/main" val="0"/>
+              </a:ext>
+            </a:extLst>
+          </a:blip>
+          <a:stretch>
+            <a:fillRect/>
+          </a:stretch>
+        </p:blipFill>
+        <p:spPr>
+          <a:xfrm>
+            <a:off x="2362200" y="2133600"/>
+            <a:ext cx="914402" cy="704089"/>
+          </a:xfrm>
+          <a:prstGeom prst="rect">
+            <a:avLst/>
+          </a:prstGeom>
+        </p:spPr>
+      </p:pic>
+      <p:sp>
+        <p:nvSpPr>
+          <p:cNvPr id="5" name="TextBox 4"/>
+          <p:cNvSpPr txBox="1"/>
+          <p:nvPr/>
+        </p:nvSpPr>
+        <p:spPr>
+          <a:xfrm>
+            <a:off x="2209800" y="2895600"/>
+            <a:ext cx="1295400" cy="646331"/>
+          </a:xfrm>
+          <a:prstGeom prst="rect">
+            <a:avLst/>
+          </a:prstGeom>
+          <a:noFill/>
+        </p:spPr>
+        <p:txBody>
+          <a:bodyPr wrap="square" rtlCol="0">
+            <a:spAutoFit/>
+          </a:bodyPr>
+          <a:lstStyle/>
+          <a:p>
+            <a:r>
+              <a:rPr lang="en-US" sz="1200" i="1" dirty="0" smtClean="0">
                 <a:latin typeface="Calibri" panose="020F0502020204030204" pitchFamily="34" charset="0"/>
-              </a:rPr>
-              <a:t>Consumer</a:t>
-            </a:r>
-          </a:p>
-        </p:txBody>
-      </p:sp>
-      <p:sp>
-        <p:nvSpPr>
-          <p:cNvPr id="45" name="Right Arrow 44"/>
+                <a:cs typeface="Calibri" panose="020F0502020204030204" pitchFamily="34" charset="0"/>
+              </a:rPr>
+              <a:t>Create PASN schema based on standard specs</a:t>
+            </a:r>
+            <a:endParaRPr lang="en-US" sz="1200" i="1" dirty="0">
+              <a:latin typeface="Calibri" panose="020F0502020204030204" pitchFamily="34" charset="0"/>
+              <a:cs typeface="Calibri" panose="020F0502020204030204" pitchFamily="34" charset="0"/>
+            </a:endParaRPr>
+          </a:p>
+        </p:txBody>
+      </p:sp>
+      <p:sp>
+        <p:nvSpPr>
+          <p:cNvPr id="16" name="TextBox 15"/>
+          <p:cNvSpPr txBox="1"/>
+          <p:nvPr/>
+        </p:nvSpPr>
+        <p:spPr>
+          <a:xfrm>
+            <a:off x="5738474" y="2771001"/>
+            <a:ext cx="814726" cy="276999"/>
+          </a:xfrm>
+          <a:prstGeom prst="rect">
+            <a:avLst/>
+          </a:prstGeom>
+          <a:noFill/>
+        </p:spPr>
+        <p:txBody>
+          <a:bodyPr wrap="square" rtlCol="0">
+            <a:spAutoFit/>
+          </a:bodyPr>
+          <a:lstStyle/>
+          <a:p>
+            <a:r>
+              <a:rPr lang="en-US" sz="1200" i="1" dirty="0" smtClean="0">
+                <a:latin typeface="Calibri" panose="020F0502020204030204" pitchFamily="34" charset="0"/>
+                <a:cs typeface="Calibri" panose="020F0502020204030204" pitchFamily="34" charset="0"/>
+              </a:rPr>
+              <a:t>Translate</a:t>
+            </a:r>
+            <a:endParaRPr lang="en-US" sz="1200" i="1" dirty="0">
+              <a:latin typeface="Calibri" panose="020F0502020204030204" pitchFamily="34" charset="0"/>
+              <a:cs typeface="Calibri" panose="020F0502020204030204" pitchFamily="34" charset="0"/>
+            </a:endParaRPr>
+          </a:p>
+        </p:txBody>
+      </p:sp>
+      <p:sp>
+        <p:nvSpPr>
+          <p:cNvPr id="6" name="Right Arrow 5"/>
           <p:cNvSpPr/>
           <p:nvPr/>
         </p:nvSpPr>
         <p:spPr>
           <a:xfrm>
-            <a:off x="4227897" y="5638800"/>
-            <a:ext cx="926430" cy="152400"/>
+            <a:off x="5744975" y="2674087"/>
+            <a:ext cx="810605" cy="145313"/>
           </a:xfrm>
           <a:prstGeom prst="rightArrow">
             <a:avLst/>
           </a:prstGeom>
           <a:solidFill>
-            <a:schemeClr val="accent2">
-              <a:lumMod val="40000"/>
-              <a:lumOff val="60000"/>
+            <a:schemeClr val="accent3">
+              <a:lumMod val="60000"/>
+              <a:lumOff val="40000"/>
             </a:schemeClr>
           </a:solidFill>
           <a:ln>
             <a:solidFill>
-              <a:schemeClr val="accent2"/>
+              <a:schemeClr val="accent3"/>
             </a:solidFill>
           </a:ln>
         </p:spPr>
@@ -6574,170 +12165,28 @@
       </p:sp>
       <p:sp>
         <p:nvSpPr>
-          <p:cNvPr id="46" name="TextBox 45"/>
-          <p:cNvSpPr txBox="1"/>
+          <p:cNvPr id="18" name="Right Arrow 17"/>
+          <p:cNvSpPr/>
           <p:nvPr/>
         </p:nvSpPr>
         <p:spPr>
           <a:xfrm>
-            <a:off x="4267200" y="5715000"/>
-            <a:ext cx="829201" cy="307777"/>
+            <a:off x="3302738" y="2670912"/>
+            <a:ext cx="337599" cy="145313"/>
           </a:xfrm>
-          <a:prstGeom prst="rect">
-            <a:avLst/>
-          </a:prstGeom>
-          <a:noFill/>
-        </p:spPr>
-        <p:txBody>
-          <a:bodyPr wrap="none" rtlCol="0">
-            <a:spAutoFit/>
-          </a:bodyPr>
-          <a:lstStyle/>
-          <a:p>
-            <a:r>
-              <a:rPr lang="en-US" sz="1400" i="1" dirty="0" smtClean="0">
-                <a:latin typeface="Calibri" panose="020F0502020204030204" pitchFamily="34" charset="0"/>
-              </a:rPr>
-              <a:t>Message</a:t>
-            </a:r>
-            <a:endParaRPr lang="en-US" sz="1400" i="1" dirty="0">
-              <a:latin typeface="Calibri" panose="020F0502020204030204" pitchFamily="34" charset="0"/>
-            </a:endParaRPr>
-          </a:p>
-        </p:txBody>
-      </p:sp>
-      <p:sp>
-        <p:nvSpPr>
-          <p:cNvPr id="53" name="Rounded Rectangle 52"/>
-          <p:cNvSpPr/>
-          <p:nvPr/>
-        </p:nvSpPr>
-        <p:spPr>
-          <a:xfrm>
-            <a:off x="3359417" y="5414211"/>
-            <a:ext cx="526783" cy="148389"/>
-          </a:xfrm>
-          <a:prstGeom prst="roundRect">
-            <a:avLst>
-              <a:gd name="adj" fmla="val 10746"/>
-            </a:avLst>
-          </a:prstGeom>
-          <a:solidFill>
-            <a:schemeClr val="tx2">
-              <a:lumMod val="20000"/>
-              <a:lumOff val="80000"/>
-            </a:schemeClr>
-          </a:solidFill>
-          <a:ln w="12700"/>
-        </p:spPr>
-        <p:style>
-          <a:lnRef idx="2">
-            <a:schemeClr val="accent1">
-              <a:shade val="50000"/>
-            </a:schemeClr>
-          </a:lnRef>
-          <a:fillRef idx="1">
-            <a:schemeClr val="accent1"/>
-          </a:fillRef>
-          <a:effectRef idx="0">
-            <a:schemeClr val="accent1"/>
-          </a:effectRef>
-          <a:fontRef idx="minor">
-            <a:schemeClr val="lt1"/>
-          </a:fontRef>
-        </p:style>
-        <p:txBody>
-          <a:bodyPr rtlCol="0" anchor="ctr"/>
-          <a:lstStyle/>
-          <a:p>
-            <a:pPr algn="ctr"/>
-            <a:r>
-              <a:rPr lang="en-US" sz="1200" dirty="0" smtClean="0">
-                <a:solidFill>
-                  <a:schemeClr val="tx1"/>
-                </a:solidFill>
-                <a:latin typeface="Calibri" panose="020F0502020204030204" pitchFamily="34" charset="0"/>
-              </a:rPr>
-              <a:t>JASN</a:t>
-            </a:r>
-          </a:p>
-        </p:txBody>
-      </p:sp>
-      <p:sp>
-        <p:nvSpPr>
-          <p:cNvPr id="54" name="Rounded Rectangle 53"/>
-          <p:cNvSpPr/>
-          <p:nvPr/>
-        </p:nvSpPr>
-        <p:spPr>
-          <a:xfrm>
-            <a:off x="5272236" y="5414211"/>
-            <a:ext cx="1051562" cy="148389"/>
-          </a:xfrm>
-          <a:prstGeom prst="roundRect">
-            <a:avLst>
-              <a:gd name="adj" fmla="val 10746"/>
-            </a:avLst>
-          </a:prstGeom>
-          <a:solidFill>
-            <a:schemeClr val="bg2">
-              <a:lumMod val="90000"/>
-            </a:schemeClr>
-          </a:solidFill>
-          <a:ln w="12700"/>
-        </p:spPr>
-        <p:style>
-          <a:lnRef idx="2">
-            <a:schemeClr val="accent1">
-              <a:shade val="50000"/>
-            </a:schemeClr>
-          </a:lnRef>
-          <a:fillRef idx="1">
-            <a:schemeClr val="accent1"/>
-          </a:fillRef>
-          <a:effectRef idx="0">
-            <a:schemeClr val="accent1"/>
-          </a:effectRef>
-          <a:fontRef idx="minor">
-            <a:schemeClr val="lt1"/>
-          </a:fontRef>
-        </p:style>
-        <p:txBody>
-          <a:bodyPr rtlCol="0" anchor="ctr"/>
-          <a:lstStyle/>
-          <a:p>
-            <a:pPr algn="ctr"/>
-            <a:r>
-              <a:rPr lang="en-US" sz="1200" dirty="0" smtClean="0">
-                <a:solidFill>
-                  <a:schemeClr val="tx1"/>
-                </a:solidFill>
-                <a:latin typeface="Calibri" panose="020F0502020204030204" pitchFamily="34" charset="0"/>
-              </a:rPr>
-              <a:t>JSON Schema</a:t>
-            </a:r>
-          </a:p>
-        </p:txBody>
-      </p:sp>
-      <p:sp>
-        <p:nvSpPr>
-          <p:cNvPr id="55" name="Rectangle 54"/>
-          <p:cNvSpPr/>
-          <p:nvPr/>
-        </p:nvSpPr>
-        <p:spPr>
-          <a:xfrm>
-            <a:off x="228600" y="3469104"/>
-            <a:ext cx="5486400" cy="304800"/>
-          </a:xfrm>
-          <a:prstGeom prst="rect">
+          <a:prstGeom prst="rightArrow">
             <a:avLst/>
           </a:prstGeom>
           <a:solidFill>
-            <a:schemeClr val="bg1"/>
+            <a:schemeClr val="accent3">
+              <a:lumMod val="60000"/>
+              <a:lumOff val="40000"/>
+            </a:schemeClr>
           </a:solidFill>
           <a:ln>
-            <a:noFill/>
+            <a:solidFill>
+              <a:schemeClr val="accent3"/>
+            </a:solidFill>
           </a:ln>
         </p:spPr>
         <p:style>
@@ -6767,81 +12216,76 @@
       </p:sp>
       <p:sp>
         <p:nvSpPr>
-          <p:cNvPr id="4" name="Content Placeholder 3"/>
-          <p:cNvSpPr>
-            <a:spLocks noGrp="1"/>
-          </p:cNvSpPr>
-          <p:nvPr>
-            <p:ph sz="quarter" idx="1"/>
-          </p:nvPr>
-        </p:nvSpPr>
-        <p:spPr/>
-        <p:txBody>
-          <a:bodyPr/>
+          <p:cNvPr id="20" name="Right Arrow 19"/>
+          <p:cNvSpPr/>
+          <p:nvPr/>
+        </p:nvSpPr>
+        <p:spPr>
+          <a:xfrm>
+            <a:off x="1981200" y="2674087"/>
+            <a:ext cx="337599" cy="145313"/>
+          </a:xfrm>
+          <a:prstGeom prst="rightArrow">
+            <a:avLst/>
+          </a:prstGeom>
+          <a:solidFill>
+            <a:schemeClr val="accent3">
+              <a:lumMod val="60000"/>
+              <a:lumOff val="40000"/>
+            </a:schemeClr>
+          </a:solidFill>
+          <a:ln>
+            <a:solidFill>
+              <a:schemeClr val="accent3"/>
+            </a:solidFill>
+          </a:ln>
+        </p:spPr>
+        <p:style>
+          <a:lnRef idx="2">
+            <a:schemeClr val="accent1">
+              <a:shade val="50000"/>
+            </a:schemeClr>
+          </a:lnRef>
+          <a:fillRef idx="1">
+            <a:schemeClr val="accent1"/>
+          </a:fillRef>
+          <a:effectRef idx="0">
+            <a:schemeClr val="accent1"/>
+          </a:effectRef>
+          <a:fontRef idx="minor">
+            <a:schemeClr val="lt1"/>
+          </a:fontRef>
+        </p:style>
+        <p:txBody>
+          <a:bodyPr rtlCol="0" anchor="ctr"/>
           <a:lstStyle/>
           <a:p>
-            <a:pPr lvl="1"/>
-            <a:r>
-              <a:rPr lang="en-US" dirty="0" smtClean="0"/>
-              <a:t>Abstract Schema Definitions</a:t>
-            </a:r>
-          </a:p>
-          <a:p>
-            <a:pPr lvl="1"/>
-            <a:endParaRPr lang="en-US" dirty="0"/>
-          </a:p>
-          <a:p>
-            <a:pPr lvl="1"/>
-            <a:endParaRPr lang="en-US" dirty="0" smtClean="0"/>
-          </a:p>
-          <a:p>
-            <a:pPr lvl="1"/>
-            <a:endParaRPr lang="en-US" dirty="0" smtClean="0"/>
-          </a:p>
-          <a:p>
-            <a:pPr lvl="1"/>
-            <a:r>
-              <a:rPr lang="en-US" dirty="0" smtClean="0"/>
-              <a:t>Generate Concrete Message Schemas</a:t>
-            </a:r>
-          </a:p>
-          <a:p>
-            <a:pPr lvl="1"/>
-            <a:endParaRPr lang="en-US" dirty="0"/>
-          </a:p>
-          <a:p>
-            <a:pPr marL="365760" lvl="1" indent="0">
-              <a:lnSpc>
-                <a:spcPct val="150000"/>
-              </a:lnSpc>
-              <a:buNone/>
-            </a:pPr>
-            <a:endParaRPr lang="en-US" dirty="0"/>
-          </a:p>
-          <a:p>
-            <a:pPr lvl="1"/>
-            <a:r>
-              <a:rPr lang="en-US" dirty="0" smtClean="0"/>
-              <a:t>Applications use abstract or concrete schemas</a:t>
-            </a:r>
-            <a:endParaRPr lang="en-US" dirty="0"/>
+            <a:pPr algn="ctr"/>
+            <a:endParaRPr lang="en-US"/>
           </a:p>
         </p:txBody>
       </p:sp>
     </p:spTree>
     <p:extLst>
       <p:ext uri="{BB962C8B-B14F-4D97-AF65-F5344CB8AC3E}">
-        <p14:creationId xmlns:p14="http://schemas.microsoft.com/office/powerpoint/2010/main" val="1395078337"/>
+        <p14:creationId xmlns:p14="http://schemas.microsoft.com/office/powerpoint/2010/main" val="2792183879"/>
       </p:ext>
     </p:extLst>
   </p:cSld>
   <p:clrMapOvr>
     <a:masterClrMapping/>
   </p:clrMapOvr>
+  <p:timing>
+    <p:tnLst>
+      <p:par>
+        <p:cTn id="1" dur="indefinite" restart="never" nodeType="tmRoot"/>
+      </p:par>
+    </p:tnLst>
+  </p:timing>
 </p:sld>
 </file>
 
-<file path=ppt/slides/slide13.xml><?xml version="1.0" encoding="utf-8"?>
+<file path=ppt/slides/slide16.xml><?xml version="1.0" encoding="utf-8"?>
 <p:sld xmlns:a="http://schemas.openxmlformats.org/drawingml/2006/main" xmlns:r="http://schemas.openxmlformats.org/officeDocument/2006/relationships" xmlns:p="http://schemas.openxmlformats.org/presentationml/2006/main">
   <p:cSld>
     <p:spTree>
@@ -6875,7 +12319,11 @@
           <a:p>
             <a:r>
               <a:rPr lang="en-US" dirty="0" smtClean="0"/>
-              <a:t>Decisions and Lessons Learned</a:t>
+              <a:t>Lessons </a:t>
+            </a:r>
+            <a:r>
+              <a:rPr lang="en-US" dirty="0" smtClean="0"/>
+              <a:t>Learned</a:t>
             </a:r>
             <a:endParaRPr lang="en-US" dirty="0"/>
           </a:p>
@@ -6901,7 +12349,7 @@
             <a:fld id="{F43FF47F-E574-4450-810A-2029F5FBFFA6}" type="slidenum">
               <a:rPr kumimoji="0" lang="en-US" smtClean="0"/>
               <a:pPr/>
-              <a:t>13</a:t>
+              <a:t>16</a:t>
             </a:fld>
             <a:endParaRPr kumimoji="0" lang="en-US" dirty="0">
               <a:solidFill>
@@ -6923,13 +12371,28 @@
         </p:nvSpPr>
         <p:spPr/>
         <p:txBody>
-          <a:bodyPr/>
+          <a:bodyPr>
+            <a:normAutofit fontScale="92500" lnSpcReduction="10000"/>
+          </a:bodyPr>
           <a:lstStyle/>
           <a:p>
             <a:r>
               <a:rPr lang="en-US" dirty="0" smtClean="0"/>
-              <a:t>Distributed development (namespaces)</a:t>
-            </a:r>
+              <a:t>Distributed </a:t>
+            </a:r>
+            <a:r>
+              <a:rPr lang="en-US" dirty="0" smtClean="0"/>
+              <a:t>assignment </a:t>
+            </a:r>
+            <a:r>
+              <a:rPr lang="en-US" dirty="0" smtClean="0"/>
+              <a:t>(namespaces</a:t>
+            </a:r>
+            <a:r>
+              <a:rPr lang="en-US" dirty="0" smtClean="0"/>
+              <a:t>):</a:t>
+            </a:r>
+            <a:endParaRPr lang="en-US" dirty="0" smtClean="0"/>
           </a:p>
           <a:p>
             <a:pPr lvl="1"/>
@@ -6942,70 +12405,90 @@
             <a:pPr lvl="2"/>
             <a:r>
               <a:rPr lang="en-US" dirty="0" smtClean="0"/>
-              <a:t>Forced to roll our own to import both </a:t>
-            </a:r>
-            <a:r>
-              <a:rPr lang="en-US" dirty="0" err="1" smtClean="0"/>
-              <a:t>CybOX</a:t>
+              <a:t>Forced to roll our own to </a:t>
             </a:r>
             <a:r>
               <a:rPr lang="en-US" dirty="0" smtClean="0"/>
-              <a:t> 2 and </a:t>
-            </a:r>
-            <a:r>
-              <a:rPr lang="en-US" dirty="0" err="1" smtClean="0"/>
-              <a:t>CybOX</a:t>
+              <a:t>use both </a:t>
             </a:r>
             <a:r>
               <a:rPr lang="en-US" dirty="0" smtClean="0"/>
-              <a:t> 3</a:t>
-            </a:r>
-          </a:p>
-          <a:p>
+              <a:t>CybOX 2 and CybOX </a:t>
+            </a:r>
             <a:r>
               <a:rPr lang="en-US" dirty="0" smtClean="0"/>
-              <a:t>Balance between include and reference</a:t>
-            </a:r>
+              <a:t>3</a:t>
+            </a:r>
+          </a:p>
+          <a:p>
+            <a:pPr lvl="2"/>
+            <a:r>
+              <a:rPr lang="en-US" dirty="0" smtClean="0"/>
+              <a:t>Need standardized ns conventions</a:t>
+            </a:r>
+            <a:endParaRPr lang="en-US" dirty="0" smtClean="0"/>
+          </a:p>
+          <a:p>
+            <a:r>
+              <a:rPr lang="en-US" dirty="0" smtClean="0"/>
+              <a:t>Balance between </a:t>
+            </a:r>
+            <a:r>
+              <a:rPr lang="en-US" dirty="0" smtClean="0"/>
+              <a:t>nesting </a:t>
+            </a:r>
+            <a:r>
+              <a:rPr lang="en-US" dirty="0" smtClean="0"/>
+              <a:t>and </a:t>
+            </a:r>
+            <a:r>
+              <a:rPr lang="en-US" dirty="0" smtClean="0"/>
+              <a:t>referencing:</a:t>
+            </a:r>
+            <a:endParaRPr lang="en-US" dirty="0" smtClean="0"/>
           </a:p>
           <a:p>
             <a:pPr lvl="1"/>
             <a:r>
-              <a:rPr lang="en-US" dirty="0" err="1" smtClean="0"/>
-              <a:t>CybOX</a:t>
-            </a:r>
-            <a:r>
               <a:rPr lang="en-US" dirty="0" smtClean="0"/>
-              <a:t> 2 vs </a:t>
-            </a:r>
-            <a:r>
-              <a:rPr lang="en-US" dirty="0" err="1" smtClean="0"/>
-              <a:t>CybOX</a:t>
-            </a:r>
+              <a:t>STIX 1 allowed structures with unlimited nesting levels</a:t>
+            </a:r>
+          </a:p>
+          <a:p>
+            <a:pPr lvl="1"/>
             <a:r>
               <a:rPr lang="en-US" dirty="0" smtClean="0"/>
-              <a:t> 3</a:t>
-            </a:r>
-          </a:p>
-          <a:p>
+              <a:t>STIX 2 (and CybOX 3) forbid nesting entirely</a:t>
+            </a:r>
+          </a:p>
+          <a:p>
+            <a:pPr lvl="2"/>
             <a:r>
               <a:rPr lang="en-US" dirty="0" smtClean="0"/>
-              <a:t>Think Abstract</a:t>
-            </a:r>
-          </a:p>
-          <a:p>
-            <a:pPr lvl="1"/>
+              <a:t>Result: IP Address object uses a reference (pointer) to a MAC Address object instead of directly including it</a:t>
+            </a:r>
+          </a:p>
+          <a:p>
+            <a:pPr lvl="2"/>
             <a:r>
               <a:rPr lang="en-US" dirty="0" smtClean="0"/>
-              <a:t>Focus on what information is needed</a:t>
+              <a:t>Result: excessive message overhead for containers</a:t>
             </a:r>
           </a:p>
           <a:p>
             <a:pPr lvl="2"/>
             <a:r>
               <a:rPr lang="en-US" dirty="0" smtClean="0"/>
-              <a:t>Not how it is represented</a:t>
-            </a:r>
-            <a:endParaRPr lang="en-US" dirty="0"/>
+              <a:t>Result: references complicate message definition and validation</a:t>
+            </a:r>
+          </a:p>
+          <a:p>
+            <a:pPr lvl="2"/>
+            <a:r>
+              <a:rPr lang="en-US" dirty="0" smtClean="0"/>
+              <a:t>Recommendation: Everything in moderation – allow 1-2 nesting levels</a:t>
+            </a:r>
+            <a:endParaRPr lang="en-US" dirty="0" smtClean="0"/>
           </a:p>
         </p:txBody>
       </p:sp>
@@ -7022,7 +12505,7 @@
 </p:sld>
 </file>
 
-<file path=ppt/slides/slide14.xml><?xml version="1.0" encoding="utf-8"?>
+<file path=ppt/slides/slide17.xml><?xml version="1.0" encoding="utf-8"?>
 <p:sld xmlns:a="http://schemas.openxmlformats.org/drawingml/2006/main" xmlns:r="http://schemas.openxmlformats.org/officeDocument/2006/relationships" xmlns:p="http://schemas.openxmlformats.org/presentationml/2006/main">
   <p:cSld>
     <p:spTree>
@@ -7082,7 +12565,7 @@
             <a:fld id="{F43FF47F-E574-4450-810A-2029F5FBFFA6}" type="slidenum">
               <a:rPr kumimoji="0" lang="en-US" smtClean="0"/>
               <a:pPr/>
-              <a:t>14</a:t>
+              <a:t>17</a:t>
             </a:fld>
             <a:endParaRPr kumimoji="0" lang="en-US" dirty="0">
               <a:solidFill>
@@ -8038,16 +13521,7 @@
                 </a:solidFill>
                 <a:latin typeface="Calibri" panose="020F0502020204030204" pitchFamily="34" charset="0"/>
               </a:rPr>
-              <a:t>Abstract </a:t>
-            </a:r>
-            <a:r>
-              <a:rPr lang="en-US" b="1" dirty="0" smtClean="0">
-                <a:solidFill>
-                  <a:srgbClr val="C00000"/>
-                </a:solidFill>
-                <a:latin typeface="Calibri" panose="020F0502020204030204" pitchFamily="34" charset="0"/>
-              </a:rPr>
-              <a:t>description</a:t>
+              <a:t>Abstract description</a:t>
             </a:r>
           </a:p>
           <a:p>
@@ -8101,13 +13575,7 @@
               <a:rPr lang="en-US" dirty="0" smtClean="0">
                 <a:latin typeface="Calibri" panose="020F0502020204030204" pitchFamily="34" charset="0"/>
               </a:rPr>
-              <a:t>Interim </a:t>
-            </a:r>
-            <a:r>
-              <a:rPr lang="en-US" dirty="0" smtClean="0">
-                <a:latin typeface="Calibri" panose="020F0502020204030204" pitchFamily="34" charset="0"/>
-              </a:rPr>
-              <a:t>step toward formal abstract specifications?</a:t>
+              <a:t>Interim step toward formal abstract specifications?</a:t>
             </a:r>
           </a:p>
           <a:p>
@@ -10199,18 +15667,18 @@
             <a:pPr lvl="1"/>
             <a:r>
               <a:rPr lang="en-US" sz="1600" dirty="0" smtClean="0"/>
-              <a:t>Decoder supplies name corresponding to received </a:t>
-            </a:r>
+              <a:t>Decoder supplies name corresponding to received ID</a:t>
+            </a:r>
+          </a:p>
+          <a:p>
+            <a:pPr lvl="1"/>
             <a:r>
               <a:rPr lang="en-US" sz="1600" dirty="0" smtClean="0"/>
-              <a:t>ID</a:t>
-            </a:r>
-          </a:p>
-          <a:p>
-            <a:pPr lvl="1"/>
+              <a:t>Namespace needed to identify </a:t>
+            </a:r>
             <a:r>
               <a:rPr lang="en-US" sz="1600" dirty="0" smtClean="0"/>
-              <a:t>Namespace needed to identify registry – IANA/IPFIX</a:t>
+              <a:t>registry</a:t>
             </a:r>
             <a:endParaRPr lang="en-US" sz="1600" dirty="0" smtClean="0"/>
           </a:p>

--- a/devel/OpenC2 Schema.pptx
+++ b/devel/OpenC2 Schema.pptx
@@ -4543,8 +4543,8 @@
         </p:nvSpPr>
         <p:spPr>
           <a:xfrm>
-            <a:off x="228600" y="6019800"/>
-            <a:ext cx="2057400" cy="685800"/>
+            <a:off x="304800" y="6217227"/>
+            <a:ext cx="1606067" cy="369332"/>
           </a:xfrm>
         </p:spPr>
         <p:txBody>
@@ -4554,10 +4554,16 @@
           <a:lstStyle/>
           <a:p>
             <a:r>
-              <a:rPr lang="en-US" dirty="0" smtClean="0"/>
+              <a:rPr lang="en-US" sz="1800" dirty="0" smtClean="0">
+                <a:latin typeface="Comic Sans MS" panose="030F0702030302020204" pitchFamily="66" charset="0"/>
+                <a:cs typeface="Calibri" panose="020F0502020204030204" pitchFamily="34" charset="0"/>
+              </a:rPr>
               <a:t>Sept 2016</a:t>
             </a:r>
-            <a:endParaRPr lang="en-US" dirty="0"/>
+            <a:endParaRPr lang="en-US" sz="1800" dirty="0">
+              <a:latin typeface="Comic Sans MS" panose="030F0702030302020204" pitchFamily="66" charset="0"/>
+              <a:cs typeface="Calibri" panose="020F0502020204030204" pitchFamily="34" charset="0"/>
+            </a:endParaRPr>
           </a:p>
         </p:txBody>
       </p:sp>
@@ -4797,6 +4803,55 @@
           </a:extLst>
         </p:spPr>
       </p:pic>
+      <p:sp>
+        <p:nvSpPr>
+          <p:cNvPr id="5" name="TextBox 4"/>
+          <p:cNvSpPr txBox="1"/>
+          <p:nvPr/>
+        </p:nvSpPr>
+        <p:spPr>
+          <a:xfrm>
+            <a:off x="2763982" y="6217227"/>
+            <a:ext cx="5319085" cy="369332"/>
+          </a:xfrm>
+          <a:prstGeom prst="rect">
+            <a:avLst/>
+          </a:prstGeom>
+          <a:noFill/>
+        </p:spPr>
+        <p:txBody>
+          <a:bodyPr wrap="none" rtlCol="0">
+            <a:spAutoFit/>
+          </a:bodyPr>
+          <a:lstStyle/>
+          <a:p>
+            <a:r>
+              <a:rPr lang="en-US" dirty="0" smtClean="0">
+                <a:solidFill>
+                  <a:schemeClr val="bg1"/>
+                </a:solidFill>
+                <a:latin typeface="Comic Sans MS" panose="030F0702030302020204" pitchFamily="66" charset="0"/>
+              </a:rPr>
+              <a:t>Dave Kemp     </a:t>
+            </a:r>
+            <a:r>
+              <a:rPr lang="en-US" sz="1200" dirty="0" smtClean="0">
+                <a:solidFill>
+                  <a:schemeClr val="bg1"/>
+                </a:solidFill>
+                <a:latin typeface="Comic Sans MS" panose="030F0702030302020204" pitchFamily="66" charset="0"/>
+              </a:rPr>
+              <a:t>-- NSA, IA Architectures &amp; Mission Applications </a:t>
+            </a:r>
+            <a:endParaRPr lang="en-US" sz="1200" dirty="0">
+              <a:solidFill>
+                <a:schemeClr val="bg1"/>
+              </a:solidFill>
+              <a:latin typeface="Comic Sans MS" panose="030F0702030302020204" pitchFamily="66" charset="0"/>
+            </a:endParaRPr>
+          </a:p>
+        </p:txBody>
+      </p:sp>
     </p:spTree>
     <p:extLst>
       <p:ext uri="{BB962C8B-B14F-4D97-AF65-F5344CB8AC3E}">
@@ -4911,15 +4966,7 @@
             <a:pPr lvl="2"/>
             <a:r>
               <a:rPr lang="en-US" dirty="0" smtClean="0"/>
-              <a:t>Import </a:t>
-            </a:r>
-            <a:r>
-              <a:rPr lang="en-US" dirty="0" smtClean="0"/>
-              <a:t>directly by </a:t>
-            </a:r>
-            <a:r>
-              <a:rPr lang="en-US" dirty="0" smtClean="0"/>
-              <a:t>applications, or</a:t>
+              <a:t>Import directly by applications, or</a:t>
             </a:r>
           </a:p>
           <a:p>
@@ -8491,11 +8538,7 @@
           <a:p>
             <a:r>
               <a:rPr lang="en-US" dirty="0" smtClean="0"/>
-              <a:t>JSON </a:t>
-            </a:r>
-            <a:r>
-              <a:rPr lang="en-US" dirty="0" smtClean="0"/>
-              <a:t>Encoding Modes</a:t>
+              <a:t>JSON Encoding Modes</a:t>
             </a:r>
             <a:endParaRPr lang="en-US" dirty="0"/>
           </a:p>
@@ -8557,17 +8600,8 @@
             <a:pPr lvl="2"/>
             <a:r>
               <a:rPr lang="en-US" dirty="0" smtClean="0"/>
-              <a:t>RECORD </a:t>
-            </a:r>
-            <a:r>
-              <a:rPr lang="en-US" dirty="0" smtClean="0"/>
-              <a:t>encoded as </a:t>
-            </a:r>
-            <a:r>
-              <a:rPr lang="en-US" dirty="0" smtClean="0"/>
-              <a:t>Object</a:t>
-            </a:r>
-            <a:endParaRPr lang="en-US" dirty="0" smtClean="0"/>
+              <a:t>RECORD encoded as Object</a:t>
+            </a:r>
           </a:p>
           <a:p>
             <a:pPr lvl="2"/>
@@ -8593,21 +8627,8 @@
             <a:pPr lvl="2"/>
             <a:r>
               <a:rPr lang="en-US" dirty="0" smtClean="0"/>
-              <a:t>RECORD</a:t>
-            </a:r>
-            <a:r>
-              <a:rPr lang="en-US" dirty="0" smtClean="0"/>
-              <a:t> </a:t>
-            </a:r>
-            <a:r>
-              <a:rPr lang="en-US" dirty="0" smtClean="0"/>
-              <a:t>encoded as </a:t>
-            </a:r>
-            <a:r>
-              <a:rPr lang="en-US" dirty="0" smtClean="0"/>
-              <a:t>Array</a:t>
-            </a:r>
-            <a:endParaRPr lang="en-US" dirty="0" smtClean="0"/>
+              <a:t>RECORD encoded as Array</a:t>
+            </a:r>
           </a:p>
           <a:p>
             <a:pPr lvl="2"/>
@@ -8633,19 +8654,7 @@
             <a:pPr lvl="2"/>
             <a:r>
               <a:rPr lang="en-US" dirty="0" smtClean="0"/>
-              <a:t>RECORD </a:t>
-            </a:r>
-            <a:r>
-              <a:rPr lang="en-US" dirty="0" smtClean="0"/>
-              <a:t>encoded as </a:t>
-            </a:r>
-            <a:r>
-              <a:rPr lang="en-US" dirty="0" smtClean="0"/>
-              <a:t>Array, </a:t>
-            </a:r>
-            <a:r>
-              <a:rPr lang="en-US" dirty="0" smtClean="0"/>
-              <a:t>Names encoded as Tags</a:t>
+              <a:t>RECORD encoded as Array, Names encoded as Tags</a:t>
             </a:r>
           </a:p>
           <a:p>
@@ -12265,6 +12274,1143 @@
           </a:p>
         </p:txBody>
       </p:sp>
+      <p:cxnSp>
+        <p:nvCxnSpPr>
+          <p:cNvPr id="21" name="Straight Arrow Connector 20"/>
+          <p:cNvCxnSpPr>
+            <a:stCxn id="24" idx="3"/>
+            <a:endCxn id="31" idx="1"/>
+          </p:cNvCxnSpPr>
+          <p:nvPr/>
+        </p:nvCxnSpPr>
+        <p:spPr>
+          <a:xfrm>
+            <a:off x="3783113" y="5466349"/>
+            <a:ext cx="1107592" cy="0"/>
+          </a:xfrm>
+          <a:prstGeom prst="straightConnector1">
+            <a:avLst/>
+          </a:prstGeom>
+          <a:ln w="19050">
+            <a:headEnd type="none" w="med" len="med"/>
+            <a:tailEnd type="triangle" w="med" len="med"/>
+          </a:ln>
+        </p:spPr>
+        <p:style>
+          <a:lnRef idx="1">
+            <a:schemeClr val="accent1"/>
+          </a:lnRef>
+          <a:fillRef idx="0">
+            <a:schemeClr val="accent1"/>
+          </a:fillRef>
+          <a:effectRef idx="0">
+            <a:schemeClr val="accent1"/>
+          </a:effectRef>
+          <a:fontRef idx="minor">
+            <a:schemeClr val="tx1"/>
+          </a:fontRef>
+        </p:style>
+      </p:cxnSp>
+      <p:sp>
+        <p:nvSpPr>
+          <p:cNvPr id="22" name="Rounded Rectangle 21"/>
+          <p:cNvSpPr/>
+          <p:nvPr/>
+        </p:nvSpPr>
+        <p:spPr>
+          <a:xfrm>
+            <a:off x="3733800" y="5291141"/>
+            <a:ext cx="1170540" cy="279691"/>
+          </a:xfrm>
+          <a:prstGeom prst="roundRect">
+            <a:avLst/>
+          </a:prstGeom>
+          <a:noFill/>
+          <a:ln>
+            <a:noFill/>
+          </a:ln>
+        </p:spPr>
+        <p:style>
+          <a:lnRef idx="1">
+            <a:schemeClr val="accent6"/>
+          </a:lnRef>
+          <a:fillRef idx="3">
+            <a:schemeClr val="accent6"/>
+          </a:fillRef>
+          <a:effectRef idx="2">
+            <a:schemeClr val="accent6"/>
+          </a:effectRef>
+          <a:fontRef idx="minor">
+            <a:schemeClr val="lt1"/>
+          </a:fontRef>
+        </p:style>
+        <p:txBody>
+          <a:bodyPr lIns="91427" tIns="45713" rIns="91427" bIns="45713" rtlCol="0" anchor="ctr"/>
+          <a:lstStyle>
+            <a:defPPr>
+              <a:defRPr lang="en-US"/>
+            </a:defPPr>
+            <a:lvl1pPr marL="0" algn="l" defTabSz="457200" rtl="0" eaLnBrk="1" latinLnBrk="0" hangingPunct="1">
+              <a:defRPr sz="1800" kern="1200">
+                <a:solidFill>
+                  <a:schemeClr val="lt1"/>
+                </a:solidFill>
+                <a:latin typeface="+mn-lt"/>
+                <a:ea typeface="+mn-ea"/>
+                <a:cs typeface="+mn-cs"/>
+              </a:defRPr>
+            </a:lvl1pPr>
+            <a:lvl2pPr marL="457200" algn="l" defTabSz="457200" rtl="0" eaLnBrk="1" latinLnBrk="0" hangingPunct="1">
+              <a:defRPr sz="1800" kern="1200">
+                <a:solidFill>
+                  <a:schemeClr val="lt1"/>
+                </a:solidFill>
+                <a:latin typeface="+mn-lt"/>
+                <a:ea typeface="+mn-ea"/>
+                <a:cs typeface="+mn-cs"/>
+              </a:defRPr>
+            </a:lvl2pPr>
+            <a:lvl3pPr marL="914400" algn="l" defTabSz="457200" rtl="0" eaLnBrk="1" latinLnBrk="0" hangingPunct="1">
+              <a:defRPr sz="1800" kern="1200">
+                <a:solidFill>
+                  <a:schemeClr val="lt1"/>
+                </a:solidFill>
+                <a:latin typeface="+mn-lt"/>
+                <a:ea typeface="+mn-ea"/>
+                <a:cs typeface="+mn-cs"/>
+              </a:defRPr>
+            </a:lvl3pPr>
+            <a:lvl4pPr marL="1371600" algn="l" defTabSz="457200" rtl="0" eaLnBrk="1" latinLnBrk="0" hangingPunct="1">
+              <a:defRPr sz="1800" kern="1200">
+                <a:solidFill>
+                  <a:schemeClr val="lt1"/>
+                </a:solidFill>
+                <a:latin typeface="+mn-lt"/>
+                <a:ea typeface="+mn-ea"/>
+                <a:cs typeface="+mn-cs"/>
+              </a:defRPr>
+            </a:lvl4pPr>
+            <a:lvl5pPr marL="1828800" algn="l" defTabSz="457200" rtl="0" eaLnBrk="1" latinLnBrk="0" hangingPunct="1">
+              <a:defRPr sz="1800" kern="1200">
+                <a:solidFill>
+                  <a:schemeClr val="lt1"/>
+                </a:solidFill>
+                <a:latin typeface="+mn-lt"/>
+                <a:ea typeface="+mn-ea"/>
+                <a:cs typeface="+mn-cs"/>
+              </a:defRPr>
+            </a:lvl5pPr>
+            <a:lvl6pPr marL="2286000" algn="l" defTabSz="457200" rtl="0" eaLnBrk="1" latinLnBrk="0" hangingPunct="1">
+              <a:defRPr sz="1800" kern="1200">
+                <a:solidFill>
+                  <a:schemeClr val="lt1"/>
+                </a:solidFill>
+                <a:latin typeface="+mn-lt"/>
+                <a:ea typeface="+mn-ea"/>
+                <a:cs typeface="+mn-cs"/>
+              </a:defRPr>
+            </a:lvl6pPr>
+            <a:lvl7pPr marL="2743200" algn="l" defTabSz="457200" rtl="0" eaLnBrk="1" latinLnBrk="0" hangingPunct="1">
+              <a:defRPr sz="1800" kern="1200">
+                <a:solidFill>
+                  <a:schemeClr val="lt1"/>
+                </a:solidFill>
+                <a:latin typeface="+mn-lt"/>
+                <a:ea typeface="+mn-ea"/>
+                <a:cs typeface="+mn-cs"/>
+              </a:defRPr>
+            </a:lvl7pPr>
+            <a:lvl8pPr marL="3200400" algn="l" defTabSz="457200" rtl="0" eaLnBrk="1" latinLnBrk="0" hangingPunct="1">
+              <a:defRPr sz="1800" kern="1200">
+                <a:solidFill>
+                  <a:schemeClr val="lt1"/>
+                </a:solidFill>
+                <a:latin typeface="+mn-lt"/>
+                <a:ea typeface="+mn-ea"/>
+                <a:cs typeface="+mn-cs"/>
+              </a:defRPr>
+            </a:lvl8pPr>
+            <a:lvl9pPr marL="3657600" algn="l" defTabSz="457200" rtl="0" eaLnBrk="1" latinLnBrk="0" hangingPunct="1">
+              <a:defRPr sz="1800" kern="1200">
+                <a:solidFill>
+                  <a:schemeClr val="lt1"/>
+                </a:solidFill>
+                <a:latin typeface="+mn-lt"/>
+                <a:ea typeface="+mn-ea"/>
+                <a:cs typeface="+mn-cs"/>
+              </a:defRPr>
+            </a:lvl9pPr>
+          </a:lstStyle>
+          <a:p>
+            <a:pPr algn="ctr" defTabSz="914400"/>
+            <a:r>
+              <a:rPr lang="en-US" sz="1100" dirty="0" smtClean="0">
+                <a:solidFill>
+                  <a:srgbClr val="1F497D"/>
+                </a:solidFill>
+                <a:latin typeface="Tw Cen MT"/>
+              </a:rPr>
+              <a:t>OpenC2</a:t>
+            </a:r>
+          </a:p>
+          <a:p>
+            <a:pPr algn="ctr" defTabSz="914400"/>
+            <a:r>
+              <a:rPr lang="en-US" sz="1100" dirty="0" smtClean="0">
+                <a:solidFill>
+                  <a:srgbClr val="1F497D"/>
+                </a:solidFill>
+                <a:latin typeface="Tw Cen MT"/>
+              </a:rPr>
+              <a:t>(deny</a:t>
+            </a:r>
+            <a:r>
+              <a:rPr lang="en-US" sz="1100" dirty="0" smtClean="0">
+                <a:solidFill>
+                  <a:srgbClr val="1F497D"/>
+                </a:solidFill>
+                <a:latin typeface="Tw Cen MT"/>
+              </a:rPr>
+              <a:t>)</a:t>
+            </a:r>
+            <a:endParaRPr lang="en-US" sz="1100" dirty="0">
+              <a:solidFill>
+                <a:srgbClr val="1F497D"/>
+              </a:solidFill>
+              <a:latin typeface="Tw Cen MT"/>
+            </a:endParaRPr>
+          </a:p>
+        </p:txBody>
+      </p:sp>
+      <p:sp>
+        <p:nvSpPr>
+          <p:cNvPr id="24" name="Rounded Rectangle 23"/>
+          <p:cNvSpPr/>
+          <p:nvPr/>
+        </p:nvSpPr>
+        <p:spPr>
+          <a:xfrm>
+            <a:off x="3558882" y="5065298"/>
+            <a:ext cx="224231" cy="802102"/>
+          </a:xfrm>
+          <a:prstGeom prst="roundRect">
+            <a:avLst/>
+          </a:prstGeom>
+          <a:gradFill flip="none" rotWithShape="1">
+            <a:gsLst>
+              <a:gs pos="0">
+                <a:schemeClr val="accent2">
+                  <a:tint val="66000"/>
+                  <a:satMod val="160000"/>
+                </a:schemeClr>
+              </a:gs>
+              <a:gs pos="50000">
+                <a:schemeClr val="accent2">
+                  <a:tint val="44500"/>
+                  <a:satMod val="160000"/>
+                </a:schemeClr>
+              </a:gs>
+              <a:gs pos="100000">
+                <a:schemeClr val="accent2">
+                  <a:tint val="23500"/>
+                  <a:satMod val="160000"/>
+                </a:schemeClr>
+              </a:gs>
+            </a:gsLst>
+            <a:path path="circle">
+              <a:fillToRect l="50000" t="50000" r="50000" b="50000"/>
+            </a:path>
+            <a:tileRect/>
+          </a:gradFill>
+          <a:ln>
+            <a:solidFill>
+              <a:srgbClr val="C00000"/>
+            </a:solidFill>
+            <a:prstDash val="sysDot"/>
+          </a:ln>
+        </p:spPr>
+        <p:style>
+          <a:lnRef idx="2">
+            <a:schemeClr val="accent1">
+              <a:shade val="50000"/>
+            </a:schemeClr>
+          </a:lnRef>
+          <a:fillRef idx="1">
+            <a:schemeClr val="accent1"/>
+          </a:fillRef>
+          <a:effectRef idx="0">
+            <a:schemeClr val="accent1"/>
+          </a:effectRef>
+          <a:fontRef idx="minor">
+            <a:schemeClr val="lt1"/>
+          </a:fontRef>
+        </p:style>
+        <p:txBody>
+          <a:bodyPr vert="vert" rtlCol="0" anchor="ctr"/>
+          <a:lstStyle>
+            <a:defPPr>
+              <a:defRPr lang="en-US"/>
+            </a:defPPr>
+            <a:lvl1pPr marL="0" algn="l" defTabSz="457200" rtl="0" eaLnBrk="1" latinLnBrk="0" hangingPunct="1">
+              <a:defRPr sz="1800" kern="1200">
+                <a:solidFill>
+                  <a:schemeClr val="lt1"/>
+                </a:solidFill>
+                <a:latin typeface="+mn-lt"/>
+                <a:ea typeface="+mn-ea"/>
+                <a:cs typeface="+mn-cs"/>
+              </a:defRPr>
+            </a:lvl1pPr>
+            <a:lvl2pPr marL="457200" algn="l" defTabSz="457200" rtl="0" eaLnBrk="1" latinLnBrk="0" hangingPunct="1">
+              <a:defRPr sz="1800" kern="1200">
+                <a:solidFill>
+                  <a:schemeClr val="lt1"/>
+                </a:solidFill>
+                <a:latin typeface="+mn-lt"/>
+                <a:ea typeface="+mn-ea"/>
+                <a:cs typeface="+mn-cs"/>
+              </a:defRPr>
+            </a:lvl2pPr>
+            <a:lvl3pPr marL="914400" algn="l" defTabSz="457200" rtl="0" eaLnBrk="1" latinLnBrk="0" hangingPunct="1">
+              <a:defRPr sz="1800" kern="1200">
+                <a:solidFill>
+                  <a:schemeClr val="lt1"/>
+                </a:solidFill>
+                <a:latin typeface="+mn-lt"/>
+                <a:ea typeface="+mn-ea"/>
+                <a:cs typeface="+mn-cs"/>
+              </a:defRPr>
+            </a:lvl3pPr>
+            <a:lvl4pPr marL="1371600" algn="l" defTabSz="457200" rtl="0" eaLnBrk="1" latinLnBrk="0" hangingPunct="1">
+              <a:defRPr sz="1800" kern="1200">
+                <a:solidFill>
+                  <a:schemeClr val="lt1"/>
+                </a:solidFill>
+                <a:latin typeface="+mn-lt"/>
+                <a:ea typeface="+mn-ea"/>
+                <a:cs typeface="+mn-cs"/>
+              </a:defRPr>
+            </a:lvl4pPr>
+            <a:lvl5pPr marL="1828800" algn="l" defTabSz="457200" rtl="0" eaLnBrk="1" latinLnBrk="0" hangingPunct="1">
+              <a:defRPr sz="1800" kern="1200">
+                <a:solidFill>
+                  <a:schemeClr val="lt1"/>
+                </a:solidFill>
+                <a:latin typeface="+mn-lt"/>
+                <a:ea typeface="+mn-ea"/>
+                <a:cs typeface="+mn-cs"/>
+              </a:defRPr>
+            </a:lvl5pPr>
+            <a:lvl6pPr marL="2286000" algn="l" defTabSz="457200" rtl="0" eaLnBrk="1" latinLnBrk="0" hangingPunct="1">
+              <a:defRPr sz="1800" kern="1200">
+                <a:solidFill>
+                  <a:schemeClr val="lt1"/>
+                </a:solidFill>
+                <a:latin typeface="+mn-lt"/>
+                <a:ea typeface="+mn-ea"/>
+                <a:cs typeface="+mn-cs"/>
+              </a:defRPr>
+            </a:lvl6pPr>
+            <a:lvl7pPr marL="2743200" algn="l" defTabSz="457200" rtl="0" eaLnBrk="1" latinLnBrk="0" hangingPunct="1">
+              <a:defRPr sz="1800" kern="1200">
+                <a:solidFill>
+                  <a:schemeClr val="lt1"/>
+                </a:solidFill>
+                <a:latin typeface="+mn-lt"/>
+                <a:ea typeface="+mn-ea"/>
+                <a:cs typeface="+mn-cs"/>
+              </a:defRPr>
+            </a:lvl7pPr>
+            <a:lvl8pPr marL="3200400" algn="l" defTabSz="457200" rtl="0" eaLnBrk="1" latinLnBrk="0" hangingPunct="1">
+              <a:defRPr sz="1800" kern="1200">
+                <a:solidFill>
+                  <a:schemeClr val="lt1"/>
+                </a:solidFill>
+                <a:latin typeface="+mn-lt"/>
+                <a:ea typeface="+mn-ea"/>
+                <a:cs typeface="+mn-cs"/>
+              </a:defRPr>
+            </a:lvl8pPr>
+            <a:lvl9pPr marL="3657600" algn="l" defTabSz="457200" rtl="0" eaLnBrk="1" latinLnBrk="0" hangingPunct="1">
+              <a:defRPr sz="1800" kern="1200">
+                <a:solidFill>
+                  <a:schemeClr val="lt1"/>
+                </a:solidFill>
+                <a:latin typeface="+mn-lt"/>
+                <a:ea typeface="+mn-ea"/>
+                <a:cs typeface="+mn-cs"/>
+              </a:defRPr>
+            </a:lvl9pPr>
+          </a:lstStyle>
+          <a:p>
+            <a:pPr algn="ctr" defTabSz="914400"/>
+            <a:r>
+              <a:rPr lang="en-US" sz="1200" dirty="0" smtClean="0">
+                <a:solidFill>
+                  <a:schemeClr val="tx1"/>
+                </a:solidFill>
+                <a:latin typeface="Calibri" panose="020F0502020204030204" pitchFamily="34" charset="0"/>
+                <a:cs typeface="Calibri" panose="020F0502020204030204" pitchFamily="34" charset="0"/>
+              </a:rPr>
+              <a:t>Producer</a:t>
+            </a:r>
+            <a:endParaRPr lang="en-US" sz="1200" dirty="0">
+              <a:solidFill>
+                <a:schemeClr val="tx1"/>
+              </a:solidFill>
+              <a:latin typeface="Calibri" panose="020F0502020204030204" pitchFamily="34" charset="0"/>
+              <a:cs typeface="Calibri" panose="020F0502020204030204" pitchFamily="34" charset="0"/>
+            </a:endParaRPr>
+          </a:p>
+        </p:txBody>
+      </p:sp>
+      <p:sp>
+        <p:nvSpPr>
+          <p:cNvPr id="25" name="Rounded Rectangle 24"/>
+          <p:cNvSpPr/>
+          <p:nvPr/>
+        </p:nvSpPr>
+        <p:spPr>
+          <a:xfrm>
+            <a:off x="2209800" y="5068472"/>
+            <a:ext cx="1344715" cy="798928"/>
+          </a:xfrm>
+          <a:prstGeom prst="roundRect">
+            <a:avLst/>
+          </a:prstGeom>
+          <a:solidFill>
+            <a:srgbClr val="C00000"/>
+          </a:solidFill>
+          <a:ln>
+            <a:noFill/>
+          </a:ln>
+        </p:spPr>
+        <p:style>
+          <a:lnRef idx="1">
+            <a:schemeClr val="accent2"/>
+          </a:lnRef>
+          <a:fillRef idx="3">
+            <a:schemeClr val="accent2"/>
+          </a:fillRef>
+          <a:effectRef idx="2">
+            <a:schemeClr val="accent2"/>
+          </a:effectRef>
+          <a:fontRef idx="minor">
+            <a:schemeClr val="lt1"/>
+          </a:fontRef>
+        </p:style>
+        <p:txBody>
+          <a:bodyPr lIns="91427" tIns="45713" rIns="91427" bIns="45713" rtlCol="0" anchor="ctr"/>
+          <a:lstStyle>
+            <a:defPPr>
+              <a:defRPr lang="en-US"/>
+            </a:defPPr>
+            <a:lvl1pPr marL="0" algn="l" defTabSz="457200" rtl="0" eaLnBrk="1" latinLnBrk="0" hangingPunct="1">
+              <a:defRPr sz="1800" kern="1200">
+                <a:solidFill>
+                  <a:schemeClr val="lt1"/>
+                </a:solidFill>
+                <a:latin typeface="+mn-lt"/>
+                <a:ea typeface="+mn-ea"/>
+                <a:cs typeface="+mn-cs"/>
+              </a:defRPr>
+            </a:lvl1pPr>
+            <a:lvl2pPr marL="457200" algn="l" defTabSz="457200" rtl="0" eaLnBrk="1" latinLnBrk="0" hangingPunct="1">
+              <a:defRPr sz="1800" kern="1200">
+                <a:solidFill>
+                  <a:schemeClr val="lt1"/>
+                </a:solidFill>
+                <a:latin typeface="+mn-lt"/>
+                <a:ea typeface="+mn-ea"/>
+                <a:cs typeface="+mn-cs"/>
+              </a:defRPr>
+            </a:lvl2pPr>
+            <a:lvl3pPr marL="914400" algn="l" defTabSz="457200" rtl="0" eaLnBrk="1" latinLnBrk="0" hangingPunct="1">
+              <a:defRPr sz="1800" kern="1200">
+                <a:solidFill>
+                  <a:schemeClr val="lt1"/>
+                </a:solidFill>
+                <a:latin typeface="+mn-lt"/>
+                <a:ea typeface="+mn-ea"/>
+                <a:cs typeface="+mn-cs"/>
+              </a:defRPr>
+            </a:lvl3pPr>
+            <a:lvl4pPr marL="1371600" algn="l" defTabSz="457200" rtl="0" eaLnBrk="1" latinLnBrk="0" hangingPunct="1">
+              <a:defRPr sz="1800" kern="1200">
+                <a:solidFill>
+                  <a:schemeClr val="lt1"/>
+                </a:solidFill>
+                <a:latin typeface="+mn-lt"/>
+                <a:ea typeface="+mn-ea"/>
+                <a:cs typeface="+mn-cs"/>
+              </a:defRPr>
+            </a:lvl4pPr>
+            <a:lvl5pPr marL="1828800" algn="l" defTabSz="457200" rtl="0" eaLnBrk="1" latinLnBrk="0" hangingPunct="1">
+              <a:defRPr sz="1800" kern="1200">
+                <a:solidFill>
+                  <a:schemeClr val="lt1"/>
+                </a:solidFill>
+                <a:latin typeface="+mn-lt"/>
+                <a:ea typeface="+mn-ea"/>
+                <a:cs typeface="+mn-cs"/>
+              </a:defRPr>
+            </a:lvl5pPr>
+            <a:lvl6pPr marL="2286000" algn="l" defTabSz="457200" rtl="0" eaLnBrk="1" latinLnBrk="0" hangingPunct="1">
+              <a:defRPr sz="1800" kern="1200">
+                <a:solidFill>
+                  <a:schemeClr val="lt1"/>
+                </a:solidFill>
+                <a:latin typeface="+mn-lt"/>
+                <a:ea typeface="+mn-ea"/>
+                <a:cs typeface="+mn-cs"/>
+              </a:defRPr>
+            </a:lvl6pPr>
+            <a:lvl7pPr marL="2743200" algn="l" defTabSz="457200" rtl="0" eaLnBrk="1" latinLnBrk="0" hangingPunct="1">
+              <a:defRPr sz="1800" kern="1200">
+                <a:solidFill>
+                  <a:schemeClr val="lt1"/>
+                </a:solidFill>
+                <a:latin typeface="+mn-lt"/>
+                <a:ea typeface="+mn-ea"/>
+                <a:cs typeface="+mn-cs"/>
+              </a:defRPr>
+            </a:lvl7pPr>
+            <a:lvl8pPr marL="3200400" algn="l" defTabSz="457200" rtl="0" eaLnBrk="1" latinLnBrk="0" hangingPunct="1">
+              <a:defRPr sz="1800" kern="1200">
+                <a:solidFill>
+                  <a:schemeClr val="lt1"/>
+                </a:solidFill>
+                <a:latin typeface="+mn-lt"/>
+                <a:ea typeface="+mn-ea"/>
+                <a:cs typeface="+mn-cs"/>
+              </a:defRPr>
+            </a:lvl8pPr>
+            <a:lvl9pPr marL="3657600" algn="l" defTabSz="457200" rtl="0" eaLnBrk="1" latinLnBrk="0" hangingPunct="1">
+              <a:defRPr sz="1800" kern="1200">
+                <a:solidFill>
+                  <a:schemeClr val="lt1"/>
+                </a:solidFill>
+                <a:latin typeface="+mn-lt"/>
+                <a:ea typeface="+mn-ea"/>
+                <a:cs typeface="+mn-cs"/>
+              </a:defRPr>
+            </a:lvl9pPr>
+          </a:lstStyle>
+          <a:p>
+            <a:pPr algn="ctr" defTabSz="914400"/>
+            <a:r>
+              <a:rPr lang="en-US" sz="1600" dirty="0" smtClean="0">
+                <a:solidFill>
+                  <a:prstClr val="white"/>
+                </a:solidFill>
+                <a:latin typeface="Calibri" panose="020F0502020204030204" pitchFamily="34" charset="0"/>
+                <a:cs typeface="Calibri" panose="020F0502020204030204" pitchFamily="34" charset="0"/>
+              </a:rPr>
+              <a:t>Orchestrator</a:t>
+            </a:r>
+            <a:endParaRPr lang="en-US" sz="1600" dirty="0">
+              <a:solidFill>
+                <a:prstClr val="white"/>
+              </a:solidFill>
+              <a:latin typeface="Calibri" panose="020F0502020204030204" pitchFamily="34" charset="0"/>
+              <a:cs typeface="Calibri" panose="020F0502020204030204" pitchFamily="34" charset="0"/>
+            </a:endParaRPr>
+          </a:p>
+        </p:txBody>
+      </p:sp>
+      <p:sp>
+        <p:nvSpPr>
+          <p:cNvPr id="29" name="Rounded Rectangle 28"/>
+          <p:cNvSpPr/>
+          <p:nvPr/>
+        </p:nvSpPr>
+        <p:spPr>
+          <a:xfrm>
+            <a:off x="5105400" y="5065298"/>
+            <a:ext cx="990600" cy="802102"/>
+          </a:xfrm>
+          <a:prstGeom prst="roundRect">
+            <a:avLst/>
+          </a:prstGeom>
+          <a:ln/>
+        </p:spPr>
+        <p:style>
+          <a:lnRef idx="1">
+            <a:schemeClr val="accent5"/>
+          </a:lnRef>
+          <a:fillRef idx="3">
+            <a:schemeClr val="accent5"/>
+          </a:fillRef>
+          <a:effectRef idx="2">
+            <a:schemeClr val="accent5"/>
+          </a:effectRef>
+          <a:fontRef idx="minor">
+            <a:schemeClr val="lt1"/>
+          </a:fontRef>
+        </p:style>
+        <p:txBody>
+          <a:bodyPr lIns="91427" tIns="45713" rIns="91427" bIns="45713" rtlCol="0" anchor="ctr"/>
+          <a:lstStyle>
+            <a:defPPr>
+              <a:defRPr lang="en-US"/>
+            </a:defPPr>
+            <a:lvl1pPr marL="0" algn="l" defTabSz="457200" rtl="0" eaLnBrk="1" latinLnBrk="0" hangingPunct="1">
+              <a:defRPr sz="1800" kern="1200">
+                <a:solidFill>
+                  <a:schemeClr val="lt1"/>
+                </a:solidFill>
+                <a:latin typeface="+mn-lt"/>
+                <a:ea typeface="+mn-ea"/>
+                <a:cs typeface="+mn-cs"/>
+              </a:defRPr>
+            </a:lvl1pPr>
+            <a:lvl2pPr marL="457200" algn="l" defTabSz="457200" rtl="0" eaLnBrk="1" latinLnBrk="0" hangingPunct="1">
+              <a:defRPr sz="1800" kern="1200">
+                <a:solidFill>
+                  <a:schemeClr val="lt1"/>
+                </a:solidFill>
+                <a:latin typeface="+mn-lt"/>
+                <a:ea typeface="+mn-ea"/>
+                <a:cs typeface="+mn-cs"/>
+              </a:defRPr>
+            </a:lvl2pPr>
+            <a:lvl3pPr marL="914400" algn="l" defTabSz="457200" rtl="0" eaLnBrk="1" latinLnBrk="0" hangingPunct="1">
+              <a:defRPr sz="1800" kern="1200">
+                <a:solidFill>
+                  <a:schemeClr val="lt1"/>
+                </a:solidFill>
+                <a:latin typeface="+mn-lt"/>
+                <a:ea typeface="+mn-ea"/>
+                <a:cs typeface="+mn-cs"/>
+              </a:defRPr>
+            </a:lvl3pPr>
+            <a:lvl4pPr marL="1371600" algn="l" defTabSz="457200" rtl="0" eaLnBrk="1" latinLnBrk="0" hangingPunct="1">
+              <a:defRPr sz="1800" kern="1200">
+                <a:solidFill>
+                  <a:schemeClr val="lt1"/>
+                </a:solidFill>
+                <a:latin typeface="+mn-lt"/>
+                <a:ea typeface="+mn-ea"/>
+                <a:cs typeface="+mn-cs"/>
+              </a:defRPr>
+            </a:lvl4pPr>
+            <a:lvl5pPr marL="1828800" algn="l" defTabSz="457200" rtl="0" eaLnBrk="1" latinLnBrk="0" hangingPunct="1">
+              <a:defRPr sz="1800" kern="1200">
+                <a:solidFill>
+                  <a:schemeClr val="lt1"/>
+                </a:solidFill>
+                <a:latin typeface="+mn-lt"/>
+                <a:ea typeface="+mn-ea"/>
+                <a:cs typeface="+mn-cs"/>
+              </a:defRPr>
+            </a:lvl5pPr>
+            <a:lvl6pPr marL="2286000" algn="l" defTabSz="457200" rtl="0" eaLnBrk="1" latinLnBrk="0" hangingPunct="1">
+              <a:defRPr sz="1800" kern="1200">
+                <a:solidFill>
+                  <a:schemeClr val="lt1"/>
+                </a:solidFill>
+                <a:latin typeface="+mn-lt"/>
+                <a:ea typeface="+mn-ea"/>
+                <a:cs typeface="+mn-cs"/>
+              </a:defRPr>
+            </a:lvl6pPr>
+            <a:lvl7pPr marL="2743200" algn="l" defTabSz="457200" rtl="0" eaLnBrk="1" latinLnBrk="0" hangingPunct="1">
+              <a:defRPr sz="1800" kern="1200">
+                <a:solidFill>
+                  <a:schemeClr val="lt1"/>
+                </a:solidFill>
+                <a:latin typeface="+mn-lt"/>
+                <a:ea typeface="+mn-ea"/>
+                <a:cs typeface="+mn-cs"/>
+              </a:defRPr>
+            </a:lvl7pPr>
+            <a:lvl8pPr marL="3200400" algn="l" defTabSz="457200" rtl="0" eaLnBrk="1" latinLnBrk="0" hangingPunct="1">
+              <a:defRPr sz="1800" kern="1200">
+                <a:solidFill>
+                  <a:schemeClr val="lt1"/>
+                </a:solidFill>
+                <a:latin typeface="+mn-lt"/>
+                <a:ea typeface="+mn-ea"/>
+                <a:cs typeface="+mn-cs"/>
+              </a:defRPr>
+            </a:lvl8pPr>
+            <a:lvl9pPr marL="3657600" algn="l" defTabSz="457200" rtl="0" eaLnBrk="1" latinLnBrk="0" hangingPunct="1">
+              <a:defRPr sz="1800" kern="1200">
+                <a:solidFill>
+                  <a:schemeClr val="lt1"/>
+                </a:solidFill>
+                <a:latin typeface="+mn-lt"/>
+                <a:ea typeface="+mn-ea"/>
+                <a:cs typeface="+mn-cs"/>
+              </a:defRPr>
+            </a:lvl9pPr>
+          </a:lstStyle>
+          <a:p>
+            <a:pPr algn="ctr" defTabSz="914400"/>
+            <a:r>
+              <a:rPr lang="en-US" sz="1600" dirty="0" smtClean="0">
+                <a:solidFill>
+                  <a:prstClr val="white"/>
+                </a:solidFill>
+                <a:latin typeface="Calibri" panose="020F0502020204030204" pitchFamily="34" charset="0"/>
+                <a:cs typeface="Calibri" panose="020F0502020204030204" pitchFamily="34" charset="0"/>
+              </a:rPr>
+              <a:t>Actuator</a:t>
+            </a:r>
+            <a:endParaRPr lang="en-US" sz="1600" dirty="0">
+              <a:solidFill>
+                <a:prstClr val="white"/>
+              </a:solidFill>
+              <a:latin typeface="Calibri" panose="020F0502020204030204" pitchFamily="34" charset="0"/>
+              <a:cs typeface="Calibri" panose="020F0502020204030204" pitchFamily="34" charset="0"/>
+            </a:endParaRPr>
+          </a:p>
+        </p:txBody>
+      </p:sp>
+      <p:sp>
+        <p:nvSpPr>
+          <p:cNvPr id="31" name="Rounded Rectangle 30"/>
+          <p:cNvSpPr/>
+          <p:nvPr/>
+        </p:nvSpPr>
+        <p:spPr>
+          <a:xfrm>
+            <a:off x="4890705" y="5065298"/>
+            <a:ext cx="197996" cy="802102"/>
+          </a:xfrm>
+          <a:prstGeom prst="roundRect">
+            <a:avLst/>
+          </a:prstGeom>
+          <a:gradFill flip="none" rotWithShape="1">
+            <a:gsLst>
+              <a:gs pos="0">
+                <a:schemeClr val="accent2">
+                  <a:tint val="66000"/>
+                  <a:satMod val="160000"/>
+                </a:schemeClr>
+              </a:gs>
+              <a:gs pos="50000">
+                <a:schemeClr val="accent2">
+                  <a:tint val="44500"/>
+                  <a:satMod val="160000"/>
+                </a:schemeClr>
+              </a:gs>
+              <a:gs pos="100000">
+                <a:schemeClr val="accent2">
+                  <a:tint val="23500"/>
+                  <a:satMod val="160000"/>
+                </a:schemeClr>
+              </a:gs>
+            </a:gsLst>
+            <a:path path="circle">
+              <a:fillToRect l="50000" t="50000" r="50000" b="50000"/>
+            </a:path>
+            <a:tileRect/>
+          </a:gradFill>
+          <a:ln>
+            <a:solidFill>
+              <a:srgbClr val="C00000"/>
+            </a:solidFill>
+            <a:prstDash val="sysDot"/>
+          </a:ln>
+        </p:spPr>
+        <p:style>
+          <a:lnRef idx="2">
+            <a:schemeClr val="accent1">
+              <a:shade val="50000"/>
+            </a:schemeClr>
+          </a:lnRef>
+          <a:fillRef idx="1">
+            <a:schemeClr val="accent1"/>
+          </a:fillRef>
+          <a:effectRef idx="0">
+            <a:schemeClr val="accent1"/>
+          </a:effectRef>
+          <a:fontRef idx="minor">
+            <a:schemeClr val="lt1"/>
+          </a:fontRef>
+        </p:style>
+        <p:txBody>
+          <a:bodyPr vert="vert" rtlCol="0" anchor="ctr"/>
+          <a:lstStyle/>
+          <a:p>
+            <a:pPr algn="ctr"/>
+            <a:r>
+              <a:rPr lang="en-US" sz="1200" dirty="0">
+                <a:solidFill>
+                  <a:schemeClr val="tx1"/>
+                </a:solidFill>
+                <a:latin typeface="Calibri" panose="020F0502020204030204" pitchFamily="34" charset="0"/>
+                <a:cs typeface="Calibri" panose="020F0502020204030204" pitchFamily="34" charset="0"/>
+              </a:rPr>
+              <a:t>Consumer</a:t>
+            </a:r>
+            <a:endParaRPr lang="en-US" sz="1200" dirty="0">
+              <a:solidFill>
+                <a:schemeClr val="tx1"/>
+              </a:solidFill>
+              <a:latin typeface="Calibri" panose="020F0502020204030204" pitchFamily="34" charset="0"/>
+              <a:cs typeface="Calibri" panose="020F0502020204030204" pitchFamily="34" charset="0"/>
+            </a:endParaRPr>
+          </a:p>
+        </p:txBody>
+      </p:sp>
+      <p:sp>
+        <p:nvSpPr>
+          <p:cNvPr id="8" name="Freeform 7"/>
+          <p:cNvSpPr/>
+          <p:nvPr/>
+        </p:nvSpPr>
+        <p:spPr>
+          <a:xfrm>
+            <a:off x="3752850" y="3267075"/>
+            <a:ext cx="3067050" cy="1785334"/>
+          </a:xfrm>
+          <a:custGeom>
+            <a:avLst/>
+            <a:gdLst>
+              <a:gd name="connsiteX0" fmla="*/ 3067050 w 3068083"/>
+              <a:gd name="connsiteY0" fmla="*/ 0 h 1724025"/>
+              <a:gd name="connsiteX1" fmla="*/ 2676525 w 3068083"/>
+              <a:gd name="connsiteY1" fmla="*/ 504825 h 1724025"/>
+              <a:gd name="connsiteX2" fmla="*/ 666750 w 3068083"/>
+              <a:gd name="connsiteY2" fmla="*/ 1104900 h 1724025"/>
+              <a:gd name="connsiteX3" fmla="*/ 0 w 3068083"/>
+              <a:gd name="connsiteY3" fmla="*/ 1724025 h 1724025"/>
+              <a:gd name="connsiteX4" fmla="*/ 0 w 3068083"/>
+              <a:gd name="connsiteY4" fmla="*/ 1724025 h 1724025"/>
+              <a:gd name="connsiteX0" fmla="*/ 3067050 w 3067050"/>
+              <a:gd name="connsiteY0" fmla="*/ 0 h 1724025"/>
+              <a:gd name="connsiteX1" fmla="*/ 2676525 w 3067050"/>
+              <a:gd name="connsiteY1" fmla="*/ 504825 h 1724025"/>
+              <a:gd name="connsiteX2" fmla="*/ 666750 w 3067050"/>
+              <a:gd name="connsiteY2" fmla="*/ 1104900 h 1724025"/>
+              <a:gd name="connsiteX3" fmla="*/ 0 w 3067050"/>
+              <a:gd name="connsiteY3" fmla="*/ 1724025 h 1724025"/>
+              <a:gd name="connsiteX4" fmla="*/ 0 w 3067050"/>
+              <a:gd name="connsiteY4" fmla="*/ 1724025 h 1724025"/>
+              <a:gd name="connsiteX0" fmla="*/ 3067050 w 3067050"/>
+              <a:gd name="connsiteY0" fmla="*/ 0 h 1724025"/>
+              <a:gd name="connsiteX1" fmla="*/ 2676525 w 3067050"/>
+              <a:gd name="connsiteY1" fmla="*/ 504825 h 1724025"/>
+              <a:gd name="connsiteX2" fmla="*/ 666750 w 3067050"/>
+              <a:gd name="connsiteY2" fmla="*/ 1104900 h 1724025"/>
+              <a:gd name="connsiteX3" fmla="*/ 0 w 3067050"/>
+              <a:gd name="connsiteY3" fmla="*/ 1724025 h 1724025"/>
+              <a:gd name="connsiteX4" fmla="*/ 0 w 3067050"/>
+              <a:gd name="connsiteY4" fmla="*/ 1724025 h 1724025"/>
+              <a:gd name="connsiteX0" fmla="*/ 3067050 w 3067050"/>
+              <a:gd name="connsiteY0" fmla="*/ 0 h 1724025"/>
+              <a:gd name="connsiteX1" fmla="*/ 2676525 w 3067050"/>
+              <a:gd name="connsiteY1" fmla="*/ 504825 h 1724025"/>
+              <a:gd name="connsiteX2" fmla="*/ 666750 w 3067050"/>
+              <a:gd name="connsiteY2" fmla="*/ 1104900 h 1724025"/>
+              <a:gd name="connsiteX3" fmla="*/ 0 w 3067050"/>
+              <a:gd name="connsiteY3" fmla="*/ 1724025 h 1724025"/>
+              <a:gd name="connsiteX4" fmla="*/ 0 w 3067050"/>
+              <a:gd name="connsiteY4" fmla="*/ 1724025 h 1724025"/>
+            </a:gdLst>
+            <a:ahLst/>
+            <a:cxnLst>
+              <a:cxn ang="0">
+                <a:pos x="connsiteX0" y="connsiteY0"/>
+              </a:cxn>
+              <a:cxn ang="0">
+                <a:pos x="connsiteX1" y="connsiteY1"/>
+              </a:cxn>
+              <a:cxn ang="0">
+                <a:pos x="connsiteX2" y="connsiteY2"/>
+              </a:cxn>
+              <a:cxn ang="0">
+                <a:pos x="connsiteX3" y="connsiteY3"/>
+              </a:cxn>
+              <a:cxn ang="0">
+                <a:pos x="connsiteX4" y="connsiteY4"/>
+              </a:cxn>
+            </a:cxnLst>
+            <a:rect l="l" t="t" r="r" b="b"/>
+            <a:pathLst>
+              <a:path w="3067050" h="1724025">
+                <a:moveTo>
+                  <a:pt x="3067050" y="0"/>
+                </a:moveTo>
+                <a:cubicBezTo>
+                  <a:pt x="3057524" y="123546"/>
+                  <a:pt x="3076575" y="320675"/>
+                  <a:pt x="2676525" y="504825"/>
+                </a:cubicBezTo>
+                <a:cubicBezTo>
+                  <a:pt x="2276475" y="688975"/>
+                  <a:pt x="1112838" y="901700"/>
+                  <a:pt x="666750" y="1104900"/>
+                </a:cubicBezTo>
+                <a:cubicBezTo>
+                  <a:pt x="220662" y="1308100"/>
+                  <a:pt x="0" y="1724025"/>
+                  <a:pt x="0" y="1724025"/>
+                </a:cubicBezTo>
+                <a:lnTo>
+                  <a:pt x="0" y="1724025"/>
+                </a:lnTo>
+              </a:path>
+            </a:pathLst>
+          </a:custGeom>
+          <a:noFill/>
+          <a:ln w="38100">
+            <a:solidFill>
+              <a:schemeClr val="accent3"/>
+            </a:solidFill>
+            <a:headEnd type="none" w="med" len="med"/>
+            <a:tailEnd type="arrow" w="med" len="med"/>
+          </a:ln>
+        </p:spPr>
+        <p:style>
+          <a:lnRef idx="2">
+            <a:schemeClr val="accent1">
+              <a:shade val="50000"/>
+            </a:schemeClr>
+          </a:lnRef>
+          <a:fillRef idx="1">
+            <a:schemeClr val="accent1"/>
+          </a:fillRef>
+          <a:effectRef idx="0">
+            <a:schemeClr val="accent1"/>
+          </a:effectRef>
+          <a:fontRef idx="minor">
+            <a:schemeClr val="lt1"/>
+          </a:fontRef>
+        </p:style>
+        <p:txBody>
+          <a:bodyPr rtlCol="0" anchor="ctr"/>
+          <a:lstStyle/>
+          <a:p>
+            <a:pPr algn="ctr"/>
+            <a:endParaRPr lang="en-US"/>
+          </a:p>
+        </p:txBody>
+      </p:sp>
+      <p:sp>
+        <p:nvSpPr>
+          <p:cNvPr id="9" name="Freeform 8"/>
+          <p:cNvSpPr/>
+          <p:nvPr/>
+        </p:nvSpPr>
+        <p:spPr>
+          <a:xfrm>
+            <a:off x="5019676" y="4029073"/>
+            <a:ext cx="661236" cy="995363"/>
+          </a:xfrm>
+          <a:custGeom>
+            <a:avLst/>
+            <a:gdLst>
+              <a:gd name="connsiteX0" fmla="*/ 923925 w 923925"/>
+              <a:gd name="connsiteY0" fmla="*/ 0 h 1047750"/>
+              <a:gd name="connsiteX1" fmla="*/ 323850 w 923925"/>
+              <a:gd name="connsiteY1" fmla="*/ 228600 h 1047750"/>
+              <a:gd name="connsiteX2" fmla="*/ 0 w 923925"/>
+              <a:gd name="connsiteY2" fmla="*/ 1047750 h 1047750"/>
+              <a:gd name="connsiteX3" fmla="*/ 0 w 923925"/>
+              <a:gd name="connsiteY3" fmla="*/ 1047750 h 1047750"/>
+              <a:gd name="connsiteX0" fmla="*/ 923925 w 923925"/>
+              <a:gd name="connsiteY0" fmla="*/ 0 h 1057825"/>
+              <a:gd name="connsiteX1" fmla="*/ 323850 w 923925"/>
+              <a:gd name="connsiteY1" fmla="*/ 238675 h 1057825"/>
+              <a:gd name="connsiteX2" fmla="*/ 0 w 923925"/>
+              <a:gd name="connsiteY2" fmla="*/ 1057825 h 1057825"/>
+              <a:gd name="connsiteX3" fmla="*/ 0 w 923925"/>
+              <a:gd name="connsiteY3" fmla="*/ 1057825 h 1057825"/>
+              <a:gd name="connsiteX0" fmla="*/ 923925 w 923925"/>
+              <a:gd name="connsiteY0" fmla="*/ 0 h 1057825"/>
+              <a:gd name="connsiteX1" fmla="*/ 323850 w 923925"/>
+              <a:gd name="connsiteY1" fmla="*/ 238675 h 1057825"/>
+              <a:gd name="connsiteX2" fmla="*/ 0 w 923925"/>
+              <a:gd name="connsiteY2" fmla="*/ 1057825 h 1057825"/>
+              <a:gd name="connsiteX3" fmla="*/ 0 w 923925"/>
+              <a:gd name="connsiteY3" fmla="*/ 1057825 h 1057825"/>
+              <a:gd name="connsiteX0" fmla="*/ 923925 w 923925"/>
+              <a:gd name="connsiteY0" fmla="*/ 0 h 1057825"/>
+              <a:gd name="connsiteX1" fmla="*/ 323850 w 923925"/>
+              <a:gd name="connsiteY1" fmla="*/ 238675 h 1057825"/>
+              <a:gd name="connsiteX2" fmla="*/ 0 w 923925"/>
+              <a:gd name="connsiteY2" fmla="*/ 1057825 h 1057825"/>
+              <a:gd name="connsiteX3" fmla="*/ 0 w 923925"/>
+              <a:gd name="connsiteY3" fmla="*/ 1057825 h 1057825"/>
+              <a:gd name="connsiteX0" fmla="*/ 927252 w 927252"/>
+              <a:gd name="connsiteY0" fmla="*/ 0 h 1050270"/>
+              <a:gd name="connsiteX1" fmla="*/ 323850 w 927252"/>
+              <a:gd name="connsiteY1" fmla="*/ 231120 h 1050270"/>
+              <a:gd name="connsiteX2" fmla="*/ 0 w 927252"/>
+              <a:gd name="connsiteY2" fmla="*/ 1050270 h 1050270"/>
+              <a:gd name="connsiteX3" fmla="*/ 0 w 927252"/>
+              <a:gd name="connsiteY3" fmla="*/ 1050270 h 1050270"/>
+              <a:gd name="connsiteX0" fmla="*/ 923925 w 923925"/>
+              <a:gd name="connsiteY0" fmla="*/ 0 h 1052788"/>
+              <a:gd name="connsiteX1" fmla="*/ 323850 w 923925"/>
+              <a:gd name="connsiteY1" fmla="*/ 233638 h 1052788"/>
+              <a:gd name="connsiteX2" fmla="*/ 0 w 923925"/>
+              <a:gd name="connsiteY2" fmla="*/ 1052788 h 1052788"/>
+              <a:gd name="connsiteX3" fmla="*/ 0 w 923925"/>
+              <a:gd name="connsiteY3" fmla="*/ 1052788 h 1052788"/>
+              <a:gd name="connsiteX0" fmla="*/ 923925 w 923925"/>
+              <a:gd name="connsiteY0" fmla="*/ 0 h 1052788"/>
+              <a:gd name="connsiteX1" fmla="*/ 323850 w 923925"/>
+              <a:gd name="connsiteY1" fmla="*/ 233638 h 1052788"/>
+              <a:gd name="connsiteX2" fmla="*/ 0 w 923925"/>
+              <a:gd name="connsiteY2" fmla="*/ 1052788 h 1052788"/>
+              <a:gd name="connsiteX3" fmla="*/ 0 w 923925"/>
+              <a:gd name="connsiteY3" fmla="*/ 1052788 h 1052788"/>
+              <a:gd name="connsiteX0" fmla="*/ 923925 w 923925"/>
+              <a:gd name="connsiteY0" fmla="*/ 0 h 1052788"/>
+              <a:gd name="connsiteX1" fmla="*/ 323850 w 923925"/>
+              <a:gd name="connsiteY1" fmla="*/ 233638 h 1052788"/>
+              <a:gd name="connsiteX2" fmla="*/ 0 w 923925"/>
+              <a:gd name="connsiteY2" fmla="*/ 1052788 h 1052788"/>
+              <a:gd name="connsiteX3" fmla="*/ 0 w 923925"/>
+              <a:gd name="connsiteY3" fmla="*/ 1052788 h 1052788"/>
+            </a:gdLst>
+            <a:ahLst/>
+            <a:cxnLst>
+              <a:cxn ang="0">
+                <a:pos x="connsiteX0" y="connsiteY0"/>
+              </a:cxn>
+              <a:cxn ang="0">
+                <a:pos x="connsiteX1" y="connsiteY1"/>
+              </a:cxn>
+              <a:cxn ang="0">
+                <a:pos x="connsiteX2" y="connsiteY2"/>
+              </a:cxn>
+              <a:cxn ang="0">
+                <a:pos x="connsiteX3" y="connsiteY3"/>
+              </a:cxn>
+            </a:cxnLst>
+            <a:rect l="l" t="t" r="r" b="b"/>
+            <a:pathLst>
+              <a:path w="923925" h="1052788">
+                <a:moveTo>
+                  <a:pt x="923925" y="0"/>
+                </a:moveTo>
+                <a:cubicBezTo>
+                  <a:pt x="830643" y="24470"/>
+                  <a:pt x="477837" y="58173"/>
+                  <a:pt x="323850" y="233638"/>
+                </a:cubicBezTo>
+                <a:cubicBezTo>
+                  <a:pt x="169863" y="409103"/>
+                  <a:pt x="0" y="1052788"/>
+                  <a:pt x="0" y="1052788"/>
+                </a:cubicBezTo>
+                <a:lnTo>
+                  <a:pt x="0" y="1052788"/>
+                </a:lnTo>
+              </a:path>
+            </a:pathLst>
+          </a:custGeom>
+          <a:noFill/>
+          <a:ln w="38100">
+            <a:solidFill>
+              <a:schemeClr val="accent3"/>
+            </a:solidFill>
+            <a:headEnd type="none" w="med" len="med"/>
+            <a:tailEnd type="arrow" w="med" len="med"/>
+          </a:ln>
+        </p:spPr>
+        <p:style>
+          <a:lnRef idx="2">
+            <a:schemeClr val="accent1">
+              <a:shade val="50000"/>
+            </a:schemeClr>
+          </a:lnRef>
+          <a:fillRef idx="1">
+            <a:schemeClr val="accent1"/>
+          </a:fillRef>
+          <a:effectRef idx="0">
+            <a:schemeClr val="accent1"/>
+          </a:effectRef>
+          <a:fontRef idx="minor">
+            <a:schemeClr val="lt1"/>
+          </a:fontRef>
+        </p:style>
+        <p:txBody>
+          <a:bodyPr rtlCol="0" anchor="ctr"/>
+          <a:lstStyle/>
+          <a:p>
+            <a:pPr algn="ctr"/>
+            <a:endParaRPr lang="en-US"/>
+          </a:p>
+        </p:txBody>
+      </p:sp>
+      <p:sp>
+        <p:nvSpPr>
+          <p:cNvPr id="36" name="TextBox 35"/>
+          <p:cNvSpPr txBox="1"/>
+          <p:nvPr/>
+        </p:nvSpPr>
+        <p:spPr>
+          <a:xfrm>
+            <a:off x="4419600" y="4338935"/>
+            <a:ext cx="762000" cy="461665"/>
+          </a:xfrm>
+          <a:prstGeom prst="rect">
+            <a:avLst/>
+          </a:prstGeom>
+          <a:noFill/>
+        </p:spPr>
+        <p:txBody>
+          <a:bodyPr wrap="square" rtlCol="0">
+            <a:spAutoFit/>
+          </a:bodyPr>
+          <a:lstStyle/>
+          <a:p>
+            <a:r>
+              <a:rPr lang="en-US" sz="1200" i="1" dirty="0" smtClean="0">
+                <a:latin typeface="Calibri" panose="020F0502020204030204" pitchFamily="34" charset="0"/>
+                <a:cs typeface="Calibri" panose="020F0502020204030204" pitchFamily="34" charset="0"/>
+              </a:rPr>
+              <a:t>Dynamic Load</a:t>
+            </a:r>
+            <a:endParaRPr lang="en-US" sz="1200" i="1" dirty="0">
+              <a:latin typeface="Calibri" panose="020F0502020204030204" pitchFamily="34" charset="0"/>
+              <a:cs typeface="Calibri" panose="020F0502020204030204" pitchFamily="34" charset="0"/>
+            </a:endParaRPr>
+          </a:p>
+        </p:txBody>
+      </p:sp>
+      <p:sp>
+        <p:nvSpPr>
+          <p:cNvPr id="37" name="TextBox 36"/>
+          <p:cNvSpPr txBox="1"/>
+          <p:nvPr/>
+        </p:nvSpPr>
+        <p:spPr>
+          <a:xfrm>
+            <a:off x="4038600" y="5634335"/>
+            <a:ext cx="762000" cy="461665"/>
+          </a:xfrm>
+          <a:prstGeom prst="rect">
+            <a:avLst/>
+          </a:prstGeom>
+          <a:noFill/>
+        </p:spPr>
+        <p:txBody>
+          <a:bodyPr wrap="square" rtlCol="0">
+            <a:spAutoFit/>
+          </a:bodyPr>
+          <a:lstStyle/>
+          <a:p>
+            <a:r>
+              <a:rPr lang="en-US" sz="1200" i="1" dirty="0" smtClean="0">
+                <a:latin typeface="Calibri" panose="020F0502020204030204" pitchFamily="34" charset="0"/>
+                <a:cs typeface="Calibri" panose="020F0502020204030204" pitchFamily="34" charset="0"/>
+              </a:rPr>
+              <a:t>JSON or Binary</a:t>
+            </a:r>
+            <a:endParaRPr lang="en-US" sz="1200" i="1" dirty="0">
+              <a:latin typeface="Calibri" panose="020F0502020204030204" pitchFamily="34" charset="0"/>
+              <a:cs typeface="Calibri" panose="020F0502020204030204" pitchFamily="34" charset="0"/>
+            </a:endParaRPr>
+          </a:p>
+        </p:txBody>
+      </p:sp>
     </p:spTree>
     <p:extLst>
       <p:ext uri="{BB962C8B-B14F-4D97-AF65-F5344CB8AC3E}">
@@ -12319,11 +13465,7 @@
           <a:p>
             <a:r>
               <a:rPr lang="en-US" dirty="0" smtClean="0"/>
-              <a:t>Lessons </a:t>
-            </a:r>
-            <a:r>
-              <a:rPr lang="en-US" dirty="0" smtClean="0"/>
-              <a:t>Learned</a:t>
+              <a:t>Lessons Learned</a:t>
             </a:r>
             <a:endParaRPr lang="en-US" dirty="0"/>
           </a:p>
@@ -12372,27 +13514,14 @@
         <p:spPr/>
         <p:txBody>
           <a:bodyPr>
-            <a:normAutofit fontScale="92500" lnSpcReduction="10000"/>
+            <a:normAutofit fontScale="85000" lnSpcReduction="20000"/>
           </a:bodyPr>
           <a:lstStyle/>
           <a:p>
             <a:r>
               <a:rPr lang="en-US" dirty="0" smtClean="0"/>
-              <a:t>Distributed </a:t>
-            </a:r>
-            <a:r>
-              <a:rPr lang="en-US" dirty="0" smtClean="0"/>
-              <a:t>assignment </a:t>
-            </a:r>
-            <a:r>
-              <a:rPr lang="en-US" dirty="0" smtClean="0"/>
-              <a:t>(namespaces</a:t>
-            </a:r>
-            <a:r>
-              <a:rPr lang="en-US" dirty="0" smtClean="0"/>
-              <a:t>):</a:t>
-            </a:r>
-            <a:endParaRPr lang="en-US" dirty="0" smtClean="0"/>
+              <a:t>Distributed assignment (namespaces):</a:t>
+            </a:r>
           </a:p>
           <a:p>
             <a:pPr lvl="1"/>
@@ -12405,33 +13534,77 @@
             <a:pPr lvl="2"/>
             <a:r>
               <a:rPr lang="en-US" dirty="0" smtClean="0"/>
-              <a:t>Forced to roll our own to </a:t>
-            </a:r>
+              <a:t>Forced to roll our own to use both CybOX 2 and CybOX 3</a:t>
+            </a:r>
+          </a:p>
+          <a:p>
+            <a:pPr lvl="2"/>
             <a:r>
               <a:rPr lang="en-US" dirty="0" smtClean="0"/>
-              <a:t>use both </a:t>
+              <a:t>Need standardized </a:t>
             </a:r>
             <a:r>
               <a:rPr lang="en-US" dirty="0" smtClean="0"/>
-              <a:t>CybOX 2 and CybOX </a:t>
-            </a:r>
+              <a:t>namespace approach</a:t>
+            </a:r>
+            <a:endParaRPr lang="en-US" dirty="0" smtClean="0"/>
+          </a:p>
+          <a:p>
             <a:r>
               <a:rPr lang="en-US" dirty="0" smtClean="0"/>
-              <a:t>3</a:t>
+              <a:t>Balance between nesting and referencing:</a:t>
+            </a:r>
+          </a:p>
+          <a:p>
+            <a:pPr lvl="1"/>
+            <a:r>
+              <a:rPr lang="en-US" dirty="0" smtClean="0"/>
+              <a:t>STIX 1 allowed structures with unlimited nesting levels</a:t>
+            </a:r>
+          </a:p>
+          <a:p>
+            <a:pPr lvl="1"/>
+            <a:r>
+              <a:rPr lang="en-US" dirty="0" smtClean="0"/>
+              <a:t>STIX 2 (and CybOX 3) forbid nesting entirely</a:t>
             </a:r>
           </a:p>
           <a:p>
             <a:pPr lvl="2"/>
             <a:r>
               <a:rPr lang="en-US" dirty="0" smtClean="0"/>
-              <a:t>Need standardized ns conventions</a:t>
-            </a:r>
-            <a:endParaRPr lang="en-US" dirty="0" smtClean="0"/>
-          </a:p>
-          <a:p>
+              <a:t>Result: IP Address object uses a reference (pointer) to a MAC Address </a:t>
+            </a:r>
             <a:r>
               <a:rPr lang="en-US" dirty="0" smtClean="0"/>
-              <a:t>Balance between </a:t>
+              <a:t>object, Excessive </a:t>
+            </a:r>
+            <a:r>
+              <a:rPr lang="en-US" dirty="0" smtClean="0"/>
+              <a:t>message overhead for </a:t>
+            </a:r>
+            <a:r>
+              <a:rPr lang="en-US" dirty="0" smtClean="0"/>
+              <a:t>containers, References </a:t>
+            </a:r>
+            <a:r>
+              <a:rPr lang="en-US" dirty="0" smtClean="0"/>
+              <a:t>complicate message definition and validation</a:t>
+            </a:r>
+          </a:p>
+          <a:p>
+            <a:pPr lvl="2"/>
+            <a:r>
+              <a:rPr lang="en-US" dirty="0" smtClean="0"/>
+              <a:t>Everything </a:t>
+            </a:r>
+            <a:r>
+              <a:rPr lang="en-US" dirty="0" smtClean="0"/>
+              <a:t>in moderation – allow </a:t>
+            </a:r>
+            <a:r>
+              <a:rPr lang="en-US" dirty="0" smtClean="0"/>
+              <a:t>1-2 </a:t>
             </a:r>
             <a:r>
               <a:rPr lang="en-US" dirty="0" smtClean="0"/>
@@ -12439,54 +13612,34 @@
             </a:r>
             <a:r>
               <a:rPr lang="en-US" dirty="0" smtClean="0"/>
-              <a:t>and </a:t>
-            </a:r>
+              <a:t>levels, but not unlimited</a:t>
+            </a:r>
+          </a:p>
+          <a:p>
             <a:r>
               <a:rPr lang="en-US" dirty="0" smtClean="0"/>
-              <a:t>referencing:</a:t>
-            </a:r>
-            <a:endParaRPr lang="en-US" dirty="0" smtClean="0"/>
+              <a:t>Think Abstract!</a:t>
+            </a:r>
           </a:p>
           <a:p>
             <a:pPr lvl="1"/>
             <a:r>
               <a:rPr lang="en-US" dirty="0" smtClean="0"/>
-              <a:t>STIX 1 allowed structures with unlimited nesting levels</a:t>
-            </a:r>
-          </a:p>
-          <a:p>
-            <a:pPr lvl="1"/>
+              <a:t>Designers need names to understand data</a:t>
+            </a:r>
+          </a:p>
+          <a:p>
+            <a:pPr lvl="2"/>
             <a:r>
               <a:rPr lang="en-US" dirty="0" smtClean="0"/>
-              <a:t>STIX 2 (and CybOX 3) forbid nesting entirely</a:t>
+              <a:t>Result: Protocols designed at concrete level send names, wasting bandwidth</a:t>
             </a:r>
           </a:p>
           <a:p>
             <a:pPr lvl="2"/>
             <a:r>
               <a:rPr lang="en-US" dirty="0" smtClean="0"/>
-              <a:t>Result: IP Address object uses a reference (pointer) to a MAC Address object instead of directly including it</a:t>
-            </a:r>
-          </a:p>
-          <a:p>
-            <a:pPr lvl="2"/>
-            <a:r>
-              <a:rPr lang="en-US" dirty="0" smtClean="0"/>
-              <a:t>Result: excessive message overhead for containers</a:t>
-            </a:r>
-          </a:p>
-          <a:p>
-            <a:pPr lvl="2"/>
-            <a:r>
-              <a:rPr lang="en-US" dirty="0" smtClean="0"/>
-              <a:t>Result: references complicate message definition and validation</a:t>
-            </a:r>
-          </a:p>
-          <a:p>
-            <a:pPr lvl="2"/>
-            <a:r>
-              <a:rPr lang="en-US" dirty="0" smtClean="0"/>
-              <a:t>Recommendation: Everything in moderation – allow 1-2 nesting levels</a:t>
+              <a:t>Design at abstract level, implement using efficient concrete data</a:t>
             </a:r>
             <a:endParaRPr lang="en-US" dirty="0" smtClean="0"/>
           </a:p>
@@ -12502,6 +13655,13 @@
   <p:clrMapOvr>
     <a:masterClrMapping/>
   </p:clrMapOvr>
+  <p:timing>
+    <p:tnLst>
+      <p:par>
+        <p:cTn id="1" dur="indefinite" restart="never" nodeType="tmRoot"/>
+      </p:par>
+    </p:tnLst>
+  </p:timing>
 </p:sld>
 </file>
 
@@ -12590,7 +13750,77 @@
           <a:bodyPr/>
           <a:lstStyle/>
           <a:p>
-            <a:endParaRPr lang="en-US"/>
+            <a:r>
+              <a:rPr lang="en-US" dirty="0" smtClean="0"/>
+              <a:t>Initial Python codec release</a:t>
+            </a:r>
+          </a:p>
+          <a:p>
+            <a:pPr lvl="1"/>
+            <a:r>
+              <a:rPr lang="en-US" dirty="0" smtClean="0"/>
+              <a:t>Current code is incomplete, alpha level proof-of-concept</a:t>
+            </a:r>
+          </a:p>
+          <a:p>
+            <a:pPr lvl="2"/>
+            <a:r>
+              <a:rPr lang="en-US" dirty="0"/>
+              <a:t>Need JASN-based decoder</a:t>
+            </a:r>
+          </a:p>
+          <a:p>
+            <a:pPr lvl="2"/>
+            <a:r>
+              <a:rPr lang="en-US" dirty="0" smtClean="0"/>
+              <a:t>Need encoder methods</a:t>
+            </a:r>
+          </a:p>
+          <a:p>
+            <a:pPr lvl="2"/>
+            <a:r>
+              <a:rPr lang="en-US" dirty="0"/>
+              <a:t>Need CybOX 3 JASN definitions</a:t>
+            </a:r>
+          </a:p>
+          <a:p>
+            <a:pPr lvl="2"/>
+            <a:r>
+              <a:rPr lang="en-US" dirty="0" smtClean="0"/>
+              <a:t>Need concrete schema generator</a:t>
+            </a:r>
+          </a:p>
+          <a:p>
+            <a:pPr lvl="2"/>
+            <a:r>
+              <a:rPr lang="en-US" dirty="0"/>
+              <a:t>Need test suite</a:t>
+            </a:r>
+          </a:p>
+          <a:p>
+            <a:pPr lvl="2"/>
+            <a:r>
+              <a:rPr lang="en-US" dirty="0"/>
+              <a:t>Need </a:t>
+            </a:r>
+            <a:r>
+              <a:rPr lang="en-US" dirty="0" smtClean="0"/>
+              <a:t>documentation</a:t>
+            </a:r>
+          </a:p>
+          <a:p>
+            <a:pPr lvl="2"/>
+            <a:r>
+              <a:rPr lang="en-US" dirty="0" smtClean="0"/>
+              <a:t>Need …</a:t>
+            </a:r>
+          </a:p>
+          <a:p>
+            <a:r>
+              <a:rPr lang="en-US" dirty="0" smtClean="0"/>
+              <a:t>Socialize abstract design approach with CTI</a:t>
+            </a:r>
+            <a:endParaRPr lang="en-US" dirty="0"/>
           </a:p>
         </p:txBody>
       </p:sp>
@@ -13501,15 +14731,19 @@
           <a:p>
             <a:r>
               <a:rPr lang="en-US" dirty="0" smtClean="0"/>
-              <a:t>STIX, TAXII, </a:t>
-            </a:r>
-            <a:r>
-              <a:rPr lang="en-US" dirty="0" err="1" smtClean="0"/>
-              <a:t>CybOX</a:t>
+              <a:t>STIX, TAXII, CybOX </a:t>
             </a:r>
             <a:r>
               <a:rPr lang="en-US" dirty="0" smtClean="0"/>
-              <a:t> specified using Property Tables</a:t>
+              <a:t>are </a:t>
+            </a:r>
+            <a:r>
+              <a:rPr lang="en-US" dirty="0" smtClean="0"/>
+              <a:t>specified in </a:t>
+            </a:r>
+            <a:r>
+              <a:rPr lang="en-US" dirty="0" smtClean="0"/>
+              <a:t>Property Tables</a:t>
             </a:r>
           </a:p>
           <a:p>
@@ -13558,8 +14792,12 @@
           <a:p>
             <a:pPr lvl="2"/>
             <a:r>
+              <a:rPr lang="en-US" dirty="0" smtClean="0"/>
+              <a:t>Cannot </a:t>
+            </a:r>
+            <a:r>
               <a:rPr lang="en-US" dirty="0"/>
-              <a:t>Free-form text, cannot be machine parsed, validated, or </a:t>
+              <a:t>be machine parsed, validated, or </a:t>
             </a:r>
             <a:r>
               <a:rPr lang="en-US" dirty="0" smtClean="0"/>
@@ -13860,6 +15098,10 @@
           </p:nvPr>
         </p:nvSpPr>
         <p:spPr>
+          <a:xfrm>
+            <a:off x="612648" y="1676400"/>
+            <a:ext cx="8153400" cy="4495800"/>
+          </a:xfrm>
           <a:ln>
             <a:solidFill>
               <a:schemeClr val="accent5"/>
@@ -13954,8 +15196,21 @@
               <a:rPr lang="en-US" dirty="0" smtClean="0">
                 <a:latin typeface="Calibri" panose="020F0502020204030204" pitchFamily="34" charset="0"/>
               </a:rPr>
-              <a:t>Verbose JSON</a:t>
-            </a:r>
+              <a:t>JSON (multiple dialects)</a:t>
+            </a:r>
+            <a:endParaRPr lang="en-US" dirty="0" smtClean="0">
+              <a:latin typeface="Calibri" panose="020F0502020204030204" pitchFamily="34" charset="0"/>
+            </a:endParaRPr>
+          </a:p>
+          <a:p>
+            <a:pPr lvl="3"/>
+            <a:r>
+              <a:rPr lang="en-US" dirty="0" smtClean="0"/>
+              <a:t>XML</a:t>
+            </a:r>
+            <a:endParaRPr lang="en-US" dirty="0" smtClean="0">
+              <a:latin typeface="Calibri" panose="020F0502020204030204" pitchFamily="34" charset="0"/>
+            </a:endParaRPr>
           </a:p>
           <a:p>
             <a:pPr lvl="3"/>
@@ -13963,17 +15218,11 @@
               <a:rPr lang="en-US" dirty="0" smtClean="0">
                 <a:latin typeface="Calibri" panose="020F0502020204030204" pitchFamily="34" charset="0"/>
               </a:rPr>
-              <a:t>Concise JSON</a:t>
-            </a:r>
-          </a:p>
-          <a:p>
-            <a:pPr lvl="3"/>
-            <a:r>
-              <a:rPr lang="en-US" dirty="0" smtClean="0">
-                <a:latin typeface="Calibri" panose="020F0502020204030204" pitchFamily="34" charset="0"/>
-              </a:rPr>
-              <a:t>Minimized JSON</a:t>
-            </a:r>
+              <a:t>Binary</a:t>
+            </a:r>
+            <a:endParaRPr lang="en-US" dirty="0" smtClean="0">
+              <a:latin typeface="Calibri" panose="020F0502020204030204" pitchFamily="34" charset="0"/>
+            </a:endParaRPr>
           </a:p>
           <a:p>
             <a:pPr lvl="1"/>
@@ -14720,7 +15969,12 @@
             <p:ph sz="quarter" idx="1"/>
           </p:nvPr>
         </p:nvSpPr>
-        <p:spPr/>
+        <p:spPr>
+          <a:xfrm>
+            <a:off x="612648" y="1676400"/>
+            <a:ext cx="8153400" cy="4495800"/>
+          </a:xfrm>
+        </p:spPr>
         <p:txBody>
           <a:bodyPr>
             <a:normAutofit fontScale="92500" lnSpcReduction="20000"/>
@@ -15674,13 +16928,8 @@
             <a:pPr lvl="1"/>
             <a:r>
               <a:rPr lang="en-US" sz="1600" dirty="0" smtClean="0"/>
-              <a:t>Namespace needed to identify </a:t>
-            </a:r>
-            <a:r>
-              <a:rPr lang="en-US" sz="1600" dirty="0" smtClean="0"/>
-              <a:t>registry</a:t>
-            </a:r>
-            <a:endParaRPr lang="en-US" sz="1600" dirty="0" smtClean="0"/>
+              <a:t>Namespace needed to identify registry</a:t>
+            </a:r>
           </a:p>
         </p:txBody>
       </p:sp>
